--- a/luennot/viikko01/Luentokalvot_01.pptx
+++ b/luennot/viikko01/Luentokalvot_01.pptx
@@ -1,27 +1,122 @@
 
 <file path=ppt/presentation.xml><?xml version="1.0" encoding="utf-8"?>
-<p:presentation xmlns:a="http://schemas.openxmlformats.org/drawingml/2006/main" xmlns:p="http://schemas.openxmlformats.org/presentationml/2006/main" xmlns:r="http://schemas.openxmlformats.org/officeDocument/2006/relationships" xmlns:p14="http://schemas.microsoft.com/office/powerpoint/2010/main" xmlns:p15="http://schemas.microsoft.com/office/powerpoint/2012/main" xmlns:mc="http://schemas.openxmlformats.org/markup-compatibility/2006">
+<p:presentation xmlns:a="http://schemas.openxmlformats.org/drawingml/2006/main" xmlns:r="http://schemas.openxmlformats.org/officeDocument/2006/relationships" xmlns:p="http://schemas.openxmlformats.org/presentationml/2006/main">
   <p:sldMasterIdLst>
-    <p:sldMasterId id="2147483648" r:id="rId2"/>
-    <p:sldMasterId id="2147483661" r:id="rId3"/>
-    <p:sldMasterId id="2147483674" r:id="rId4"/>
-    <p:sldMasterId id="2147483687" r:id="rId5"/>
-    <p:sldMasterId id="2147483700" r:id="rId6"/>
-    <p:sldMasterId id="2147483713" r:id="rId7"/>
+    <p:sldMasterId id="2147483648" r:id="rId1"/>
+    <p:sldMasterId id="2147483661" r:id="rId2"/>
+    <p:sldMasterId id="2147483674" r:id="rId3"/>
+    <p:sldMasterId id="2147483687" r:id="rId4"/>
+    <p:sldMasterId id="2147483700" r:id="rId5"/>
+    <p:sldMasterId id="2147483713" r:id="rId6"/>
   </p:sldMasterIdLst>
   <p:sldIdLst>
-    <p:sldId id="256" r:id="rId8"/>
-    <p:sldId id="257" r:id="rId9"/>
-    <p:sldId id="258" r:id="rId10"/>
-    <p:sldId id="259" r:id="rId11"/>
+    <p:sldId id="256" r:id="rId7"/>
+    <p:sldId id="257" r:id="rId8"/>
+    <p:sldId id="258" r:id="rId9"/>
+    <p:sldId id="259" r:id="rId10"/>
   </p:sldIdLst>
-  <p:sldSz cx="10080625" cy="6300787"/>
-  <p:notesSz cx="7559675" cy="10691812"/>
+  <p:sldSz cx="10080625" cy="6300788"/>
+  <p:notesSz cx="7559675" cy="10691813"/>
+  <p:defaultTextStyle>
+    <a:defPPr>
+      <a:defRPr lang="fi-FI"/>
+    </a:defPPr>
+    <a:lvl1pPr marL="0" algn="l" defTabSz="914400" rtl="0" eaLnBrk="1" latinLnBrk="0" hangingPunct="1">
+      <a:defRPr sz="1800" kern="1200">
+        <a:solidFill>
+          <a:schemeClr val="tx1"/>
+        </a:solidFill>
+        <a:latin typeface="+mn-lt"/>
+        <a:ea typeface="+mn-ea"/>
+        <a:cs typeface="+mn-cs"/>
+      </a:defRPr>
+    </a:lvl1pPr>
+    <a:lvl2pPr marL="457200" algn="l" defTabSz="914400" rtl="0" eaLnBrk="1" latinLnBrk="0" hangingPunct="1">
+      <a:defRPr sz="1800" kern="1200">
+        <a:solidFill>
+          <a:schemeClr val="tx1"/>
+        </a:solidFill>
+        <a:latin typeface="+mn-lt"/>
+        <a:ea typeface="+mn-ea"/>
+        <a:cs typeface="+mn-cs"/>
+      </a:defRPr>
+    </a:lvl2pPr>
+    <a:lvl3pPr marL="914400" algn="l" defTabSz="914400" rtl="0" eaLnBrk="1" latinLnBrk="0" hangingPunct="1">
+      <a:defRPr sz="1800" kern="1200">
+        <a:solidFill>
+          <a:schemeClr val="tx1"/>
+        </a:solidFill>
+        <a:latin typeface="+mn-lt"/>
+        <a:ea typeface="+mn-ea"/>
+        <a:cs typeface="+mn-cs"/>
+      </a:defRPr>
+    </a:lvl3pPr>
+    <a:lvl4pPr marL="1371600" algn="l" defTabSz="914400" rtl="0" eaLnBrk="1" latinLnBrk="0" hangingPunct="1">
+      <a:defRPr sz="1800" kern="1200">
+        <a:solidFill>
+          <a:schemeClr val="tx1"/>
+        </a:solidFill>
+        <a:latin typeface="+mn-lt"/>
+        <a:ea typeface="+mn-ea"/>
+        <a:cs typeface="+mn-cs"/>
+      </a:defRPr>
+    </a:lvl4pPr>
+    <a:lvl5pPr marL="1828800" algn="l" defTabSz="914400" rtl="0" eaLnBrk="1" latinLnBrk="0" hangingPunct="1">
+      <a:defRPr sz="1800" kern="1200">
+        <a:solidFill>
+          <a:schemeClr val="tx1"/>
+        </a:solidFill>
+        <a:latin typeface="+mn-lt"/>
+        <a:ea typeface="+mn-ea"/>
+        <a:cs typeface="+mn-cs"/>
+      </a:defRPr>
+    </a:lvl5pPr>
+    <a:lvl6pPr marL="2286000" algn="l" defTabSz="914400" rtl="0" eaLnBrk="1" latinLnBrk="0" hangingPunct="1">
+      <a:defRPr sz="1800" kern="1200">
+        <a:solidFill>
+          <a:schemeClr val="tx1"/>
+        </a:solidFill>
+        <a:latin typeface="+mn-lt"/>
+        <a:ea typeface="+mn-ea"/>
+        <a:cs typeface="+mn-cs"/>
+      </a:defRPr>
+    </a:lvl6pPr>
+    <a:lvl7pPr marL="2743200" algn="l" defTabSz="914400" rtl="0" eaLnBrk="1" latinLnBrk="0" hangingPunct="1">
+      <a:defRPr sz="1800" kern="1200">
+        <a:solidFill>
+          <a:schemeClr val="tx1"/>
+        </a:solidFill>
+        <a:latin typeface="+mn-lt"/>
+        <a:ea typeface="+mn-ea"/>
+        <a:cs typeface="+mn-cs"/>
+      </a:defRPr>
+    </a:lvl7pPr>
+    <a:lvl8pPr marL="3200400" algn="l" defTabSz="914400" rtl="0" eaLnBrk="1" latinLnBrk="0" hangingPunct="1">
+      <a:defRPr sz="1800" kern="1200">
+        <a:solidFill>
+          <a:schemeClr val="tx1"/>
+        </a:solidFill>
+        <a:latin typeface="+mn-lt"/>
+        <a:ea typeface="+mn-ea"/>
+        <a:cs typeface="+mn-cs"/>
+      </a:defRPr>
+    </a:lvl8pPr>
+    <a:lvl9pPr marL="3657600" algn="l" defTabSz="914400" rtl="0" eaLnBrk="1" latinLnBrk="0" hangingPunct="1">
+      <a:defRPr sz="1800" kern="1200">
+        <a:solidFill>
+          <a:schemeClr val="tx1"/>
+        </a:solidFill>
+        <a:latin typeface="+mn-lt"/>
+        <a:ea typeface="+mn-ea"/>
+        <a:cs typeface="+mn-cs"/>
+      </a:defRPr>
+    </a:lvl9pPr>
+  </p:defaultTextStyle>
 </p:presentation>
 </file>
 
 <file path=ppt/slideLayouts/slideLayout1.xml><?xml version="1.0" encoding="utf-8"?>
-<p:sldLayout xmlns:a="http://schemas.openxmlformats.org/drawingml/2006/main" xmlns:p="http://schemas.openxmlformats.org/presentationml/2006/main" xmlns:r="http://schemas.openxmlformats.org/officeDocument/2006/relationships" xmlns:p14="http://schemas.microsoft.com/office/powerpoint/2010/main" xmlns:p15="http://schemas.microsoft.com/office/powerpoint/2012/main" xmlns:mc="http://schemas.openxmlformats.org/markup-compatibility/2006" type="blank" preserve="1">
+<p:sldLayout xmlns:a="http://schemas.openxmlformats.org/drawingml/2006/main" xmlns:r="http://schemas.openxmlformats.org/officeDocument/2006/relationships" xmlns:p="http://schemas.openxmlformats.org/presentationml/2006/main" type="blank" preserve="1">
   <p:cSld name="Blank Slide">
     <p:spTree>
       <p:nvGrpSpPr>
@@ -39,11 +134,14 @@
       </p:grpSpPr>
     </p:spTree>
   </p:cSld>
+  <p:clrMapOvr>
+    <a:masterClrMapping/>
+  </p:clrMapOvr>
 </p:sldLayout>
 </file>
 
 <file path=ppt/slideLayouts/slideLayout10.xml><?xml version="1.0" encoding="utf-8"?>
-<p:sldLayout xmlns:a="http://schemas.openxmlformats.org/drawingml/2006/main" xmlns:p="http://schemas.openxmlformats.org/presentationml/2006/main" xmlns:r="http://schemas.openxmlformats.org/officeDocument/2006/relationships" xmlns:p14="http://schemas.microsoft.com/office/powerpoint/2010/main" xmlns:p15="http://schemas.microsoft.com/office/powerpoint/2012/main" xmlns:mc="http://schemas.openxmlformats.org/markup-compatibility/2006" type="objOverTx" preserve="1">
+<p:sldLayout xmlns:a="http://schemas.openxmlformats.org/drawingml/2006/main" xmlns:r="http://schemas.openxmlformats.org/officeDocument/2006/relationships" xmlns:p="http://schemas.openxmlformats.org/presentationml/2006/main" type="objOverTx" preserve="1">
   <p:cSld name="Title, Content over Content">
     <p:spTree>
       <p:nvGrpSpPr>
@@ -79,11 +177,12 @@
           </a:prstGeom>
         </p:spPr>
         <p:txBody>
-          <a:bodyPr lIns="0" rIns="0" tIns="0" bIns="0" anchor="ctr">
+          <a:bodyPr lIns="0" tIns="0" rIns="0" bIns="0" anchor="ctr">
             <a:noAutofit/>
           </a:bodyPr>
-          <a:p>
-            <a:endParaRPr b="0" lang="en-FI" sz="1660" spc="-1" strike="noStrike">
+          <a:lstStyle/>
+          <a:p>
+            <a:endParaRPr lang="en-FI" sz="1660" b="0" strike="noStrike" spc="-1">
               <a:solidFill>
                 <a:srgbClr val="000000"/>
               </a:solidFill>
@@ -112,11 +211,12 @@
           </a:prstGeom>
         </p:spPr>
         <p:txBody>
-          <a:bodyPr lIns="0" rIns="0" tIns="0" bIns="0">
+          <a:bodyPr lIns="0" tIns="0" rIns="0" bIns="0">
             <a:normAutofit/>
           </a:bodyPr>
-          <a:p>
-            <a:endParaRPr b="0" lang="en-FI" sz="1660" spc="-1" strike="noStrike">
+          <a:lstStyle/>
+          <a:p>
+            <a:endParaRPr lang="en-FI" sz="1660" b="0" strike="noStrike" spc="-1">
               <a:solidFill>
                 <a:srgbClr val="000000"/>
               </a:solidFill>
@@ -145,11 +245,12 @@
           </a:prstGeom>
         </p:spPr>
         <p:txBody>
-          <a:bodyPr lIns="0" rIns="0" tIns="0" bIns="0">
+          <a:bodyPr lIns="0" tIns="0" rIns="0" bIns="0">
             <a:normAutofit/>
           </a:bodyPr>
-          <a:p>
-            <a:endParaRPr b="0" lang="en-FI" sz="1660" spc="-1" strike="noStrike">
+          <a:lstStyle/>
+          <a:p>
+            <a:endParaRPr lang="en-FI" sz="1660" b="0" strike="noStrike" spc="-1">
               <a:solidFill>
                 <a:srgbClr val="000000"/>
               </a:solidFill>
@@ -160,11 +261,14 @@
       </p:sp>
     </p:spTree>
   </p:cSld>
+  <p:clrMapOvr>
+    <a:masterClrMapping/>
+  </p:clrMapOvr>
 </p:sldLayout>
 </file>
 
 <file path=ppt/slideLayouts/slideLayout11.xml><?xml version="1.0" encoding="utf-8"?>
-<p:sldLayout xmlns:a="http://schemas.openxmlformats.org/drawingml/2006/main" xmlns:p="http://schemas.openxmlformats.org/presentationml/2006/main" xmlns:r="http://schemas.openxmlformats.org/officeDocument/2006/relationships" xmlns:p14="http://schemas.microsoft.com/office/powerpoint/2010/main" xmlns:p15="http://schemas.microsoft.com/office/powerpoint/2012/main" xmlns:mc="http://schemas.openxmlformats.org/markup-compatibility/2006" type="fourObj" preserve="1">
+<p:sldLayout xmlns:a="http://schemas.openxmlformats.org/drawingml/2006/main" xmlns:r="http://schemas.openxmlformats.org/officeDocument/2006/relationships" xmlns:p="http://schemas.openxmlformats.org/presentationml/2006/main" type="fourObj" preserve="1">
   <p:cSld name="Title, 4 Content">
     <p:spTree>
       <p:nvGrpSpPr>
@@ -200,11 +304,12 @@
           </a:prstGeom>
         </p:spPr>
         <p:txBody>
-          <a:bodyPr lIns="0" rIns="0" tIns="0" bIns="0" anchor="ctr">
+          <a:bodyPr lIns="0" tIns="0" rIns="0" bIns="0" anchor="ctr">
             <a:noAutofit/>
           </a:bodyPr>
-          <a:p>
-            <a:endParaRPr b="0" lang="en-FI" sz="1660" spc="-1" strike="noStrike">
+          <a:lstStyle/>
+          <a:p>
+            <a:endParaRPr lang="en-FI" sz="1660" b="0" strike="noStrike" spc="-1">
               <a:solidFill>
                 <a:srgbClr val="000000"/>
               </a:solidFill>
@@ -233,11 +338,12 @@
           </a:prstGeom>
         </p:spPr>
         <p:txBody>
-          <a:bodyPr lIns="0" rIns="0" tIns="0" bIns="0">
+          <a:bodyPr lIns="0" tIns="0" rIns="0" bIns="0">
             <a:normAutofit/>
           </a:bodyPr>
-          <a:p>
-            <a:endParaRPr b="0" lang="en-FI" sz="1660" spc="-1" strike="noStrike">
+          <a:lstStyle/>
+          <a:p>
+            <a:endParaRPr lang="en-FI" sz="1660" b="0" strike="noStrike" spc="-1">
               <a:solidFill>
                 <a:srgbClr val="000000"/>
               </a:solidFill>
@@ -266,11 +372,12 @@
           </a:prstGeom>
         </p:spPr>
         <p:txBody>
-          <a:bodyPr lIns="0" rIns="0" tIns="0" bIns="0">
+          <a:bodyPr lIns="0" tIns="0" rIns="0" bIns="0">
             <a:normAutofit/>
           </a:bodyPr>
-          <a:p>
-            <a:endParaRPr b="0" lang="en-FI" sz="1660" spc="-1" strike="noStrike">
+          <a:lstStyle/>
+          <a:p>
+            <a:endParaRPr lang="en-FI" sz="1660" b="0" strike="noStrike" spc="-1">
               <a:solidFill>
                 <a:srgbClr val="000000"/>
               </a:solidFill>
@@ -299,11 +406,12 @@
           </a:prstGeom>
         </p:spPr>
         <p:txBody>
-          <a:bodyPr lIns="0" rIns="0" tIns="0" bIns="0">
+          <a:bodyPr lIns="0" tIns="0" rIns="0" bIns="0">
             <a:normAutofit/>
           </a:bodyPr>
-          <a:p>
-            <a:endParaRPr b="0" lang="en-FI" sz="1660" spc="-1" strike="noStrike">
+          <a:lstStyle/>
+          <a:p>
+            <a:endParaRPr lang="en-FI" sz="1660" b="0" strike="noStrike" spc="-1">
               <a:solidFill>
                 <a:srgbClr val="000000"/>
               </a:solidFill>
@@ -332,11 +440,12 @@
           </a:prstGeom>
         </p:spPr>
         <p:txBody>
-          <a:bodyPr lIns="0" rIns="0" tIns="0" bIns="0">
+          <a:bodyPr lIns="0" tIns="0" rIns="0" bIns="0">
             <a:normAutofit/>
           </a:bodyPr>
-          <a:p>
-            <a:endParaRPr b="0" lang="en-FI" sz="1660" spc="-1" strike="noStrike">
+          <a:lstStyle/>
+          <a:p>
+            <a:endParaRPr lang="en-FI" sz="1660" b="0" strike="noStrike" spc="-1">
               <a:solidFill>
                 <a:srgbClr val="000000"/>
               </a:solidFill>
@@ -347,11 +456,14 @@
       </p:sp>
     </p:spTree>
   </p:cSld>
+  <p:clrMapOvr>
+    <a:masterClrMapping/>
+  </p:clrMapOvr>
 </p:sldLayout>
 </file>
 
 <file path=ppt/slideLayouts/slideLayout12.xml><?xml version="1.0" encoding="utf-8"?>
-<p:sldLayout xmlns:a="http://schemas.openxmlformats.org/drawingml/2006/main" xmlns:p="http://schemas.openxmlformats.org/presentationml/2006/main" xmlns:r="http://schemas.openxmlformats.org/officeDocument/2006/relationships" xmlns:p14="http://schemas.microsoft.com/office/powerpoint/2010/main" xmlns:p15="http://schemas.microsoft.com/office/powerpoint/2012/main" xmlns:mc="http://schemas.openxmlformats.org/markup-compatibility/2006" type="blank" preserve="1">
+<p:sldLayout xmlns:a="http://schemas.openxmlformats.org/drawingml/2006/main" xmlns:r="http://schemas.openxmlformats.org/officeDocument/2006/relationships" xmlns:p="http://schemas.openxmlformats.org/presentationml/2006/main" type="blank" preserve="1">
   <p:cSld name="Title, 6 Content">
     <p:spTree>
       <p:nvGrpSpPr>
@@ -387,11 +499,12 @@
           </a:prstGeom>
         </p:spPr>
         <p:txBody>
-          <a:bodyPr lIns="0" rIns="0" tIns="0" bIns="0" anchor="ctr">
+          <a:bodyPr lIns="0" tIns="0" rIns="0" bIns="0" anchor="ctr">
             <a:noAutofit/>
           </a:bodyPr>
-          <a:p>
-            <a:endParaRPr b="0" lang="en-FI" sz="1660" spc="-1" strike="noStrike">
+          <a:lstStyle/>
+          <a:p>
+            <a:endParaRPr lang="en-FI" sz="1660" b="0" strike="noStrike" spc="-1">
               <a:solidFill>
                 <a:srgbClr val="000000"/>
               </a:solidFill>
@@ -420,11 +533,12 @@
           </a:prstGeom>
         </p:spPr>
         <p:txBody>
-          <a:bodyPr lIns="0" rIns="0" tIns="0" bIns="0">
+          <a:bodyPr lIns="0" tIns="0" rIns="0" bIns="0">
             <a:normAutofit fontScale="80000"/>
           </a:bodyPr>
-          <a:p>
-            <a:endParaRPr b="0" lang="en-FI" sz="1660" spc="-1" strike="noStrike">
+          <a:lstStyle/>
+          <a:p>
+            <a:endParaRPr lang="en-FI" sz="1660" b="0" strike="noStrike" spc="-1">
               <a:solidFill>
                 <a:srgbClr val="000000"/>
               </a:solidFill>
@@ -453,11 +567,12 @@
           </a:prstGeom>
         </p:spPr>
         <p:txBody>
-          <a:bodyPr lIns="0" rIns="0" tIns="0" bIns="0">
+          <a:bodyPr lIns="0" tIns="0" rIns="0" bIns="0">
             <a:normAutofit fontScale="80000"/>
           </a:bodyPr>
-          <a:p>
-            <a:endParaRPr b="0" lang="en-FI" sz="1660" spc="-1" strike="noStrike">
+          <a:lstStyle/>
+          <a:p>
+            <a:endParaRPr lang="en-FI" sz="1660" b="0" strike="noStrike" spc="-1">
               <a:solidFill>
                 <a:srgbClr val="000000"/>
               </a:solidFill>
@@ -486,11 +601,12 @@
           </a:prstGeom>
         </p:spPr>
         <p:txBody>
-          <a:bodyPr lIns="0" rIns="0" tIns="0" bIns="0">
+          <a:bodyPr lIns="0" tIns="0" rIns="0" bIns="0">
             <a:normAutofit fontScale="80000"/>
           </a:bodyPr>
-          <a:p>
-            <a:endParaRPr b="0" lang="en-FI" sz="1660" spc="-1" strike="noStrike">
+          <a:lstStyle/>
+          <a:p>
+            <a:endParaRPr lang="en-FI" sz="1660" b="0" strike="noStrike" spc="-1">
               <a:solidFill>
                 <a:srgbClr val="000000"/>
               </a:solidFill>
@@ -519,11 +635,12 @@
           </a:prstGeom>
         </p:spPr>
         <p:txBody>
-          <a:bodyPr lIns="0" rIns="0" tIns="0" bIns="0">
+          <a:bodyPr lIns="0" tIns="0" rIns="0" bIns="0">
             <a:normAutofit fontScale="80000"/>
           </a:bodyPr>
-          <a:p>
-            <a:endParaRPr b="0" lang="en-FI" sz="1660" spc="-1" strike="noStrike">
+          <a:lstStyle/>
+          <a:p>
+            <a:endParaRPr lang="en-FI" sz="1660" b="0" strike="noStrike" spc="-1">
               <a:solidFill>
                 <a:srgbClr val="000000"/>
               </a:solidFill>
@@ -552,11 +669,12 @@
           </a:prstGeom>
         </p:spPr>
         <p:txBody>
-          <a:bodyPr lIns="0" rIns="0" tIns="0" bIns="0">
+          <a:bodyPr lIns="0" tIns="0" rIns="0" bIns="0">
             <a:normAutofit fontScale="80000"/>
           </a:bodyPr>
-          <a:p>
-            <a:endParaRPr b="0" lang="en-FI" sz="1660" spc="-1" strike="noStrike">
+          <a:lstStyle/>
+          <a:p>
+            <a:endParaRPr lang="en-FI" sz="1660" b="0" strike="noStrike" spc="-1">
               <a:solidFill>
                 <a:srgbClr val="000000"/>
               </a:solidFill>
@@ -585,11 +703,12 @@
           </a:prstGeom>
         </p:spPr>
         <p:txBody>
-          <a:bodyPr lIns="0" rIns="0" tIns="0" bIns="0">
+          <a:bodyPr lIns="0" tIns="0" rIns="0" bIns="0">
             <a:normAutofit fontScale="80000"/>
           </a:bodyPr>
-          <a:p>
-            <a:endParaRPr b="0" lang="en-FI" sz="1660" spc="-1" strike="noStrike">
+          <a:lstStyle/>
+          <a:p>
+            <a:endParaRPr lang="en-FI" sz="1660" b="0" strike="noStrike" spc="-1">
               <a:solidFill>
                 <a:srgbClr val="000000"/>
               </a:solidFill>
@@ -600,11 +719,14 @@
       </p:sp>
     </p:spTree>
   </p:cSld>
+  <p:clrMapOvr>
+    <a:masterClrMapping/>
+  </p:clrMapOvr>
 </p:sldLayout>
 </file>
 
 <file path=ppt/slideLayouts/slideLayout13.xml><?xml version="1.0" encoding="utf-8"?>
-<p:sldLayout xmlns:a="http://schemas.openxmlformats.org/drawingml/2006/main" xmlns:p="http://schemas.openxmlformats.org/presentationml/2006/main" xmlns:r="http://schemas.openxmlformats.org/officeDocument/2006/relationships" xmlns:p14="http://schemas.microsoft.com/office/powerpoint/2010/main" xmlns:p15="http://schemas.microsoft.com/office/powerpoint/2012/main" xmlns:mc="http://schemas.openxmlformats.org/markup-compatibility/2006" type="blank" preserve="1">
+<p:sldLayout xmlns:a="http://schemas.openxmlformats.org/drawingml/2006/main" xmlns:r="http://schemas.openxmlformats.org/officeDocument/2006/relationships" xmlns:p="http://schemas.openxmlformats.org/presentationml/2006/main" type="blank" preserve="1">
   <p:cSld name="Blank Slide">
     <p:spTree>
       <p:nvGrpSpPr>
@@ -622,11 +744,14 @@
       </p:grpSpPr>
     </p:spTree>
   </p:cSld>
+  <p:clrMapOvr>
+    <a:masterClrMapping/>
+  </p:clrMapOvr>
 </p:sldLayout>
 </file>
 
 <file path=ppt/slideLayouts/slideLayout14.xml><?xml version="1.0" encoding="utf-8"?>
-<p:sldLayout xmlns:a="http://schemas.openxmlformats.org/drawingml/2006/main" xmlns:p="http://schemas.openxmlformats.org/presentationml/2006/main" xmlns:r="http://schemas.openxmlformats.org/officeDocument/2006/relationships" xmlns:p14="http://schemas.microsoft.com/office/powerpoint/2010/main" xmlns:p15="http://schemas.microsoft.com/office/powerpoint/2012/main" xmlns:mc="http://schemas.openxmlformats.org/markup-compatibility/2006" type="tx" preserve="1">
+<p:sldLayout xmlns:a="http://schemas.openxmlformats.org/drawingml/2006/main" xmlns:r="http://schemas.openxmlformats.org/officeDocument/2006/relationships" xmlns:p="http://schemas.openxmlformats.org/presentationml/2006/main" type="tx" preserve="1">
   <p:cSld name="Title Slide">
     <p:spTree>
       <p:nvGrpSpPr>
@@ -662,11 +787,12 @@
           </a:prstGeom>
         </p:spPr>
         <p:txBody>
-          <a:bodyPr lIns="0" rIns="0" tIns="0" bIns="0" anchor="ctr">
+          <a:bodyPr lIns="0" tIns="0" rIns="0" bIns="0" anchor="ctr">
             <a:noAutofit/>
           </a:bodyPr>
-          <a:p>
-            <a:endParaRPr b="0" lang="en-FI" sz="1660" spc="-1" strike="noStrike">
+          <a:lstStyle/>
+          <a:p>
+            <a:endParaRPr lang="en-FI" sz="1660" b="0" strike="noStrike" spc="-1">
               <a:solidFill>
                 <a:srgbClr val="000000"/>
               </a:solidFill>
@@ -695,12 +821,13 @@
           </a:prstGeom>
         </p:spPr>
         <p:txBody>
-          <a:bodyPr lIns="0" rIns="0" tIns="0" bIns="0" anchor="ctr">
+          <a:bodyPr lIns="0" tIns="0" rIns="0" bIns="0" anchor="ctr">
             <a:noAutofit/>
           </a:bodyPr>
+          <a:lstStyle/>
           <a:p>
             <a:pPr algn="ctr"/>
-            <a:endParaRPr b="0" lang="fi-FI" sz="3200" spc="-1" strike="noStrike">
+            <a:endParaRPr lang="fi-FI" sz="3200" b="0" strike="noStrike" spc="-1">
               <a:latin typeface="Arial"/>
             </a:endParaRPr>
           </a:p>
@@ -708,11 +835,14 @@
       </p:sp>
     </p:spTree>
   </p:cSld>
+  <p:clrMapOvr>
+    <a:masterClrMapping/>
+  </p:clrMapOvr>
 </p:sldLayout>
 </file>
 
 <file path=ppt/slideLayouts/slideLayout15.xml><?xml version="1.0" encoding="utf-8"?>
-<p:sldLayout xmlns:a="http://schemas.openxmlformats.org/drawingml/2006/main" xmlns:p="http://schemas.openxmlformats.org/presentationml/2006/main" xmlns:r="http://schemas.openxmlformats.org/officeDocument/2006/relationships" xmlns:p14="http://schemas.microsoft.com/office/powerpoint/2010/main" xmlns:p15="http://schemas.microsoft.com/office/powerpoint/2012/main" xmlns:mc="http://schemas.openxmlformats.org/markup-compatibility/2006" type="obj" preserve="1">
+<p:sldLayout xmlns:a="http://schemas.openxmlformats.org/drawingml/2006/main" xmlns:r="http://schemas.openxmlformats.org/officeDocument/2006/relationships" xmlns:p="http://schemas.openxmlformats.org/presentationml/2006/main" type="obj" preserve="1">
   <p:cSld name="Title, Content">
     <p:spTree>
       <p:nvGrpSpPr>
@@ -748,11 +878,12 @@
           </a:prstGeom>
         </p:spPr>
         <p:txBody>
-          <a:bodyPr lIns="0" rIns="0" tIns="0" bIns="0" anchor="ctr">
+          <a:bodyPr lIns="0" tIns="0" rIns="0" bIns="0" anchor="ctr">
             <a:noAutofit/>
           </a:bodyPr>
-          <a:p>
-            <a:endParaRPr b="0" lang="en-FI" sz="1660" spc="-1" strike="noStrike">
+          <a:lstStyle/>
+          <a:p>
+            <a:endParaRPr lang="en-FI" sz="1660" b="0" strike="noStrike" spc="-1">
               <a:solidFill>
                 <a:srgbClr val="000000"/>
               </a:solidFill>
@@ -781,11 +912,12 @@
           </a:prstGeom>
         </p:spPr>
         <p:txBody>
-          <a:bodyPr lIns="0" rIns="0" tIns="0" bIns="0">
+          <a:bodyPr lIns="0" tIns="0" rIns="0" bIns="0">
             <a:normAutofit/>
           </a:bodyPr>
-          <a:p>
-            <a:endParaRPr b="0" lang="en-FI" sz="1660" spc="-1" strike="noStrike">
+          <a:lstStyle/>
+          <a:p>
+            <a:endParaRPr lang="en-FI" sz="1660" b="0" strike="noStrike" spc="-1">
               <a:solidFill>
                 <a:srgbClr val="000000"/>
               </a:solidFill>
@@ -796,11 +928,14 @@
       </p:sp>
     </p:spTree>
   </p:cSld>
+  <p:clrMapOvr>
+    <a:masterClrMapping/>
+  </p:clrMapOvr>
 </p:sldLayout>
 </file>
 
 <file path=ppt/slideLayouts/slideLayout16.xml><?xml version="1.0" encoding="utf-8"?>
-<p:sldLayout xmlns:a="http://schemas.openxmlformats.org/drawingml/2006/main" xmlns:p="http://schemas.openxmlformats.org/presentationml/2006/main" xmlns:r="http://schemas.openxmlformats.org/officeDocument/2006/relationships" xmlns:p14="http://schemas.microsoft.com/office/powerpoint/2010/main" xmlns:p15="http://schemas.microsoft.com/office/powerpoint/2012/main" xmlns:mc="http://schemas.openxmlformats.org/markup-compatibility/2006" type="twoObj" preserve="1">
+<p:sldLayout xmlns:a="http://schemas.openxmlformats.org/drawingml/2006/main" xmlns:r="http://schemas.openxmlformats.org/officeDocument/2006/relationships" xmlns:p="http://schemas.openxmlformats.org/presentationml/2006/main" type="twoObj" preserve="1">
   <p:cSld name="Title, 2 Content">
     <p:spTree>
       <p:nvGrpSpPr>
@@ -836,11 +971,12 @@
           </a:prstGeom>
         </p:spPr>
         <p:txBody>
-          <a:bodyPr lIns="0" rIns="0" tIns="0" bIns="0" anchor="ctr">
+          <a:bodyPr lIns="0" tIns="0" rIns="0" bIns="0" anchor="ctr">
             <a:noAutofit/>
           </a:bodyPr>
-          <a:p>
-            <a:endParaRPr b="0" lang="en-FI" sz="1660" spc="-1" strike="noStrike">
+          <a:lstStyle/>
+          <a:p>
+            <a:endParaRPr lang="en-FI" sz="1660" b="0" strike="noStrike" spc="-1">
               <a:solidFill>
                 <a:srgbClr val="000000"/>
               </a:solidFill>
@@ -869,11 +1005,12 @@
           </a:prstGeom>
         </p:spPr>
         <p:txBody>
-          <a:bodyPr lIns="0" rIns="0" tIns="0" bIns="0">
+          <a:bodyPr lIns="0" tIns="0" rIns="0" bIns="0">
             <a:normAutofit/>
           </a:bodyPr>
-          <a:p>
-            <a:endParaRPr b="0" lang="en-FI" sz="1660" spc="-1" strike="noStrike">
+          <a:lstStyle/>
+          <a:p>
+            <a:endParaRPr lang="en-FI" sz="1660" b="0" strike="noStrike" spc="-1">
               <a:solidFill>
                 <a:srgbClr val="000000"/>
               </a:solidFill>
@@ -902,11 +1039,12 @@
           </a:prstGeom>
         </p:spPr>
         <p:txBody>
-          <a:bodyPr lIns="0" rIns="0" tIns="0" bIns="0">
+          <a:bodyPr lIns="0" tIns="0" rIns="0" bIns="0">
             <a:normAutofit/>
           </a:bodyPr>
-          <a:p>
-            <a:endParaRPr b="0" lang="en-FI" sz="1660" spc="-1" strike="noStrike">
+          <a:lstStyle/>
+          <a:p>
+            <a:endParaRPr lang="en-FI" sz="1660" b="0" strike="noStrike" spc="-1">
               <a:solidFill>
                 <a:srgbClr val="000000"/>
               </a:solidFill>
@@ -917,11 +1055,14 @@
       </p:sp>
     </p:spTree>
   </p:cSld>
+  <p:clrMapOvr>
+    <a:masterClrMapping/>
+  </p:clrMapOvr>
 </p:sldLayout>
 </file>
 
 <file path=ppt/slideLayouts/slideLayout17.xml><?xml version="1.0" encoding="utf-8"?>
-<p:sldLayout xmlns:a="http://schemas.openxmlformats.org/drawingml/2006/main" xmlns:p="http://schemas.openxmlformats.org/presentationml/2006/main" xmlns:r="http://schemas.openxmlformats.org/officeDocument/2006/relationships" xmlns:p14="http://schemas.microsoft.com/office/powerpoint/2010/main" xmlns:p15="http://schemas.microsoft.com/office/powerpoint/2012/main" xmlns:mc="http://schemas.openxmlformats.org/markup-compatibility/2006" type="titleOnly" preserve="1">
+<p:sldLayout xmlns:a="http://schemas.openxmlformats.org/drawingml/2006/main" xmlns:r="http://schemas.openxmlformats.org/officeDocument/2006/relationships" xmlns:p="http://schemas.openxmlformats.org/presentationml/2006/main" type="titleOnly" preserve="1">
   <p:cSld name="Title Only">
     <p:spTree>
       <p:nvGrpSpPr>
@@ -957,11 +1098,12 @@
           </a:prstGeom>
         </p:spPr>
         <p:txBody>
-          <a:bodyPr lIns="0" rIns="0" tIns="0" bIns="0" anchor="ctr">
+          <a:bodyPr lIns="0" tIns="0" rIns="0" bIns="0" anchor="ctr">
             <a:noAutofit/>
           </a:bodyPr>
-          <a:p>
-            <a:endParaRPr b="0" lang="en-FI" sz="1660" spc="-1" strike="noStrike">
+          <a:lstStyle/>
+          <a:p>
+            <a:endParaRPr lang="en-FI" sz="1660" b="0" strike="noStrike" spc="-1">
               <a:solidFill>
                 <a:srgbClr val="000000"/>
               </a:solidFill>
@@ -972,11 +1114,14 @@
       </p:sp>
     </p:spTree>
   </p:cSld>
+  <p:clrMapOvr>
+    <a:masterClrMapping/>
+  </p:clrMapOvr>
 </p:sldLayout>
 </file>
 
 <file path=ppt/slideLayouts/slideLayout18.xml><?xml version="1.0" encoding="utf-8"?>
-<p:sldLayout xmlns:a="http://schemas.openxmlformats.org/drawingml/2006/main" xmlns:p="http://schemas.openxmlformats.org/presentationml/2006/main" xmlns:r="http://schemas.openxmlformats.org/officeDocument/2006/relationships" xmlns:p14="http://schemas.microsoft.com/office/powerpoint/2010/main" xmlns:p15="http://schemas.microsoft.com/office/powerpoint/2012/main" xmlns:mc="http://schemas.openxmlformats.org/markup-compatibility/2006" type="objOnly" preserve="1">
+<p:sldLayout xmlns:a="http://schemas.openxmlformats.org/drawingml/2006/main" xmlns:r="http://schemas.openxmlformats.org/officeDocument/2006/relationships" xmlns:p="http://schemas.openxmlformats.org/presentationml/2006/main" type="objOnly" preserve="1">
   <p:cSld name="Centered Text">
     <p:spTree>
       <p:nvGrpSpPr>
@@ -1012,12 +1157,13 @@
           </a:prstGeom>
         </p:spPr>
         <p:txBody>
-          <a:bodyPr lIns="0" rIns="0" tIns="0" bIns="0" anchor="ctr">
+          <a:bodyPr lIns="0" tIns="0" rIns="0" bIns="0" anchor="ctr">
             <a:noAutofit/>
           </a:bodyPr>
+          <a:lstStyle/>
           <a:p>
             <a:pPr algn="ctr"/>
-            <a:endParaRPr b="0" lang="fi-FI" sz="3200" spc="-1" strike="noStrike">
+            <a:endParaRPr lang="fi-FI" sz="3200" b="0" strike="noStrike" spc="-1">
               <a:latin typeface="Arial"/>
             </a:endParaRPr>
           </a:p>
@@ -1025,11 +1171,14 @@
       </p:sp>
     </p:spTree>
   </p:cSld>
+  <p:clrMapOvr>
+    <a:masterClrMapping/>
+  </p:clrMapOvr>
 </p:sldLayout>
 </file>
 
 <file path=ppt/slideLayouts/slideLayout19.xml><?xml version="1.0" encoding="utf-8"?>
-<p:sldLayout xmlns:a="http://schemas.openxmlformats.org/drawingml/2006/main" xmlns:p="http://schemas.openxmlformats.org/presentationml/2006/main" xmlns:r="http://schemas.openxmlformats.org/officeDocument/2006/relationships" xmlns:p14="http://schemas.microsoft.com/office/powerpoint/2010/main" xmlns:p15="http://schemas.microsoft.com/office/powerpoint/2012/main" xmlns:mc="http://schemas.openxmlformats.org/markup-compatibility/2006" type="twoObjAndObj" preserve="1">
+<p:sldLayout xmlns:a="http://schemas.openxmlformats.org/drawingml/2006/main" xmlns:r="http://schemas.openxmlformats.org/officeDocument/2006/relationships" xmlns:p="http://schemas.openxmlformats.org/presentationml/2006/main" type="twoObjAndObj" preserve="1">
   <p:cSld name="Title, 2 Content and Content">
     <p:spTree>
       <p:nvGrpSpPr>
@@ -1065,11 +1214,12 @@
           </a:prstGeom>
         </p:spPr>
         <p:txBody>
-          <a:bodyPr lIns="0" rIns="0" tIns="0" bIns="0" anchor="ctr">
+          <a:bodyPr lIns="0" tIns="0" rIns="0" bIns="0" anchor="ctr">
             <a:noAutofit/>
           </a:bodyPr>
-          <a:p>
-            <a:endParaRPr b="0" lang="en-FI" sz="1660" spc="-1" strike="noStrike">
+          <a:lstStyle/>
+          <a:p>
+            <a:endParaRPr lang="en-FI" sz="1660" b="0" strike="noStrike" spc="-1">
               <a:solidFill>
                 <a:srgbClr val="000000"/>
               </a:solidFill>
@@ -1098,11 +1248,12 @@
           </a:prstGeom>
         </p:spPr>
         <p:txBody>
-          <a:bodyPr lIns="0" rIns="0" tIns="0" bIns="0">
+          <a:bodyPr lIns="0" tIns="0" rIns="0" bIns="0">
             <a:normAutofit/>
           </a:bodyPr>
-          <a:p>
-            <a:endParaRPr b="0" lang="en-FI" sz="1660" spc="-1" strike="noStrike">
+          <a:lstStyle/>
+          <a:p>
+            <a:endParaRPr lang="en-FI" sz="1660" b="0" strike="noStrike" spc="-1">
               <a:solidFill>
                 <a:srgbClr val="000000"/>
               </a:solidFill>
@@ -1131,11 +1282,12 @@
           </a:prstGeom>
         </p:spPr>
         <p:txBody>
-          <a:bodyPr lIns="0" rIns="0" tIns="0" bIns="0">
+          <a:bodyPr lIns="0" tIns="0" rIns="0" bIns="0">
             <a:normAutofit/>
           </a:bodyPr>
-          <a:p>
-            <a:endParaRPr b="0" lang="en-FI" sz="1660" spc="-1" strike="noStrike">
+          <a:lstStyle/>
+          <a:p>
+            <a:endParaRPr lang="en-FI" sz="1660" b="0" strike="noStrike" spc="-1">
               <a:solidFill>
                 <a:srgbClr val="000000"/>
               </a:solidFill>
@@ -1164,11 +1316,12 @@
           </a:prstGeom>
         </p:spPr>
         <p:txBody>
-          <a:bodyPr lIns="0" rIns="0" tIns="0" bIns="0">
+          <a:bodyPr lIns="0" tIns="0" rIns="0" bIns="0">
             <a:normAutofit/>
           </a:bodyPr>
-          <a:p>
-            <a:endParaRPr b="0" lang="en-FI" sz="1660" spc="-1" strike="noStrike">
+          <a:lstStyle/>
+          <a:p>
+            <a:endParaRPr lang="en-FI" sz="1660" b="0" strike="noStrike" spc="-1">
               <a:solidFill>
                 <a:srgbClr val="000000"/>
               </a:solidFill>
@@ -1179,11 +1332,14 @@
       </p:sp>
     </p:spTree>
   </p:cSld>
+  <p:clrMapOvr>
+    <a:masterClrMapping/>
+  </p:clrMapOvr>
 </p:sldLayout>
 </file>
 
 <file path=ppt/slideLayouts/slideLayout2.xml><?xml version="1.0" encoding="utf-8"?>
-<p:sldLayout xmlns:a="http://schemas.openxmlformats.org/drawingml/2006/main" xmlns:p="http://schemas.openxmlformats.org/presentationml/2006/main" xmlns:r="http://schemas.openxmlformats.org/officeDocument/2006/relationships" xmlns:p14="http://schemas.microsoft.com/office/powerpoint/2010/main" xmlns:p15="http://schemas.microsoft.com/office/powerpoint/2012/main" xmlns:mc="http://schemas.openxmlformats.org/markup-compatibility/2006" type="tx" preserve="1">
+<p:sldLayout xmlns:a="http://schemas.openxmlformats.org/drawingml/2006/main" xmlns:r="http://schemas.openxmlformats.org/officeDocument/2006/relationships" xmlns:p="http://schemas.openxmlformats.org/presentationml/2006/main" type="tx" preserve="1">
   <p:cSld name="Title Slide">
     <p:spTree>
       <p:nvGrpSpPr>
@@ -1219,11 +1375,12 @@
           </a:prstGeom>
         </p:spPr>
         <p:txBody>
-          <a:bodyPr lIns="0" rIns="0" tIns="0" bIns="0" anchor="ctr">
+          <a:bodyPr lIns="0" tIns="0" rIns="0" bIns="0" anchor="ctr">
             <a:noAutofit/>
           </a:bodyPr>
-          <a:p>
-            <a:endParaRPr b="0" lang="en-FI" sz="1660" spc="-1" strike="noStrike">
+          <a:lstStyle/>
+          <a:p>
+            <a:endParaRPr lang="en-FI" sz="1660" b="0" strike="noStrike" spc="-1">
               <a:solidFill>
                 <a:srgbClr val="000000"/>
               </a:solidFill>
@@ -1252,12 +1409,13 @@
           </a:prstGeom>
         </p:spPr>
         <p:txBody>
-          <a:bodyPr lIns="0" rIns="0" tIns="0" bIns="0" anchor="ctr">
+          <a:bodyPr lIns="0" tIns="0" rIns="0" bIns="0" anchor="ctr">
             <a:noAutofit/>
           </a:bodyPr>
+          <a:lstStyle/>
           <a:p>
             <a:pPr algn="ctr"/>
-            <a:endParaRPr b="0" lang="fi-FI" sz="3200" spc="-1" strike="noStrike">
+            <a:endParaRPr lang="fi-FI" sz="3200" b="0" strike="noStrike" spc="-1">
               <a:latin typeface="Arial"/>
             </a:endParaRPr>
           </a:p>
@@ -1265,11 +1423,14 @@
       </p:sp>
     </p:spTree>
   </p:cSld>
+  <p:clrMapOvr>
+    <a:masterClrMapping/>
+  </p:clrMapOvr>
 </p:sldLayout>
 </file>
 
 <file path=ppt/slideLayouts/slideLayout20.xml><?xml version="1.0" encoding="utf-8"?>
-<p:sldLayout xmlns:a="http://schemas.openxmlformats.org/drawingml/2006/main" xmlns:p="http://schemas.openxmlformats.org/presentationml/2006/main" xmlns:r="http://schemas.openxmlformats.org/officeDocument/2006/relationships" xmlns:p14="http://schemas.microsoft.com/office/powerpoint/2010/main" xmlns:p15="http://schemas.microsoft.com/office/powerpoint/2012/main" xmlns:mc="http://schemas.openxmlformats.org/markup-compatibility/2006" type="objAndTwoObj" preserve="1">
+<p:sldLayout xmlns:a="http://schemas.openxmlformats.org/drawingml/2006/main" xmlns:r="http://schemas.openxmlformats.org/officeDocument/2006/relationships" xmlns:p="http://schemas.openxmlformats.org/presentationml/2006/main" type="objAndTwoObj" preserve="1">
   <p:cSld name="Title Content and 2 Content">
     <p:spTree>
       <p:nvGrpSpPr>
@@ -1305,11 +1466,12 @@
           </a:prstGeom>
         </p:spPr>
         <p:txBody>
-          <a:bodyPr lIns="0" rIns="0" tIns="0" bIns="0" anchor="ctr">
+          <a:bodyPr lIns="0" tIns="0" rIns="0" bIns="0" anchor="ctr">
             <a:noAutofit/>
           </a:bodyPr>
-          <a:p>
-            <a:endParaRPr b="0" lang="en-FI" sz="1660" spc="-1" strike="noStrike">
+          <a:lstStyle/>
+          <a:p>
+            <a:endParaRPr lang="en-FI" sz="1660" b="0" strike="noStrike" spc="-1">
               <a:solidFill>
                 <a:srgbClr val="000000"/>
               </a:solidFill>
@@ -1338,11 +1500,12 @@
           </a:prstGeom>
         </p:spPr>
         <p:txBody>
-          <a:bodyPr lIns="0" rIns="0" tIns="0" bIns="0">
+          <a:bodyPr lIns="0" tIns="0" rIns="0" bIns="0">
             <a:normAutofit/>
           </a:bodyPr>
-          <a:p>
-            <a:endParaRPr b="0" lang="en-FI" sz="1660" spc="-1" strike="noStrike">
+          <a:lstStyle/>
+          <a:p>
+            <a:endParaRPr lang="en-FI" sz="1660" b="0" strike="noStrike" spc="-1">
               <a:solidFill>
                 <a:srgbClr val="000000"/>
               </a:solidFill>
@@ -1371,11 +1534,12 @@
           </a:prstGeom>
         </p:spPr>
         <p:txBody>
-          <a:bodyPr lIns="0" rIns="0" tIns="0" bIns="0">
+          <a:bodyPr lIns="0" tIns="0" rIns="0" bIns="0">
             <a:normAutofit/>
           </a:bodyPr>
-          <a:p>
-            <a:endParaRPr b="0" lang="en-FI" sz="1660" spc="-1" strike="noStrike">
+          <a:lstStyle/>
+          <a:p>
+            <a:endParaRPr lang="en-FI" sz="1660" b="0" strike="noStrike" spc="-1">
               <a:solidFill>
                 <a:srgbClr val="000000"/>
               </a:solidFill>
@@ -1404,11 +1568,12 @@
           </a:prstGeom>
         </p:spPr>
         <p:txBody>
-          <a:bodyPr lIns="0" rIns="0" tIns="0" bIns="0">
+          <a:bodyPr lIns="0" tIns="0" rIns="0" bIns="0">
             <a:normAutofit/>
           </a:bodyPr>
-          <a:p>
-            <a:endParaRPr b="0" lang="en-FI" sz="1660" spc="-1" strike="noStrike">
+          <a:lstStyle/>
+          <a:p>
+            <a:endParaRPr lang="en-FI" sz="1660" b="0" strike="noStrike" spc="-1">
               <a:solidFill>
                 <a:srgbClr val="000000"/>
               </a:solidFill>
@@ -1419,11 +1584,14 @@
       </p:sp>
     </p:spTree>
   </p:cSld>
+  <p:clrMapOvr>
+    <a:masterClrMapping/>
+  </p:clrMapOvr>
 </p:sldLayout>
 </file>
 
 <file path=ppt/slideLayouts/slideLayout21.xml><?xml version="1.0" encoding="utf-8"?>
-<p:sldLayout xmlns:a="http://schemas.openxmlformats.org/drawingml/2006/main" xmlns:p="http://schemas.openxmlformats.org/presentationml/2006/main" xmlns:r="http://schemas.openxmlformats.org/officeDocument/2006/relationships" xmlns:p14="http://schemas.microsoft.com/office/powerpoint/2010/main" xmlns:p15="http://schemas.microsoft.com/office/powerpoint/2012/main" xmlns:mc="http://schemas.openxmlformats.org/markup-compatibility/2006" type="twoObjOverTx" preserve="1">
+<p:sldLayout xmlns:a="http://schemas.openxmlformats.org/drawingml/2006/main" xmlns:r="http://schemas.openxmlformats.org/officeDocument/2006/relationships" xmlns:p="http://schemas.openxmlformats.org/presentationml/2006/main" type="twoObjOverTx" preserve="1">
   <p:cSld name="Title, 2 Content over Content">
     <p:spTree>
       <p:nvGrpSpPr>
@@ -1459,11 +1627,12 @@
           </a:prstGeom>
         </p:spPr>
         <p:txBody>
-          <a:bodyPr lIns="0" rIns="0" tIns="0" bIns="0" anchor="ctr">
+          <a:bodyPr lIns="0" tIns="0" rIns="0" bIns="0" anchor="ctr">
             <a:noAutofit/>
           </a:bodyPr>
-          <a:p>
-            <a:endParaRPr b="0" lang="en-FI" sz="1660" spc="-1" strike="noStrike">
+          <a:lstStyle/>
+          <a:p>
+            <a:endParaRPr lang="en-FI" sz="1660" b="0" strike="noStrike" spc="-1">
               <a:solidFill>
                 <a:srgbClr val="000000"/>
               </a:solidFill>
@@ -1492,11 +1661,12 @@
           </a:prstGeom>
         </p:spPr>
         <p:txBody>
-          <a:bodyPr lIns="0" rIns="0" tIns="0" bIns="0">
+          <a:bodyPr lIns="0" tIns="0" rIns="0" bIns="0">
             <a:normAutofit/>
           </a:bodyPr>
-          <a:p>
-            <a:endParaRPr b="0" lang="en-FI" sz="1660" spc="-1" strike="noStrike">
+          <a:lstStyle/>
+          <a:p>
+            <a:endParaRPr lang="en-FI" sz="1660" b="0" strike="noStrike" spc="-1">
               <a:solidFill>
                 <a:srgbClr val="000000"/>
               </a:solidFill>
@@ -1525,11 +1695,12 @@
           </a:prstGeom>
         </p:spPr>
         <p:txBody>
-          <a:bodyPr lIns="0" rIns="0" tIns="0" bIns="0">
+          <a:bodyPr lIns="0" tIns="0" rIns="0" bIns="0">
             <a:normAutofit/>
           </a:bodyPr>
-          <a:p>
-            <a:endParaRPr b="0" lang="en-FI" sz="1660" spc="-1" strike="noStrike">
+          <a:lstStyle/>
+          <a:p>
+            <a:endParaRPr lang="en-FI" sz="1660" b="0" strike="noStrike" spc="-1">
               <a:solidFill>
                 <a:srgbClr val="000000"/>
               </a:solidFill>
@@ -1558,11 +1729,12 @@
           </a:prstGeom>
         </p:spPr>
         <p:txBody>
-          <a:bodyPr lIns="0" rIns="0" tIns="0" bIns="0">
+          <a:bodyPr lIns="0" tIns="0" rIns="0" bIns="0">
             <a:normAutofit/>
           </a:bodyPr>
-          <a:p>
-            <a:endParaRPr b="0" lang="en-FI" sz="1660" spc="-1" strike="noStrike">
+          <a:lstStyle/>
+          <a:p>
+            <a:endParaRPr lang="en-FI" sz="1660" b="0" strike="noStrike" spc="-1">
               <a:solidFill>
                 <a:srgbClr val="000000"/>
               </a:solidFill>
@@ -1573,11 +1745,14 @@
       </p:sp>
     </p:spTree>
   </p:cSld>
+  <p:clrMapOvr>
+    <a:masterClrMapping/>
+  </p:clrMapOvr>
 </p:sldLayout>
 </file>
 
 <file path=ppt/slideLayouts/slideLayout22.xml><?xml version="1.0" encoding="utf-8"?>
-<p:sldLayout xmlns:a="http://schemas.openxmlformats.org/drawingml/2006/main" xmlns:p="http://schemas.openxmlformats.org/presentationml/2006/main" xmlns:r="http://schemas.openxmlformats.org/officeDocument/2006/relationships" xmlns:p14="http://schemas.microsoft.com/office/powerpoint/2010/main" xmlns:p15="http://schemas.microsoft.com/office/powerpoint/2012/main" xmlns:mc="http://schemas.openxmlformats.org/markup-compatibility/2006" type="objOverTx" preserve="1">
+<p:sldLayout xmlns:a="http://schemas.openxmlformats.org/drawingml/2006/main" xmlns:r="http://schemas.openxmlformats.org/officeDocument/2006/relationships" xmlns:p="http://schemas.openxmlformats.org/presentationml/2006/main" type="objOverTx" preserve="1">
   <p:cSld name="Title, Content over Content">
     <p:spTree>
       <p:nvGrpSpPr>
@@ -1613,11 +1788,12 @@
           </a:prstGeom>
         </p:spPr>
         <p:txBody>
-          <a:bodyPr lIns="0" rIns="0" tIns="0" bIns="0" anchor="ctr">
+          <a:bodyPr lIns="0" tIns="0" rIns="0" bIns="0" anchor="ctr">
             <a:noAutofit/>
           </a:bodyPr>
-          <a:p>
-            <a:endParaRPr b="0" lang="en-FI" sz="1660" spc="-1" strike="noStrike">
+          <a:lstStyle/>
+          <a:p>
+            <a:endParaRPr lang="en-FI" sz="1660" b="0" strike="noStrike" spc="-1">
               <a:solidFill>
                 <a:srgbClr val="000000"/>
               </a:solidFill>
@@ -1646,11 +1822,12 @@
           </a:prstGeom>
         </p:spPr>
         <p:txBody>
-          <a:bodyPr lIns="0" rIns="0" tIns="0" bIns="0">
+          <a:bodyPr lIns="0" tIns="0" rIns="0" bIns="0">
             <a:normAutofit/>
           </a:bodyPr>
-          <a:p>
-            <a:endParaRPr b="0" lang="en-FI" sz="1660" spc="-1" strike="noStrike">
+          <a:lstStyle/>
+          <a:p>
+            <a:endParaRPr lang="en-FI" sz="1660" b="0" strike="noStrike" spc="-1">
               <a:solidFill>
                 <a:srgbClr val="000000"/>
               </a:solidFill>
@@ -1679,11 +1856,12 @@
           </a:prstGeom>
         </p:spPr>
         <p:txBody>
-          <a:bodyPr lIns="0" rIns="0" tIns="0" bIns="0">
+          <a:bodyPr lIns="0" tIns="0" rIns="0" bIns="0">
             <a:normAutofit/>
           </a:bodyPr>
-          <a:p>
-            <a:endParaRPr b="0" lang="en-FI" sz="1660" spc="-1" strike="noStrike">
+          <a:lstStyle/>
+          <a:p>
+            <a:endParaRPr lang="en-FI" sz="1660" b="0" strike="noStrike" spc="-1">
               <a:solidFill>
                 <a:srgbClr val="000000"/>
               </a:solidFill>
@@ -1694,11 +1872,14 @@
       </p:sp>
     </p:spTree>
   </p:cSld>
+  <p:clrMapOvr>
+    <a:masterClrMapping/>
+  </p:clrMapOvr>
 </p:sldLayout>
 </file>
 
 <file path=ppt/slideLayouts/slideLayout23.xml><?xml version="1.0" encoding="utf-8"?>
-<p:sldLayout xmlns:a="http://schemas.openxmlformats.org/drawingml/2006/main" xmlns:p="http://schemas.openxmlformats.org/presentationml/2006/main" xmlns:r="http://schemas.openxmlformats.org/officeDocument/2006/relationships" xmlns:p14="http://schemas.microsoft.com/office/powerpoint/2010/main" xmlns:p15="http://schemas.microsoft.com/office/powerpoint/2012/main" xmlns:mc="http://schemas.openxmlformats.org/markup-compatibility/2006" type="fourObj" preserve="1">
+<p:sldLayout xmlns:a="http://schemas.openxmlformats.org/drawingml/2006/main" xmlns:r="http://schemas.openxmlformats.org/officeDocument/2006/relationships" xmlns:p="http://schemas.openxmlformats.org/presentationml/2006/main" type="fourObj" preserve="1">
   <p:cSld name="Title, 4 Content">
     <p:spTree>
       <p:nvGrpSpPr>
@@ -1734,11 +1915,12 @@
           </a:prstGeom>
         </p:spPr>
         <p:txBody>
-          <a:bodyPr lIns="0" rIns="0" tIns="0" bIns="0" anchor="ctr">
+          <a:bodyPr lIns="0" tIns="0" rIns="0" bIns="0" anchor="ctr">
             <a:noAutofit/>
           </a:bodyPr>
-          <a:p>
-            <a:endParaRPr b="0" lang="en-FI" sz="1660" spc="-1" strike="noStrike">
+          <a:lstStyle/>
+          <a:p>
+            <a:endParaRPr lang="en-FI" sz="1660" b="0" strike="noStrike" spc="-1">
               <a:solidFill>
                 <a:srgbClr val="000000"/>
               </a:solidFill>
@@ -1767,11 +1949,12 @@
           </a:prstGeom>
         </p:spPr>
         <p:txBody>
-          <a:bodyPr lIns="0" rIns="0" tIns="0" bIns="0">
+          <a:bodyPr lIns="0" tIns="0" rIns="0" bIns="0">
             <a:normAutofit/>
           </a:bodyPr>
-          <a:p>
-            <a:endParaRPr b="0" lang="en-FI" sz="1660" spc="-1" strike="noStrike">
+          <a:lstStyle/>
+          <a:p>
+            <a:endParaRPr lang="en-FI" sz="1660" b="0" strike="noStrike" spc="-1">
               <a:solidFill>
                 <a:srgbClr val="000000"/>
               </a:solidFill>
@@ -1800,11 +1983,12 @@
           </a:prstGeom>
         </p:spPr>
         <p:txBody>
-          <a:bodyPr lIns="0" rIns="0" tIns="0" bIns="0">
+          <a:bodyPr lIns="0" tIns="0" rIns="0" bIns="0">
             <a:normAutofit/>
           </a:bodyPr>
-          <a:p>
-            <a:endParaRPr b="0" lang="en-FI" sz="1660" spc="-1" strike="noStrike">
+          <a:lstStyle/>
+          <a:p>
+            <a:endParaRPr lang="en-FI" sz="1660" b="0" strike="noStrike" spc="-1">
               <a:solidFill>
                 <a:srgbClr val="000000"/>
               </a:solidFill>
@@ -1833,11 +2017,12 @@
           </a:prstGeom>
         </p:spPr>
         <p:txBody>
-          <a:bodyPr lIns="0" rIns="0" tIns="0" bIns="0">
+          <a:bodyPr lIns="0" tIns="0" rIns="0" bIns="0">
             <a:normAutofit/>
           </a:bodyPr>
-          <a:p>
-            <a:endParaRPr b="0" lang="en-FI" sz="1660" spc="-1" strike="noStrike">
+          <a:lstStyle/>
+          <a:p>
+            <a:endParaRPr lang="en-FI" sz="1660" b="0" strike="noStrike" spc="-1">
               <a:solidFill>
                 <a:srgbClr val="000000"/>
               </a:solidFill>
@@ -1866,11 +2051,12 @@
           </a:prstGeom>
         </p:spPr>
         <p:txBody>
-          <a:bodyPr lIns="0" rIns="0" tIns="0" bIns="0">
+          <a:bodyPr lIns="0" tIns="0" rIns="0" bIns="0">
             <a:normAutofit/>
           </a:bodyPr>
-          <a:p>
-            <a:endParaRPr b="0" lang="en-FI" sz="1660" spc="-1" strike="noStrike">
+          <a:lstStyle/>
+          <a:p>
+            <a:endParaRPr lang="en-FI" sz="1660" b="0" strike="noStrike" spc="-1">
               <a:solidFill>
                 <a:srgbClr val="000000"/>
               </a:solidFill>
@@ -1881,11 +2067,14 @@
       </p:sp>
     </p:spTree>
   </p:cSld>
+  <p:clrMapOvr>
+    <a:masterClrMapping/>
+  </p:clrMapOvr>
 </p:sldLayout>
 </file>
 
 <file path=ppt/slideLayouts/slideLayout24.xml><?xml version="1.0" encoding="utf-8"?>
-<p:sldLayout xmlns:a="http://schemas.openxmlformats.org/drawingml/2006/main" xmlns:p="http://schemas.openxmlformats.org/presentationml/2006/main" xmlns:r="http://schemas.openxmlformats.org/officeDocument/2006/relationships" xmlns:p14="http://schemas.microsoft.com/office/powerpoint/2010/main" xmlns:p15="http://schemas.microsoft.com/office/powerpoint/2012/main" xmlns:mc="http://schemas.openxmlformats.org/markup-compatibility/2006" type="blank" preserve="1">
+<p:sldLayout xmlns:a="http://schemas.openxmlformats.org/drawingml/2006/main" xmlns:r="http://schemas.openxmlformats.org/officeDocument/2006/relationships" xmlns:p="http://schemas.openxmlformats.org/presentationml/2006/main" type="blank" preserve="1">
   <p:cSld name="Title, 6 Content">
     <p:spTree>
       <p:nvGrpSpPr>
@@ -1921,11 +2110,12 @@
           </a:prstGeom>
         </p:spPr>
         <p:txBody>
-          <a:bodyPr lIns="0" rIns="0" tIns="0" bIns="0" anchor="ctr">
+          <a:bodyPr lIns="0" tIns="0" rIns="0" bIns="0" anchor="ctr">
             <a:noAutofit/>
           </a:bodyPr>
-          <a:p>
-            <a:endParaRPr b="0" lang="en-FI" sz="1660" spc="-1" strike="noStrike">
+          <a:lstStyle/>
+          <a:p>
+            <a:endParaRPr lang="en-FI" sz="1660" b="0" strike="noStrike" spc="-1">
               <a:solidFill>
                 <a:srgbClr val="000000"/>
               </a:solidFill>
@@ -1954,11 +2144,12 @@
           </a:prstGeom>
         </p:spPr>
         <p:txBody>
-          <a:bodyPr lIns="0" rIns="0" tIns="0" bIns="0">
+          <a:bodyPr lIns="0" tIns="0" rIns="0" bIns="0">
             <a:normAutofit fontScale="80000"/>
           </a:bodyPr>
-          <a:p>
-            <a:endParaRPr b="0" lang="en-FI" sz="1660" spc="-1" strike="noStrike">
+          <a:lstStyle/>
+          <a:p>
+            <a:endParaRPr lang="en-FI" sz="1660" b="0" strike="noStrike" spc="-1">
               <a:solidFill>
                 <a:srgbClr val="000000"/>
               </a:solidFill>
@@ -1987,11 +2178,12 @@
           </a:prstGeom>
         </p:spPr>
         <p:txBody>
-          <a:bodyPr lIns="0" rIns="0" tIns="0" bIns="0">
+          <a:bodyPr lIns="0" tIns="0" rIns="0" bIns="0">
             <a:normAutofit fontScale="80000"/>
           </a:bodyPr>
-          <a:p>
-            <a:endParaRPr b="0" lang="en-FI" sz="1660" spc="-1" strike="noStrike">
+          <a:lstStyle/>
+          <a:p>
+            <a:endParaRPr lang="en-FI" sz="1660" b="0" strike="noStrike" spc="-1">
               <a:solidFill>
                 <a:srgbClr val="000000"/>
               </a:solidFill>
@@ -2020,11 +2212,12 @@
           </a:prstGeom>
         </p:spPr>
         <p:txBody>
-          <a:bodyPr lIns="0" rIns="0" tIns="0" bIns="0">
+          <a:bodyPr lIns="0" tIns="0" rIns="0" bIns="0">
             <a:normAutofit fontScale="80000"/>
           </a:bodyPr>
-          <a:p>
-            <a:endParaRPr b="0" lang="en-FI" sz="1660" spc="-1" strike="noStrike">
+          <a:lstStyle/>
+          <a:p>
+            <a:endParaRPr lang="en-FI" sz="1660" b="0" strike="noStrike" spc="-1">
               <a:solidFill>
                 <a:srgbClr val="000000"/>
               </a:solidFill>
@@ -2053,11 +2246,12 @@
           </a:prstGeom>
         </p:spPr>
         <p:txBody>
-          <a:bodyPr lIns="0" rIns="0" tIns="0" bIns="0">
+          <a:bodyPr lIns="0" tIns="0" rIns="0" bIns="0">
             <a:normAutofit fontScale="80000"/>
           </a:bodyPr>
-          <a:p>
-            <a:endParaRPr b="0" lang="en-FI" sz="1660" spc="-1" strike="noStrike">
+          <a:lstStyle/>
+          <a:p>
+            <a:endParaRPr lang="en-FI" sz="1660" b="0" strike="noStrike" spc="-1">
               <a:solidFill>
                 <a:srgbClr val="000000"/>
               </a:solidFill>
@@ -2086,11 +2280,12 @@
           </a:prstGeom>
         </p:spPr>
         <p:txBody>
-          <a:bodyPr lIns="0" rIns="0" tIns="0" bIns="0">
+          <a:bodyPr lIns="0" tIns="0" rIns="0" bIns="0">
             <a:normAutofit fontScale="80000"/>
           </a:bodyPr>
-          <a:p>
-            <a:endParaRPr b="0" lang="en-FI" sz="1660" spc="-1" strike="noStrike">
+          <a:lstStyle/>
+          <a:p>
+            <a:endParaRPr lang="en-FI" sz="1660" b="0" strike="noStrike" spc="-1">
               <a:solidFill>
                 <a:srgbClr val="000000"/>
               </a:solidFill>
@@ -2119,11 +2314,12 @@
           </a:prstGeom>
         </p:spPr>
         <p:txBody>
-          <a:bodyPr lIns="0" rIns="0" tIns="0" bIns="0">
+          <a:bodyPr lIns="0" tIns="0" rIns="0" bIns="0">
             <a:normAutofit fontScale="80000"/>
           </a:bodyPr>
-          <a:p>
-            <a:endParaRPr b="0" lang="en-FI" sz="1660" spc="-1" strike="noStrike">
+          <a:lstStyle/>
+          <a:p>
+            <a:endParaRPr lang="en-FI" sz="1660" b="0" strike="noStrike" spc="-1">
               <a:solidFill>
                 <a:srgbClr val="000000"/>
               </a:solidFill>
@@ -2134,11 +2330,14 @@
       </p:sp>
     </p:spTree>
   </p:cSld>
+  <p:clrMapOvr>
+    <a:masterClrMapping/>
+  </p:clrMapOvr>
 </p:sldLayout>
 </file>
 
 <file path=ppt/slideLayouts/slideLayout25.xml><?xml version="1.0" encoding="utf-8"?>
-<p:sldLayout xmlns:a="http://schemas.openxmlformats.org/drawingml/2006/main" xmlns:p="http://schemas.openxmlformats.org/presentationml/2006/main" xmlns:r="http://schemas.openxmlformats.org/officeDocument/2006/relationships" xmlns:p14="http://schemas.microsoft.com/office/powerpoint/2010/main" xmlns:p15="http://schemas.microsoft.com/office/powerpoint/2012/main" xmlns:mc="http://schemas.openxmlformats.org/markup-compatibility/2006" type="blank" preserve="1">
+<p:sldLayout xmlns:a="http://schemas.openxmlformats.org/drawingml/2006/main" xmlns:r="http://schemas.openxmlformats.org/officeDocument/2006/relationships" xmlns:p="http://schemas.openxmlformats.org/presentationml/2006/main" type="blank" preserve="1">
   <p:cSld name="Blank Slide">
     <p:spTree>
       <p:nvGrpSpPr>
@@ -2156,11 +2355,14 @@
       </p:grpSpPr>
     </p:spTree>
   </p:cSld>
+  <p:clrMapOvr>
+    <a:masterClrMapping/>
+  </p:clrMapOvr>
 </p:sldLayout>
 </file>
 
 <file path=ppt/slideLayouts/slideLayout26.xml><?xml version="1.0" encoding="utf-8"?>
-<p:sldLayout xmlns:a="http://schemas.openxmlformats.org/drawingml/2006/main" xmlns:p="http://schemas.openxmlformats.org/presentationml/2006/main" xmlns:r="http://schemas.openxmlformats.org/officeDocument/2006/relationships" xmlns:p14="http://schemas.microsoft.com/office/powerpoint/2010/main" xmlns:p15="http://schemas.microsoft.com/office/powerpoint/2012/main" xmlns:mc="http://schemas.openxmlformats.org/markup-compatibility/2006" type="tx" preserve="1">
+<p:sldLayout xmlns:a="http://schemas.openxmlformats.org/drawingml/2006/main" xmlns:r="http://schemas.openxmlformats.org/officeDocument/2006/relationships" xmlns:p="http://schemas.openxmlformats.org/presentationml/2006/main" type="tx" preserve="1">
   <p:cSld name="Title Slide">
     <p:spTree>
       <p:nvGrpSpPr>
@@ -2196,11 +2398,12 @@
           </a:prstGeom>
         </p:spPr>
         <p:txBody>
-          <a:bodyPr lIns="0" rIns="0" tIns="0" bIns="0" anchor="ctr">
+          <a:bodyPr lIns="0" tIns="0" rIns="0" bIns="0" anchor="ctr">
             <a:noAutofit/>
           </a:bodyPr>
-          <a:p>
-            <a:endParaRPr b="0" lang="en-FI" sz="1660" spc="-1" strike="noStrike">
+          <a:lstStyle/>
+          <a:p>
+            <a:endParaRPr lang="en-FI" sz="1660" b="0" strike="noStrike" spc="-1">
               <a:solidFill>
                 <a:srgbClr val="000000"/>
               </a:solidFill>
@@ -2229,12 +2432,13 @@
           </a:prstGeom>
         </p:spPr>
         <p:txBody>
-          <a:bodyPr lIns="0" rIns="0" tIns="0" bIns="0" anchor="ctr">
+          <a:bodyPr lIns="0" tIns="0" rIns="0" bIns="0" anchor="ctr">
             <a:noAutofit/>
           </a:bodyPr>
+          <a:lstStyle/>
           <a:p>
             <a:pPr algn="ctr"/>
-            <a:endParaRPr b="0" lang="fi-FI" sz="3200" spc="-1" strike="noStrike">
+            <a:endParaRPr lang="fi-FI" sz="3200" b="0" strike="noStrike" spc="-1">
               <a:latin typeface="Arial"/>
             </a:endParaRPr>
           </a:p>
@@ -2242,11 +2446,14 @@
       </p:sp>
     </p:spTree>
   </p:cSld>
+  <p:clrMapOvr>
+    <a:masterClrMapping/>
+  </p:clrMapOvr>
 </p:sldLayout>
 </file>
 
 <file path=ppt/slideLayouts/slideLayout27.xml><?xml version="1.0" encoding="utf-8"?>
-<p:sldLayout xmlns:a="http://schemas.openxmlformats.org/drawingml/2006/main" xmlns:p="http://schemas.openxmlformats.org/presentationml/2006/main" xmlns:r="http://schemas.openxmlformats.org/officeDocument/2006/relationships" xmlns:p14="http://schemas.microsoft.com/office/powerpoint/2010/main" xmlns:p15="http://schemas.microsoft.com/office/powerpoint/2012/main" xmlns:mc="http://schemas.openxmlformats.org/markup-compatibility/2006" type="obj" preserve="1">
+<p:sldLayout xmlns:a="http://schemas.openxmlformats.org/drawingml/2006/main" xmlns:r="http://schemas.openxmlformats.org/officeDocument/2006/relationships" xmlns:p="http://schemas.openxmlformats.org/presentationml/2006/main" type="obj" preserve="1">
   <p:cSld name="Title, Content">
     <p:spTree>
       <p:nvGrpSpPr>
@@ -2282,11 +2489,12 @@
           </a:prstGeom>
         </p:spPr>
         <p:txBody>
-          <a:bodyPr lIns="0" rIns="0" tIns="0" bIns="0" anchor="ctr">
+          <a:bodyPr lIns="0" tIns="0" rIns="0" bIns="0" anchor="ctr">
             <a:noAutofit/>
           </a:bodyPr>
-          <a:p>
-            <a:endParaRPr b="0" lang="en-FI" sz="1660" spc="-1" strike="noStrike">
+          <a:lstStyle/>
+          <a:p>
+            <a:endParaRPr lang="en-FI" sz="1660" b="0" strike="noStrike" spc="-1">
               <a:solidFill>
                 <a:srgbClr val="000000"/>
               </a:solidFill>
@@ -2315,11 +2523,12 @@
           </a:prstGeom>
         </p:spPr>
         <p:txBody>
-          <a:bodyPr lIns="0" rIns="0" tIns="0" bIns="0">
+          <a:bodyPr lIns="0" tIns="0" rIns="0" bIns="0">
             <a:normAutofit/>
           </a:bodyPr>
-          <a:p>
-            <a:endParaRPr b="0" lang="en-FI" sz="1660" spc="-1" strike="noStrike">
+          <a:lstStyle/>
+          <a:p>
+            <a:endParaRPr lang="en-FI" sz="1660" b="0" strike="noStrike" spc="-1">
               <a:solidFill>
                 <a:srgbClr val="000000"/>
               </a:solidFill>
@@ -2330,11 +2539,14 @@
       </p:sp>
     </p:spTree>
   </p:cSld>
+  <p:clrMapOvr>
+    <a:masterClrMapping/>
+  </p:clrMapOvr>
 </p:sldLayout>
 </file>
 
 <file path=ppt/slideLayouts/slideLayout28.xml><?xml version="1.0" encoding="utf-8"?>
-<p:sldLayout xmlns:a="http://schemas.openxmlformats.org/drawingml/2006/main" xmlns:p="http://schemas.openxmlformats.org/presentationml/2006/main" xmlns:r="http://schemas.openxmlformats.org/officeDocument/2006/relationships" xmlns:p14="http://schemas.microsoft.com/office/powerpoint/2010/main" xmlns:p15="http://schemas.microsoft.com/office/powerpoint/2012/main" xmlns:mc="http://schemas.openxmlformats.org/markup-compatibility/2006" type="twoObj" preserve="1">
+<p:sldLayout xmlns:a="http://schemas.openxmlformats.org/drawingml/2006/main" xmlns:r="http://schemas.openxmlformats.org/officeDocument/2006/relationships" xmlns:p="http://schemas.openxmlformats.org/presentationml/2006/main" type="twoObj" preserve="1">
   <p:cSld name="Title, 2 Content">
     <p:spTree>
       <p:nvGrpSpPr>
@@ -2370,11 +2582,12 @@
           </a:prstGeom>
         </p:spPr>
         <p:txBody>
-          <a:bodyPr lIns="0" rIns="0" tIns="0" bIns="0" anchor="ctr">
+          <a:bodyPr lIns="0" tIns="0" rIns="0" bIns="0" anchor="ctr">
             <a:noAutofit/>
           </a:bodyPr>
-          <a:p>
-            <a:endParaRPr b="0" lang="en-FI" sz="1660" spc="-1" strike="noStrike">
+          <a:lstStyle/>
+          <a:p>
+            <a:endParaRPr lang="en-FI" sz="1660" b="0" strike="noStrike" spc="-1">
               <a:solidFill>
                 <a:srgbClr val="000000"/>
               </a:solidFill>
@@ -2403,11 +2616,12 @@
           </a:prstGeom>
         </p:spPr>
         <p:txBody>
-          <a:bodyPr lIns="0" rIns="0" tIns="0" bIns="0">
+          <a:bodyPr lIns="0" tIns="0" rIns="0" bIns="0">
             <a:normAutofit/>
           </a:bodyPr>
-          <a:p>
-            <a:endParaRPr b="0" lang="en-FI" sz="1660" spc="-1" strike="noStrike">
+          <a:lstStyle/>
+          <a:p>
+            <a:endParaRPr lang="en-FI" sz="1660" b="0" strike="noStrike" spc="-1">
               <a:solidFill>
                 <a:srgbClr val="000000"/>
               </a:solidFill>
@@ -2436,11 +2650,12 @@
           </a:prstGeom>
         </p:spPr>
         <p:txBody>
-          <a:bodyPr lIns="0" rIns="0" tIns="0" bIns="0">
+          <a:bodyPr lIns="0" tIns="0" rIns="0" bIns="0">
             <a:normAutofit/>
           </a:bodyPr>
-          <a:p>
-            <a:endParaRPr b="0" lang="en-FI" sz="1660" spc="-1" strike="noStrike">
+          <a:lstStyle/>
+          <a:p>
+            <a:endParaRPr lang="en-FI" sz="1660" b="0" strike="noStrike" spc="-1">
               <a:solidFill>
                 <a:srgbClr val="000000"/>
               </a:solidFill>
@@ -2451,11 +2666,14 @@
       </p:sp>
     </p:spTree>
   </p:cSld>
+  <p:clrMapOvr>
+    <a:masterClrMapping/>
+  </p:clrMapOvr>
 </p:sldLayout>
 </file>
 
 <file path=ppt/slideLayouts/slideLayout29.xml><?xml version="1.0" encoding="utf-8"?>
-<p:sldLayout xmlns:a="http://schemas.openxmlformats.org/drawingml/2006/main" xmlns:p="http://schemas.openxmlformats.org/presentationml/2006/main" xmlns:r="http://schemas.openxmlformats.org/officeDocument/2006/relationships" xmlns:p14="http://schemas.microsoft.com/office/powerpoint/2010/main" xmlns:p15="http://schemas.microsoft.com/office/powerpoint/2012/main" xmlns:mc="http://schemas.openxmlformats.org/markup-compatibility/2006" type="titleOnly" preserve="1">
+<p:sldLayout xmlns:a="http://schemas.openxmlformats.org/drawingml/2006/main" xmlns:r="http://schemas.openxmlformats.org/officeDocument/2006/relationships" xmlns:p="http://schemas.openxmlformats.org/presentationml/2006/main" type="titleOnly" preserve="1">
   <p:cSld name="Title Only">
     <p:spTree>
       <p:nvGrpSpPr>
@@ -2491,11 +2709,12 @@
           </a:prstGeom>
         </p:spPr>
         <p:txBody>
-          <a:bodyPr lIns="0" rIns="0" tIns="0" bIns="0" anchor="ctr">
+          <a:bodyPr lIns="0" tIns="0" rIns="0" bIns="0" anchor="ctr">
             <a:noAutofit/>
           </a:bodyPr>
-          <a:p>
-            <a:endParaRPr b="0" lang="en-FI" sz="1660" spc="-1" strike="noStrike">
+          <a:lstStyle/>
+          <a:p>
+            <a:endParaRPr lang="en-FI" sz="1660" b="0" strike="noStrike" spc="-1">
               <a:solidFill>
                 <a:srgbClr val="000000"/>
               </a:solidFill>
@@ -2506,11 +2725,14 @@
       </p:sp>
     </p:spTree>
   </p:cSld>
+  <p:clrMapOvr>
+    <a:masterClrMapping/>
+  </p:clrMapOvr>
 </p:sldLayout>
 </file>
 
 <file path=ppt/slideLayouts/slideLayout3.xml><?xml version="1.0" encoding="utf-8"?>
-<p:sldLayout xmlns:a="http://schemas.openxmlformats.org/drawingml/2006/main" xmlns:p="http://schemas.openxmlformats.org/presentationml/2006/main" xmlns:r="http://schemas.openxmlformats.org/officeDocument/2006/relationships" xmlns:p14="http://schemas.microsoft.com/office/powerpoint/2010/main" xmlns:p15="http://schemas.microsoft.com/office/powerpoint/2012/main" xmlns:mc="http://schemas.openxmlformats.org/markup-compatibility/2006" type="obj" preserve="1">
+<p:sldLayout xmlns:a="http://schemas.openxmlformats.org/drawingml/2006/main" xmlns:r="http://schemas.openxmlformats.org/officeDocument/2006/relationships" xmlns:p="http://schemas.openxmlformats.org/presentationml/2006/main" type="obj" preserve="1">
   <p:cSld name="Title, Content">
     <p:spTree>
       <p:nvGrpSpPr>
@@ -2546,11 +2768,12 @@
           </a:prstGeom>
         </p:spPr>
         <p:txBody>
-          <a:bodyPr lIns="0" rIns="0" tIns="0" bIns="0" anchor="ctr">
+          <a:bodyPr lIns="0" tIns="0" rIns="0" bIns="0" anchor="ctr">
             <a:noAutofit/>
           </a:bodyPr>
-          <a:p>
-            <a:endParaRPr b="0" lang="en-FI" sz="1660" spc="-1" strike="noStrike">
+          <a:lstStyle/>
+          <a:p>
+            <a:endParaRPr lang="en-FI" sz="1660" b="0" strike="noStrike" spc="-1">
               <a:solidFill>
                 <a:srgbClr val="000000"/>
               </a:solidFill>
@@ -2579,11 +2802,12 @@
           </a:prstGeom>
         </p:spPr>
         <p:txBody>
-          <a:bodyPr lIns="0" rIns="0" tIns="0" bIns="0">
+          <a:bodyPr lIns="0" tIns="0" rIns="0" bIns="0">
             <a:normAutofit/>
           </a:bodyPr>
-          <a:p>
-            <a:endParaRPr b="0" lang="en-FI" sz="1660" spc="-1" strike="noStrike">
+          <a:lstStyle/>
+          <a:p>
+            <a:endParaRPr lang="en-FI" sz="1660" b="0" strike="noStrike" spc="-1">
               <a:solidFill>
                 <a:srgbClr val="000000"/>
               </a:solidFill>
@@ -2594,11 +2818,14 @@
       </p:sp>
     </p:spTree>
   </p:cSld>
+  <p:clrMapOvr>
+    <a:masterClrMapping/>
+  </p:clrMapOvr>
 </p:sldLayout>
 </file>
 
 <file path=ppt/slideLayouts/slideLayout30.xml><?xml version="1.0" encoding="utf-8"?>
-<p:sldLayout xmlns:a="http://schemas.openxmlformats.org/drawingml/2006/main" xmlns:p="http://schemas.openxmlformats.org/presentationml/2006/main" xmlns:r="http://schemas.openxmlformats.org/officeDocument/2006/relationships" xmlns:p14="http://schemas.microsoft.com/office/powerpoint/2010/main" xmlns:p15="http://schemas.microsoft.com/office/powerpoint/2012/main" xmlns:mc="http://schemas.openxmlformats.org/markup-compatibility/2006" type="objOnly" preserve="1">
+<p:sldLayout xmlns:a="http://schemas.openxmlformats.org/drawingml/2006/main" xmlns:r="http://schemas.openxmlformats.org/officeDocument/2006/relationships" xmlns:p="http://schemas.openxmlformats.org/presentationml/2006/main" type="objOnly" preserve="1">
   <p:cSld name="Centered Text">
     <p:spTree>
       <p:nvGrpSpPr>
@@ -2634,12 +2861,13 @@
           </a:prstGeom>
         </p:spPr>
         <p:txBody>
-          <a:bodyPr lIns="0" rIns="0" tIns="0" bIns="0" anchor="ctr">
+          <a:bodyPr lIns="0" tIns="0" rIns="0" bIns="0" anchor="ctr">
             <a:noAutofit/>
           </a:bodyPr>
+          <a:lstStyle/>
           <a:p>
             <a:pPr algn="ctr"/>
-            <a:endParaRPr b="0" lang="fi-FI" sz="3200" spc="-1" strike="noStrike">
+            <a:endParaRPr lang="fi-FI" sz="3200" b="0" strike="noStrike" spc="-1">
               <a:latin typeface="Arial"/>
             </a:endParaRPr>
           </a:p>
@@ -2647,11 +2875,14 @@
       </p:sp>
     </p:spTree>
   </p:cSld>
+  <p:clrMapOvr>
+    <a:masterClrMapping/>
+  </p:clrMapOvr>
 </p:sldLayout>
 </file>
 
 <file path=ppt/slideLayouts/slideLayout31.xml><?xml version="1.0" encoding="utf-8"?>
-<p:sldLayout xmlns:a="http://schemas.openxmlformats.org/drawingml/2006/main" xmlns:p="http://schemas.openxmlformats.org/presentationml/2006/main" xmlns:r="http://schemas.openxmlformats.org/officeDocument/2006/relationships" xmlns:p14="http://schemas.microsoft.com/office/powerpoint/2010/main" xmlns:p15="http://schemas.microsoft.com/office/powerpoint/2012/main" xmlns:mc="http://schemas.openxmlformats.org/markup-compatibility/2006" type="twoObjAndObj" preserve="1">
+<p:sldLayout xmlns:a="http://schemas.openxmlformats.org/drawingml/2006/main" xmlns:r="http://schemas.openxmlformats.org/officeDocument/2006/relationships" xmlns:p="http://schemas.openxmlformats.org/presentationml/2006/main" type="twoObjAndObj" preserve="1">
   <p:cSld name="Title, 2 Content and Content">
     <p:spTree>
       <p:nvGrpSpPr>
@@ -2687,11 +2918,12 @@
           </a:prstGeom>
         </p:spPr>
         <p:txBody>
-          <a:bodyPr lIns="0" rIns="0" tIns="0" bIns="0" anchor="ctr">
+          <a:bodyPr lIns="0" tIns="0" rIns="0" bIns="0" anchor="ctr">
             <a:noAutofit/>
           </a:bodyPr>
-          <a:p>
-            <a:endParaRPr b="0" lang="en-FI" sz="1660" spc="-1" strike="noStrike">
+          <a:lstStyle/>
+          <a:p>
+            <a:endParaRPr lang="en-FI" sz="1660" b="0" strike="noStrike" spc="-1">
               <a:solidFill>
                 <a:srgbClr val="000000"/>
               </a:solidFill>
@@ -2720,11 +2952,12 @@
           </a:prstGeom>
         </p:spPr>
         <p:txBody>
-          <a:bodyPr lIns="0" rIns="0" tIns="0" bIns="0">
+          <a:bodyPr lIns="0" tIns="0" rIns="0" bIns="0">
             <a:normAutofit/>
           </a:bodyPr>
-          <a:p>
-            <a:endParaRPr b="0" lang="en-FI" sz="1660" spc="-1" strike="noStrike">
+          <a:lstStyle/>
+          <a:p>
+            <a:endParaRPr lang="en-FI" sz="1660" b="0" strike="noStrike" spc="-1">
               <a:solidFill>
                 <a:srgbClr val="000000"/>
               </a:solidFill>
@@ -2753,11 +2986,12 @@
           </a:prstGeom>
         </p:spPr>
         <p:txBody>
-          <a:bodyPr lIns="0" rIns="0" tIns="0" bIns="0">
+          <a:bodyPr lIns="0" tIns="0" rIns="0" bIns="0">
             <a:normAutofit/>
           </a:bodyPr>
-          <a:p>
-            <a:endParaRPr b="0" lang="en-FI" sz="1660" spc="-1" strike="noStrike">
+          <a:lstStyle/>
+          <a:p>
+            <a:endParaRPr lang="en-FI" sz="1660" b="0" strike="noStrike" spc="-1">
               <a:solidFill>
                 <a:srgbClr val="000000"/>
               </a:solidFill>
@@ -2786,11 +3020,12 @@
           </a:prstGeom>
         </p:spPr>
         <p:txBody>
-          <a:bodyPr lIns="0" rIns="0" tIns="0" bIns="0">
+          <a:bodyPr lIns="0" tIns="0" rIns="0" bIns="0">
             <a:normAutofit/>
           </a:bodyPr>
-          <a:p>
-            <a:endParaRPr b="0" lang="en-FI" sz="1660" spc="-1" strike="noStrike">
+          <a:lstStyle/>
+          <a:p>
+            <a:endParaRPr lang="en-FI" sz="1660" b="0" strike="noStrike" spc="-1">
               <a:solidFill>
                 <a:srgbClr val="000000"/>
               </a:solidFill>
@@ -2801,11 +3036,14 @@
       </p:sp>
     </p:spTree>
   </p:cSld>
+  <p:clrMapOvr>
+    <a:masterClrMapping/>
+  </p:clrMapOvr>
 </p:sldLayout>
 </file>
 
 <file path=ppt/slideLayouts/slideLayout32.xml><?xml version="1.0" encoding="utf-8"?>
-<p:sldLayout xmlns:a="http://schemas.openxmlformats.org/drawingml/2006/main" xmlns:p="http://schemas.openxmlformats.org/presentationml/2006/main" xmlns:r="http://schemas.openxmlformats.org/officeDocument/2006/relationships" xmlns:p14="http://schemas.microsoft.com/office/powerpoint/2010/main" xmlns:p15="http://schemas.microsoft.com/office/powerpoint/2012/main" xmlns:mc="http://schemas.openxmlformats.org/markup-compatibility/2006" type="objAndTwoObj" preserve="1">
+<p:sldLayout xmlns:a="http://schemas.openxmlformats.org/drawingml/2006/main" xmlns:r="http://schemas.openxmlformats.org/officeDocument/2006/relationships" xmlns:p="http://schemas.openxmlformats.org/presentationml/2006/main" type="objAndTwoObj" preserve="1">
   <p:cSld name="Title Content and 2 Content">
     <p:spTree>
       <p:nvGrpSpPr>
@@ -2841,11 +3079,12 @@
           </a:prstGeom>
         </p:spPr>
         <p:txBody>
-          <a:bodyPr lIns="0" rIns="0" tIns="0" bIns="0" anchor="ctr">
+          <a:bodyPr lIns="0" tIns="0" rIns="0" bIns="0" anchor="ctr">
             <a:noAutofit/>
           </a:bodyPr>
-          <a:p>
-            <a:endParaRPr b="0" lang="en-FI" sz="1660" spc="-1" strike="noStrike">
+          <a:lstStyle/>
+          <a:p>
+            <a:endParaRPr lang="en-FI" sz="1660" b="0" strike="noStrike" spc="-1">
               <a:solidFill>
                 <a:srgbClr val="000000"/>
               </a:solidFill>
@@ -2874,11 +3113,12 @@
           </a:prstGeom>
         </p:spPr>
         <p:txBody>
-          <a:bodyPr lIns="0" rIns="0" tIns="0" bIns="0">
+          <a:bodyPr lIns="0" tIns="0" rIns="0" bIns="0">
             <a:normAutofit/>
           </a:bodyPr>
-          <a:p>
-            <a:endParaRPr b="0" lang="en-FI" sz="1660" spc="-1" strike="noStrike">
+          <a:lstStyle/>
+          <a:p>
+            <a:endParaRPr lang="en-FI" sz="1660" b="0" strike="noStrike" spc="-1">
               <a:solidFill>
                 <a:srgbClr val="000000"/>
               </a:solidFill>
@@ -2907,11 +3147,12 @@
           </a:prstGeom>
         </p:spPr>
         <p:txBody>
-          <a:bodyPr lIns="0" rIns="0" tIns="0" bIns="0">
+          <a:bodyPr lIns="0" tIns="0" rIns="0" bIns="0">
             <a:normAutofit/>
           </a:bodyPr>
-          <a:p>
-            <a:endParaRPr b="0" lang="en-FI" sz="1660" spc="-1" strike="noStrike">
+          <a:lstStyle/>
+          <a:p>
+            <a:endParaRPr lang="en-FI" sz="1660" b="0" strike="noStrike" spc="-1">
               <a:solidFill>
                 <a:srgbClr val="000000"/>
               </a:solidFill>
@@ -2940,11 +3181,12 @@
           </a:prstGeom>
         </p:spPr>
         <p:txBody>
-          <a:bodyPr lIns="0" rIns="0" tIns="0" bIns="0">
+          <a:bodyPr lIns="0" tIns="0" rIns="0" bIns="0">
             <a:normAutofit/>
           </a:bodyPr>
-          <a:p>
-            <a:endParaRPr b="0" lang="en-FI" sz="1660" spc="-1" strike="noStrike">
+          <a:lstStyle/>
+          <a:p>
+            <a:endParaRPr lang="en-FI" sz="1660" b="0" strike="noStrike" spc="-1">
               <a:solidFill>
                 <a:srgbClr val="000000"/>
               </a:solidFill>
@@ -2955,11 +3197,14 @@
       </p:sp>
     </p:spTree>
   </p:cSld>
+  <p:clrMapOvr>
+    <a:masterClrMapping/>
+  </p:clrMapOvr>
 </p:sldLayout>
 </file>
 
 <file path=ppt/slideLayouts/slideLayout33.xml><?xml version="1.0" encoding="utf-8"?>
-<p:sldLayout xmlns:a="http://schemas.openxmlformats.org/drawingml/2006/main" xmlns:p="http://schemas.openxmlformats.org/presentationml/2006/main" xmlns:r="http://schemas.openxmlformats.org/officeDocument/2006/relationships" xmlns:p14="http://schemas.microsoft.com/office/powerpoint/2010/main" xmlns:p15="http://schemas.microsoft.com/office/powerpoint/2012/main" xmlns:mc="http://schemas.openxmlformats.org/markup-compatibility/2006" type="twoObjOverTx" preserve="1">
+<p:sldLayout xmlns:a="http://schemas.openxmlformats.org/drawingml/2006/main" xmlns:r="http://schemas.openxmlformats.org/officeDocument/2006/relationships" xmlns:p="http://schemas.openxmlformats.org/presentationml/2006/main" type="twoObjOverTx" preserve="1">
   <p:cSld name="Title, 2 Content over Content">
     <p:spTree>
       <p:nvGrpSpPr>
@@ -2995,11 +3240,12 @@
           </a:prstGeom>
         </p:spPr>
         <p:txBody>
-          <a:bodyPr lIns="0" rIns="0" tIns="0" bIns="0" anchor="ctr">
+          <a:bodyPr lIns="0" tIns="0" rIns="0" bIns="0" anchor="ctr">
             <a:noAutofit/>
           </a:bodyPr>
-          <a:p>
-            <a:endParaRPr b="0" lang="en-FI" sz="1660" spc="-1" strike="noStrike">
+          <a:lstStyle/>
+          <a:p>
+            <a:endParaRPr lang="en-FI" sz="1660" b="0" strike="noStrike" spc="-1">
               <a:solidFill>
                 <a:srgbClr val="000000"/>
               </a:solidFill>
@@ -3028,11 +3274,12 @@
           </a:prstGeom>
         </p:spPr>
         <p:txBody>
-          <a:bodyPr lIns="0" rIns="0" tIns="0" bIns="0">
+          <a:bodyPr lIns="0" tIns="0" rIns="0" bIns="0">
             <a:normAutofit/>
           </a:bodyPr>
-          <a:p>
-            <a:endParaRPr b="0" lang="en-FI" sz="1660" spc="-1" strike="noStrike">
+          <a:lstStyle/>
+          <a:p>
+            <a:endParaRPr lang="en-FI" sz="1660" b="0" strike="noStrike" spc="-1">
               <a:solidFill>
                 <a:srgbClr val="000000"/>
               </a:solidFill>
@@ -3061,11 +3308,12 @@
           </a:prstGeom>
         </p:spPr>
         <p:txBody>
-          <a:bodyPr lIns="0" rIns="0" tIns="0" bIns="0">
+          <a:bodyPr lIns="0" tIns="0" rIns="0" bIns="0">
             <a:normAutofit/>
           </a:bodyPr>
-          <a:p>
-            <a:endParaRPr b="0" lang="en-FI" sz="1660" spc="-1" strike="noStrike">
+          <a:lstStyle/>
+          <a:p>
+            <a:endParaRPr lang="en-FI" sz="1660" b="0" strike="noStrike" spc="-1">
               <a:solidFill>
                 <a:srgbClr val="000000"/>
               </a:solidFill>
@@ -3094,11 +3342,12 @@
           </a:prstGeom>
         </p:spPr>
         <p:txBody>
-          <a:bodyPr lIns="0" rIns="0" tIns="0" bIns="0">
+          <a:bodyPr lIns="0" tIns="0" rIns="0" bIns="0">
             <a:normAutofit/>
           </a:bodyPr>
-          <a:p>
-            <a:endParaRPr b="0" lang="en-FI" sz="1660" spc="-1" strike="noStrike">
+          <a:lstStyle/>
+          <a:p>
+            <a:endParaRPr lang="en-FI" sz="1660" b="0" strike="noStrike" spc="-1">
               <a:solidFill>
                 <a:srgbClr val="000000"/>
               </a:solidFill>
@@ -3109,11 +3358,14 @@
       </p:sp>
     </p:spTree>
   </p:cSld>
+  <p:clrMapOvr>
+    <a:masterClrMapping/>
+  </p:clrMapOvr>
 </p:sldLayout>
 </file>
 
 <file path=ppt/slideLayouts/slideLayout34.xml><?xml version="1.0" encoding="utf-8"?>
-<p:sldLayout xmlns:a="http://schemas.openxmlformats.org/drawingml/2006/main" xmlns:p="http://schemas.openxmlformats.org/presentationml/2006/main" xmlns:r="http://schemas.openxmlformats.org/officeDocument/2006/relationships" xmlns:p14="http://schemas.microsoft.com/office/powerpoint/2010/main" xmlns:p15="http://schemas.microsoft.com/office/powerpoint/2012/main" xmlns:mc="http://schemas.openxmlformats.org/markup-compatibility/2006" type="objOverTx" preserve="1">
+<p:sldLayout xmlns:a="http://schemas.openxmlformats.org/drawingml/2006/main" xmlns:r="http://schemas.openxmlformats.org/officeDocument/2006/relationships" xmlns:p="http://schemas.openxmlformats.org/presentationml/2006/main" type="objOverTx" preserve="1">
   <p:cSld name="Title, Content over Content">
     <p:spTree>
       <p:nvGrpSpPr>
@@ -3149,11 +3401,12 @@
           </a:prstGeom>
         </p:spPr>
         <p:txBody>
-          <a:bodyPr lIns="0" rIns="0" tIns="0" bIns="0" anchor="ctr">
+          <a:bodyPr lIns="0" tIns="0" rIns="0" bIns="0" anchor="ctr">
             <a:noAutofit/>
           </a:bodyPr>
-          <a:p>
-            <a:endParaRPr b="0" lang="en-FI" sz="1660" spc="-1" strike="noStrike">
+          <a:lstStyle/>
+          <a:p>
+            <a:endParaRPr lang="en-FI" sz="1660" b="0" strike="noStrike" spc="-1">
               <a:solidFill>
                 <a:srgbClr val="000000"/>
               </a:solidFill>
@@ -3182,11 +3435,12 @@
           </a:prstGeom>
         </p:spPr>
         <p:txBody>
-          <a:bodyPr lIns="0" rIns="0" tIns="0" bIns="0">
+          <a:bodyPr lIns="0" tIns="0" rIns="0" bIns="0">
             <a:normAutofit/>
           </a:bodyPr>
-          <a:p>
-            <a:endParaRPr b="0" lang="en-FI" sz="1660" spc="-1" strike="noStrike">
+          <a:lstStyle/>
+          <a:p>
+            <a:endParaRPr lang="en-FI" sz="1660" b="0" strike="noStrike" spc="-1">
               <a:solidFill>
                 <a:srgbClr val="000000"/>
               </a:solidFill>
@@ -3215,11 +3469,12 @@
           </a:prstGeom>
         </p:spPr>
         <p:txBody>
-          <a:bodyPr lIns="0" rIns="0" tIns="0" bIns="0">
+          <a:bodyPr lIns="0" tIns="0" rIns="0" bIns="0">
             <a:normAutofit/>
           </a:bodyPr>
-          <a:p>
-            <a:endParaRPr b="0" lang="en-FI" sz="1660" spc="-1" strike="noStrike">
+          <a:lstStyle/>
+          <a:p>
+            <a:endParaRPr lang="en-FI" sz="1660" b="0" strike="noStrike" spc="-1">
               <a:solidFill>
                 <a:srgbClr val="000000"/>
               </a:solidFill>
@@ -3230,11 +3485,14 @@
       </p:sp>
     </p:spTree>
   </p:cSld>
+  <p:clrMapOvr>
+    <a:masterClrMapping/>
+  </p:clrMapOvr>
 </p:sldLayout>
 </file>
 
 <file path=ppt/slideLayouts/slideLayout35.xml><?xml version="1.0" encoding="utf-8"?>
-<p:sldLayout xmlns:a="http://schemas.openxmlformats.org/drawingml/2006/main" xmlns:p="http://schemas.openxmlformats.org/presentationml/2006/main" xmlns:r="http://schemas.openxmlformats.org/officeDocument/2006/relationships" xmlns:p14="http://schemas.microsoft.com/office/powerpoint/2010/main" xmlns:p15="http://schemas.microsoft.com/office/powerpoint/2012/main" xmlns:mc="http://schemas.openxmlformats.org/markup-compatibility/2006" type="fourObj" preserve="1">
+<p:sldLayout xmlns:a="http://schemas.openxmlformats.org/drawingml/2006/main" xmlns:r="http://schemas.openxmlformats.org/officeDocument/2006/relationships" xmlns:p="http://schemas.openxmlformats.org/presentationml/2006/main" type="fourObj" preserve="1">
   <p:cSld name="Title, 4 Content">
     <p:spTree>
       <p:nvGrpSpPr>
@@ -3270,11 +3528,12 @@
           </a:prstGeom>
         </p:spPr>
         <p:txBody>
-          <a:bodyPr lIns="0" rIns="0" tIns="0" bIns="0" anchor="ctr">
+          <a:bodyPr lIns="0" tIns="0" rIns="0" bIns="0" anchor="ctr">
             <a:noAutofit/>
           </a:bodyPr>
-          <a:p>
-            <a:endParaRPr b="0" lang="en-FI" sz="1660" spc="-1" strike="noStrike">
+          <a:lstStyle/>
+          <a:p>
+            <a:endParaRPr lang="en-FI" sz="1660" b="0" strike="noStrike" spc="-1">
               <a:solidFill>
                 <a:srgbClr val="000000"/>
               </a:solidFill>
@@ -3303,11 +3562,12 @@
           </a:prstGeom>
         </p:spPr>
         <p:txBody>
-          <a:bodyPr lIns="0" rIns="0" tIns="0" bIns="0">
+          <a:bodyPr lIns="0" tIns="0" rIns="0" bIns="0">
             <a:normAutofit/>
           </a:bodyPr>
-          <a:p>
-            <a:endParaRPr b="0" lang="en-FI" sz="1660" spc="-1" strike="noStrike">
+          <a:lstStyle/>
+          <a:p>
+            <a:endParaRPr lang="en-FI" sz="1660" b="0" strike="noStrike" spc="-1">
               <a:solidFill>
                 <a:srgbClr val="000000"/>
               </a:solidFill>
@@ -3336,11 +3596,12 @@
           </a:prstGeom>
         </p:spPr>
         <p:txBody>
-          <a:bodyPr lIns="0" rIns="0" tIns="0" bIns="0">
+          <a:bodyPr lIns="0" tIns="0" rIns="0" bIns="0">
             <a:normAutofit/>
           </a:bodyPr>
-          <a:p>
-            <a:endParaRPr b="0" lang="en-FI" sz="1660" spc="-1" strike="noStrike">
+          <a:lstStyle/>
+          <a:p>
+            <a:endParaRPr lang="en-FI" sz="1660" b="0" strike="noStrike" spc="-1">
               <a:solidFill>
                 <a:srgbClr val="000000"/>
               </a:solidFill>
@@ -3369,11 +3630,12 @@
           </a:prstGeom>
         </p:spPr>
         <p:txBody>
-          <a:bodyPr lIns="0" rIns="0" tIns="0" bIns="0">
+          <a:bodyPr lIns="0" tIns="0" rIns="0" bIns="0">
             <a:normAutofit/>
           </a:bodyPr>
-          <a:p>
-            <a:endParaRPr b="0" lang="en-FI" sz="1660" spc="-1" strike="noStrike">
+          <a:lstStyle/>
+          <a:p>
+            <a:endParaRPr lang="en-FI" sz="1660" b="0" strike="noStrike" spc="-1">
               <a:solidFill>
                 <a:srgbClr val="000000"/>
               </a:solidFill>
@@ -3402,11 +3664,12 @@
           </a:prstGeom>
         </p:spPr>
         <p:txBody>
-          <a:bodyPr lIns="0" rIns="0" tIns="0" bIns="0">
+          <a:bodyPr lIns="0" tIns="0" rIns="0" bIns="0">
             <a:normAutofit/>
           </a:bodyPr>
-          <a:p>
-            <a:endParaRPr b="0" lang="en-FI" sz="1660" spc="-1" strike="noStrike">
+          <a:lstStyle/>
+          <a:p>
+            <a:endParaRPr lang="en-FI" sz="1660" b="0" strike="noStrike" spc="-1">
               <a:solidFill>
                 <a:srgbClr val="000000"/>
               </a:solidFill>
@@ -3417,11 +3680,14 @@
       </p:sp>
     </p:spTree>
   </p:cSld>
+  <p:clrMapOvr>
+    <a:masterClrMapping/>
+  </p:clrMapOvr>
 </p:sldLayout>
 </file>
 
 <file path=ppt/slideLayouts/slideLayout36.xml><?xml version="1.0" encoding="utf-8"?>
-<p:sldLayout xmlns:a="http://schemas.openxmlformats.org/drawingml/2006/main" xmlns:p="http://schemas.openxmlformats.org/presentationml/2006/main" xmlns:r="http://schemas.openxmlformats.org/officeDocument/2006/relationships" xmlns:p14="http://schemas.microsoft.com/office/powerpoint/2010/main" xmlns:p15="http://schemas.microsoft.com/office/powerpoint/2012/main" xmlns:mc="http://schemas.openxmlformats.org/markup-compatibility/2006" type="blank" preserve="1">
+<p:sldLayout xmlns:a="http://schemas.openxmlformats.org/drawingml/2006/main" xmlns:r="http://schemas.openxmlformats.org/officeDocument/2006/relationships" xmlns:p="http://schemas.openxmlformats.org/presentationml/2006/main" type="blank" preserve="1">
   <p:cSld name="Title, 6 Content">
     <p:spTree>
       <p:nvGrpSpPr>
@@ -3457,11 +3723,12 @@
           </a:prstGeom>
         </p:spPr>
         <p:txBody>
-          <a:bodyPr lIns="0" rIns="0" tIns="0" bIns="0" anchor="ctr">
+          <a:bodyPr lIns="0" tIns="0" rIns="0" bIns="0" anchor="ctr">
             <a:noAutofit/>
           </a:bodyPr>
-          <a:p>
-            <a:endParaRPr b="0" lang="en-FI" sz="1660" spc="-1" strike="noStrike">
+          <a:lstStyle/>
+          <a:p>
+            <a:endParaRPr lang="en-FI" sz="1660" b="0" strike="noStrike" spc="-1">
               <a:solidFill>
                 <a:srgbClr val="000000"/>
               </a:solidFill>
@@ -3490,11 +3757,12 @@
           </a:prstGeom>
         </p:spPr>
         <p:txBody>
-          <a:bodyPr lIns="0" rIns="0" tIns="0" bIns="0">
+          <a:bodyPr lIns="0" tIns="0" rIns="0" bIns="0">
             <a:normAutofit fontScale="80000"/>
           </a:bodyPr>
-          <a:p>
-            <a:endParaRPr b="0" lang="en-FI" sz="1660" spc="-1" strike="noStrike">
+          <a:lstStyle/>
+          <a:p>
+            <a:endParaRPr lang="en-FI" sz="1660" b="0" strike="noStrike" spc="-1">
               <a:solidFill>
                 <a:srgbClr val="000000"/>
               </a:solidFill>
@@ -3523,11 +3791,12 @@
           </a:prstGeom>
         </p:spPr>
         <p:txBody>
-          <a:bodyPr lIns="0" rIns="0" tIns="0" bIns="0">
+          <a:bodyPr lIns="0" tIns="0" rIns="0" bIns="0">
             <a:normAutofit fontScale="80000"/>
           </a:bodyPr>
-          <a:p>
-            <a:endParaRPr b="0" lang="en-FI" sz="1660" spc="-1" strike="noStrike">
+          <a:lstStyle/>
+          <a:p>
+            <a:endParaRPr lang="en-FI" sz="1660" b="0" strike="noStrike" spc="-1">
               <a:solidFill>
                 <a:srgbClr val="000000"/>
               </a:solidFill>
@@ -3556,11 +3825,12 @@
           </a:prstGeom>
         </p:spPr>
         <p:txBody>
-          <a:bodyPr lIns="0" rIns="0" tIns="0" bIns="0">
+          <a:bodyPr lIns="0" tIns="0" rIns="0" bIns="0">
             <a:normAutofit fontScale="80000"/>
           </a:bodyPr>
-          <a:p>
-            <a:endParaRPr b="0" lang="en-FI" sz="1660" spc="-1" strike="noStrike">
+          <a:lstStyle/>
+          <a:p>
+            <a:endParaRPr lang="en-FI" sz="1660" b="0" strike="noStrike" spc="-1">
               <a:solidFill>
                 <a:srgbClr val="000000"/>
               </a:solidFill>
@@ -3589,11 +3859,12 @@
           </a:prstGeom>
         </p:spPr>
         <p:txBody>
-          <a:bodyPr lIns="0" rIns="0" tIns="0" bIns="0">
+          <a:bodyPr lIns="0" tIns="0" rIns="0" bIns="0">
             <a:normAutofit fontScale="80000"/>
           </a:bodyPr>
-          <a:p>
-            <a:endParaRPr b="0" lang="en-FI" sz="1660" spc="-1" strike="noStrike">
+          <a:lstStyle/>
+          <a:p>
+            <a:endParaRPr lang="en-FI" sz="1660" b="0" strike="noStrike" spc="-1">
               <a:solidFill>
                 <a:srgbClr val="000000"/>
               </a:solidFill>
@@ -3622,11 +3893,12 @@
           </a:prstGeom>
         </p:spPr>
         <p:txBody>
-          <a:bodyPr lIns="0" rIns="0" tIns="0" bIns="0">
+          <a:bodyPr lIns="0" tIns="0" rIns="0" bIns="0">
             <a:normAutofit fontScale="80000"/>
           </a:bodyPr>
-          <a:p>
-            <a:endParaRPr b="0" lang="en-FI" sz="1660" spc="-1" strike="noStrike">
+          <a:lstStyle/>
+          <a:p>
+            <a:endParaRPr lang="en-FI" sz="1660" b="0" strike="noStrike" spc="-1">
               <a:solidFill>
                 <a:srgbClr val="000000"/>
               </a:solidFill>
@@ -3655,11 +3927,12 @@
           </a:prstGeom>
         </p:spPr>
         <p:txBody>
-          <a:bodyPr lIns="0" rIns="0" tIns="0" bIns="0">
+          <a:bodyPr lIns="0" tIns="0" rIns="0" bIns="0">
             <a:normAutofit fontScale="80000"/>
           </a:bodyPr>
-          <a:p>
-            <a:endParaRPr b="0" lang="en-FI" sz="1660" spc="-1" strike="noStrike">
+          <a:lstStyle/>
+          <a:p>
+            <a:endParaRPr lang="en-FI" sz="1660" b="0" strike="noStrike" spc="-1">
               <a:solidFill>
                 <a:srgbClr val="000000"/>
               </a:solidFill>
@@ -3670,11 +3943,14 @@
       </p:sp>
     </p:spTree>
   </p:cSld>
+  <p:clrMapOvr>
+    <a:masterClrMapping/>
+  </p:clrMapOvr>
 </p:sldLayout>
 </file>
 
 <file path=ppt/slideLayouts/slideLayout37.xml><?xml version="1.0" encoding="utf-8"?>
-<p:sldLayout xmlns:a="http://schemas.openxmlformats.org/drawingml/2006/main" xmlns:p="http://schemas.openxmlformats.org/presentationml/2006/main" xmlns:r="http://schemas.openxmlformats.org/officeDocument/2006/relationships" xmlns:p14="http://schemas.microsoft.com/office/powerpoint/2010/main" xmlns:p15="http://schemas.microsoft.com/office/powerpoint/2012/main" xmlns:mc="http://schemas.openxmlformats.org/markup-compatibility/2006" type="blank" preserve="1">
+<p:sldLayout xmlns:a="http://schemas.openxmlformats.org/drawingml/2006/main" xmlns:r="http://schemas.openxmlformats.org/officeDocument/2006/relationships" xmlns:p="http://schemas.openxmlformats.org/presentationml/2006/main" type="blank" preserve="1">
   <p:cSld name="Blank Slide">
     <p:spTree>
       <p:nvGrpSpPr>
@@ -3692,11 +3968,14 @@
       </p:grpSpPr>
     </p:spTree>
   </p:cSld>
+  <p:clrMapOvr>
+    <a:masterClrMapping/>
+  </p:clrMapOvr>
 </p:sldLayout>
 </file>
 
 <file path=ppt/slideLayouts/slideLayout38.xml><?xml version="1.0" encoding="utf-8"?>
-<p:sldLayout xmlns:a="http://schemas.openxmlformats.org/drawingml/2006/main" xmlns:p="http://schemas.openxmlformats.org/presentationml/2006/main" xmlns:r="http://schemas.openxmlformats.org/officeDocument/2006/relationships" xmlns:p14="http://schemas.microsoft.com/office/powerpoint/2010/main" xmlns:p15="http://schemas.microsoft.com/office/powerpoint/2012/main" xmlns:mc="http://schemas.openxmlformats.org/markup-compatibility/2006" type="tx" preserve="1">
+<p:sldLayout xmlns:a="http://schemas.openxmlformats.org/drawingml/2006/main" xmlns:r="http://schemas.openxmlformats.org/officeDocument/2006/relationships" xmlns:p="http://schemas.openxmlformats.org/presentationml/2006/main" type="tx" preserve="1">
   <p:cSld name="Title Slide">
     <p:spTree>
       <p:nvGrpSpPr>
@@ -3732,11 +4011,12 @@
           </a:prstGeom>
         </p:spPr>
         <p:txBody>
-          <a:bodyPr lIns="0" rIns="0" tIns="0" bIns="0" anchor="ctr">
+          <a:bodyPr lIns="0" tIns="0" rIns="0" bIns="0" anchor="ctr">
             <a:noAutofit/>
           </a:bodyPr>
-          <a:p>
-            <a:endParaRPr b="0" lang="en-FI" sz="1660" spc="-1" strike="noStrike">
+          <a:lstStyle/>
+          <a:p>
+            <a:endParaRPr lang="en-FI" sz="1660" b="0" strike="noStrike" spc="-1">
               <a:solidFill>
                 <a:srgbClr val="000000"/>
               </a:solidFill>
@@ -3765,12 +4045,13 @@
           </a:prstGeom>
         </p:spPr>
         <p:txBody>
-          <a:bodyPr lIns="0" rIns="0" tIns="0" bIns="0" anchor="ctr">
+          <a:bodyPr lIns="0" tIns="0" rIns="0" bIns="0" anchor="ctr">
             <a:noAutofit/>
           </a:bodyPr>
+          <a:lstStyle/>
           <a:p>
             <a:pPr algn="ctr"/>
-            <a:endParaRPr b="0" lang="fi-FI" sz="3200" spc="-1" strike="noStrike">
+            <a:endParaRPr lang="fi-FI" sz="3200" b="0" strike="noStrike" spc="-1">
               <a:latin typeface="Arial"/>
             </a:endParaRPr>
           </a:p>
@@ -3778,11 +4059,14 @@
       </p:sp>
     </p:spTree>
   </p:cSld>
+  <p:clrMapOvr>
+    <a:masterClrMapping/>
+  </p:clrMapOvr>
 </p:sldLayout>
 </file>
 
 <file path=ppt/slideLayouts/slideLayout39.xml><?xml version="1.0" encoding="utf-8"?>
-<p:sldLayout xmlns:a="http://schemas.openxmlformats.org/drawingml/2006/main" xmlns:p="http://schemas.openxmlformats.org/presentationml/2006/main" xmlns:r="http://schemas.openxmlformats.org/officeDocument/2006/relationships" xmlns:p14="http://schemas.microsoft.com/office/powerpoint/2010/main" xmlns:p15="http://schemas.microsoft.com/office/powerpoint/2012/main" xmlns:mc="http://schemas.openxmlformats.org/markup-compatibility/2006" type="obj" preserve="1">
+<p:sldLayout xmlns:a="http://schemas.openxmlformats.org/drawingml/2006/main" xmlns:r="http://schemas.openxmlformats.org/officeDocument/2006/relationships" xmlns:p="http://schemas.openxmlformats.org/presentationml/2006/main" type="obj" preserve="1">
   <p:cSld name="Title, Content">
     <p:spTree>
       <p:nvGrpSpPr>
@@ -3818,11 +4102,12 @@
           </a:prstGeom>
         </p:spPr>
         <p:txBody>
-          <a:bodyPr lIns="0" rIns="0" tIns="0" bIns="0" anchor="ctr">
+          <a:bodyPr lIns="0" tIns="0" rIns="0" bIns="0" anchor="ctr">
             <a:noAutofit/>
           </a:bodyPr>
-          <a:p>
-            <a:endParaRPr b="0" lang="en-FI" sz="1660" spc="-1" strike="noStrike">
+          <a:lstStyle/>
+          <a:p>
+            <a:endParaRPr lang="en-FI" sz="1660" b="0" strike="noStrike" spc="-1">
               <a:solidFill>
                 <a:srgbClr val="000000"/>
               </a:solidFill>
@@ -3851,11 +4136,12 @@
           </a:prstGeom>
         </p:spPr>
         <p:txBody>
-          <a:bodyPr lIns="0" rIns="0" tIns="0" bIns="0">
+          <a:bodyPr lIns="0" tIns="0" rIns="0" bIns="0">
             <a:normAutofit/>
           </a:bodyPr>
-          <a:p>
-            <a:endParaRPr b="0" lang="en-FI" sz="1660" spc="-1" strike="noStrike">
+          <a:lstStyle/>
+          <a:p>
+            <a:endParaRPr lang="en-FI" sz="1660" b="0" strike="noStrike" spc="-1">
               <a:solidFill>
                 <a:srgbClr val="000000"/>
               </a:solidFill>
@@ -3866,11 +4152,14 @@
       </p:sp>
     </p:spTree>
   </p:cSld>
+  <p:clrMapOvr>
+    <a:masterClrMapping/>
+  </p:clrMapOvr>
 </p:sldLayout>
 </file>
 
 <file path=ppt/slideLayouts/slideLayout4.xml><?xml version="1.0" encoding="utf-8"?>
-<p:sldLayout xmlns:a="http://schemas.openxmlformats.org/drawingml/2006/main" xmlns:p="http://schemas.openxmlformats.org/presentationml/2006/main" xmlns:r="http://schemas.openxmlformats.org/officeDocument/2006/relationships" xmlns:p14="http://schemas.microsoft.com/office/powerpoint/2010/main" xmlns:p15="http://schemas.microsoft.com/office/powerpoint/2012/main" xmlns:mc="http://schemas.openxmlformats.org/markup-compatibility/2006" type="twoObj" preserve="1">
+<p:sldLayout xmlns:a="http://schemas.openxmlformats.org/drawingml/2006/main" xmlns:r="http://schemas.openxmlformats.org/officeDocument/2006/relationships" xmlns:p="http://schemas.openxmlformats.org/presentationml/2006/main" type="twoObj" preserve="1">
   <p:cSld name="Title, 2 Content">
     <p:spTree>
       <p:nvGrpSpPr>
@@ -3906,11 +4195,12 @@
           </a:prstGeom>
         </p:spPr>
         <p:txBody>
-          <a:bodyPr lIns="0" rIns="0" tIns="0" bIns="0" anchor="ctr">
+          <a:bodyPr lIns="0" tIns="0" rIns="0" bIns="0" anchor="ctr">
             <a:noAutofit/>
           </a:bodyPr>
-          <a:p>
-            <a:endParaRPr b="0" lang="en-FI" sz="1660" spc="-1" strike="noStrike">
+          <a:lstStyle/>
+          <a:p>
+            <a:endParaRPr lang="en-FI" sz="1660" b="0" strike="noStrike" spc="-1">
               <a:solidFill>
                 <a:srgbClr val="000000"/>
               </a:solidFill>
@@ -3939,11 +4229,12 @@
           </a:prstGeom>
         </p:spPr>
         <p:txBody>
-          <a:bodyPr lIns="0" rIns="0" tIns="0" bIns="0">
+          <a:bodyPr lIns="0" tIns="0" rIns="0" bIns="0">
             <a:normAutofit/>
           </a:bodyPr>
-          <a:p>
-            <a:endParaRPr b="0" lang="en-FI" sz="1660" spc="-1" strike="noStrike">
+          <a:lstStyle/>
+          <a:p>
+            <a:endParaRPr lang="en-FI" sz="1660" b="0" strike="noStrike" spc="-1">
               <a:solidFill>
                 <a:srgbClr val="000000"/>
               </a:solidFill>
@@ -3972,11 +4263,12 @@
           </a:prstGeom>
         </p:spPr>
         <p:txBody>
-          <a:bodyPr lIns="0" rIns="0" tIns="0" bIns="0">
+          <a:bodyPr lIns="0" tIns="0" rIns="0" bIns="0">
             <a:normAutofit/>
           </a:bodyPr>
-          <a:p>
-            <a:endParaRPr b="0" lang="en-FI" sz="1660" spc="-1" strike="noStrike">
+          <a:lstStyle/>
+          <a:p>
+            <a:endParaRPr lang="en-FI" sz="1660" b="0" strike="noStrike" spc="-1">
               <a:solidFill>
                 <a:srgbClr val="000000"/>
               </a:solidFill>
@@ -3987,11 +4279,14 @@
       </p:sp>
     </p:spTree>
   </p:cSld>
+  <p:clrMapOvr>
+    <a:masterClrMapping/>
+  </p:clrMapOvr>
 </p:sldLayout>
 </file>
 
 <file path=ppt/slideLayouts/slideLayout40.xml><?xml version="1.0" encoding="utf-8"?>
-<p:sldLayout xmlns:a="http://schemas.openxmlformats.org/drawingml/2006/main" xmlns:p="http://schemas.openxmlformats.org/presentationml/2006/main" xmlns:r="http://schemas.openxmlformats.org/officeDocument/2006/relationships" xmlns:p14="http://schemas.microsoft.com/office/powerpoint/2010/main" xmlns:p15="http://schemas.microsoft.com/office/powerpoint/2012/main" xmlns:mc="http://schemas.openxmlformats.org/markup-compatibility/2006" type="twoObj" preserve="1">
+<p:sldLayout xmlns:a="http://schemas.openxmlformats.org/drawingml/2006/main" xmlns:r="http://schemas.openxmlformats.org/officeDocument/2006/relationships" xmlns:p="http://schemas.openxmlformats.org/presentationml/2006/main" type="twoObj" preserve="1">
   <p:cSld name="Title, 2 Content">
     <p:spTree>
       <p:nvGrpSpPr>
@@ -4027,11 +4322,12 @@
           </a:prstGeom>
         </p:spPr>
         <p:txBody>
-          <a:bodyPr lIns="0" rIns="0" tIns="0" bIns="0" anchor="ctr">
+          <a:bodyPr lIns="0" tIns="0" rIns="0" bIns="0" anchor="ctr">
             <a:noAutofit/>
           </a:bodyPr>
-          <a:p>
-            <a:endParaRPr b="0" lang="en-FI" sz="1660" spc="-1" strike="noStrike">
+          <a:lstStyle/>
+          <a:p>
+            <a:endParaRPr lang="en-FI" sz="1660" b="0" strike="noStrike" spc="-1">
               <a:solidFill>
                 <a:srgbClr val="000000"/>
               </a:solidFill>
@@ -4060,11 +4356,12 @@
           </a:prstGeom>
         </p:spPr>
         <p:txBody>
-          <a:bodyPr lIns="0" rIns="0" tIns="0" bIns="0">
+          <a:bodyPr lIns="0" tIns="0" rIns="0" bIns="0">
             <a:normAutofit/>
           </a:bodyPr>
-          <a:p>
-            <a:endParaRPr b="0" lang="en-FI" sz="1660" spc="-1" strike="noStrike">
+          <a:lstStyle/>
+          <a:p>
+            <a:endParaRPr lang="en-FI" sz="1660" b="0" strike="noStrike" spc="-1">
               <a:solidFill>
                 <a:srgbClr val="000000"/>
               </a:solidFill>
@@ -4093,11 +4390,12 @@
           </a:prstGeom>
         </p:spPr>
         <p:txBody>
-          <a:bodyPr lIns="0" rIns="0" tIns="0" bIns="0">
+          <a:bodyPr lIns="0" tIns="0" rIns="0" bIns="0">
             <a:normAutofit/>
           </a:bodyPr>
-          <a:p>
-            <a:endParaRPr b="0" lang="en-FI" sz="1660" spc="-1" strike="noStrike">
+          <a:lstStyle/>
+          <a:p>
+            <a:endParaRPr lang="en-FI" sz="1660" b="0" strike="noStrike" spc="-1">
               <a:solidFill>
                 <a:srgbClr val="000000"/>
               </a:solidFill>
@@ -4108,11 +4406,14 @@
       </p:sp>
     </p:spTree>
   </p:cSld>
+  <p:clrMapOvr>
+    <a:masterClrMapping/>
+  </p:clrMapOvr>
 </p:sldLayout>
 </file>
 
 <file path=ppt/slideLayouts/slideLayout41.xml><?xml version="1.0" encoding="utf-8"?>
-<p:sldLayout xmlns:a="http://schemas.openxmlformats.org/drawingml/2006/main" xmlns:p="http://schemas.openxmlformats.org/presentationml/2006/main" xmlns:r="http://schemas.openxmlformats.org/officeDocument/2006/relationships" xmlns:p14="http://schemas.microsoft.com/office/powerpoint/2010/main" xmlns:p15="http://schemas.microsoft.com/office/powerpoint/2012/main" xmlns:mc="http://schemas.openxmlformats.org/markup-compatibility/2006" type="titleOnly" preserve="1">
+<p:sldLayout xmlns:a="http://schemas.openxmlformats.org/drawingml/2006/main" xmlns:r="http://schemas.openxmlformats.org/officeDocument/2006/relationships" xmlns:p="http://schemas.openxmlformats.org/presentationml/2006/main" type="titleOnly" preserve="1">
   <p:cSld name="Title Only">
     <p:spTree>
       <p:nvGrpSpPr>
@@ -4148,11 +4449,12 @@
           </a:prstGeom>
         </p:spPr>
         <p:txBody>
-          <a:bodyPr lIns="0" rIns="0" tIns="0" bIns="0" anchor="ctr">
+          <a:bodyPr lIns="0" tIns="0" rIns="0" bIns="0" anchor="ctr">
             <a:noAutofit/>
           </a:bodyPr>
-          <a:p>
-            <a:endParaRPr b="0" lang="en-FI" sz="1660" spc="-1" strike="noStrike">
+          <a:lstStyle/>
+          <a:p>
+            <a:endParaRPr lang="en-FI" sz="1660" b="0" strike="noStrike" spc="-1">
               <a:solidFill>
                 <a:srgbClr val="000000"/>
               </a:solidFill>
@@ -4163,11 +4465,14 @@
       </p:sp>
     </p:spTree>
   </p:cSld>
+  <p:clrMapOvr>
+    <a:masterClrMapping/>
+  </p:clrMapOvr>
 </p:sldLayout>
 </file>
 
 <file path=ppt/slideLayouts/slideLayout42.xml><?xml version="1.0" encoding="utf-8"?>
-<p:sldLayout xmlns:a="http://schemas.openxmlformats.org/drawingml/2006/main" xmlns:p="http://schemas.openxmlformats.org/presentationml/2006/main" xmlns:r="http://schemas.openxmlformats.org/officeDocument/2006/relationships" xmlns:p14="http://schemas.microsoft.com/office/powerpoint/2010/main" xmlns:p15="http://schemas.microsoft.com/office/powerpoint/2012/main" xmlns:mc="http://schemas.openxmlformats.org/markup-compatibility/2006" type="objOnly" preserve="1">
+<p:sldLayout xmlns:a="http://schemas.openxmlformats.org/drawingml/2006/main" xmlns:r="http://schemas.openxmlformats.org/officeDocument/2006/relationships" xmlns:p="http://schemas.openxmlformats.org/presentationml/2006/main" type="objOnly" preserve="1">
   <p:cSld name="Centered Text">
     <p:spTree>
       <p:nvGrpSpPr>
@@ -4203,12 +4508,13 @@
           </a:prstGeom>
         </p:spPr>
         <p:txBody>
-          <a:bodyPr lIns="0" rIns="0" tIns="0" bIns="0" anchor="ctr">
+          <a:bodyPr lIns="0" tIns="0" rIns="0" bIns="0" anchor="ctr">
             <a:noAutofit/>
           </a:bodyPr>
+          <a:lstStyle/>
           <a:p>
             <a:pPr algn="ctr"/>
-            <a:endParaRPr b="0" lang="fi-FI" sz="3200" spc="-1" strike="noStrike">
+            <a:endParaRPr lang="fi-FI" sz="3200" b="0" strike="noStrike" spc="-1">
               <a:latin typeface="Arial"/>
             </a:endParaRPr>
           </a:p>
@@ -4216,11 +4522,14 @@
       </p:sp>
     </p:spTree>
   </p:cSld>
+  <p:clrMapOvr>
+    <a:masterClrMapping/>
+  </p:clrMapOvr>
 </p:sldLayout>
 </file>
 
 <file path=ppt/slideLayouts/slideLayout43.xml><?xml version="1.0" encoding="utf-8"?>
-<p:sldLayout xmlns:a="http://schemas.openxmlformats.org/drawingml/2006/main" xmlns:p="http://schemas.openxmlformats.org/presentationml/2006/main" xmlns:r="http://schemas.openxmlformats.org/officeDocument/2006/relationships" xmlns:p14="http://schemas.microsoft.com/office/powerpoint/2010/main" xmlns:p15="http://schemas.microsoft.com/office/powerpoint/2012/main" xmlns:mc="http://schemas.openxmlformats.org/markup-compatibility/2006" type="twoObjAndObj" preserve="1">
+<p:sldLayout xmlns:a="http://schemas.openxmlformats.org/drawingml/2006/main" xmlns:r="http://schemas.openxmlformats.org/officeDocument/2006/relationships" xmlns:p="http://schemas.openxmlformats.org/presentationml/2006/main" type="twoObjAndObj" preserve="1">
   <p:cSld name="Title, 2 Content and Content">
     <p:spTree>
       <p:nvGrpSpPr>
@@ -4256,11 +4565,12 @@
           </a:prstGeom>
         </p:spPr>
         <p:txBody>
-          <a:bodyPr lIns="0" rIns="0" tIns="0" bIns="0" anchor="ctr">
+          <a:bodyPr lIns="0" tIns="0" rIns="0" bIns="0" anchor="ctr">
             <a:noAutofit/>
           </a:bodyPr>
-          <a:p>
-            <a:endParaRPr b="0" lang="en-FI" sz="1660" spc="-1" strike="noStrike">
+          <a:lstStyle/>
+          <a:p>
+            <a:endParaRPr lang="en-FI" sz="1660" b="0" strike="noStrike" spc="-1">
               <a:solidFill>
                 <a:srgbClr val="000000"/>
               </a:solidFill>
@@ -4289,11 +4599,12 @@
           </a:prstGeom>
         </p:spPr>
         <p:txBody>
-          <a:bodyPr lIns="0" rIns="0" tIns="0" bIns="0">
+          <a:bodyPr lIns="0" tIns="0" rIns="0" bIns="0">
             <a:normAutofit/>
           </a:bodyPr>
-          <a:p>
-            <a:endParaRPr b="0" lang="en-FI" sz="1660" spc="-1" strike="noStrike">
+          <a:lstStyle/>
+          <a:p>
+            <a:endParaRPr lang="en-FI" sz="1660" b="0" strike="noStrike" spc="-1">
               <a:solidFill>
                 <a:srgbClr val="000000"/>
               </a:solidFill>
@@ -4322,11 +4633,12 @@
           </a:prstGeom>
         </p:spPr>
         <p:txBody>
-          <a:bodyPr lIns="0" rIns="0" tIns="0" bIns="0">
+          <a:bodyPr lIns="0" tIns="0" rIns="0" bIns="0">
             <a:normAutofit/>
           </a:bodyPr>
-          <a:p>
-            <a:endParaRPr b="0" lang="en-FI" sz="1660" spc="-1" strike="noStrike">
+          <a:lstStyle/>
+          <a:p>
+            <a:endParaRPr lang="en-FI" sz="1660" b="0" strike="noStrike" spc="-1">
               <a:solidFill>
                 <a:srgbClr val="000000"/>
               </a:solidFill>
@@ -4355,11 +4667,12 @@
           </a:prstGeom>
         </p:spPr>
         <p:txBody>
-          <a:bodyPr lIns="0" rIns="0" tIns="0" bIns="0">
+          <a:bodyPr lIns="0" tIns="0" rIns="0" bIns="0">
             <a:normAutofit/>
           </a:bodyPr>
-          <a:p>
-            <a:endParaRPr b="0" lang="en-FI" sz="1660" spc="-1" strike="noStrike">
+          <a:lstStyle/>
+          <a:p>
+            <a:endParaRPr lang="en-FI" sz="1660" b="0" strike="noStrike" spc="-1">
               <a:solidFill>
                 <a:srgbClr val="000000"/>
               </a:solidFill>
@@ -4370,11 +4683,14 @@
       </p:sp>
     </p:spTree>
   </p:cSld>
+  <p:clrMapOvr>
+    <a:masterClrMapping/>
+  </p:clrMapOvr>
 </p:sldLayout>
 </file>
 
 <file path=ppt/slideLayouts/slideLayout44.xml><?xml version="1.0" encoding="utf-8"?>
-<p:sldLayout xmlns:a="http://schemas.openxmlformats.org/drawingml/2006/main" xmlns:p="http://schemas.openxmlformats.org/presentationml/2006/main" xmlns:r="http://schemas.openxmlformats.org/officeDocument/2006/relationships" xmlns:p14="http://schemas.microsoft.com/office/powerpoint/2010/main" xmlns:p15="http://schemas.microsoft.com/office/powerpoint/2012/main" xmlns:mc="http://schemas.openxmlformats.org/markup-compatibility/2006" type="objAndTwoObj" preserve="1">
+<p:sldLayout xmlns:a="http://schemas.openxmlformats.org/drawingml/2006/main" xmlns:r="http://schemas.openxmlformats.org/officeDocument/2006/relationships" xmlns:p="http://schemas.openxmlformats.org/presentationml/2006/main" type="objAndTwoObj" preserve="1">
   <p:cSld name="Title Content and 2 Content">
     <p:spTree>
       <p:nvGrpSpPr>
@@ -4410,11 +4726,12 @@
           </a:prstGeom>
         </p:spPr>
         <p:txBody>
-          <a:bodyPr lIns="0" rIns="0" tIns="0" bIns="0" anchor="ctr">
+          <a:bodyPr lIns="0" tIns="0" rIns="0" bIns="0" anchor="ctr">
             <a:noAutofit/>
           </a:bodyPr>
-          <a:p>
-            <a:endParaRPr b="0" lang="en-FI" sz="1660" spc="-1" strike="noStrike">
+          <a:lstStyle/>
+          <a:p>
+            <a:endParaRPr lang="en-FI" sz="1660" b="0" strike="noStrike" spc="-1">
               <a:solidFill>
                 <a:srgbClr val="000000"/>
               </a:solidFill>
@@ -4443,11 +4760,12 @@
           </a:prstGeom>
         </p:spPr>
         <p:txBody>
-          <a:bodyPr lIns="0" rIns="0" tIns="0" bIns="0">
+          <a:bodyPr lIns="0" tIns="0" rIns="0" bIns="0">
             <a:normAutofit/>
           </a:bodyPr>
-          <a:p>
-            <a:endParaRPr b="0" lang="en-FI" sz="1660" spc="-1" strike="noStrike">
+          <a:lstStyle/>
+          <a:p>
+            <a:endParaRPr lang="en-FI" sz="1660" b="0" strike="noStrike" spc="-1">
               <a:solidFill>
                 <a:srgbClr val="000000"/>
               </a:solidFill>
@@ -4476,11 +4794,12 @@
           </a:prstGeom>
         </p:spPr>
         <p:txBody>
-          <a:bodyPr lIns="0" rIns="0" tIns="0" bIns="0">
+          <a:bodyPr lIns="0" tIns="0" rIns="0" bIns="0">
             <a:normAutofit/>
           </a:bodyPr>
-          <a:p>
-            <a:endParaRPr b="0" lang="en-FI" sz="1660" spc="-1" strike="noStrike">
+          <a:lstStyle/>
+          <a:p>
+            <a:endParaRPr lang="en-FI" sz="1660" b="0" strike="noStrike" spc="-1">
               <a:solidFill>
                 <a:srgbClr val="000000"/>
               </a:solidFill>
@@ -4509,11 +4828,12 @@
           </a:prstGeom>
         </p:spPr>
         <p:txBody>
-          <a:bodyPr lIns="0" rIns="0" tIns="0" bIns="0">
+          <a:bodyPr lIns="0" tIns="0" rIns="0" bIns="0">
             <a:normAutofit/>
           </a:bodyPr>
-          <a:p>
-            <a:endParaRPr b="0" lang="en-FI" sz="1660" spc="-1" strike="noStrike">
+          <a:lstStyle/>
+          <a:p>
+            <a:endParaRPr lang="en-FI" sz="1660" b="0" strike="noStrike" spc="-1">
               <a:solidFill>
                 <a:srgbClr val="000000"/>
               </a:solidFill>
@@ -4524,11 +4844,14 @@
       </p:sp>
     </p:spTree>
   </p:cSld>
+  <p:clrMapOvr>
+    <a:masterClrMapping/>
+  </p:clrMapOvr>
 </p:sldLayout>
 </file>
 
 <file path=ppt/slideLayouts/slideLayout45.xml><?xml version="1.0" encoding="utf-8"?>
-<p:sldLayout xmlns:a="http://schemas.openxmlformats.org/drawingml/2006/main" xmlns:p="http://schemas.openxmlformats.org/presentationml/2006/main" xmlns:r="http://schemas.openxmlformats.org/officeDocument/2006/relationships" xmlns:p14="http://schemas.microsoft.com/office/powerpoint/2010/main" xmlns:p15="http://schemas.microsoft.com/office/powerpoint/2012/main" xmlns:mc="http://schemas.openxmlformats.org/markup-compatibility/2006" type="twoObjOverTx" preserve="1">
+<p:sldLayout xmlns:a="http://schemas.openxmlformats.org/drawingml/2006/main" xmlns:r="http://schemas.openxmlformats.org/officeDocument/2006/relationships" xmlns:p="http://schemas.openxmlformats.org/presentationml/2006/main" type="twoObjOverTx" preserve="1">
   <p:cSld name="Title, 2 Content over Content">
     <p:spTree>
       <p:nvGrpSpPr>
@@ -4564,11 +4887,12 @@
           </a:prstGeom>
         </p:spPr>
         <p:txBody>
-          <a:bodyPr lIns="0" rIns="0" tIns="0" bIns="0" anchor="ctr">
+          <a:bodyPr lIns="0" tIns="0" rIns="0" bIns="0" anchor="ctr">
             <a:noAutofit/>
           </a:bodyPr>
-          <a:p>
-            <a:endParaRPr b="0" lang="en-FI" sz="1660" spc="-1" strike="noStrike">
+          <a:lstStyle/>
+          <a:p>
+            <a:endParaRPr lang="en-FI" sz="1660" b="0" strike="noStrike" spc="-1">
               <a:solidFill>
                 <a:srgbClr val="000000"/>
               </a:solidFill>
@@ -4597,11 +4921,12 @@
           </a:prstGeom>
         </p:spPr>
         <p:txBody>
-          <a:bodyPr lIns="0" rIns="0" tIns="0" bIns="0">
+          <a:bodyPr lIns="0" tIns="0" rIns="0" bIns="0">
             <a:normAutofit/>
           </a:bodyPr>
-          <a:p>
-            <a:endParaRPr b="0" lang="en-FI" sz="1660" spc="-1" strike="noStrike">
+          <a:lstStyle/>
+          <a:p>
+            <a:endParaRPr lang="en-FI" sz="1660" b="0" strike="noStrike" spc="-1">
               <a:solidFill>
                 <a:srgbClr val="000000"/>
               </a:solidFill>
@@ -4630,11 +4955,12 @@
           </a:prstGeom>
         </p:spPr>
         <p:txBody>
-          <a:bodyPr lIns="0" rIns="0" tIns="0" bIns="0">
+          <a:bodyPr lIns="0" tIns="0" rIns="0" bIns="0">
             <a:normAutofit/>
           </a:bodyPr>
-          <a:p>
-            <a:endParaRPr b="0" lang="en-FI" sz="1660" spc="-1" strike="noStrike">
+          <a:lstStyle/>
+          <a:p>
+            <a:endParaRPr lang="en-FI" sz="1660" b="0" strike="noStrike" spc="-1">
               <a:solidFill>
                 <a:srgbClr val="000000"/>
               </a:solidFill>
@@ -4663,11 +4989,12 @@
           </a:prstGeom>
         </p:spPr>
         <p:txBody>
-          <a:bodyPr lIns="0" rIns="0" tIns="0" bIns="0">
+          <a:bodyPr lIns="0" tIns="0" rIns="0" bIns="0">
             <a:normAutofit/>
           </a:bodyPr>
-          <a:p>
-            <a:endParaRPr b="0" lang="en-FI" sz="1660" spc="-1" strike="noStrike">
+          <a:lstStyle/>
+          <a:p>
+            <a:endParaRPr lang="en-FI" sz="1660" b="0" strike="noStrike" spc="-1">
               <a:solidFill>
                 <a:srgbClr val="000000"/>
               </a:solidFill>
@@ -4678,11 +5005,14 @@
       </p:sp>
     </p:spTree>
   </p:cSld>
+  <p:clrMapOvr>
+    <a:masterClrMapping/>
+  </p:clrMapOvr>
 </p:sldLayout>
 </file>
 
 <file path=ppt/slideLayouts/slideLayout46.xml><?xml version="1.0" encoding="utf-8"?>
-<p:sldLayout xmlns:a="http://schemas.openxmlformats.org/drawingml/2006/main" xmlns:p="http://schemas.openxmlformats.org/presentationml/2006/main" xmlns:r="http://schemas.openxmlformats.org/officeDocument/2006/relationships" xmlns:p14="http://schemas.microsoft.com/office/powerpoint/2010/main" xmlns:p15="http://schemas.microsoft.com/office/powerpoint/2012/main" xmlns:mc="http://schemas.openxmlformats.org/markup-compatibility/2006" type="objOverTx" preserve="1">
+<p:sldLayout xmlns:a="http://schemas.openxmlformats.org/drawingml/2006/main" xmlns:r="http://schemas.openxmlformats.org/officeDocument/2006/relationships" xmlns:p="http://schemas.openxmlformats.org/presentationml/2006/main" type="objOverTx" preserve="1">
   <p:cSld name="Title, Content over Content">
     <p:spTree>
       <p:nvGrpSpPr>
@@ -4718,11 +5048,12 @@
           </a:prstGeom>
         </p:spPr>
         <p:txBody>
-          <a:bodyPr lIns="0" rIns="0" tIns="0" bIns="0" anchor="ctr">
+          <a:bodyPr lIns="0" tIns="0" rIns="0" bIns="0" anchor="ctr">
             <a:noAutofit/>
           </a:bodyPr>
-          <a:p>
-            <a:endParaRPr b="0" lang="en-FI" sz="1660" spc="-1" strike="noStrike">
+          <a:lstStyle/>
+          <a:p>
+            <a:endParaRPr lang="en-FI" sz="1660" b="0" strike="noStrike" spc="-1">
               <a:solidFill>
                 <a:srgbClr val="000000"/>
               </a:solidFill>
@@ -4751,11 +5082,12 @@
           </a:prstGeom>
         </p:spPr>
         <p:txBody>
-          <a:bodyPr lIns="0" rIns="0" tIns="0" bIns="0">
+          <a:bodyPr lIns="0" tIns="0" rIns="0" bIns="0">
             <a:normAutofit/>
           </a:bodyPr>
-          <a:p>
-            <a:endParaRPr b="0" lang="en-FI" sz="1660" spc="-1" strike="noStrike">
+          <a:lstStyle/>
+          <a:p>
+            <a:endParaRPr lang="en-FI" sz="1660" b="0" strike="noStrike" spc="-1">
               <a:solidFill>
                 <a:srgbClr val="000000"/>
               </a:solidFill>
@@ -4784,11 +5116,12 @@
           </a:prstGeom>
         </p:spPr>
         <p:txBody>
-          <a:bodyPr lIns="0" rIns="0" tIns="0" bIns="0">
+          <a:bodyPr lIns="0" tIns="0" rIns="0" bIns="0">
             <a:normAutofit/>
           </a:bodyPr>
-          <a:p>
-            <a:endParaRPr b="0" lang="en-FI" sz="1660" spc="-1" strike="noStrike">
+          <a:lstStyle/>
+          <a:p>
+            <a:endParaRPr lang="en-FI" sz="1660" b="0" strike="noStrike" spc="-1">
               <a:solidFill>
                 <a:srgbClr val="000000"/>
               </a:solidFill>
@@ -4799,11 +5132,14 @@
       </p:sp>
     </p:spTree>
   </p:cSld>
+  <p:clrMapOvr>
+    <a:masterClrMapping/>
+  </p:clrMapOvr>
 </p:sldLayout>
 </file>
 
 <file path=ppt/slideLayouts/slideLayout47.xml><?xml version="1.0" encoding="utf-8"?>
-<p:sldLayout xmlns:a="http://schemas.openxmlformats.org/drawingml/2006/main" xmlns:p="http://schemas.openxmlformats.org/presentationml/2006/main" xmlns:r="http://schemas.openxmlformats.org/officeDocument/2006/relationships" xmlns:p14="http://schemas.microsoft.com/office/powerpoint/2010/main" xmlns:p15="http://schemas.microsoft.com/office/powerpoint/2012/main" xmlns:mc="http://schemas.openxmlformats.org/markup-compatibility/2006" type="fourObj" preserve="1">
+<p:sldLayout xmlns:a="http://schemas.openxmlformats.org/drawingml/2006/main" xmlns:r="http://schemas.openxmlformats.org/officeDocument/2006/relationships" xmlns:p="http://schemas.openxmlformats.org/presentationml/2006/main" type="fourObj" preserve="1">
   <p:cSld name="Title, 4 Content">
     <p:spTree>
       <p:nvGrpSpPr>
@@ -4839,11 +5175,12 @@
           </a:prstGeom>
         </p:spPr>
         <p:txBody>
-          <a:bodyPr lIns="0" rIns="0" tIns="0" bIns="0" anchor="ctr">
+          <a:bodyPr lIns="0" tIns="0" rIns="0" bIns="0" anchor="ctr">
             <a:noAutofit/>
           </a:bodyPr>
-          <a:p>
-            <a:endParaRPr b="0" lang="en-FI" sz="1660" spc="-1" strike="noStrike">
+          <a:lstStyle/>
+          <a:p>
+            <a:endParaRPr lang="en-FI" sz="1660" b="0" strike="noStrike" spc="-1">
               <a:solidFill>
                 <a:srgbClr val="000000"/>
               </a:solidFill>
@@ -4872,11 +5209,12 @@
           </a:prstGeom>
         </p:spPr>
         <p:txBody>
-          <a:bodyPr lIns="0" rIns="0" tIns="0" bIns="0">
+          <a:bodyPr lIns="0" tIns="0" rIns="0" bIns="0">
             <a:normAutofit/>
           </a:bodyPr>
-          <a:p>
-            <a:endParaRPr b="0" lang="en-FI" sz="1660" spc="-1" strike="noStrike">
+          <a:lstStyle/>
+          <a:p>
+            <a:endParaRPr lang="en-FI" sz="1660" b="0" strike="noStrike" spc="-1">
               <a:solidFill>
                 <a:srgbClr val="000000"/>
               </a:solidFill>
@@ -4905,11 +5243,12 @@
           </a:prstGeom>
         </p:spPr>
         <p:txBody>
-          <a:bodyPr lIns="0" rIns="0" tIns="0" bIns="0">
+          <a:bodyPr lIns="0" tIns="0" rIns="0" bIns="0">
             <a:normAutofit/>
           </a:bodyPr>
-          <a:p>
-            <a:endParaRPr b="0" lang="en-FI" sz="1660" spc="-1" strike="noStrike">
+          <a:lstStyle/>
+          <a:p>
+            <a:endParaRPr lang="en-FI" sz="1660" b="0" strike="noStrike" spc="-1">
               <a:solidFill>
                 <a:srgbClr val="000000"/>
               </a:solidFill>
@@ -4938,11 +5277,12 @@
           </a:prstGeom>
         </p:spPr>
         <p:txBody>
-          <a:bodyPr lIns="0" rIns="0" tIns="0" bIns="0">
+          <a:bodyPr lIns="0" tIns="0" rIns="0" bIns="0">
             <a:normAutofit/>
           </a:bodyPr>
-          <a:p>
-            <a:endParaRPr b="0" lang="en-FI" sz="1660" spc="-1" strike="noStrike">
+          <a:lstStyle/>
+          <a:p>
+            <a:endParaRPr lang="en-FI" sz="1660" b="0" strike="noStrike" spc="-1">
               <a:solidFill>
                 <a:srgbClr val="000000"/>
               </a:solidFill>
@@ -4971,11 +5311,12 @@
           </a:prstGeom>
         </p:spPr>
         <p:txBody>
-          <a:bodyPr lIns="0" rIns="0" tIns="0" bIns="0">
+          <a:bodyPr lIns="0" tIns="0" rIns="0" bIns="0">
             <a:normAutofit/>
           </a:bodyPr>
-          <a:p>
-            <a:endParaRPr b="0" lang="en-FI" sz="1660" spc="-1" strike="noStrike">
+          <a:lstStyle/>
+          <a:p>
+            <a:endParaRPr lang="en-FI" sz="1660" b="0" strike="noStrike" spc="-1">
               <a:solidFill>
                 <a:srgbClr val="000000"/>
               </a:solidFill>
@@ -4986,11 +5327,14 @@
       </p:sp>
     </p:spTree>
   </p:cSld>
+  <p:clrMapOvr>
+    <a:masterClrMapping/>
+  </p:clrMapOvr>
 </p:sldLayout>
 </file>
 
 <file path=ppt/slideLayouts/slideLayout48.xml><?xml version="1.0" encoding="utf-8"?>
-<p:sldLayout xmlns:a="http://schemas.openxmlformats.org/drawingml/2006/main" xmlns:p="http://schemas.openxmlformats.org/presentationml/2006/main" xmlns:r="http://schemas.openxmlformats.org/officeDocument/2006/relationships" xmlns:p14="http://schemas.microsoft.com/office/powerpoint/2010/main" xmlns:p15="http://schemas.microsoft.com/office/powerpoint/2012/main" xmlns:mc="http://schemas.openxmlformats.org/markup-compatibility/2006" type="blank" preserve="1">
+<p:sldLayout xmlns:a="http://schemas.openxmlformats.org/drawingml/2006/main" xmlns:r="http://schemas.openxmlformats.org/officeDocument/2006/relationships" xmlns:p="http://schemas.openxmlformats.org/presentationml/2006/main" type="blank" preserve="1">
   <p:cSld name="Title, 6 Content">
     <p:spTree>
       <p:nvGrpSpPr>
@@ -5026,11 +5370,12 @@
           </a:prstGeom>
         </p:spPr>
         <p:txBody>
-          <a:bodyPr lIns="0" rIns="0" tIns="0" bIns="0" anchor="ctr">
+          <a:bodyPr lIns="0" tIns="0" rIns="0" bIns="0" anchor="ctr">
             <a:noAutofit/>
           </a:bodyPr>
-          <a:p>
-            <a:endParaRPr b="0" lang="en-FI" sz="1660" spc="-1" strike="noStrike">
+          <a:lstStyle/>
+          <a:p>
+            <a:endParaRPr lang="en-FI" sz="1660" b="0" strike="noStrike" spc="-1">
               <a:solidFill>
                 <a:srgbClr val="000000"/>
               </a:solidFill>
@@ -5059,11 +5404,12 @@
           </a:prstGeom>
         </p:spPr>
         <p:txBody>
-          <a:bodyPr lIns="0" rIns="0" tIns="0" bIns="0">
+          <a:bodyPr lIns="0" tIns="0" rIns="0" bIns="0">
             <a:normAutofit fontScale="80000"/>
           </a:bodyPr>
-          <a:p>
-            <a:endParaRPr b="0" lang="en-FI" sz="1660" spc="-1" strike="noStrike">
+          <a:lstStyle/>
+          <a:p>
+            <a:endParaRPr lang="en-FI" sz="1660" b="0" strike="noStrike" spc="-1">
               <a:solidFill>
                 <a:srgbClr val="000000"/>
               </a:solidFill>
@@ -5092,11 +5438,12 @@
           </a:prstGeom>
         </p:spPr>
         <p:txBody>
-          <a:bodyPr lIns="0" rIns="0" tIns="0" bIns="0">
+          <a:bodyPr lIns="0" tIns="0" rIns="0" bIns="0">
             <a:normAutofit fontScale="80000"/>
           </a:bodyPr>
-          <a:p>
-            <a:endParaRPr b="0" lang="en-FI" sz="1660" spc="-1" strike="noStrike">
+          <a:lstStyle/>
+          <a:p>
+            <a:endParaRPr lang="en-FI" sz="1660" b="0" strike="noStrike" spc="-1">
               <a:solidFill>
                 <a:srgbClr val="000000"/>
               </a:solidFill>
@@ -5125,11 +5472,12 @@
           </a:prstGeom>
         </p:spPr>
         <p:txBody>
-          <a:bodyPr lIns="0" rIns="0" tIns="0" bIns="0">
+          <a:bodyPr lIns="0" tIns="0" rIns="0" bIns="0">
             <a:normAutofit fontScale="80000"/>
           </a:bodyPr>
-          <a:p>
-            <a:endParaRPr b="0" lang="en-FI" sz="1660" spc="-1" strike="noStrike">
+          <a:lstStyle/>
+          <a:p>
+            <a:endParaRPr lang="en-FI" sz="1660" b="0" strike="noStrike" spc="-1">
               <a:solidFill>
                 <a:srgbClr val="000000"/>
               </a:solidFill>
@@ -5158,11 +5506,12 @@
           </a:prstGeom>
         </p:spPr>
         <p:txBody>
-          <a:bodyPr lIns="0" rIns="0" tIns="0" bIns="0">
+          <a:bodyPr lIns="0" tIns="0" rIns="0" bIns="0">
             <a:normAutofit fontScale="80000"/>
           </a:bodyPr>
-          <a:p>
-            <a:endParaRPr b="0" lang="en-FI" sz="1660" spc="-1" strike="noStrike">
+          <a:lstStyle/>
+          <a:p>
+            <a:endParaRPr lang="en-FI" sz="1660" b="0" strike="noStrike" spc="-1">
               <a:solidFill>
                 <a:srgbClr val="000000"/>
               </a:solidFill>
@@ -5191,11 +5540,12 @@
           </a:prstGeom>
         </p:spPr>
         <p:txBody>
-          <a:bodyPr lIns="0" rIns="0" tIns="0" bIns="0">
+          <a:bodyPr lIns="0" tIns="0" rIns="0" bIns="0">
             <a:normAutofit fontScale="80000"/>
           </a:bodyPr>
-          <a:p>
-            <a:endParaRPr b="0" lang="en-FI" sz="1660" spc="-1" strike="noStrike">
+          <a:lstStyle/>
+          <a:p>
+            <a:endParaRPr lang="en-FI" sz="1660" b="0" strike="noStrike" spc="-1">
               <a:solidFill>
                 <a:srgbClr val="000000"/>
               </a:solidFill>
@@ -5224,11 +5574,12 @@
           </a:prstGeom>
         </p:spPr>
         <p:txBody>
-          <a:bodyPr lIns="0" rIns="0" tIns="0" bIns="0">
+          <a:bodyPr lIns="0" tIns="0" rIns="0" bIns="0">
             <a:normAutofit fontScale="80000"/>
           </a:bodyPr>
-          <a:p>
-            <a:endParaRPr b="0" lang="en-FI" sz="1660" spc="-1" strike="noStrike">
+          <a:lstStyle/>
+          <a:p>
+            <a:endParaRPr lang="en-FI" sz="1660" b="0" strike="noStrike" spc="-1">
               <a:solidFill>
                 <a:srgbClr val="000000"/>
               </a:solidFill>
@@ -5239,11 +5590,14 @@
       </p:sp>
     </p:spTree>
   </p:cSld>
+  <p:clrMapOvr>
+    <a:masterClrMapping/>
+  </p:clrMapOvr>
 </p:sldLayout>
 </file>
 
 <file path=ppt/slideLayouts/slideLayout49.xml><?xml version="1.0" encoding="utf-8"?>
-<p:sldLayout xmlns:a="http://schemas.openxmlformats.org/drawingml/2006/main" xmlns:p="http://schemas.openxmlformats.org/presentationml/2006/main" xmlns:r="http://schemas.openxmlformats.org/officeDocument/2006/relationships" xmlns:p14="http://schemas.microsoft.com/office/powerpoint/2010/main" xmlns:p15="http://schemas.microsoft.com/office/powerpoint/2012/main" xmlns:mc="http://schemas.openxmlformats.org/markup-compatibility/2006" type="blank" preserve="1">
+<p:sldLayout xmlns:a="http://schemas.openxmlformats.org/drawingml/2006/main" xmlns:r="http://schemas.openxmlformats.org/officeDocument/2006/relationships" xmlns:p="http://schemas.openxmlformats.org/presentationml/2006/main" type="blank" preserve="1">
   <p:cSld name="Blank Slide">
     <p:spTree>
       <p:nvGrpSpPr>
@@ -5261,11 +5615,14 @@
       </p:grpSpPr>
     </p:spTree>
   </p:cSld>
+  <p:clrMapOvr>
+    <a:masterClrMapping/>
+  </p:clrMapOvr>
 </p:sldLayout>
 </file>
 
 <file path=ppt/slideLayouts/slideLayout5.xml><?xml version="1.0" encoding="utf-8"?>
-<p:sldLayout xmlns:a="http://schemas.openxmlformats.org/drawingml/2006/main" xmlns:p="http://schemas.openxmlformats.org/presentationml/2006/main" xmlns:r="http://schemas.openxmlformats.org/officeDocument/2006/relationships" xmlns:p14="http://schemas.microsoft.com/office/powerpoint/2010/main" xmlns:p15="http://schemas.microsoft.com/office/powerpoint/2012/main" xmlns:mc="http://schemas.openxmlformats.org/markup-compatibility/2006" type="titleOnly" preserve="1">
+<p:sldLayout xmlns:a="http://schemas.openxmlformats.org/drawingml/2006/main" xmlns:r="http://schemas.openxmlformats.org/officeDocument/2006/relationships" xmlns:p="http://schemas.openxmlformats.org/presentationml/2006/main" type="titleOnly" preserve="1">
   <p:cSld name="Title Only">
     <p:spTree>
       <p:nvGrpSpPr>
@@ -5301,11 +5658,12 @@
           </a:prstGeom>
         </p:spPr>
         <p:txBody>
-          <a:bodyPr lIns="0" rIns="0" tIns="0" bIns="0" anchor="ctr">
+          <a:bodyPr lIns="0" tIns="0" rIns="0" bIns="0" anchor="ctr">
             <a:noAutofit/>
           </a:bodyPr>
-          <a:p>
-            <a:endParaRPr b="0" lang="en-FI" sz="1660" spc="-1" strike="noStrike">
+          <a:lstStyle/>
+          <a:p>
+            <a:endParaRPr lang="en-FI" sz="1660" b="0" strike="noStrike" spc="-1">
               <a:solidFill>
                 <a:srgbClr val="000000"/>
               </a:solidFill>
@@ -5316,11 +5674,14 @@
       </p:sp>
     </p:spTree>
   </p:cSld>
+  <p:clrMapOvr>
+    <a:masterClrMapping/>
+  </p:clrMapOvr>
 </p:sldLayout>
 </file>
 
 <file path=ppt/slideLayouts/slideLayout50.xml><?xml version="1.0" encoding="utf-8"?>
-<p:sldLayout xmlns:a="http://schemas.openxmlformats.org/drawingml/2006/main" xmlns:p="http://schemas.openxmlformats.org/presentationml/2006/main" xmlns:r="http://schemas.openxmlformats.org/officeDocument/2006/relationships" xmlns:p14="http://schemas.microsoft.com/office/powerpoint/2010/main" xmlns:p15="http://schemas.microsoft.com/office/powerpoint/2012/main" xmlns:mc="http://schemas.openxmlformats.org/markup-compatibility/2006" type="tx" preserve="1">
+<p:sldLayout xmlns:a="http://schemas.openxmlformats.org/drawingml/2006/main" xmlns:r="http://schemas.openxmlformats.org/officeDocument/2006/relationships" xmlns:p="http://schemas.openxmlformats.org/presentationml/2006/main" type="tx" preserve="1">
   <p:cSld name="Title Slide">
     <p:spTree>
       <p:nvGrpSpPr>
@@ -5356,11 +5717,12 @@
           </a:prstGeom>
         </p:spPr>
         <p:txBody>
-          <a:bodyPr lIns="0" rIns="0" tIns="0" bIns="0" anchor="ctr">
+          <a:bodyPr lIns="0" tIns="0" rIns="0" bIns="0" anchor="ctr">
             <a:noAutofit/>
           </a:bodyPr>
-          <a:p>
-            <a:endParaRPr b="0" lang="en-FI" sz="1660" spc="-1" strike="noStrike">
+          <a:lstStyle/>
+          <a:p>
+            <a:endParaRPr lang="en-FI" sz="1660" b="0" strike="noStrike" spc="-1">
               <a:solidFill>
                 <a:srgbClr val="000000"/>
               </a:solidFill>
@@ -5389,12 +5751,13 @@
           </a:prstGeom>
         </p:spPr>
         <p:txBody>
-          <a:bodyPr lIns="0" rIns="0" tIns="0" bIns="0" anchor="ctr">
+          <a:bodyPr lIns="0" tIns="0" rIns="0" bIns="0" anchor="ctr">
             <a:noAutofit/>
           </a:bodyPr>
+          <a:lstStyle/>
           <a:p>
             <a:pPr algn="ctr"/>
-            <a:endParaRPr b="0" lang="fi-FI" sz="3200" spc="-1" strike="noStrike">
+            <a:endParaRPr lang="fi-FI" sz="3200" b="0" strike="noStrike" spc="-1">
               <a:latin typeface="Arial"/>
             </a:endParaRPr>
           </a:p>
@@ -5402,11 +5765,14 @@
       </p:sp>
     </p:spTree>
   </p:cSld>
+  <p:clrMapOvr>
+    <a:masterClrMapping/>
+  </p:clrMapOvr>
 </p:sldLayout>
 </file>
 
 <file path=ppt/slideLayouts/slideLayout51.xml><?xml version="1.0" encoding="utf-8"?>
-<p:sldLayout xmlns:a="http://schemas.openxmlformats.org/drawingml/2006/main" xmlns:p="http://schemas.openxmlformats.org/presentationml/2006/main" xmlns:r="http://schemas.openxmlformats.org/officeDocument/2006/relationships" xmlns:p14="http://schemas.microsoft.com/office/powerpoint/2010/main" xmlns:p15="http://schemas.microsoft.com/office/powerpoint/2012/main" xmlns:mc="http://schemas.openxmlformats.org/markup-compatibility/2006" type="obj" preserve="1">
+<p:sldLayout xmlns:a="http://schemas.openxmlformats.org/drawingml/2006/main" xmlns:r="http://schemas.openxmlformats.org/officeDocument/2006/relationships" xmlns:p="http://schemas.openxmlformats.org/presentationml/2006/main" type="obj" preserve="1">
   <p:cSld name="Title, Content">
     <p:spTree>
       <p:nvGrpSpPr>
@@ -5442,11 +5808,12 @@
           </a:prstGeom>
         </p:spPr>
         <p:txBody>
-          <a:bodyPr lIns="0" rIns="0" tIns="0" bIns="0" anchor="ctr">
+          <a:bodyPr lIns="0" tIns="0" rIns="0" bIns="0" anchor="ctr">
             <a:noAutofit/>
           </a:bodyPr>
-          <a:p>
-            <a:endParaRPr b="0" lang="en-FI" sz="1660" spc="-1" strike="noStrike">
+          <a:lstStyle/>
+          <a:p>
+            <a:endParaRPr lang="en-FI" sz="1660" b="0" strike="noStrike" spc="-1">
               <a:solidFill>
                 <a:srgbClr val="000000"/>
               </a:solidFill>
@@ -5475,11 +5842,12 @@
           </a:prstGeom>
         </p:spPr>
         <p:txBody>
-          <a:bodyPr lIns="0" rIns="0" tIns="0" bIns="0">
+          <a:bodyPr lIns="0" tIns="0" rIns="0" bIns="0">
             <a:normAutofit/>
           </a:bodyPr>
-          <a:p>
-            <a:endParaRPr b="0" lang="en-FI" sz="1660" spc="-1" strike="noStrike">
+          <a:lstStyle/>
+          <a:p>
+            <a:endParaRPr lang="en-FI" sz="1660" b="0" strike="noStrike" spc="-1">
               <a:solidFill>
                 <a:srgbClr val="000000"/>
               </a:solidFill>
@@ -5490,11 +5858,14 @@
       </p:sp>
     </p:spTree>
   </p:cSld>
+  <p:clrMapOvr>
+    <a:masterClrMapping/>
+  </p:clrMapOvr>
 </p:sldLayout>
 </file>
 
 <file path=ppt/slideLayouts/slideLayout52.xml><?xml version="1.0" encoding="utf-8"?>
-<p:sldLayout xmlns:a="http://schemas.openxmlformats.org/drawingml/2006/main" xmlns:p="http://schemas.openxmlformats.org/presentationml/2006/main" xmlns:r="http://schemas.openxmlformats.org/officeDocument/2006/relationships" xmlns:p14="http://schemas.microsoft.com/office/powerpoint/2010/main" xmlns:p15="http://schemas.microsoft.com/office/powerpoint/2012/main" xmlns:mc="http://schemas.openxmlformats.org/markup-compatibility/2006" type="twoObj" preserve="1">
+<p:sldLayout xmlns:a="http://schemas.openxmlformats.org/drawingml/2006/main" xmlns:r="http://schemas.openxmlformats.org/officeDocument/2006/relationships" xmlns:p="http://schemas.openxmlformats.org/presentationml/2006/main" type="twoObj" preserve="1">
   <p:cSld name="Title, 2 Content">
     <p:spTree>
       <p:nvGrpSpPr>
@@ -5530,11 +5901,12 @@
           </a:prstGeom>
         </p:spPr>
         <p:txBody>
-          <a:bodyPr lIns="0" rIns="0" tIns="0" bIns="0" anchor="ctr">
+          <a:bodyPr lIns="0" tIns="0" rIns="0" bIns="0" anchor="ctr">
             <a:noAutofit/>
           </a:bodyPr>
-          <a:p>
-            <a:endParaRPr b="0" lang="en-FI" sz="1660" spc="-1" strike="noStrike">
+          <a:lstStyle/>
+          <a:p>
+            <a:endParaRPr lang="en-FI" sz="1660" b="0" strike="noStrike" spc="-1">
               <a:solidFill>
                 <a:srgbClr val="000000"/>
               </a:solidFill>
@@ -5563,11 +5935,12 @@
           </a:prstGeom>
         </p:spPr>
         <p:txBody>
-          <a:bodyPr lIns="0" rIns="0" tIns="0" bIns="0">
+          <a:bodyPr lIns="0" tIns="0" rIns="0" bIns="0">
             <a:normAutofit/>
           </a:bodyPr>
-          <a:p>
-            <a:endParaRPr b="0" lang="en-FI" sz="1660" spc="-1" strike="noStrike">
+          <a:lstStyle/>
+          <a:p>
+            <a:endParaRPr lang="en-FI" sz="1660" b="0" strike="noStrike" spc="-1">
               <a:solidFill>
                 <a:srgbClr val="000000"/>
               </a:solidFill>
@@ -5596,11 +5969,12 @@
           </a:prstGeom>
         </p:spPr>
         <p:txBody>
-          <a:bodyPr lIns="0" rIns="0" tIns="0" bIns="0">
+          <a:bodyPr lIns="0" tIns="0" rIns="0" bIns="0">
             <a:normAutofit/>
           </a:bodyPr>
-          <a:p>
-            <a:endParaRPr b="0" lang="en-FI" sz="1660" spc="-1" strike="noStrike">
+          <a:lstStyle/>
+          <a:p>
+            <a:endParaRPr lang="en-FI" sz="1660" b="0" strike="noStrike" spc="-1">
               <a:solidFill>
                 <a:srgbClr val="000000"/>
               </a:solidFill>
@@ -5611,11 +5985,14 @@
       </p:sp>
     </p:spTree>
   </p:cSld>
+  <p:clrMapOvr>
+    <a:masterClrMapping/>
+  </p:clrMapOvr>
 </p:sldLayout>
 </file>
 
 <file path=ppt/slideLayouts/slideLayout53.xml><?xml version="1.0" encoding="utf-8"?>
-<p:sldLayout xmlns:a="http://schemas.openxmlformats.org/drawingml/2006/main" xmlns:p="http://schemas.openxmlformats.org/presentationml/2006/main" xmlns:r="http://schemas.openxmlformats.org/officeDocument/2006/relationships" xmlns:p14="http://schemas.microsoft.com/office/powerpoint/2010/main" xmlns:p15="http://schemas.microsoft.com/office/powerpoint/2012/main" xmlns:mc="http://schemas.openxmlformats.org/markup-compatibility/2006" type="titleOnly" preserve="1">
+<p:sldLayout xmlns:a="http://schemas.openxmlformats.org/drawingml/2006/main" xmlns:r="http://schemas.openxmlformats.org/officeDocument/2006/relationships" xmlns:p="http://schemas.openxmlformats.org/presentationml/2006/main" type="titleOnly" preserve="1">
   <p:cSld name="Title Only">
     <p:spTree>
       <p:nvGrpSpPr>
@@ -5651,11 +6028,12 @@
           </a:prstGeom>
         </p:spPr>
         <p:txBody>
-          <a:bodyPr lIns="0" rIns="0" tIns="0" bIns="0" anchor="ctr">
+          <a:bodyPr lIns="0" tIns="0" rIns="0" bIns="0" anchor="ctr">
             <a:noAutofit/>
           </a:bodyPr>
-          <a:p>
-            <a:endParaRPr b="0" lang="en-FI" sz="1660" spc="-1" strike="noStrike">
+          <a:lstStyle/>
+          <a:p>
+            <a:endParaRPr lang="en-FI" sz="1660" b="0" strike="noStrike" spc="-1">
               <a:solidFill>
                 <a:srgbClr val="000000"/>
               </a:solidFill>
@@ -5666,11 +6044,14 @@
       </p:sp>
     </p:spTree>
   </p:cSld>
+  <p:clrMapOvr>
+    <a:masterClrMapping/>
+  </p:clrMapOvr>
 </p:sldLayout>
 </file>
 
 <file path=ppt/slideLayouts/slideLayout54.xml><?xml version="1.0" encoding="utf-8"?>
-<p:sldLayout xmlns:a="http://schemas.openxmlformats.org/drawingml/2006/main" xmlns:p="http://schemas.openxmlformats.org/presentationml/2006/main" xmlns:r="http://schemas.openxmlformats.org/officeDocument/2006/relationships" xmlns:p14="http://schemas.microsoft.com/office/powerpoint/2010/main" xmlns:p15="http://schemas.microsoft.com/office/powerpoint/2012/main" xmlns:mc="http://schemas.openxmlformats.org/markup-compatibility/2006" type="objOnly" preserve="1">
+<p:sldLayout xmlns:a="http://schemas.openxmlformats.org/drawingml/2006/main" xmlns:r="http://schemas.openxmlformats.org/officeDocument/2006/relationships" xmlns:p="http://schemas.openxmlformats.org/presentationml/2006/main" type="objOnly" preserve="1">
   <p:cSld name="Centered Text">
     <p:spTree>
       <p:nvGrpSpPr>
@@ -5706,12 +6087,13 @@
           </a:prstGeom>
         </p:spPr>
         <p:txBody>
-          <a:bodyPr lIns="0" rIns="0" tIns="0" bIns="0" anchor="ctr">
+          <a:bodyPr lIns="0" tIns="0" rIns="0" bIns="0" anchor="ctr">
             <a:noAutofit/>
           </a:bodyPr>
+          <a:lstStyle/>
           <a:p>
             <a:pPr algn="ctr"/>
-            <a:endParaRPr b="0" lang="fi-FI" sz="3200" spc="-1" strike="noStrike">
+            <a:endParaRPr lang="fi-FI" sz="3200" b="0" strike="noStrike" spc="-1">
               <a:latin typeface="Arial"/>
             </a:endParaRPr>
           </a:p>
@@ -5719,11 +6101,14 @@
       </p:sp>
     </p:spTree>
   </p:cSld>
+  <p:clrMapOvr>
+    <a:masterClrMapping/>
+  </p:clrMapOvr>
 </p:sldLayout>
 </file>
 
 <file path=ppt/slideLayouts/slideLayout55.xml><?xml version="1.0" encoding="utf-8"?>
-<p:sldLayout xmlns:a="http://schemas.openxmlformats.org/drawingml/2006/main" xmlns:p="http://schemas.openxmlformats.org/presentationml/2006/main" xmlns:r="http://schemas.openxmlformats.org/officeDocument/2006/relationships" xmlns:p14="http://schemas.microsoft.com/office/powerpoint/2010/main" xmlns:p15="http://schemas.microsoft.com/office/powerpoint/2012/main" xmlns:mc="http://schemas.openxmlformats.org/markup-compatibility/2006" type="twoObjAndObj" preserve="1">
+<p:sldLayout xmlns:a="http://schemas.openxmlformats.org/drawingml/2006/main" xmlns:r="http://schemas.openxmlformats.org/officeDocument/2006/relationships" xmlns:p="http://schemas.openxmlformats.org/presentationml/2006/main" type="twoObjAndObj" preserve="1">
   <p:cSld name="Title, 2 Content and Content">
     <p:spTree>
       <p:nvGrpSpPr>
@@ -5759,11 +6144,12 @@
           </a:prstGeom>
         </p:spPr>
         <p:txBody>
-          <a:bodyPr lIns="0" rIns="0" tIns="0" bIns="0" anchor="ctr">
+          <a:bodyPr lIns="0" tIns="0" rIns="0" bIns="0" anchor="ctr">
             <a:noAutofit/>
           </a:bodyPr>
-          <a:p>
-            <a:endParaRPr b="0" lang="en-FI" sz="1660" spc="-1" strike="noStrike">
+          <a:lstStyle/>
+          <a:p>
+            <a:endParaRPr lang="en-FI" sz="1660" b="0" strike="noStrike" spc="-1">
               <a:solidFill>
                 <a:srgbClr val="000000"/>
               </a:solidFill>
@@ -5792,11 +6178,12 @@
           </a:prstGeom>
         </p:spPr>
         <p:txBody>
-          <a:bodyPr lIns="0" rIns="0" tIns="0" bIns="0">
+          <a:bodyPr lIns="0" tIns="0" rIns="0" bIns="0">
             <a:normAutofit/>
           </a:bodyPr>
-          <a:p>
-            <a:endParaRPr b="0" lang="en-FI" sz="1660" spc="-1" strike="noStrike">
+          <a:lstStyle/>
+          <a:p>
+            <a:endParaRPr lang="en-FI" sz="1660" b="0" strike="noStrike" spc="-1">
               <a:solidFill>
                 <a:srgbClr val="000000"/>
               </a:solidFill>
@@ -5825,11 +6212,12 @@
           </a:prstGeom>
         </p:spPr>
         <p:txBody>
-          <a:bodyPr lIns="0" rIns="0" tIns="0" bIns="0">
+          <a:bodyPr lIns="0" tIns="0" rIns="0" bIns="0">
             <a:normAutofit/>
           </a:bodyPr>
-          <a:p>
-            <a:endParaRPr b="0" lang="en-FI" sz="1660" spc="-1" strike="noStrike">
+          <a:lstStyle/>
+          <a:p>
+            <a:endParaRPr lang="en-FI" sz="1660" b="0" strike="noStrike" spc="-1">
               <a:solidFill>
                 <a:srgbClr val="000000"/>
               </a:solidFill>
@@ -5858,11 +6246,12 @@
           </a:prstGeom>
         </p:spPr>
         <p:txBody>
-          <a:bodyPr lIns="0" rIns="0" tIns="0" bIns="0">
+          <a:bodyPr lIns="0" tIns="0" rIns="0" bIns="0">
             <a:normAutofit/>
           </a:bodyPr>
-          <a:p>
-            <a:endParaRPr b="0" lang="en-FI" sz="1660" spc="-1" strike="noStrike">
+          <a:lstStyle/>
+          <a:p>
+            <a:endParaRPr lang="en-FI" sz="1660" b="0" strike="noStrike" spc="-1">
               <a:solidFill>
                 <a:srgbClr val="000000"/>
               </a:solidFill>
@@ -5873,11 +6262,14 @@
       </p:sp>
     </p:spTree>
   </p:cSld>
+  <p:clrMapOvr>
+    <a:masterClrMapping/>
+  </p:clrMapOvr>
 </p:sldLayout>
 </file>
 
 <file path=ppt/slideLayouts/slideLayout56.xml><?xml version="1.0" encoding="utf-8"?>
-<p:sldLayout xmlns:a="http://schemas.openxmlformats.org/drawingml/2006/main" xmlns:p="http://schemas.openxmlformats.org/presentationml/2006/main" xmlns:r="http://schemas.openxmlformats.org/officeDocument/2006/relationships" xmlns:p14="http://schemas.microsoft.com/office/powerpoint/2010/main" xmlns:p15="http://schemas.microsoft.com/office/powerpoint/2012/main" xmlns:mc="http://schemas.openxmlformats.org/markup-compatibility/2006" type="objAndTwoObj" preserve="1">
+<p:sldLayout xmlns:a="http://schemas.openxmlformats.org/drawingml/2006/main" xmlns:r="http://schemas.openxmlformats.org/officeDocument/2006/relationships" xmlns:p="http://schemas.openxmlformats.org/presentationml/2006/main" type="objAndTwoObj" preserve="1">
   <p:cSld name="Title Content and 2 Content">
     <p:spTree>
       <p:nvGrpSpPr>
@@ -5913,11 +6305,12 @@
           </a:prstGeom>
         </p:spPr>
         <p:txBody>
-          <a:bodyPr lIns="0" rIns="0" tIns="0" bIns="0" anchor="ctr">
+          <a:bodyPr lIns="0" tIns="0" rIns="0" bIns="0" anchor="ctr">
             <a:noAutofit/>
           </a:bodyPr>
-          <a:p>
-            <a:endParaRPr b="0" lang="en-FI" sz="1660" spc="-1" strike="noStrike">
+          <a:lstStyle/>
+          <a:p>
+            <a:endParaRPr lang="en-FI" sz="1660" b="0" strike="noStrike" spc="-1">
               <a:solidFill>
                 <a:srgbClr val="000000"/>
               </a:solidFill>
@@ -5946,11 +6339,12 @@
           </a:prstGeom>
         </p:spPr>
         <p:txBody>
-          <a:bodyPr lIns="0" rIns="0" tIns="0" bIns="0">
+          <a:bodyPr lIns="0" tIns="0" rIns="0" bIns="0">
             <a:normAutofit/>
           </a:bodyPr>
-          <a:p>
-            <a:endParaRPr b="0" lang="en-FI" sz="1660" spc="-1" strike="noStrike">
+          <a:lstStyle/>
+          <a:p>
+            <a:endParaRPr lang="en-FI" sz="1660" b="0" strike="noStrike" spc="-1">
               <a:solidFill>
                 <a:srgbClr val="000000"/>
               </a:solidFill>
@@ -5979,11 +6373,12 @@
           </a:prstGeom>
         </p:spPr>
         <p:txBody>
-          <a:bodyPr lIns="0" rIns="0" tIns="0" bIns="0">
+          <a:bodyPr lIns="0" tIns="0" rIns="0" bIns="0">
             <a:normAutofit/>
           </a:bodyPr>
-          <a:p>
-            <a:endParaRPr b="0" lang="en-FI" sz="1660" spc="-1" strike="noStrike">
+          <a:lstStyle/>
+          <a:p>
+            <a:endParaRPr lang="en-FI" sz="1660" b="0" strike="noStrike" spc="-1">
               <a:solidFill>
                 <a:srgbClr val="000000"/>
               </a:solidFill>
@@ -6012,11 +6407,12 @@
           </a:prstGeom>
         </p:spPr>
         <p:txBody>
-          <a:bodyPr lIns="0" rIns="0" tIns="0" bIns="0">
+          <a:bodyPr lIns="0" tIns="0" rIns="0" bIns="0">
             <a:normAutofit/>
           </a:bodyPr>
-          <a:p>
-            <a:endParaRPr b="0" lang="en-FI" sz="1660" spc="-1" strike="noStrike">
+          <a:lstStyle/>
+          <a:p>
+            <a:endParaRPr lang="en-FI" sz="1660" b="0" strike="noStrike" spc="-1">
               <a:solidFill>
                 <a:srgbClr val="000000"/>
               </a:solidFill>
@@ -6027,11 +6423,14 @@
       </p:sp>
     </p:spTree>
   </p:cSld>
+  <p:clrMapOvr>
+    <a:masterClrMapping/>
+  </p:clrMapOvr>
 </p:sldLayout>
 </file>
 
 <file path=ppt/slideLayouts/slideLayout57.xml><?xml version="1.0" encoding="utf-8"?>
-<p:sldLayout xmlns:a="http://schemas.openxmlformats.org/drawingml/2006/main" xmlns:p="http://schemas.openxmlformats.org/presentationml/2006/main" xmlns:r="http://schemas.openxmlformats.org/officeDocument/2006/relationships" xmlns:p14="http://schemas.microsoft.com/office/powerpoint/2010/main" xmlns:p15="http://schemas.microsoft.com/office/powerpoint/2012/main" xmlns:mc="http://schemas.openxmlformats.org/markup-compatibility/2006" type="twoObjOverTx" preserve="1">
+<p:sldLayout xmlns:a="http://schemas.openxmlformats.org/drawingml/2006/main" xmlns:r="http://schemas.openxmlformats.org/officeDocument/2006/relationships" xmlns:p="http://schemas.openxmlformats.org/presentationml/2006/main" type="twoObjOverTx" preserve="1">
   <p:cSld name="Title, 2 Content over Content">
     <p:spTree>
       <p:nvGrpSpPr>
@@ -6067,11 +6466,12 @@
           </a:prstGeom>
         </p:spPr>
         <p:txBody>
-          <a:bodyPr lIns="0" rIns="0" tIns="0" bIns="0" anchor="ctr">
+          <a:bodyPr lIns="0" tIns="0" rIns="0" bIns="0" anchor="ctr">
             <a:noAutofit/>
           </a:bodyPr>
-          <a:p>
-            <a:endParaRPr b="0" lang="en-FI" sz="1660" spc="-1" strike="noStrike">
+          <a:lstStyle/>
+          <a:p>
+            <a:endParaRPr lang="en-FI" sz="1660" b="0" strike="noStrike" spc="-1">
               <a:solidFill>
                 <a:srgbClr val="000000"/>
               </a:solidFill>
@@ -6100,11 +6500,12 @@
           </a:prstGeom>
         </p:spPr>
         <p:txBody>
-          <a:bodyPr lIns="0" rIns="0" tIns="0" bIns="0">
+          <a:bodyPr lIns="0" tIns="0" rIns="0" bIns="0">
             <a:normAutofit/>
           </a:bodyPr>
-          <a:p>
-            <a:endParaRPr b="0" lang="en-FI" sz="1660" spc="-1" strike="noStrike">
+          <a:lstStyle/>
+          <a:p>
+            <a:endParaRPr lang="en-FI" sz="1660" b="0" strike="noStrike" spc="-1">
               <a:solidFill>
                 <a:srgbClr val="000000"/>
               </a:solidFill>
@@ -6133,11 +6534,12 @@
           </a:prstGeom>
         </p:spPr>
         <p:txBody>
-          <a:bodyPr lIns="0" rIns="0" tIns="0" bIns="0">
+          <a:bodyPr lIns="0" tIns="0" rIns="0" bIns="0">
             <a:normAutofit/>
           </a:bodyPr>
-          <a:p>
-            <a:endParaRPr b="0" lang="en-FI" sz="1660" spc="-1" strike="noStrike">
+          <a:lstStyle/>
+          <a:p>
+            <a:endParaRPr lang="en-FI" sz="1660" b="0" strike="noStrike" spc="-1">
               <a:solidFill>
                 <a:srgbClr val="000000"/>
               </a:solidFill>
@@ -6166,11 +6568,12 @@
           </a:prstGeom>
         </p:spPr>
         <p:txBody>
-          <a:bodyPr lIns="0" rIns="0" tIns="0" bIns="0">
+          <a:bodyPr lIns="0" tIns="0" rIns="0" bIns="0">
             <a:normAutofit/>
           </a:bodyPr>
-          <a:p>
-            <a:endParaRPr b="0" lang="en-FI" sz="1660" spc="-1" strike="noStrike">
+          <a:lstStyle/>
+          <a:p>
+            <a:endParaRPr lang="en-FI" sz="1660" b="0" strike="noStrike" spc="-1">
               <a:solidFill>
                 <a:srgbClr val="000000"/>
               </a:solidFill>
@@ -6181,11 +6584,14 @@
       </p:sp>
     </p:spTree>
   </p:cSld>
+  <p:clrMapOvr>
+    <a:masterClrMapping/>
+  </p:clrMapOvr>
 </p:sldLayout>
 </file>
 
 <file path=ppt/slideLayouts/slideLayout58.xml><?xml version="1.0" encoding="utf-8"?>
-<p:sldLayout xmlns:a="http://schemas.openxmlformats.org/drawingml/2006/main" xmlns:p="http://schemas.openxmlformats.org/presentationml/2006/main" xmlns:r="http://schemas.openxmlformats.org/officeDocument/2006/relationships" xmlns:p14="http://schemas.microsoft.com/office/powerpoint/2010/main" xmlns:p15="http://schemas.microsoft.com/office/powerpoint/2012/main" xmlns:mc="http://schemas.openxmlformats.org/markup-compatibility/2006" type="objOverTx" preserve="1">
+<p:sldLayout xmlns:a="http://schemas.openxmlformats.org/drawingml/2006/main" xmlns:r="http://schemas.openxmlformats.org/officeDocument/2006/relationships" xmlns:p="http://schemas.openxmlformats.org/presentationml/2006/main" type="objOverTx" preserve="1">
   <p:cSld name="Title, Content over Content">
     <p:spTree>
       <p:nvGrpSpPr>
@@ -6221,11 +6627,12 @@
           </a:prstGeom>
         </p:spPr>
         <p:txBody>
-          <a:bodyPr lIns="0" rIns="0" tIns="0" bIns="0" anchor="ctr">
+          <a:bodyPr lIns="0" tIns="0" rIns="0" bIns="0" anchor="ctr">
             <a:noAutofit/>
           </a:bodyPr>
-          <a:p>
-            <a:endParaRPr b="0" lang="en-FI" sz="1660" spc="-1" strike="noStrike">
+          <a:lstStyle/>
+          <a:p>
+            <a:endParaRPr lang="en-FI" sz="1660" b="0" strike="noStrike" spc="-1">
               <a:solidFill>
                 <a:srgbClr val="000000"/>
               </a:solidFill>
@@ -6254,11 +6661,12 @@
           </a:prstGeom>
         </p:spPr>
         <p:txBody>
-          <a:bodyPr lIns="0" rIns="0" tIns="0" bIns="0">
+          <a:bodyPr lIns="0" tIns="0" rIns="0" bIns="0">
             <a:normAutofit/>
           </a:bodyPr>
-          <a:p>
-            <a:endParaRPr b="0" lang="en-FI" sz="1660" spc="-1" strike="noStrike">
+          <a:lstStyle/>
+          <a:p>
+            <a:endParaRPr lang="en-FI" sz="1660" b="0" strike="noStrike" spc="-1">
               <a:solidFill>
                 <a:srgbClr val="000000"/>
               </a:solidFill>
@@ -6287,11 +6695,12 @@
           </a:prstGeom>
         </p:spPr>
         <p:txBody>
-          <a:bodyPr lIns="0" rIns="0" tIns="0" bIns="0">
+          <a:bodyPr lIns="0" tIns="0" rIns="0" bIns="0">
             <a:normAutofit/>
           </a:bodyPr>
-          <a:p>
-            <a:endParaRPr b="0" lang="en-FI" sz="1660" spc="-1" strike="noStrike">
+          <a:lstStyle/>
+          <a:p>
+            <a:endParaRPr lang="en-FI" sz="1660" b="0" strike="noStrike" spc="-1">
               <a:solidFill>
                 <a:srgbClr val="000000"/>
               </a:solidFill>
@@ -6302,11 +6711,14 @@
       </p:sp>
     </p:spTree>
   </p:cSld>
+  <p:clrMapOvr>
+    <a:masterClrMapping/>
+  </p:clrMapOvr>
 </p:sldLayout>
 </file>
 
 <file path=ppt/slideLayouts/slideLayout59.xml><?xml version="1.0" encoding="utf-8"?>
-<p:sldLayout xmlns:a="http://schemas.openxmlformats.org/drawingml/2006/main" xmlns:p="http://schemas.openxmlformats.org/presentationml/2006/main" xmlns:r="http://schemas.openxmlformats.org/officeDocument/2006/relationships" xmlns:p14="http://schemas.microsoft.com/office/powerpoint/2010/main" xmlns:p15="http://schemas.microsoft.com/office/powerpoint/2012/main" xmlns:mc="http://schemas.openxmlformats.org/markup-compatibility/2006" type="fourObj" preserve="1">
+<p:sldLayout xmlns:a="http://schemas.openxmlformats.org/drawingml/2006/main" xmlns:r="http://schemas.openxmlformats.org/officeDocument/2006/relationships" xmlns:p="http://schemas.openxmlformats.org/presentationml/2006/main" type="fourObj" preserve="1">
   <p:cSld name="Title, 4 Content">
     <p:spTree>
       <p:nvGrpSpPr>
@@ -6342,11 +6754,12 @@
           </a:prstGeom>
         </p:spPr>
         <p:txBody>
-          <a:bodyPr lIns="0" rIns="0" tIns="0" bIns="0" anchor="ctr">
+          <a:bodyPr lIns="0" tIns="0" rIns="0" bIns="0" anchor="ctr">
             <a:noAutofit/>
           </a:bodyPr>
-          <a:p>
-            <a:endParaRPr b="0" lang="en-FI" sz="1660" spc="-1" strike="noStrike">
+          <a:lstStyle/>
+          <a:p>
+            <a:endParaRPr lang="en-FI" sz="1660" b="0" strike="noStrike" spc="-1">
               <a:solidFill>
                 <a:srgbClr val="000000"/>
               </a:solidFill>
@@ -6375,11 +6788,12 @@
           </a:prstGeom>
         </p:spPr>
         <p:txBody>
-          <a:bodyPr lIns="0" rIns="0" tIns="0" bIns="0">
+          <a:bodyPr lIns="0" tIns="0" rIns="0" bIns="0">
             <a:normAutofit/>
           </a:bodyPr>
-          <a:p>
-            <a:endParaRPr b="0" lang="en-FI" sz="1660" spc="-1" strike="noStrike">
+          <a:lstStyle/>
+          <a:p>
+            <a:endParaRPr lang="en-FI" sz="1660" b="0" strike="noStrike" spc="-1">
               <a:solidFill>
                 <a:srgbClr val="000000"/>
               </a:solidFill>
@@ -6408,11 +6822,12 @@
           </a:prstGeom>
         </p:spPr>
         <p:txBody>
-          <a:bodyPr lIns="0" rIns="0" tIns="0" bIns="0">
+          <a:bodyPr lIns="0" tIns="0" rIns="0" bIns="0">
             <a:normAutofit/>
           </a:bodyPr>
-          <a:p>
-            <a:endParaRPr b="0" lang="en-FI" sz="1660" spc="-1" strike="noStrike">
+          <a:lstStyle/>
+          <a:p>
+            <a:endParaRPr lang="en-FI" sz="1660" b="0" strike="noStrike" spc="-1">
               <a:solidFill>
                 <a:srgbClr val="000000"/>
               </a:solidFill>
@@ -6441,11 +6856,12 @@
           </a:prstGeom>
         </p:spPr>
         <p:txBody>
-          <a:bodyPr lIns="0" rIns="0" tIns="0" bIns="0">
+          <a:bodyPr lIns="0" tIns="0" rIns="0" bIns="0">
             <a:normAutofit/>
           </a:bodyPr>
-          <a:p>
-            <a:endParaRPr b="0" lang="en-FI" sz="1660" spc="-1" strike="noStrike">
+          <a:lstStyle/>
+          <a:p>
+            <a:endParaRPr lang="en-FI" sz="1660" b="0" strike="noStrike" spc="-1">
               <a:solidFill>
                 <a:srgbClr val="000000"/>
               </a:solidFill>
@@ -6474,11 +6890,12 @@
           </a:prstGeom>
         </p:spPr>
         <p:txBody>
-          <a:bodyPr lIns="0" rIns="0" tIns="0" bIns="0">
+          <a:bodyPr lIns="0" tIns="0" rIns="0" bIns="0">
             <a:normAutofit/>
           </a:bodyPr>
-          <a:p>
-            <a:endParaRPr b="0" lang="en-FI" sz="1660" spc="-1" strike="noStrike">
+          <a:lstStyle/>
+          <a:p>
+            <a:endParaRPr lang="en-FI" sz="1660" b="0" strike="noStrike" spc="-1">
               <a:solidFill>
                 <a:srgbClr val="000000"/>
               </a:solidFill>
@@ -6489,11 +6906,14 @@
       </p:sp>
     </p:spTree>
   </p:cSld>
+  <p:clrMapOvr>
+    <a:masterClrMapping/>
+  </p:clrMapOvr>
 </p:sldLayout>
 </file>
 
 <file path=ppt/slideLayouts/slideLayout6.xml><?xml version="1.0" encoding="utf-8"?>
-<p:sldLayout xmlns:a="http://schemas.openxmlformats.org/drawingml/2006/main" xmlns:p="http://schemas.openxmlformats.org/presentationml/2006/main" xmlns:r="http://schemas.openxmlformats.org/officeDocument/2006/relationships" xmlns:p14="http://schemas.microsoft.com/office/powerpoint/2010/main" xmlns:p15="http://schemas.microsoft.com/office/powerpoint/2012/main" xmlns:mc="http://schemas.openxmlformats.org/markup-compatibility/2006" type="objOnly" preserve="1">
+<p:sldLayout xmlns:a="http://schemas.openxmlformats.org/drawingml/2006/main" xmlns:r="http://schemas.openxmlformats.org/officeDocument/2006/relationships" xmlns:p="http://schemas.openxmlformats.org/presentationml/2006/main" type="objOnly" preserve="1">
   <p:cSld name="Centered Text">
     <p:spTree>
       <p:nvGrpSpPr>
@@ -6529,12 +6949,13 @@
           </a:prstGeom>
         </p:spPr>
         <p:txBody>
-          <a:bodyPr lIns="0" rIns="0" tIns="0" bIns="0" anchor="ctr">
+          <a:bodyPr lIns="0" tIns="0" rIns="0" bIns="0" anchor="ctr">
             <a:noAutofit/>
           </a:bodyPr>
+          <a:lstStyle/>
           <a:p>
             <a:pPr algn="ctr"/>
-            <a:endParaRPr b="0" lang="fi-FI" sz="3200" spc="-1" strike="noStrike">
+            <a:endParaRPr lang="fi-FI" sz="3200" b="0" strike="noStrike" spc="-1">
               <a:latin typeface="Arial"/>
             </a:endParaRPr>
           </a:p>
@@ -6542,11 +6963,14 @@
       </p:sp>
     </p:spTree>
   </p:cSld>
+  <p:clrMapOvr>
+    <a:masterClrMapping/>
+  </p:clrMapOvr>
 </p:sldLayout>
 </file>
 
 <file path=ppt/slideLayouts/slideLayout60.xml><?xml version="1.0" encoding="utf-8"?>
-<p:sldLayout xmlns:a="http://schemas.openxmlformats.org/drawingml/2006/main" xmlns:p="http://schemas.openxmlformats.org/presentationml/2006/main" xmlns:r="http://schemas.openxmlformats.org/officeDocument/2006/relationships" xmlns:p14="http://schemas.microsoft.com/office/powerpoint/2010/main" xmlns:p15="http://schemas.microsoft.com/office/powerpoint/2012/main" xmlns:mc="http://schemas.openxmlformats.org/markup-compatibility/2006" type="blank" preserve="1">
+<p:sldLayout xmlns:a="http://schemas.openxmlformats.org/drawingml/2006/main" xmlns:r="http://schemas.openxmlformats.org/officeDocument/2006/relationships" xmlns:p="http://schemas.openxmlformats.org/presentationml/2006/main" type="blank" preserve="1">
   <p:cSld name="Title, 6 Content">
     <p:spTree>
       <p:nvGrpSpPr>
@@ -6582,11 +7006,12 @@
           </a:prstGeom>
         </p:spPr>
         <p:txBody>
-          <a:bodyPr lIns="0" rIns="0" tIns="0" bIns="0" anchor="ctr">
+          <a:bodyPr lIns="0" tIns="0" rIns="0" bIns="0" anchor="ctr">
             <a:noAutofit/>
           </a:bodyPr>
-          <a:p>
-            <a:endParaRPr b="0" lang="en-FI" sz="1660" spc="-1" strike="noStrike">
+          <a:lstStyle/>
+          <a:p>
+            <a:endParaRPr lang="en-FI" sz="1660" b="0" strike="noStrike" spc="-1">
               <a:solidFill>
                 <a:srgbClr val="000000"/>
               </a:solidFill>
@@ -6615,11 +7040,12 @@
           </a:prstGeom>
         </p:spPr>
         <p:txBody>
-          <a:bodyPr lIns="0" rIns="0" tIns="0" bIns="0">
+          <a:bodyPr lIns="0" tIns="0" rIns="0" bIns="0">
             <a:normAutofit fontScale="80000"/>
           </a:bodyPr>
-          <a:p>
-            <a:endParaRPr b="0" lang="en-FI" sz="1660" spc="-1" strike="noStrike">
+          <a:lstStyle/>
+          <a:p>
+            <a:endParaRPr lang="en-FI" sz="1660" b="0" strike="noStrike" spc="-1">
               <a:solidFill>
                 <a:srgbClr val="000000"/>
               </a:solidFill>
@@ -6648,11 +7074,12 @@
           </a:prstGeom>
         </p:spPr>
         <p:txBody>
-          <a:bodyPr lIns="0" rIns="0" tIns="0" bIns="0">
+          <a:bodyPr lIns="0" tIns="0" rIns="0" bIns="0">
             <a:normAutofit fontScale="80000"/>
           </a:bodyPr>
-          <a:p>
-            <a:endParaRPr b="0" lang="en-FI" sz="1660" spc="-1" strike="noStrike">
+          <a:lstStyle/>
+          <a:p>
+            <a:endParaRPr lang="en-FI" sz="1660" b="0" strike="noStrike" spc="-1">
               <a:solidFill>
                 <a:srgbClr val="000000"/>
               </a:solidFill>
@@ -6681,11 +7108,12 @@
           </a:prstGeom>
         </p:spPr>
         <p:txBody>
-          <a:bodyPr lIns="0" rIns="0" tIns="0" bIns="0">
+          <a:bodyPr lIns="0" tIns="0" rIns="0" bIns="0">
             <a:normAutofit fontScale="80000"/>
           </a:bodyPr>
-          <a:p>
-            <a:endParaRPr b="0" lang="en-FI" sz="1660" spc="-1" strike="noStrike">
+          <a:lstStyle/>
+          <a:p>
+            <a:endParaRPr lang="en-FI" sz="1660" b="0" strike="noStrike" spc="-1">
               <a:solidFill>
                 <a:srgbClr val="000000"/>
               </a:solidFill>
@@ -6714,11 +7142,12 @@
           </a:prstGeom>
         </p:spPr>
         <p:txBody>
-          <a:bodyPr lIns="0" rIns="0" tIns="0" bIns="0">
+          <a:bodyPr lIns="0" tIns="0" rIns="0" bIns="0">
             <a:normAutofit fontScale="80000"/>
           </a:bodyPr>
-          <a:p>
-            <a:endParaRPr b="0" lang="en-FI" sz="1660" spc="-1" strike="noStrike">
+          <a:lstStyle/>
+          <a:p>
+            <a:endParaRPr lang="en-FI" sz="1660" b="0" strike="noStrike" spc="-1">
               <a:solidFill>
                 <a:srgbClr val="000000"/>
               </a:solidFill>
@@ -6747,11 +7176,12 @@
           </a:prstGeom>
         </p:spPr>
         <p:txBody>
-          <a:bodyPr lIns="0" rIns="0" tIns="0" bIns="0">
+          <a:bodyPr lIns="0" tIns="0" rIns="0" bIns="0">
             <a:normAutofit fontScale="80000"/>
           </a:bodyPr>
-          <a:p>
-            <a:endParaRPr b="0" lang="en-FI" sz="1660" spc="-1" strike="noStrike">
+          <a:lstStyle/>
+          <a:p>
+            <a:endParaRPr lang="en-FI" sz="1660" b="0" strike="noStrike" spc="-1">
               <a:solidFill>
                 <a:srgbClr val="000000"/>
               </a:solidFill>
@@ -6780,11 +7210,12 @@
           </a:prstGeom>
         </p:spPr>
         <p:txBody>
-          <a:bodyPr lIns="0" rIns="0" tIns="0" bIns="0">
+          <a:bodyPr lIns="0" tIns="0" rIns="0" bIns="0">
             <a:normAutofit fontScale="80000"/>
           </a:bodyPr>
-          <a:p>
-            <a:endParaRPr b="0" lang="en-FI" sz="1660" spc="-1" strike="noStrike">
+          <a:lstStyle/>
+          <a:p>
+            <a:endParaRPr lang="en-FI" sz="1660" b="0" strike="noStrike" spc="-1">
               <a:solidFill>
                 <a:srgbClr val="000000"/>
               </a:solidFill>
@@ -6795,11 +7226,14 @@
       </p:sp>
     </p:spTree>
   </p:cSld>
+  <p:clrMapOvr>
+    <a:masterClrMapping/>
+  </p:clrMapOvr>
 </p:sldLayout>
 </file>
 
 <file path=ppt/slideLayouts/slideLayout61.xml><?xml version="1.0" encoding="utf-8"?>
-<p:sldLayout xmlns:a="http://schemas.openxmlformats.org/drawingml/2006/main" xmlns:p="http://schemas.openxmlformats.org/presentationml/2006/main" xmlns:r="http://schemas.openxmlformats.org/officeDocument/2006/relationships" xmlns:p14="http://schemas.microsoft.com/office/powerpoint/2010/main" xmlns:p15="http://schemas.microsoft.com/office/powerpoint/2012/main" xmlns:mc="http://schemas.openxmlformats.org/markup-compatibility/2006" type="blank" preserve="1">
+<p:sldLayout xmlns:a="http://schemas.openxmlformats.org/drawingml/2006/main" xmlns:r="http://schemas.openxmlformats.org/officeDocument/2006/relationships" xmlns:p="http://schemas.openxmlformats.org/presentationml/2006/main" type="blank" preserve="1">
   <p:cSld name="Blank Slide">
     <p:spTree>
       <p:nvGrpSpPr>
@@ -6817,11 +7251,14 @@
       </p:grpSpPr>
     </p:spTree>
   </p:cSld>
+  <p:clrMapOvr>
+    <a:masterClrMapping/>
+  </p:clrMapOvr>
 </p:sldLayout>
 </file>
 
 <file path=ppt/slideLayouts/slideLayout62.xml><?xml version="1.0" encoding="utf-8"?>
-<p:sldLayout xmlns:a="http://schemas.openxmlformats.org/drawingml/2006/main" xmlns:p="http://schemas.openxmlformats.org/presentationml/2006/main" xmlns:r="http://schemas.openxmlformats.org/officeDocument/2006/relationships" xmlns:p14="http://schemas.microsoft.com/office/powerpoint/2010/main" xmlns:p15="http://schemas.microsoft.com/office/powerpoint/2012/main" xmlns:mc="http://schemas.openxmlformats.org/markup-compatibility/2006" type="tx" preserve="1">
+<p:sldLayout xmlns:a="http://schemas.openxmlformats.org/drawingml/2006/main" xmlns:r="http://schemas.openxmlformats.org/officeDocument/2006/relationships" xmlns:p="http://schemas.openxmlformats.org/presentationml/2006/main" type="tx" preserve="1">
   <p:cSld name="Title Slide">
     <p:spTree>
       <p:nvGrpSpPr>
@@ -6857,11 +7294,12 @@
           </a:prstGeom>
         </p:spPr>
         <p:txBody>
-          <a:bodyPr lIns="0" rIns="0" tIns="0" bIns="0" anchor="ctr">
+          <a:bodyPr lIns="0" tIns="0" rIns="0" bIns="0" anchor="ctr">
             <a:noAutofit/>
           </a:bodyPr>
-          <a:p>
-            <a:endParaRPr b="0" lang="en-FI" sz="1660" spc="-1" strike="noStrike">
+          <a:lstStyle/>
+          <a:p>
+            <a:endParaRPr lang="en-FI" sz="1660" b="0" strike="noStrike" spc="-1">
               <a:solidFill>
                 <a:srgbClr val="000000"/>
               </a:solidFill>
@@ -6890,12 +7328,13 @@
           </a:prstGeom>
         </p:spPr>
         <p:txBody>
-          <a:bodyPr lIns="0" rIns="0" tIns="0" bIns="0" anchor="ctr">
+          <a:bodyPr lIns="0" tIns="0" rIns="0" bIns="0" anchor="ctr">
             <a:noAutofit/>
           </a:bodyPr>
+          <a:lstStyle/>
           <a:p>
             <a:pPr algn="ctr"/>
-            <a:endParaRPr b="0" lang="fi-FI" sz="3200" spc="-1" strike="noStrike">
+            <a:endParaRPr lang="fi-FI" sz="3200" b="0" strike="noStrike" spc="-1">
               <a:latin typeface="Arial"/>
             </a:endParaRPr>
           </a:p>
@@ -6903,11 +7342,14 @@
       </p:sp>
     </p:spTree>
   </p:cSld>
+  <p:clrMapOvr>
+    <a:masterClrMapping/>
+  </p:clrMapOvr>
 </p:sldLayout>
 </file>
 
 <file path=ppt/slideLayouts/slideLayout63.xml><?xml version="1.0" encoding="utf-8"?>
-<p:sldLayout xmlns:a="http://schemas.openxmlformats.org/drawingml/2006/main" xmlns:p="http://schemas.openxmlformats.org/presentationml/2006/main" xmlns:r="http://schemas.openxmlformats.org/officeDocument/2006/relationships" xmlns:p14="http://schemas.microsoft.com/office/powerpoint/2010/main" xmlns:p15="http://schemas.microsoft.com/office/powerpoint/2012/main" xmlns:mc="http://schemas.openxmlformats.org/markup-compatibility/2006" type="obj" preserve="1">
+<p:sldLayout xmlns:a="http://schemas.openxmlformats.org/drawingml/2006/main" xmlns:r="http://schemas.openxmlformats.org/officeDocument/2006/relationships" xmlns:p="http://schemas.openxmlformats.org/presentationml/2006/main" type="obj" preserve="1">
   <p:cSld name="Title, Content">
     <p:spTree>
       <p:nvGrpSpPr>
@@ -6943,11 +7385,12 @@
           </a:prstGeom>
         </p:spPr>
         <p:txBody>
-          <a:bodyPr lIns="0" rIns="0" tIns="0" bIns="0" anchor="ctr">
+          <a:bodyPr lIns="0" tIns="0" rIns="0" bIns="0" anchor="ctr">
             <a:noAutofit/>
           </a:bodyPr>
-          <a:p>
-            <a:endParaRPr b="0" lang="en-FI" sz="1660" spc="-1" strike="noStrike">
+          <a:lstStyle/>
+          <a:p>
+            <a:endParaRPr lang="en-FI" sz="1660" b="0" strike="noStrike" spc="-1">
               <a:solidFill>
                 <a:srgbClr val="000000"/>
               </a:solidFill>
@@ -6976,11 +7419,12 @@
           </a:prstGeom>
         </p:spPr>
         <p:txBody>
-          <a:bodyPr lIns="0" rIns="0" tIns="0" bIns="0">
+          <a:bodyPr lIns="0" tIns="0" rIns="0" bIns="0">
             <a:normAutofit/>
           </a:bodyPr>
-          <a:p>
-            <a:endParaRPr b="0" lang="en-FI" sz="1660" spc="-1" strike="noStrike">
+          <a:lstStyle/>
+          <a:p>
+            <a:endParaRPr lang="en-FI" sz="1660" b="0" strike="noStrike" spc="-1">
               <a:solidFill>
                 <a:srgbClr val="000000"/>
               </a:solidFill>
@@ -6991,11 +7435,14 @@
       </p:sp>
     </p:spTree>
   </p:cSld>
+  <p:clrMapOvr>
+    <a:masterClrMapping/>
+  </p:clrMapOvr>
 </p:sldLayout>
 </file>
 
 <file path=ppt/slideLayouts/slideLayout64.xml><?xml version="1.0" encoding="utf-8"?>
-<p:sldLayout xmlns:a="http://schemas.openxmlformats.org/drawingml/2006/main" xmlns:p="http://schemas.openxmlformats.org/presentationml/2006/main" xmlns:r="http://schemas.openxmlformats.org/officeDocument/2006/relationships" xmlns:p14="http://schemas.microsoft.com/office/powerpoint/2010/main" xmlns:p15="http://schemas.microsoft.com/office/powerpoint/2012/main" xmlns:mc="http://schemas.openxmlformats.org/markup-compatibility/2006" type="twoObj" preserve="1">
+<p:sldLayout xmlns:a="http://schemas.openxmlformats.org/drawingml/2006/main" xmlns:r="http://schemas.openxmlformats.org/officeDocument/2006/relationships" xmlns:p="http://schemas.openxmlformats.org/presentationml/2006/main" type="twoObj" preserve="1">
   <p:cSld name="Title, 2 Content">
     <p:spTree>
       <p:nvGrpSpPr>
@@ -7031,11 +7478,12 @@
           </a:prstGeom>
         </p:spPr>
         <p:txBody>
-          <a:bodyPr lIns="0" rIns="0" tIns="0" bIns="0" anchor="ctr">
+          <a:bodyPr lIns="0" tIns="0" rIns="0" bIns="0" anchor="ctr">
             <a:noAutofit/>
           </a:bodyPr>
-          <a:p>
-            <a:endParaRPr b="0" lang="en-FI" sz="1660" spc="-1" strike="noStrike">
+          <a:lstStyle/>
+          <a:p>
+            <a:endParaRPr lang="en-FI" sz="1660" b="0" strike="noStrike" spc="-1">
               <a:solidFill>
                 <a:srgbClr val="000000"/>
               </a:solidFill>
@@ -7064,11 +7512,12 @@
           </a:prstGeom>
         </p:spPr>
         <p:txBody>
-          <a:bodyPr lIns="0" rIns="0" tIns="0" bIns="0">
+          <a:bodyPr lIns="0" tIns="0" rIns="0" bIns="0">
             <a:normAutofit/>
           </a:bodyPr>
-          <a:p>
-            <a:endParaRPr b="0" lang="en-FI" sz="1660" spc="-1" strike="noStrike">
+          <a:lstStyle/>
+          <a:p>
+            <a:endParaRPr lang="en-FI" sz="1660" b="0" strike="noStrike" spc="-1">
               <a:solidFill>
                 <a:srgbClr val="000000"/>
               </a:solidFill>
@@ -7097,11 +7546,12 @@
           </a:prstGeom>
         </p:spPr>
         <p:txBody>
-          <a:bodyPr lIns="0" rIns="0" tIns="0" bIns="0">
+          <a:bodyPr lIns="0" tIns="0" rIns="0" bIns="0">
             <a:normAutofit/>
           </a:bodyPr>
-          <a:p>
-            <a:endParaRPr b="0" lang="en-FI" sz="1660" spc="-1" strike="noStrike">
+          <a:lstStyle/>
+          <a:p>
+            <a:endParaRPr lang="en-FI" sz="1660" b="0" strike="noStrike" spc="-1">
               <a:solidFill>
                 <a:srgbClr val="000000"/>
               </a:solidFill>
@@ -7112,11 +7562,14 @@
       </p:sp>
     </p:spTree>
   </p:cSld>
+  <p:clrMapOvr>
+    <a:masterClrMapping/>
+  </p:clrMapOvr>
 </p:sldLayout>
 </file>
 
 <file path=ppt/slideLayouts/slideLayout65.xml><?xml version="1.0" encoding="utf-8"?>
-<p:sldLayout xmlns:a="http://schemas.openxmlformats.org/drawingml/2006/main" xmlns:p="http://schemas.openxmlformats.org/presentationml/2006/main" xmlns:r="http://schemas.openxmlformats.org/officeDocument/2006/relationships" xmlns:p14="http://schemas.microsoft.com/office/powerpoint/2010/main" xmlns:p15="http://schemas.microsoft.com/office/powerpoint/2012/main" xmlns:mc="http://schemas.openxmlformats.org/markup-compatibility/2006" type="titleOnly" preserve="1">
+<p:sldLayout xmlns:a="http://schemas.openxmlformats.org/drawingml/2006/main" xmlns:r="http://schemas.openxmlformats.org/officeDocument/2006/relationships" xmlns:p="http://schemas.openxmlformats.org/presentationml/2006/main" type="titleOnly" preserve="1">
   <p:cSld name="Title Only">
     <p:spTree>
       <p:nvGrpSpPr>
@@ -7152,11 +7605,12 @@
           </a:prstGeom>
         </p:spPr>
         <p:txBody>
-          <a:bodyPr lIns="0" rIns="0" tIns="0" bIns="0" anchor="ctr">
+          <a:bodyPr lIns="0" tIns="0" rIns="0" bIns="0" anchor="ctr">
             <a:noAutofit/>
           </a:bodyPr>
-          <a:p>
-            <a:endParaRPr b="0" lang="en-FI" sz="1660" spc="-1" strike="noStrike">
+          <a:lstStyle/>
+          <a:p>
+            <a:endParaRPr lang="en-FI" sz="1660" b="0" strike="noStrike" spc="-1">
               <a:solidFill>
                 <a:srgbClr val="000000"/>
               </a:solidFill>
@@ -7167,11 +7621,14 @@
       </p:sp>
     </p:spTree>
   </p:cSld>
+  <p:clrMapOvr>
+    <a:masterClrMapping/>
+  </p:clrMapOvr>
 </p:sldLayout>
 </file>
 
 <file path=ppt/slideLayouts/slideLayout66.xml><?xml version="1.0" encoding="utf-8"?>
-<p:sldLayout xmlns:a="http://schemas.openxmlformats.org/drawingml/2006/main" xmlns:p="http://schemas.openxmlformats.org/presentationml/2006/main" xmlns:r="http://schemas.openxmlformats.org/officeDocument/2006/relationships" xmlns:p14="http://schemas.microsoft.com/office/powerpoint/2010/main" xmlns:p15="http://schemas.microsoft.com/office/powerpoint/2012/main" xmlns:mc="http://schemas.openxmlformats.org/markup-compatibility/2006" type="objOnly" preserve="1">
+<p:sldLayout xmlns:a="http://schemas.openxmlformats.org/drawingml/2006/main" xmlns:r="http://schemas.openxmlformats.org/officeDocument/2006/relationships" xmlns:p="http://schemas.openxmlformats.org/presentationml/2006/main" type="objOnly" preserve="1">
   <p:cSld name="Centered Text">
     <p:spTree>
       <p:nvGrpSpPr>
@@ -7207,12 +7664,13 @@
           </a:prstGeom>
         </p:spPr>
         <p:txBody>
-          <a:bodyPr lIns="0" rIns="0" tIns="0" bIns="0" anchor="ctr">
+          <a:bodyPr lIns="0" tIns="0" rIns="0" bIns="0" anchor="ctr">
             <a:noAutofit/>
           </a:bodyPr>
+          <a:lstStyle/>
           <a:p>
             <a:pPr algn="ctr"/>
-            <a:endParaRPr b="0" lang="fi-FI" sz="3200" spc="-1" strike="noStrike">
+            <a:endParaRPr lang="fi-FI" sz="3200" b="0" strike="noStrike" spc="-1">
               <a:latin typeface="Arial"/>
             </a:endParaRPr>
           </a:p>
@@ -7220,11 +7678,14 @@
       </p:sp>
     </p:spTree>
   </p:cSld>
+  <p:clrMapOvr>
+    <a:masterClrMapping/>
+  </p:clrMapOvr>
 </p:sldLayout>
 </file>
 
 <file path=ppt/slideLayouts/slideLayout67.xml><?xml version="1.0" encoding="utf-8"?>
-<p:sldLayout xmlns:a="http://schemas.openxmlformats.org/drawingml/2006/main" xmlns:p="http://schemas.openxmlformats.org/presentationml/2006/main" xmlns:r="http://schemas.openxmlformats.org/officeDocument/2006/relationships" xmlns:p14="http://schemas.microsoft.com/office/powerpoint/2010/main" xmlns:p15="http://schemas.microsoft.com/office/powerpoint/2012/main" xmlns:mc="http://schemas.openxmlformats.org/markup-compatibility/2006" type="twoObjAndObj" preserve="1">
+<p:sldLayout xmlns:a="http://schemas.openxmlformats.org/drawingml/2006/main" xmlns:r="http://schemas.openxmlformats.org/officeDocument/2006/relationships" xmlns:p="http://schemas.openxmlformats.org/presentationml/2006/main" type="twoObjAndObj" preserve="1">
   <p:cSld name="Title, 2 Content and Content">
     <p:spTree>
       <p:nvGrpSpPr>
@@ -7260,11 +7721,12 @@
           </a:prstGeom>
         </p:spPr>
         <p:txBody>
-          <a:bodyPr lIns="0" rIns="0" tIns="0" bIns="0" anchor="ctr">
+          <a:bodyPr lIns="0" tIns="0" rIns="0" bIns="0" anchor="ctr">
             <a:noAutofit/>
           </a:bodyPr>
-          <a:p>
-            <a:endParaRPr b="0" lang="en-FI" sz="1660" spc="-1" strike="noStrike">
+          <a:lstStyle/>
+          <a:p>
+            <a:endParaRPr lang="en-FI" sz="1660" b="0" strike="noStrike" spc="-1">
               <a:solidFill>
                 <a:srgbClr val="000000"/>
               </a:solidFill>
@@ -7293,11 +7755,12 @@
           </a:prstGeom>
         </p:spPr>
         <p:txBody>
-          <a:bodyPr lIns="0" rIns="0" tIns="0" bIns="0">
+          <a:bodyPr lIns="0" tIns="0" rIns="0" bIns="0">
             <a:normAutofit/>
           </a:bodyPr>
-          <a:p>
-            <a:endParaRPr b="0" lang="en-FI" sz="1660" spc="-1" strike="noStrike">
+          <a:lstStyle/>
+          <a:p>
+            <a:endParaRPr lang="en-FI" sz="1660" b="0" strike="noStrike" spc="-1">
               <a:solidFill>
                 <a:srgbClr val="000000"/>
               </a:solidFill>
@@ -7326,11 +7789,12 @@
           </a:prstGeom>
         </p:spPr>
         <p:txBody>
-          <a:bodyPr lIns="0" rIns="0" tIns="0" bIns="0">
+          <a:bodyPr lIns="0" tIns="0" rIns="0" bIns="0">
             <a:normAutofit/>
           </a:bodyPr>
-          <a:p>
-            <a:endParaRPr b="0" lang="en-FI" sz="1660" spc="-1" strike="noStrike">
+          <a:lstStyle/>
+          <a:p>
+            <a:endParaRPr lang="en-FI" sz="1660" b="0" strike="noStrike" spc="-1">
               <a:solidFill>
                 <a:srgbClr val="000000"/>
               </a:solidFill>
@@ -7359,11 +7823,12 @@
           </a:prstGeom>
         </p:spPr>
         <p:txBody>
-          <a:bodyPr lIns="0" rIns="0" tIns="0" bIns="0">
+          <a:bodyPr lIns="0" tIns="0" rIns="0" bIns="0">
             <a:normAutofit/>
           </a:bodyPr>
-          <a:p>
-            <a:endParaRPr b="0" lang="en-FI" sz="1660" spc="-1" strike="noStrike">
+          <a:lstStyle/>
+          <a:p>
+            <a:endParaRPr lang="en-FI" sz="1660" b="0" strike="noStrike" spc="-1">
               <a:solidFill>
                 <a:srgbClr val="000000"/>
               </a:solidFill>
@@ -7374,11 +7839,14 @@
       </p:sp>
     </p:spTree>
   </p:cSld>
+  <p:clrMapOvr>
+    <a:masterClrMapping/>
+  </p:clrMapOvr>
 </p:sldLayout>
 </file>
 
 <file path=ppt/slideLayouts/slideLayout68.xml><?xml version="1.0" encoding="utf-8"?>
-<p:sldLayout xmlns:a="http://schemas.openxmlformats.org/drawingml/2006/main" xmlns:p="http://schemas.openxmlformats.org/presentationml/2006/main" xmlns:r="http://schemas.openxmlformats.org/officeDocument/2006/relationships" xmlns:p14="http://schemas.microsoft.com/office/powerpoint/2010/main" xmlns:p15="http://schemas.microsoft.com/office/powerpoint/2012/main" xmlns:mc="http://schemas.openxmlformats.org/markup-compatibility/2006" type="objAndTwoObj" preserve="1">
+<p:sldLayout xmlns:a="http://schemas.openxmlformats.org/drawingml/2006/main" xmlns:r="http://schemas.openxmlformats.org/officeDocument/2006/relationships" xmlns:p="http://schemas.openxmlformats.org/presentationml/2006/main" type="objAndTwoObj" preserve="1">
   <p:cSld name="Title Content and 2 Content">
     <p:spTree>
       <p:nvGrpSpPr>
@@ -7414,11 +7882,12 @@
           </a:prstGeom>
         </p:spPr>
         <p:txBody>
-          <a:bodyPr lIns="0" rIns="0" tIns="0" bIns="0" anchor="ctr">
+          <a:bodyPr lIns="0" tIns="0" rIns="0" bIns="0" anchor="ctr">
             <a:noAutofit/>
           </a:bodyPr>
-          <a:p>
-            <a:endParaRPr b="0" lang="en-FI" sz="1660" spc="-1" strike="noStrike">
+          <a:lstStyle/>
+          <a:p>
+            <a:endParaRPr lang="en-FI" sz="1660" b="0" strike="noStrike" spc="-1">
               <a:solidFill>
                 <a:srgbClr val="000000"/>
               </a:solidFill>
@@ -7447,11 +7916,12 @@
           </a:prstGeom>
         </p:spPr>
         <p:txBody>
-          <a:bodyPr lIns="0" rIns="0" tIns="0" bIns="0">
+          <a:bodyPr lIns="0" tIns="0" rIns="0" bIns="0">
             <a:normAutofit/>
           </a:bodyPr>
-          <a:p>
-            <a:endParaRPr b="0" lang="en-FI" sz="1660" spc="-1" strike="noStrike">
+          <a:lstStyle/>
+          <a:p>
+            <a:endParaRPr lang="en-FI" sz="1660" b="0" strike="noStrike" spc="-1">
               <a:solidFill>
                 <a:srgbClr val="000000"/>
               </a:solidFill>
@@ -7480,11 +7950,12 @@
           </a:prstGeom>
         </p:spPr>
         <p:txBody>
-          <a:bodyPr lIns="0" rIns="0" tIns="0" bIns="0">
+          <a:bodyPr lIns="0" tIns="0" rIns="0" bIns="0">
             <a:normAutofit/>
           </a:bodyPr>
-          <a:p>
-            <a:endParaRPr b="0" lang="en-FI" sz="1660" spc="-1" strike="noStrike">
+          <a:lstStyle/>
+          <a:p>
+            <a:endParaRPr lang="en-FI" sz="1660" b="0" strike="noStrike" spc="-1">
               <a:solidFill>
                 <a:srgbClr val="000000"/>
               </a:solidFill>
@@ -7513,11 +7984,12 @@
           </a:prstGeom>
         </p:spPr>
         <p:txBody>
-          <a:bodyPr lIns="0" rIns="0" tIns="0" bIns="0">
+          <a:bodyPr lIns="0" tIns="0" rIns="0" bIns="0">
             <a:normAutofit/>
           </a:bodyPr>
-          <a:p>
-            <a:endParaRPr b="0" lang="en-FI" sz="1660" spc="-1" strike="noStrike">
+          <a:lstStyle/>
+          <a:p>
+            <a:endParaRPr lang="en-FI" sz="1660" b="0" strike="noStrike" spc="-1">
               <a:solidFill>
                 <a:srgbClr val="000000"/>
               </a:solidFill>
@@ -7528,11 +8000,14 @@
       </p:sp>
     </p:spTree>
   </p:cSld>
+  <p:clrMapOvr>
+    <a:masterClrMapping/>
+  </p:clrMapOvr>
 </p:sldLayout>
 </file>
 
 <file path=ppt/slideLayouts/slideLayout69.xml><?xml version="1.0" encoding="utf-8"?>
-<p:sldLayout xmlns:a="http://schemas.openxmlformats.org/drawingml/2006/main" xmlns:p="http://schemas.openxmlformats.org/presentationml/2006/main" xmlns:r="http://schemas.openxmlformats.org/officeDocument/2006/relationships" xmlns:p14="http://schemas.microsoft.com/office/powerpoint/2010/main" xmlns:p15="http://schemas.microsoft.com/office/powerpoint/2012/main" xmlns:mc="http://schemas.openxmlformats.org/markup-compatibility/2006" type="twoObjOverTx" preserve="1">
+<p:sldLayout xmlns:a="http://schemas.openxmlformats.org/drawingml/2006/main" xmlns:r="http://schemas.openxmlformats.org/officeDocument/2006/relationships" xmlns:p="http://schemas.openxmlformats.org/presentationml/2006/main" type="twoObjOverTx" preserve="1">
   <p:cSld name="Title, 2 Content over Content">
     <p:spTree>
       <p:nvGrpSpPr>
@@ -7568,11 +8043,12 @@
           </a:prstGeom>
         </p:spPr>
         <p:txBody>
-          <a:bodyPr lIns="0" rIns="0" tIns="0" bIns="0" anchor="ctr">
+          <a:bodyPr lIns="0" tIns="0" rIns="0" bIns="0" anchor="ctr">
             <a:noAutofit/>
           </a:bodyPr>
-          <a:p>
-            <a:endParaRPr b="0" lang="en-FI" sz="1660" spc="-1" strike="noStrike">
+          <a:lstStyle/>
+          <a:p>
+            <a:endParaRPr lang="en-FI" sz="1660" b="0" strike="noStrike" spc="-1">
               <a:solidFill>
                 <a:srgbClr val="000000"/>
               </a:solidFill>
@@ -7601,11 +8077,12 @@
           </a:prstGeom>
         </p:spPr>
         <p:txBody>
-          <a:bodyPr lIns="0" rIns="0" tIns="0" bIns="0">
+          <a:bodyPr lIns="0" tIns="0" rIns="0" bIns="0">
             <a:normAutofit/>
           </a:bodyPr>
-          <a:p>
-            <a:endParaRPr b="0" lang="en-FI" sz="1660" spc="-1" strike="noStrike">
+          <a:lstStyle/>
+          <a:p>
+            <a:endParaRPr lang="en-FI" sz="1660" b="0" strike="noStrike" spc="-1">
               <a:solidFill>
                 <a:srgbClr val="000000"/>
               </a:solidFill>
@@ -7634,11 +8111,12 @@
           </a:prstGeom>
         </p:spPr>
         <p:txBody>
-          <a:bodyPr lIns="0" rIns="0" tIns="0" bIns="0">
+          <a:bodyPr lIns="0" tIns="0" rIns="0" bIns="0">
             <a:normAutofit/>
           </a:bodyPr>
-          <a:p>
-            <a:endParaRPr b="0" lang="en-FI" sz="1660" spc="-1" strike="noStrike">
+          <a:lstStyle/>
+          <a:p>
+            <a:endParaRPr lang="en-FI" sz="1660" b="0" strike="noStrike" spc="-1">
               <a:solidFill>
                 <a:srgbClr val="000000"/>
               </a:solidFill>
@@ -7667,11 +8145,12 @@
           </a:prstGeom>
         </p:spPr>
         <p:txBody>
-          <a:bodyPr lIns="0" rIns="0" tIns="0" bIns="0">
+          <a:bodyPr lIns="0" tIns="0" rIns="0" bIns="0">
             <a:normAutofit/>
           </a:bodyPr>
-          <a:p>
-            <a:endParaRPr b="0" lang="en-FI" sz="1660" spc="-1" strike="noStrike">
+          <a:lstStyle/>
+          <a:p>
+            <a:endParaRPr lang="en-FI" sz="1660" b="0" strike="noStrike" spc="-1">
               <a:solidFill>
                 <a:srgbClr val="000000"/>
               </a:solidFill>
@@ -7682,11 +8161,14 @@
       </p:sp>
     </p:spTree>
   </p:cSld>
+  <p:clrMapOvr>
+    <a:masterClrMapping/>
+  </p:clrMapOvr>
 </p:sldLayout>
 </file>
 
 <file path=ppt/slideLayouts/slideLayout7.xml><?xml version="1.0" encoding="utf-8"?>
-<p:sldLayout xmlns:a="http://schemas.openxmlformats.org/drawingml/2006/main" xmlns:p="http://schemas.openxmlformats.org/presentationml/2006/main" xmlns:r="http://schemas.openxmlformats.org/officeDocument/2006/relationships" xmlns:p14="http://schemas.microsoft.com/office/powerpoint/2010/main" xmlns:p15="http://schemas.microsoft.com/office/powerpoint/2012/main" xmlns:mc="http://schemas.openxmlformats.org/markup-compatibility/2006" type="twoObjAndObj" preserve="1">
+<p:sldLayout xmlns:a="http://schemas.openxmlformats.org/drawingml/2006/main" xmlns:r="http://schemas.openxmlformats.org/officeDocument/2006/relationships" xmlns:p="http://schemas.openxmlformats.org/presentationml/2006/main" type="twoObjAndObj" preserve="1">
   <p:cSld name="Title, 2 Content and Content">
     <p:spTree>
       <p:nvGrpSpPr>
@@ -7722,11 +8204,12 @@
           </a:prstGeom>
         </p:spPr>
         <p:txBody>
-          <a:bodyPr lIns="0" rIns="0" tIns="0" bIns="0" anchor="ctr">
+          <a:bodyPr lIns="0" tIns="0" rIns="0" bIns="0" anchor="ctr">
             <a:noAutofit/>
           </a:bodyPr>
-          <a:p>
-            <a:endParaRPr b="0" lang="en-FI" sz="1660" spc="-1" strike="noStrike">
+          <a:lstStyle/>
+          <a:p>
+            <a:endParaRPr lang="en-FI" sz="1660" b="0" strike="noStrike" spc="-1">
               <a:solidFill>
                 <a:srgbClr val="000000"/>
               </a:solidFill>
@@ -7755,11 +8238,12 @@
           </a:prstGeom>
         </p:spPr>
         <p:txBody>
-          <a:bodyPr lIns="0" rIns="0" tIns="0" bIns="0">
+          <a:bodyPr lIns="0" tIns="0" rIns="0" bIns="0">
             <a:normAutofit/>
           </a:bodyPr>
-          <a:p>
-            <a:endParaRPr b="0" lang="en-FI" sz="1660" spc="-1" strike="noStrike">
+          <a:lstStyle/>
+          <a:p>
+            <a:endParaRPr lang="en-FI" sz="1660" b="0" strike="noStrike" spc="-1">
               <a:solidFill>
                 <a:srgbClr val="000000"/>
               </a:solidFill>
@@ -7788,11 +8272,12 @@
           </a:prstGeom>
         </p:spPr>
         <p:txBody>
-          <a:bodyPr lIns="0" rIns="0" tIns="0" bIns="0">
+          <a:bodyPr lIns="0" tIns="0" rIns="0" bIns="0">
             <a:normAutofit/>
           </a:bodyPr>
-          <a:p>
-            <a:endParaRPr b="0" lang="en-FI" sz="1660" spc="-1" strike="noStrike">
+          <a:lstStyle/>
+          <a:p>
+            <a:endParaRPr lang="en-FI" sz="1660" b="0" strike="noStrike" spc="-1">
               <a:solidFill>
                 <a:srgbClr val="000000"/>
               </a:solidFill>
@@ -7821,11 +8306,12 @@
           </a:prstGeom>
         </p:spPr>
         <p:txBody>
-          <a:bodyPr lIns="0" rIns="0" tIns="0" bIns="0">
+          <a:bodyPr lIns="0" tIns="0" rIns="0" bIns="0">
             <a:normAutofit/>
           </a:bodyPr>
-          <a:p>
-            <a:endParaRPr b="0" lang="en-FI" sz="1660" spc="-1" strike="noStrike">
+          <a:lstStyle/>
+          <a:p>
+            <a:endParaRPr lang="en-FI" sz="1660" b="0" strike="noStrike" spc="-1">
               <a:solidFill>
                 <a:srgbClr val="000000"/>
               </a:solidFill>
@@ -7836,11 +8322,14 @@
       </p:sp>
     </p:spTree>
   </p:cSld>
+  <p:clrMapOvr>
+    <a:masterClrMapping/>
+  </p:clrMapOvr>
 </p:sldLayout>
 </file>
 
 <file path=ppt/slideLayouts/slideLayout70.xml><?xml version="1.0" encoding="utf-8"?>
-<p:sldLayout xmlns:a="http://schemas.openxmlformats.org/drawingml/2006/main" xmlns:p="http://schemas.openxmlformats.org/presentationml/2006/main" xmlns:r="http://schemas.openxmlformats.org/officeDocument/2006/relationships" xmlns:p14="http://schemas.microsoft.com/office/powerpoint/2010/main" xmlns:p15="http://schemas.microsoft.com/office/powerpoint/2012/main" xmlns:mc="http://schemas.openxmlformats.org/markup-compatibility/2006" type="objOverTx" preserve="1">
+<p:sldLayout xmlns:a="http://schemas.openxmlformats.org/drawingml/2006/main" xmlns:r="http://schemas.openxmlformats.org/officeDocument/2006/relationships" xmlns:p="http://schemas.openxmlformats.org/presentationml/2006/main" type="objOverTx" preserve="1">
   <p:cSld name="Title, Content over Content">
     <p:spTree>
       <p:nvGrpSpPr>
@@ -7876,11 +8365,12 @@
           </a:prstGeom>
         </p:spPr>
         <p:txBody>
-          <a:bodyPr lIns="0" rIns="0" tIns="0" bIns="0" anchor="ctr">
+          <a:bodyPr lIns="0" tIns="0" rIns="0" bIns="0" anchor="ctr">
             <a:noAutofit/>
           </a:bodyPr>
-          <a:p>
-            <a:endParaRPr b="0" lang="en-FI" sz="1660" spc="-1" strike="noStrike">
+          <a:lstStyle/>
+          <a:p>
+            <a:endParaRPr lang="en-FI" sz="1660" b="0" strike="noStrike" spc="-1">
               <a:solidFill>
                 <a:srgbClr val="000000"/>
               </a:solidFill>
@@ -7909,11 +8399,12 @@
           </a:prstGeom>
         </p:spPr>
         <p:txBody>
-          <a:bodyPr lIns="0" rIns="0" tIns="0" bIns="0">
+          <a:bodyPr lIns="0" tIns="0" rIns="0" bIns="0">
             <a:normAutofit/>
           </a:bodyPr>
-          <a:p>
-            <a:endParaRPr b="0" lang="en-FI" sz="1660" spc="-1" strike="noStrike">
+          <a:lstStyle/>
+          <a:p>
+            <a:endParaRPr lang="en-FI" sz="1660" b="0" strike="noStrike" spc="-1">
               <a:solidFill>
                 <a:srgbClr val="000000"/>
               </a:solidFill>
@@ -7942,11 +8433,12 @@
           </a:prstGeom>
         </p:spPr>
         <p:txBody>
-          <a:bodyPr lIns="0" rIns="0" tIns="0" bIns="0">
+          <a:bodyPr lIns="0" tIns="0" rIns="0" bIns="0">
             <a:normAutofit/>
           </a:bodyPr>
-          <a:p>
-            <a:endParaRPr b="0" lang="en-FI" sz="1660" spc="-1" strike="noStrike">
+          <a:lstStyle/>
+          <a:p>
+            <a:endParaRPr lang="en-FI" sz="1660" b="0" strike="noStrike" spc="-1">
               <a:solidFill>
                 <a:srgbClr val="000000"/>
               </a:solidFill>
@@ -7957,11 +8449,14 @@
       </p:sp>
     </p:spTree>
   </p:cSld>
+  <p:clrMapOvr>
+    <a:masterClrMapping/>
+  </p:clrMapOvr>
 </p:sldLayout>
 </file>
 
 <file path=ppt/slideLayouts/slideLayout71.xml><?xml version="1.0" encoding="utf-8"?>
-<p:sldLayout xmlns:a="http://schemas.openxmlformats.org/drawingml/2006/main" xmlns:p="http://schemas.openxmlformats.org/presentationml/2006/main" xmlns:r="http://schemas.openxmlformats.org/officeDocument/2006/relationships" xmlns:p14="http://schemas.microsoft.com/office/powerpoint/2010/main" xmlns:p15="http://schemas.microsoft.com/office/powerpoint/2012/main" xmlns:mc="http://schemas.openxmlformats.org/markup-compatibility/2006" type="fourObj" preserve="1">
+<p:sldLayout xmlns:a="http://schemas.openxmlformats.org/drawingml/2006/main" xmlns:r="http://schemas.openxmlformats.org/officeDocument/2006/relationships" xmlns:p="http://schemas.openxmlformats.org/presentationml/2006/main" type="fourObj" preserve="1">
   <p:cSld name="Title, 4 Content">
     <p:spTree>
       <p:nvGrpSpPr>
@@ -7997,11 +8492,12 @@
           </a:prstGeom>
         </p:spPr>
         <p:txBody>
-          <a:bodyPr lIns="0" rIns="0" tIns="0" bIns="0" anchor="ctr">
+          <a:bodyPr lIns="0" tIns="0" rIns="0" bIns="0" anchor="ctr">
             <a:noAutofit/>
           </a:bodyPr>
-          <a:p>
-            <a:endParaRPr b="0" lang="en-FI" sz="1660" spc="-1" strike="noStrike">
+          <a:lstStyle/>
+          <a:p>
+            <a:endParaRPr lang="en-FI" sz="1660" b="0" strike="noStrike" spc="-1">
               <a:solidFill>
                 <a:srgbClr val="000000"/>
               </a:solidFill>
@@ -8030,11 +8526,12 @@
           </a:prstGeom>
         </p:spPr>
         <p:txBody>
-          <a:bodyPr lIns="0" rIns="0" tIns="0" bIns="0">
+          <a:bodyPr lIns="0" tIns="0" rIns="0" bIns="0">
             <a:normAutofit/>
           </a:bodyPr>
-          <a:p>
-            <a:endParaRPr b="0" lang="en-FI" sz="1660" spc="-1" strike="noStrike">
+          <a:lstStyle/>
+          <a:p>
+            <a:endParaRPr lang="en-FI" sz="1660" b="0" strike="noStrike" spc="-1">
               <a:solidFill>
                 <a:srgbClr val="000000"/>
               </a:solidFill>
@@ -8063,11 +8560,12 @@
           </a:prstGeom>
         </p:spPr>
         <p:txBody>
-          <a:bodyPr lIns="0" rIns="0" tIns="0" bIns="0">
+          <a:bodyPr lIns="0" tIns="0" rIns="0" bIns="0">
             <a:normAutofit/>
           </a:bodyPr>
-          <a:p>
-            <a:endParaRPr b="0" lang="en-FI" sz="1660" spc="-1" strike="noStrike">
+          <a:lstStyle/>
+          <a:p>
+            <a:endParaRPr lang="en-FI" sz="1660" b="0" strike="noStrike" spc="-1">
               <a:solidFill>
                 <a:srgbClr val="000000"/>
               </a:solidFill>
@@ -8096,11 +8594,12 @@
           </a:prstGeom>
         </p:spPr>
         <p:txBody>
-          <a:bodyPr lIns="0" rIns="0" tIns="0" bIns="0">
+          <a:bodyPr lIns="0" tIns="0" rIns="0" bIns="0">
             <a:normAutofit/>
           </a:bodyPr>
-          <a:p>
-            <a:endParaRPr b="0" lang="en-FI" sz="1660" spc="-1" strike="noStrike">
+          <a:lstStyle/>
+          <a:p>
+            <a:endParaRPr lang="en-FI" sz="1660" b="0" strike="noStrike" spc="-1">
               <a:solidFill>
                 <a:srgbClr val="000000"/>
               </a:solidFill>
@@ -8129,11 +8628,12 @@
           </a:prstGeom>
         </p:spPr>
         <p:txBody>
-          <a:bodyPr lIns="0" rIns="0" tIns="0" bIns="0">
+          <a:bodyPr lIns="0" tIns="0" rIns="0" bIns="0">
             <a:normAutofit/>
           </a:bodyPr>
-          <a:p>
-            <a:endParaRPr b="0" lang="en-FI" sz="1660" spc="-1" strike="noStrike">
+          <a:lstStyle/>
+          <a:p>
+            <a:endParaRPr lang="en-FI" sz="1660" b="0" strike="noStrike" spc="-1">
               <a:solidFill>
                 <a:srgbClr val="000000"/>
               </a:solidFill>
@@ -8144,11 +8644,14 @@
       </p:sp>
     </p:spTree>
   </p:cSld>
+  <p:clrMapOvr>
+    <a:masterClrMapping/>
+  </p:clrMapOvr>
 </p:sldLayout>
 </file>
 
 <file path=ppt/slideLayouts/slideLayout72.xml><?xml version="1.0" encoding="utf-8"?>
-<p:sldLayout xmlns:a="http://schemas.openxmlformats.org/drawingml/2006/main" xmlns:p="http://schemas.openxmlformats.org/presentationml/2006/main" xmlns:r="http://schemas.openxmlformats.org/officeDocument/2006/relationships" xmlns:p14="http://schemas.microsoft.com/office/powerpoint/2010/main" xmlns:p15="http://schemas.microsoft.com/office/powerpoint/2012/main" xmlns:mc="http://schemas.openxmlformats.org/markup-compatibility/2006" type="blank" preserve="1">
+<p:sldLayout xmlns:a="http://schemas.openxmlformats.org/drawingml/2006/main" xmlns:r="http://schemas.openxmlformats.org/officeDocument/2006/relationships" xmlns:p="http://schemas.openxmlformats.org/presentationml/2006/main" type="blank" preserve="1">
   <p:cSld name="Title, 6 Content">
     <p:spTree>
       <p:nvGrpSpPr>
@@ -8184,11 +8687,12 @@
           </a:prstGeom>
         </p:spPr>
         <p:txBody>
-          <a:bodyPr lIns="0" rIns="0" tIns="0" bIns="0" anchor="ctr">
+          <a:bodyPr lIns="0" tIns="0" rIns="0" bIns="0" anchor="ctr">
             <a:noAutofit/>
           </a:bodyPr>
-          <a:p>
-            <a:endParaRPr b="0" lang="en-FI" sz="1660" spc="-1" strike="noStrike">
+          <a:lstStyle/>
+          <a:p>
+            <a:endParaRPr lang="en-FI" sz="1660" b="0" strike="noStrike" spc="-1">
               <a:solidFill>
                 <a:srgbClr val="000000"/>
               </a:solidFill>
@@ -8217,11 +8721,12 @@
           </a:prstGeom>
         </p:spPr>
         <p:txBody>
-          <a:bodyPr lIns="0" rIns="0" tIns="0" bIns="0">
+          <a:bodyPr lIns="0" tIns="0" rIns="0" bIns="0">
             <a:normAutofit fontScale="80000"/>
           </a:bodyPr>
-          <a:p>
-            <a:endParaRPr b="0" lang="en-FI" sz="1660" spc="-1" strike="noStrike">
+          <a:lstStyle/>
+          <a:p>
+            <a:endParaRPr lang="en-FI" sz="1660" b="0" strike="noStrike" spc="-1">
               <a:solidFill>
                 <a:srgbClr val="000000"/>
               </a:solidFill>
@@ -8250,11 +8755,12 @@
           </a:prstGeom>
         </p:spPr>
         <p:txBody>
-          <a:bodyPr lIns="0" rIns="0" tIns="0" bIns="0">
+          <a:bodyPr lIns="0" tIns="0" rIns="0" bIns="0">
             <a:normAutofit fontScale="80000"/>
           </a:bodyPr>
-          <a:p>
-            <a:endParaRPr b="0" lang="en-FI" sz="1660" spc="-1" strike="noStrike">
+          <a:lstStyle/>
+          <a:p>
+            <a:endParaRPr lang="en-FI" sz="1660" b="0" strike="noStrike" spc="-1">
               <a:solidFill>
                 <a:srgbClr val="000000"/>
               </a:solidFill>
@@ -8283,11 +8789,12 @@
           </a:prstGeom>
         </p:spPr>
         <p:txBody>
-          <a:bodyPr lIns="0" rIns="0" tIns="0" bIns="0">
+          <a:bodyPr lIns="0" tIns="0" rIns="0" bIns="0">
             <a:normAutofit fontScale="80000"/>
           </a:bodyPr>
-          <a:p>
-            <a:endParaRPr b="0" lang="en-FI" sz="1660" spc="-1" strike="noStrike">
+          <a:lstStyle/>
+          <a:p>
+            <a:endParaRPr lang="en-FI" sz="1660" b="0" strike="noStrike" spc="-1">
               <a:solidFill>
                 <a:srgbClr val="000000"/>
               </a:solidFill>
@@ -8316,11 +8823,12 @@
           </a:prstGeom>
         </p:spPr>
         <p:txBody>
-          <a:bodyPr lIns="0" rIns="0" tIns="0" bIns="0">
+          <a:bodyPr lIns="0" tIns="0" rIns="0" bIns="0">
             <a:normAutofit fontScale="80000"/>
           </a:bodyPr>
-          <a:p>
-            <a:endParaRPr b="0" lang="en-FI" sz="1660" spc="-1" strike="noStrike">
+          <a:lstStyle/>
+          <a:p>
+            <a:endParaRPr lang="en-FI" sz="1660" b="0" strike="noStrike" spc="-1">
               <a:solidFill>
                 <a:srgbClr val="000000"/>
               </a:solidFill>
@@ -8349,11 +8857,12 @@
           </a:prstGeom>
         </p:spPr>
         <p:txBody>
-          <a:bodyPr lIns="0" rIns="0" tIns="0" bIns="0">
+          <a:bodyPr lIns="0" tIns="0" rIns="0" bIns="0">
             <a:normAutofit fontScale="80000"/>
           </a:bodyPr>
-          <a:p>
-            <a:endParaRPr b="0" lang="en-FI" sz="1660" spc="-1" strike="noStrike">
+          <a:lstStyle/>
+          <a:p>
+            <a:endParaRPr lang="en-FI" sz="1660" b="0" strike="noStrike" spc="-1">
               <a:solidFill>
                 <a:srgbClr val="000000"/>
               </a:solidFill>
@@ -8382,11 +8891,12 @@
           </a:prstGeom>
         </p:spPr>
         <p:txBody>
-          <a:bodyPr lIns="0" rIns="0" tIns="0" bIns="0">
+          <a:bodyPr lIns="0" tIns="0" rIns="0" bIns="0">
             <a:normAutofit fontScale="80000"/>
           </a:bodyPr>
-          <a:p>
-            <a:endParaRPr b="0" lang="en-FI" sz="1660" spc="-1" strike="noStrike">
+          <a:lstStyle/>
+          <a:p>
+            <a:endParaRPr lang="en-FI" sz="1660" b="0" strike="noStrike" spc="-1">
               <a:solidFill>
                 <a:srgbClr val="000000"/>
               </a:solidFill>
@@ -8397,11 +8907,14 @@
       </p:sp>
     </p:spTree>
   </p:cSld>
+  <p:clrMapOvr>
+    <a:masterClrMapping/>
+  </p:clrMapOvr>
 </p:sldLayout>
 </file>
 
 <file path=ppt/slideLayouts/slideLayout8.xml><?xml version="1.0" encoding="utf-8"?>
-<p:sldLayout xmlns:a="http://schemas.openxmlformats.org/drawingml/2006/main" xmlns:p="http://schemas.openxmlformats.org/presentationml/2006/main" xmlns:r="http://schemas.openxmlformats.org/officeDocument/2006/relationships" xmlns:p14="http://schemas.microsoft.com/office/powerpoint/2010/main" xmlns:p15="http://schemas.microsoft.com/office/powerpoint/2012/main" xmlns:mc="http://schemas.openxmlformats.org/markup-compatibility/2006" type="objAndTwoObj" preserve="1">
+<p:sldLayout xmlns:a="http://schemas.openxmlformats.org/drawingml/2006/main" xmlns:r="http://schemas.openxmlformats.org/officeDocument/2006/relationships" xmlns:p="http://schemas.openxmlformats.org/presentationml/2006/main" type="objAndTwoObj" preserve="1">
   <p:cSld name="Title Content and 2 Content">
     <p:spTree>
       <p:nvGrpSpPr>
@@ -8437,11 +8950,12 @@
           </a:prstGeom>
         </p:spPr>
         <p:txBody>
-          <a:bodyPr lIns="0" rIns="0" tIns="0" bIns="0" anchor="ctr">
+          <a:bodyPr lIns="0" tIns="0" rIns="0" bIns="0" anchor="ctr">
             <a:noAutofit/>
           </a:bodyPr>
-          <a:p>
-            <a:endParaRPr b="0" lang="en-FI" sz="1660" spc="-1" strike="noStrike">
+          <a:lstStyle/>
+          <a:p>
+            <a:endParaRPr lang="en-FI" sz="1660" b="0" strike="noStrike" spc="-1">
               <a:solidFill>
                 <a:srgbClr val="000000"/>
               </a:solidFill>
@@ -8470,11 +8984,12 @@
           </a:prstGeom>
         </p:spPr>
         <p:txBody>
-          <a:bodyPr lIns="0" rIns="0" tIns="0" bIns="0">
+          <a:bodyPr lIns="0" tIns="0" rIns="0" bIns="0">
             <a:normAutofit/>
           </a:bodyPr>
-          <a:p>
-            <a:endParaRPr b="0" lang="en-FI" sz="1660" spc="-1" strike="noStrike">
+          <a:lstStyle/>
+          <a:p>
+            <a:endParaRPr lang="en-FI" sz="1660" b="0" strike="noStrike" spc="-1">
               <a:solidFill>
                 <a:srgbClr val="000000"/>
               </a:solidFill>
@@ -8503,11 +9018,12 @@
           </a:prstGeom>
         </p:spPr>
         <p:txBody>
-          <a:bodyPr lIns="0" rIns="0" tIns="0" bIns="0">
+          <a:bodyPr lIns="0" tIns="0" rIns="0" bIns="0">
             <a:normAutofit/>
           </a:bodyPr>
-          <a:p>
-            <a:endParaRPr b="0" lang="en-FI" sz="1660" spc="-1" strike="noStrike">
+          <a:lstStyle/>
+          <a:p>
+            <a:endParaRPr lang="en-FI" sz="1660" b="0" strike="noStrike" spc="-1">
               <a:solidFill>
                 <a:srgbClr val="000000"/>
               </a:solidFill>
@@ -8536,11 +9052,12 @@
           </a:prstGeom>
         </p:spPr>
         <p:txBody>
-          <a:bodyPr lIns="0" rIns="0" tIns="0" bIns="0">
+          <a:bodyPr lIns="0" tIns="0" rIns="0" bIns="0">
             <a:normAutofit/>
           </a:bodyPr>
-          <a:p>
-            <a:endParaRPr b="0" lang="en-FI" sz="1660" spc="-1" strike="noStrike">
+          <a:lstStyle/>
+          <a:p>
+            <a:endParaRPr lang="en-FI" sz="1660" b="0" strike="noStrike" spc="-1">
               <a:solidFill>
                 <a:srgbClr val="000000"/>
               </a:solidFill>
@@ -8551,11 +9068,14 @@
       </p:sp>
     </p:spTree>
   </p:cSld>
+  <p:clrMapOvr>
+    <a:masterClrMapping/>
+  </p:clrMapOvr>
 </p:sldLayout>
 </file>
 
 <file path=ppt/slideLayouts/slideLayout9.xml><?xml version="1.0" encoding="utf-8"?>
-<p:sldLayout xmlns:a="http://schemas.openxmlformats.org/drawingml/2006/main" xmlns:p="http://schemas.openxmlformats.org/presentationml/2006/main" xmlns:r="http://schemas.openxmlformats.org/officeDocument/2006/relationships" xmlns:p14="http://schemas.microsoft.com/office/powerpoint/2010/main" xmlns:p15="http://schemas.microsoft.com/office/powerpoint/2012/main" xmlns:mc="http://schemas.openxmlformats.org/markup-compatibility/2006" type="twoObjOverTx" preserve="1">
+<p:sldLayout xmlns:a="http://schemas.openxmlformats.org/drawingml/2006/main" xmlns:r="http://schemas.openxmlformats.org/officeDocument/2006/relationships" xmlns:p="http://schemas.openxmlformats.org/presentationml/2006/main" type="twoObjOverTx" preserve="1">
   <p:cSld name="Title, 2 Content over Content">
     <p:spTree>
       <p:nvGrpSpPr>
@@ -8591,11 +9111,12 @@
           </a:prstGeom>
         </p:spPr>
         <p:txBody>
-          <a:bodyPr lIns="0" rIns="0" tIns="0" bIns="0" anchor="ctr">
+          <a:bodyPr lIns="0" tIns="0" rIns="0" bIns="0" anchor="ctr">
             <a:noAutofit/>
           </a:bodyPr>
-          <a:p>
-            <a:endParaRPr b="0" lang="en-FI" sz="1660" spc="-1" strike="noStrike">
+          <a:lstStyle/>
+          <a:p>
+            <a:endParaRPr lang="en-FI" sz="1660" b="0" strike="noStrike" spc="-1">
               <a:solidFill>
                 <a:srgbClr val="000000"/>
               </a:solidFill>
@@ -8624,11 +9145,12 @@
           </a:prstGeom>
         </p:spPr>
         <p:txBody>
-          <a:bodyPr lIns="0" rIns="0" tIns="0" bIns="0">
+          <a:bodyPr lIns="0" tIns="0" rIns="0" bIns="0">
             <a:normAutofit/>
           </a:bodyPr>
-          <a:p>
-            <a:endParaRPr b="0" lang="en-FI" sz="1660" spc="-1" strike="noStrike">
+          <a:lstStyle/>
+          <a:p>
+            <a:endParaRPr lang="en-FI" sz="1660" b="0" strike="noStrike" spc="-1">
               <a:solidFill>
                 <a:srgbClr val="000000"/>
               </a:solidFill>
@@ -8657,11 +9179,12 @@
           </a:prstGeom>
         </p:spPr>
         <p:txBody>
-          <a:bodyPr lIns="0" rIns="0" tIns="0" bIns="0">
+          <a:bodyPr lIns="0" tIns="0" rIns="0" bIns="0">
             <a:normAutofit/>
           </a:bodyPr>
-          <a:p>
-            <a:endParaRPr b="0" lang="en-FI" sz="1660" spc="-1" strike="noStrike">
+          <a:lstStyle/>
+          <a:p>
+            <a:endParaRPr lang="en-FI" sz="1660" b="0" strike="noStrike" spc="-1">
               <a:solidFill>
                 <a:srgbClr val="000000"/>
               </a:solidFill>
@@ -8690,11 +9213,12 @@
           </a:prstGeom>
         </p:spPr>
         <p:txBody>
-          <a:bodyPr lIns="0" rIns="0" tIns="0" bIns="0">
+          <a:bodyPr lIns="0" tIns="0" rIns="0" bIns="0">
             <a:normAutofit/>
           </a:bodyPr>
-          <a:p>
-            <a:endParaRPr b="0" lang="en-FI" sz="1660" spc="-1" strike="noStrike">
+          <a:lstStyle/>
+          <a:p>
+            <a:endParaRPr lang="en-FI" sz="1660" b="0" strike="noStrike" spc="-1">
               <a:solidFill>
                 <a:srgbClr val="000000"/>
               </a:solidFill>
@@ -8705,17 +9229,21 @@
       </p:sp>
     </p:spTree>
   </p:cSld>
+  <p:clrMapOvr>
+    <a:masterClrMapping/>
+  </p:clrMapOvr>
 </p:sldLayout>
 </file>
 
 <file path=ppt/slideMasters/slideMaster1.xml><?xml version="1.0" encoding="utf-8"?>
-<p:sldMaster xmlns:a="http://schemas.openxmlformats.org/drawingml/2006/main" xmlns:p="http://schemas.openxmlformats.org/presentationml/2006/main" xmlns:r="http://schemas.openxmlformats.org/officeDocument/2006/relationships" xmlns:p14="http://schemas.microsoft.com/office/powerpoint/2010/main" xmlns:p15="http://schemas.microsoft.com/office/powerpoint/2012/main" xmlns:mc="http://schemas.openxmlformats.org/markup-compatibility/2006">
+<p:sldMaster xmlns:a="http://schemas.openxmlformats.org/drawingml/2006/main" xmlns:r="http://schemas.openxmlformats.org/officeDocument/2006/relationships" xmlns:p="http://schemas.openxmlformats.org/presentationml/2006/main">
   <p:cSld>
     <p:bg>
       <p:bgPr>
         <a:solidFill>
-          <a:srgbClr val="ffffff"/>
+          <a:srgbClr val="FFFFFF"/>
         </a:solidFill>
+        <a:effectLst/>
       </p:bgPr>
     </p:bg>
     <p:spTree>
@@ -8734,7 +9262,7 @@
       </p:grpSpPr>
       <p:sp>
         <p:nvSpPr>
-          <p:cNvPr id="0" name="CustomShape 1"/>
+          <p:cNvPr id="9" name="CustomShape 1"/>
           <p:cNvSpPr/>
           <p:nvPr/>
         </p:nvSpPr>
@@ -8747,28 +9275,34 @@
             <a:avLst/>
           </a:prstGeom>
           <a:solidFill>
-            <a:srgbClr val="0079c2"/>
+            <a:srgbClr val="0079C2"/>
           </a:solidFill>
           <a:ln w="12600">
             <a:noFill/>
           </a:ln>
         </p:spPr>
         <p:style>
-          <a:lnRef idx="0"/>
-          <a:fillRef idx="0"/>
-          <a:effectRef idx="0"/>
+          <a:lnRef idx="0">
+            <a:scrgbClr r="0" g="0" b="0"/>
+          </a:lnRef>
+          <a:fillRef idx="0">
+            <a:scrgbClr r="0" g="0" b="0"/>
+          </a:fillRef>
+          <a:effectRef idx="0">
+            <a:scrgbClr r="0" g="0" b="0"/>
+          </a:effectRef>
           <a:fontRef idx="minor"/>
         </p:style>
       </p:sp>
       <p:pic>
         <p:nvPicPr>
-          <p:cNvPr id="1" name="Picture 7" descr="A picture containing drawing&#10;&#10;Description automatically generated"/>
+          <p:cNvPr id="10" name="Picture 7" descr="A picture containing drawing&#10;&#10;Description automatically generated"/>
           <p:cNvPicPr/>
           <p:nvPr/>
         </p:nvPicPr>
         <p:blipFill>
-          <a:blip r:embed="rId2"/>
-          <a:srcRect l="0" t="15987" r="0" b="22124"/>
+          <a:blip r:embed="rId14"/>
+          <a:srcRect t="15987" b="22124"/>
           <a:stretch/>
         </p:blipFill>
         <p:spPr>
@@ -8799,16 +9333,22 @@
             <a:avLst/>
           </a:prstGeom>
           <a:solidFill>
-            <a:srgbClr val="0079c2"/>
+            <a:srgbClr val="0079C2"/>
           </a:solidFill>
           <a:ln w="12600">
             <a:noFill/>
           </a:ln>
         </p:spPr>
         <p:style>
-          <a:lnRef idx="0"/>
-          <a:fillRef idx="0"/>
-          <a:effectRef idx="0"/>
+          <a:lnRef idx="0">
+            <a:scrgbClr r="0" g="0" b="0"/>
+          </a:lnRef>
+          <a:fillRef idx="0">
+            <a:scrgbClr r="0" g="0" b="0"/>
+          </a:fillRef>
+          <a:effectRef idx="0">
+            <a:scrgbClr r="0" g="0" b="0"/>
+          </a:effectRef>
           <a:fontRef idx="minor"/>
         </p:style>
       </p:sp>
@@ -8819,7 +9359,7 @@
           <p:nvPr/>
         </p:nvPicPr>
         <p:blipFill>
-          <a:blip r:embed="rId3"/>
+          <a:blip r:embed="rId15"/>
           <a:stretch/>
         </p:blipFill>
         <p:spPr>
@@ -8855,9 +9395,10 @@
           </a:prstGeom>
         </p:spPr>
         <p:txBody>
-          <a:bodyPr lIns="0" rIns="0" tIns="0" bIns="0" anchor="b">
+          <a:bodyPr lIns="0" tIns="0" rIns="0" bIns="0" anchor="b">
             <a:noAutofit/>
           </a:bodyPr>
+          <a:lstStyle/>
           <a:p>
             <a:pPr>
               <a:lnSpc>
@@ -8865,15 +9406,15 @@
               </a:lnSpc>
             </a:pPr>
             <a:r>
-              <a:rPr b="1" lang="en-US" sz="5500" spc="-1" strike="noStrike">
+              <a:rPr lang="en-US" sz="5500" b="1" strike="noStrike" spc="-1">
                 <a:solidFill>
-                  <a:srgbClr val="ffffff"/>
+                  <a:srgbClr val="FFFFFF"/>
                 </a:solidFill>
                 <a:latin typeface="Arial"/>
               </a:rPr>
               <a:t>Click to edit Master title style</a:t>
             </a:r>
-            <a:endParaRPr b="0" lang="en-FI" sz="5500" spc="-1" strike="noStrike">
+            <a:endParaRPr lang="en-FI" sz="5500" b="0" strike="noStrike" spc="-1">
               <a:solidFill>
                 <a:srgbClr val="000000"/>
               </a:solidFill>
@@ -8902,9 +9443,10 @@
           </a:prstGeom>
         </p:spPr>
         <p:txBody>
-          <a:bodyPr lIns="0" rIns="0" tIns="0" bIns="0" anchor="b">
+          <a:bodyPr lIns="0" tIns="0" rIns="0" bIns="0" anchor="b">
             <a:noAutofit/>
           </a:bodyPr>
+          <a:lstStyle/>
           <a:p>
             <a:pPr>
               <a:lnSpc>
@@ -8912,15 +9454,15 @@
               </a:lnSpc>
             </a:pPr>
             <a:fld id="{8A613F42-00D9-4098-872B-88CD51223931}" type="datetime1">
-              <a:rPr b="0" lang="fi-FI" sz="1600" spc="-1" strike="noStrike">
+              <a:rPr lang="fi-FI" sz="1600" b="0" strike="noStrike" spc="-1">
                 <a:solidFill>
-                  <a:srgbClr val="ffffff"/>
+                  <a:srgbClr val="FFFFFF"/>
                 </a:solidFill>
                 <a:latin typeface="Arial"/>
               </a:rPr>
-              <a:t>18.09.2023</a:t>
+              <a:t>18.9.2023</a:t>
             </a:fld>
-            <a:endParaRPr b="0" lang="fi-FI" sz="1600" spc="-1" strike="noStrike">
+            <a:endParaRPr lang="fi-FI" sz="1600" b="0" strike="noStrike" spc="-1">
               <a:latin typeface="Times New Roman"/>
             </a:endParaRPr>
           </a:p>
@@ -8946,11 +9488,12 @@
           </a:prstGeom>
         </p:spPr>
         <p:txBody>
-          <a:bodyPr lIns="0" rIns="0" tIns="0" bIns="0" anchor="b">
+          <a:bodyPr lIns="0" tIns="0" rIns="0" bIns="0" anchor="b">
             <a:noAutofit/>
           </a:bodyPr>
-          <a:p>
-            <a:endParaRPr b="0" lang="fi-FI" sz="2400" spc="-1" strike="noStrike">
+          <a:lstStyle/>
+          <a:p>
+            <a:endParaRPr lang="fi-FI" sz="2400" b="0" strike="noStrike" spc="-1">
               <a:latin typeface="Times New Roman"/>
             </a:endParaRPr>
           </a:p>
@@ -8976,9 +9519,10 @@
           </a:prstGeom>
         </p:spPr>
         <p:txBody>
-          <a:bodyPr lIns="0" rIns="0" tIns="0" bIns="0" anchor="b">
+          <a:bodyPr lIns="0" tIns="0" rIns="0" bIns="0" anchor="b">
             <a:noAutofit/>
           </a:bodyPr>
+          <a:lstStyle/>
           <a:p>
             <a:pPr algn="r">
               <a:lnSpc>
@@ -8986,15 +9530,15 @@
               </a:lnSpc>
             </a:pPr>
             <a:fld id="{48B00443-8E5B-4499-8338-F76261445010}" type="slidenum">
-              <a:rPr b="0" lang="en-GB" sz="1000" spc="-1" strike="noStrike">
+              <a:rPr lang="en-GB" sz="1000" b="0" strike="noStrike" spc="-1">
                 <a:solidFill>
-                  <a:srgbClr val="8baddc"/>
+                  <a:srgbClr val="8BADDC"/>
                 </a:solidFill>
                 <a:latin typeface="Arial"/>
               </a:rPr>
-              <a:t>&lt;numero&gt;</a:t>
+              <a:t>‹#›</a:t>
             </a:fld>
-            <a:endParaRPr b="0" lang="fi-FI" sz="1000" spc="-1" strike="noStrike">
+            <a:endParaRPr lang="fi-FI" sz="1000" b="0" strike="noStrike" spc="-1">
               <a:latin typeface="Times New Roman"/>
             </a:endParaRPr>
           </a:p>
@@ -9020,9 +9564,10 @@
           </a:prstGeom>
         </p:spPr>
         <p:txBody>
-          <a:bodyPr lIns="0" rIns="0" tIns="0" bIns="0">
+          <a:bodyPr lIns="0" tIns="0" rIns="0" bIns="0">
             <a:noAutofit/>
           </a:bodyPr>
+          <a:lstStyle/>
           <a:p>
             <a:pPr marL="432000" indent="-324000">
               <a:lnSpc>
@@ -9035,19 +9580,19 @@
               <a:buFont typeface="Wingdings" charset="2"/>
               <a:buChar char=""/>
               <a:tabLst>
-                <a:tab algn="l" pos="0"/>
+                <a:tab pos="0" algn="l"/>
               </a:tabLst>
             </a:pPr>
             <a:r>
-              <a:rPr b="1" lang="en-US" sz="2000" spc="-1" strike="noStrike">
+              <a:rPr lang="en-US" sz="2000" b="1" strike="noStrike" spc="-1">
                 <a:solidFill>
-                  <a:srgbClr val="ffffff"/>
+                  <a:srgbClr val="FFFFFF"/>
                 </a:solidFill>
                 <a:latin typeface="Arial"/>
               </a:rPr>
               <a:t>Edit Master text styles</a:t>
             </a:r>
-            <a:endParaRPr b="0" lang="en-FI" sz="2000" spc="-1" strike="noStrike">
+            <a:endParaRPr lang="en-FI" sz="2000" b="0" strike="noStrike" spc="-1">
               <a:solidFill>
                 <a:srgbClr val="000000"/>
               </a:solidFill>
@@ -9058,32 +9603,313 @@
       </p:sp>
     </p:spTree>
   </p:cSld>
-  <p:clrMap bg1="lt1" bg2="lt2" tx1="dk1" tx2="dk2" accent1="accent1" accent2="accent2" accent3="accent3" accent4="accent4" accent5="accent5" accent6="accent6" hlink="hlink" folHlink="folHlink"/>
+  <p:clrMap bg1="lt1" tx1="dk1" bg2="lt2" tx2="dk2" accent1="accent1" accent2="accent2" accent3="accent3" accent4="accent4" accent5="accent5" accent6="accent6" hlink="hlink" folHlink="folHlink"/>
   <p:sldLayoutIdLst>
-    <p:sldLayoutId id="2147483649" r:id="rId4"/>
-    <p:sldLayoutId id="2147483650" r:id="rId5"/>
-    <p:sldLayoutId id="2147483651" r:id="rId6"/>
-    <p:sldLayoutId id="2147483652" r:id="rId7"/>
-    <p:sldLayoutId id="2147483653" r:id="rId8"/>
-    <p:sldLayoutId id="2147483654" r:id="rId9"/>
-    <p:sldLayoutId id="2147483655" r:id="rId10"/>
-    <p:sldLayoutId id="2147483656" r:id="rId11"/>
-    <p:sldLayoutId id="2147483657" r:id="rId12"/>
-    <p:sldLayoutId id="2147483658" r:id="rId13"/>
-    <p:sldLayoutId id="2147483659" r:id="rId14"/>
-    <p:sldLayoutId id="2147483660" r:id="rId15"/>
+    <p:sldLayoutId id="2147483649" r:id="rId1"/>
+    <p:sldLayoutId id="2147483650" r:id="rId2"/>
+    <p:sldLayoutId id="2147483651" r:id="rId3"/>
+    <p:sldLayoutId id="2147483652" r:id="rId4"/>
+    <p:sldLayoutId id="2147483653" r:id="rId5"/>
+    <p:sldLayoutId id="2147483654" r:id="rId6"/>
+    <p:sldLayoutId id="2147483655" r:id="rId7"/>
+    <p:sldLayoutId id="2147483656" r:id="rId8"/>
+    <p:sldLayoutId id="2147483657" r:id="rId9"/>
+    <p:sldLayoutId id="2147483658" r:id="rId10"/>
+    <p:sldLayoutId id="2147483659" r:id="rId11"/>
+    <p:sldLayoutId id="2147483660" r:id="rId12"/>
   </p:sldLayoutIdLst>
+  <p:txStyles>
+    <p:titleStyle>
+      <a:lvl1pPr algn="l" defTabSz="914400" rtl="0" eaLnBrk="1" latinLnBrk="0" hangingPunct="1">
+        <a:lnSpc>
+          <a:spcPct val="90000"/>
+        </a:lnSpc>
+        <a:spcBef>
+          <a:spcPct val="0"/>
+        </a:spcBef>
+        <a:buNone/>
+        <a:defRPr sz="4400" kern="1200">
+          <a:solidFill>
+            <a:schemeClr val="tx1"/>
+          </a:solidFill>
+          <a:latin typeface="+mj-lt"/>
+          <a:ea typeface="+mj-ea"/>
+          <a:cs typeface="+mj-cs"/>
+        </a:defRPr>
+      </a:lvl1pPr>
+    </p:titleStyle>
+    <p:bodyStyle>
+      <a:lvl1pPr marL="228600" indent="-228600" algn="l" defTabSz="914400" rtl="0" eaLnBrk="1" latinLnBrk="0" hangingPunct="1">
+        <a:lnSpc>
+          <a:spcPct val="90000"/>
+        </a:lnSpc>
+        <a:spcBef>
+          <a:spcPts val="1000"/>
+        </a:spcBef>
+        <a:buFont typeface="Arial" panose="020B0604020202020204" pitchFamily="34" charset="0"/>
+        <a:buChar char="•"/>
+        <a:defRPr sz="2800" kern="1200">
+          <a:solidFill>
+            <a:schemeClr val="tx1"/>
+          </a:solidFill>
+          <a:latin typeface="+mn-lt"/>
+          <a:ea typeface="+mn-ea"/>
+          <a:cs typeface="+mn-cs"/>
+        </a:defRPr>
+      </a:lvl1pPr>
+      <a:lvl2pPr marL="685800" indent="-228600" algn="l" defTabSz="914400" rtl="0" eaLnBrk="1" latinLnBrk="0" hangingPunct="1">
+        <a:lnSpc>
+          <a:spcPct val="90000"/>
+        </a:lnSpc>
+        <a:spcBef>
+          <a:spcPts val="500"/>
+        </a:spcBef>
+        <a:buFont typeface="Arial" panose="020B0604020202020204" pitchFamily="34" charset="0"/>
+        <a:buChar char="•"/>
+        <a:defRPr sz="2400" kern="1200">
+          <a:solidFill>
+            <a:schemeClr val="tx1"/>
+          </a:solidFill>
+          <a:latin typeface="+mn-lt"/>
+          <a:ea typeface="+mn-ea"/>
+          <a:cs typeface="+mn-cs"/>
+        </a:defRPr>
+      </a:lvl2pPr>
+      <a:lvl3pPr marL="1143000" indent="-228600" algn="l" defTabSz="914400" rtl="0" eaLnBrk="1" latinLnBrk="0" hangingPunct="1">
+        <a:lnSpc>
+          <a:spcPct val="90000"/>
+        </a:lnSpc>
+        <a:spcBef>
+          <a:spcPts val="500"/>
+        </a:spcBef>
+        <a:buFont typeface="Arial" panose="020B0604020202020204" pitchFamily="34" charset="0"/>
+        <a:buChar char="•"/>
+        <a:defRPr sz="2000" kern="1200">
+          <a:solidFill>
+            <a:schemeClr val="tx1"/>
+          </a:solidFill>
+          <a:latin typeface="+mn-lt"/>
+          <a:ea typeface="+mn-ea"/>
+          <a:cs typeface="+mn-cs"/>
+        </a:defRPr>
+      </a:lvl3pPr>
+      <a:lvl4pPr marL="1600200" indent="-228600" algn="l" defTabSz="914400" rtl="0" eaLnBrk="1" latinLnBrk="0" hangingPunct="1">
+        <a:lnSpc>
+          <a:spcPct val="90000"/>
+        </a:lnSpc>
+        <a:spcBef>
+          <a:spcPts val="500"/>
+        </a:spcBef>
+        <a:buFont typeface="Arial" panose="020B0604020202020204" pitchFamily="34" charset="0"/>
+        <a:buChar char="•"/>
+        <a:defRPr sz="1800" kern="1200">
+          <a:solidFill>
+            <a:schemeClr val="tx1"/>
+          </a:solidFill>
+          <a:latin typeface="+mn-lt"/>
+          <a:ea typeface="+mn-ea"/>
+          <a:cs typeface="+mn-cs"/>
+        </a:defRPr>
+      </a:lvl4pPr>
+      <a:lvl5pPr marL="2057400" indent="-228600" algn="l" defTabSz="914400" rtl="0" eaLnBrk="1" latinLnBrk="0" hangingPunct="1">
+        <a:lnSpc>
+          <a:spcPct val="90000"/>
+        </a:lnSpc>
+        <a:spcBef>
+          <a:spcPts val="500"/>
+        </a:spcBef>
+        <a:buFont typeface="Arial" panose="020B0604020202020204" pitchFamily="34" charset="0"/>
+        <a:buChar char="•"/>
+        <a:defRPr sz="1800" kern="1200">
+          <a:solidFill>
+            <a:schemeClr val="tx1"/>
+          </a:solidFill>
+          <a:latin typeface="+mn-lt"/>
+          <a:ea typeface="+mn-ea"/>
+          <a:cs typeface="+mn-cs"/>
+        </a:defRPr>
+      </a:lvl5pPr>
+      <a:lvl6pPr marL="2514600" indent="-228600" algn="l" defTabSz="914400" rtl="0" eaLnBrk="1" latinLnBrk="0" hangingPunct="1">
+        <a:lnSpc>
+          <a:spcPct val="90000"/>
+        </a:lnSpc>
+        <a:spcBef>
+          <a:spcPts val="500"/>
+        </a:spcBef>
+        <a:buFont typeface="Arial" panose="020B0604020202020204" pitchFamily="34" charset="0"/>
+        <a:buChar char="•"/>
+        <a:defRPr sz="1800" kern="1200">
+          <a:solidFill>
+            <a:schemeClr val="tx1"/>
+          </a:solidFill>
+          <a:latin typeface="+mn-lt"/>
+          <a:ea typeface="+mn-ea"/>
+          <a:cs typeface="+mn-cs"/>
+        </a:defRPr>
+      </a:lvl6pPr>
+      <a:lvl7pPr marL="2971800" indent="-228600" algn="l" defTabSz="914400" rtl="0" eaLnBrk="1" latinLnBrk="0" hangingPunct="1">
+        <a:lnSpc>
+          <a:spcPct val="90000"/>
+        </a:lnSpc>
+        <a:spcBef>
+          <a:spcPts val="500"/>
+        </a:spcBef>
+        <a:buFont typeface="Arial" panose="020B0604020202020204" pitchFamily="34" charset="0"/>
+        <a:buChar char="•"/>
+        <a:defRPr sz="1800" kern="1200">
+          <a:solidFill>
+            <a:schemeClr val="tx1"/>
+          </a:solidFill>
+          <a:latin typeface="+mn-lt"/>
+          <a:ea typeface="+mn-ea"/>
+          <a:cs typeface="+mn-cs"/>
+        </a:defRPr>
+      </a:lvl7pPr>
+      <a:lvl8pPr marL="3429000" indent="-228600" algn="l" defTabSz="914400" rtl="0" eaLnBrk="1" latinLnBrk="0" hangingPunct="1">
+        <a:lnSpc>
+          <a:spcPct val="90000"/>
+        </a:lnSpc>
+        <a:spcBef>
+          <a:spcPts val="500"/>
+        </a:spcBef>
+        <a:buFont typeface="Arial" panose="020B0604020202020204" pitchFamily="34" charset="0"/>
+        <a:buChar char="•"/>
+        <a:defRPr sz="1800" kern="1200">
+          <a:solidFill>
+            <a:schemeClr val="tx1"/>
+          </a:solidFill>
+          <a:latin typeface="+mn-lt"/>
+          <a:ea typeface="+mn-ea"/>
+          <a:cs typeface="+mn-cs"/>
+        </a:defRPr>
+      </a:lvl8pPr>
+      <a:lvl9pPr marL="3886200" indent="-228600" algn="l" defTabSz="914400" rtl="0" eaLnBrk="1" latinLnBrk="0" hangingPunct="1">
+        <a:lnSpc>
+          <a:spcPct val="90000"/>
+        </a:lnSpc>
+        <a:spcBef>
+          <a:spcPts val="500"/>
+        </a:spcBef>
+        <a:buFont typeface="Arial" panose="020B0604020202020204" pitchFamily="34" charset="0"/>
+        <a:buChar char="•"/>
+        <a:defRPr sz="1800" kern="1200">
+          <a:solidFill>
+            <a:schemeClr val="tx1"/>
+          </a:solidFill>
+          <a:latin typeface="+mn-lt"/>
+          <a:ea typeface="+mn-ea"/>
+          <a:cs typeface="+mn-cs"/>
+        </a:defRPr>
+      </a:lvl9pPr>
+    </p:bodyStyle>
+    <p:otherStyle>
+      <a:defPPr>
+        <a:defRPr lang="fi-FI"/>
+      </a:defPPr>
+      <a:lvl1pPr marL="0" algn="l" defTabSz="914400" rtl="0" eaLnBrk="1" latinLnBrk="0" hangingPunct="1">
+        <a:defRPr sz="1800" kern="1200">
+          <a:solidFill>
+            <a:schemeClr val="tx1"/>
+          </a:solidFill>
+          <a:latin typeface="+mn-lt"/>
+          <a:ea typeface="+mn-ea"/>
+          <a:cs typeface="+mn-cs"/>
+        </a:defRPr>
+      </a:lvl1pPr>
+      <a:lvl2pPr marL="457200" algn="l" defTabSz="914400" rtl="0" eaLnBrk="1" latinLnBrk="0" hangingPunct="1">
+        <a:defRPr sz="1800" kern="1200">
+          <a:solidFill>
+            <a:schemeClr val="tx1"/>
+          </a:solidFill>
+          <a:latin typeface="+mn-lt"/>
+          <a:ea typeface="+mn-ea"/>
+          <a:cs typeface="+mn-cs"/>
+        </a:defRPr>
+      </a:lvl2pPr>
+      <a:lvl3pPr marL="914400" algn="l" defTabSz="914400" rtl="0" eaLnBrk="1" latinLnBrk="0" hangingPunct="1">
+        <a:defRPr sz="1800" kern="1200">
+          <a:solidFill>
+            <a:schemeClr val="tx1"/>
+          </a:solidFill>
+          <a:latin typeface="+mn-lt"/>
+          <a:ea typeface="+mn-ea"/>
+          <a:cs typeface="+mn-cs"/>
+        </a:defRPr>
+      </a:lvl3pPr>
+      <a:lvl4pPr marL="1371600" algn="l" defTabSz="914400" rtl="0" eaLnBrk="1" latinLnBrk="0" hangingPunct="1">
+        <a:defRPr sz="1800" kern="1200">
+          <a:solidFill>
+            <a:schemeClr val="tx1"/>
+          </a:solidFill>
+          <a:latin typeface="+mn-lt"/>
+          <a:ea typeface="+mn-ea"/>
+          <a:cs typeface="+mn-cs"/>
+        </a:defRPr>
+      </a:lvl4pPr>
+      <a:lvl5pPr marL="1828800" algn="l" defTabSz="914400" rtl="0" eaLnBrk="1" latinLnBrk="0" hangingPunct="1">
+        <a:defRPr sz="1800" kern="1200">
+          <a:solidFill>
+            <a:schemeClr val="tx1"/>
+          </a:solidFill>
+          <a:latin typeface="+mn-lt"/>
+          <a:ea typeface="+mn-ea"/>
+          <a:cs typeface="+mn-cs"/>
+        </a:defRPr>
+      </a:lvl5pPr>
+      <a:lvl6pPr marL="2286000" algn="l" defTabSz="914400" rtl="0" eaLnBrk="1" latinLnBrk="0" hangingPunct="1">
+        <a:defRPr sz="1800" kern="1200">
+          <a:solidFill>
+            <a:schemeClr val="tx1"/>
+          </a:solidFill>
+          <a:latin typeface="+mn-lt"/>
+          <a:ea typeface="+mn-ea"/>
+          <a:cs typeface="+mn-cs"/>
+        </a:defRPr>
+      </a:lvl6pPr>
+      <a:lvl7pPr marL="2743200" algn="l" defTabSz="914400" rtl="0" eaLnBrk="1" latinLnBrk="0" hangingPunct="1">
+        <a:defRPr sz="1800" kern="1200">
+          <a:solidFill>
+            <a:schemeClr val="tx1"/>
+          </a:solidFill>
+          <a:latin typeface="+mn-lt"/>
+          <a:ea typeface="+mn-ea"/>
+          <a:cs typeface="+mn-cs"/>
+        </a:defRPr>
+      </a:lvl7pPr>
+      <a:lvl8pPr marL="3200400" algn="l" defTabSz="914400" rtl="0" eaLnBrk="1" latinLnBrk="0" hangingPunct="1">
+        <a:defRPr sz="1800" kern="1200">
+          <a:solidFill>
+            <a:schemeClr val="tx1"/>
+          </a:solidFill>
+          <a:latin typeface="+mn-lt"/>
+          <a:ea typeface="+mn-ea"/>
+          <a:cs typeface="+mn-cs"/>
+        </a:defRPr>
+      </a:lvl8pPr>
+      <a:lvl9pPr marL="3657600" algn="l" defTabSz="914400" rtl="0" eaLnBrk="1" latinLnBrk="0" hangingPunct="1">
+        <a:defRPr sz="1800" kern="1200">
+          <a:solidFill>
+            <a:schemeClr val="tx1"/>
+          </a:solidFill>
+          <a:latin typeface="+mn-lt"/>
+          <a:ea typeface="+mn-ea"/>
+          <a:cs typeface="+mn-cs"/>
+        </a:defRPr>
+      </a:lvl9pPr>
+    </p:otherStyle>
+  </p:txStyles>
 </p:sldMaster>
 </file>
 
 <file path=ppt/slideMasters/slideMaster2.xml><?xml version="1.0" encoding="utf-8"?>
-<p:sldMaster xmlns:a="http://schemas.openxmlformats.org/drawingml/2006/main" xmlns:p="http://schemas.openxmlformats.org/presentationml/2006/main" xmlns:r="http://schemas.openxmlformats.org/officeDocument/2006/relationships" xmlns:p14="http://schemas.microsoft.com/office/powerpoint/2010/main" xmlns:p15="http://schemas.microsoft.com/office/powerpoint/2012/main" xmlns:mc="http://schemas.openxmlformats.org/markup-compatibility/2006">
+<p:sldMaster xmlns:a="http://schemas.openxmlformats.org/drawingml/2006/main" xmlns:r="http://schemas.openxmlformats.org/officeDocument/2006/relationships" xmlns:p="http://schemas.openxmlformats.org/presentationml/2006/main">
   <p:cSld>
     <p:bg>
       <p:bgPr>
         <a:solidFill>
-          <a:srgbClr val="ffffff"/>
+          <a:srgbClr val="FFFFFF"/>
         </a:solidFill>
+        <a:effectLst/>
       </p:bgPr>
     </p:bg>
     <p:spTree>
@@ -9115,16 +9941,22 @@
             <a:avLst/>
           </a:prstGeom>
           <a:solidFill>
-            <a:srgbClr val="0079c2"/>
+            <a:srgbClr val="0079C2"/>
           </a:solidFill>
           <a:ln w="12600">
             <a:noFill/>
           </a:ln>
         </p:spPr>
         <p:style>
-          <a:lnRef idx="0"/>
-          <a:fillRef idx="0"/>
-          <a:effectRef idx="0"/>
+          <a:lnRef idx="0">
+            <a:scrgbClr r="0" g="0" b="0"/>
+          </a:lnRef>
+          <a:fillRef idx="0">
+            <a:scrgbClr r="0" g="0" b="0"/>
+          </a:fillRef>
+          <a:effectRef idx="0">
+            <a:scrgbClr r="0" g="0" b="0"/>
+          </a:effectRef>
           <a:fontRef idx="minor"/>
         </p:style>
       </p:sp>
@@ -9135,8 +9967,8 @@
           <p:nvPr/>
         </p:nvPicPr>
         <p:blipFill>
-          <a:blip r:embed="rId2"/>
-          <a:srcRect l="0" t="15987" r="0" b="22124"/>
+          <a:blip r:embed="rId14"/>
+          <a:srcRect t="15987" b="22124"/>
           <a:stretch/>
         </p:blipFill>
         <p:spPr>
@@ -9172,9 +10004,10 @@
           </a:prstGeom>
         </p:spPr>
         <p:txBody>
-          <a:bodyPr lIns="0" rIns="0" tIns="0" bIns="36000">
+          <a:bodyPr lIns="0" tIns="0" rIns="0" bIns="36000">
             <a:noAutofit/>
           </a:bodyPr>
+          <a:lstStyle/>
           <a:p>
             <a:pPr>
               <a:lnSpc>
@@ -9182,15 +10015,15 @@
               </a:lnSpc>
             </a:pPr>
             <a:r>
-              <a:rPr b="1" lang="en-US" sz="3600" spc="-1" strike="noStrike">
+              <a:rPr lang="en-US" sz="3600" b="1" strike="noStrike" spc="-1">
                 <a:solidFill>
-                  <a:srgbClr val="0079c2"/>
+                  <a:srgbClr val="0079C2"/>
                 </a:solidFill>
                 <a:latin typeface="Arial"/>
               </a:rPr>
               <a:t>Click to edit Master title style</a:t>
             </a:r>
-            <a:endParaRPr b="0" lang="en-FI" sz="3600" spc="-1" strike="noStrike">
+            <a:endParaRPr lang="en-FI" sz="3600" b="0" strike="noStrike" spc="-1">
               <a:solidFill>
                 <a:srgbClr val="000000"/>
               </a:solidFill>
@@ -9219,9 +10052,10 @@
           </a:prstGeom>
         </p:spPr>
         <p:txBody>
-          <a:bodyPr lIns="0" rIns="0" tIns="0" bIns="36000">
+          <a:bodyPr lIns="0" tIns="0" rIns="0" bIns="36000">
             <a:noAutofit/>
           </a:bodyPr>
+          <a:lstStyle/>
           <a:p>
             <a:pPr marL="432000" indent="-324000">
               <a:lnSpc>
@@ -9238,7 +10072,7 @@
               <a:buChar char=""/>
             </a:pPr>
             <a:r>
-              <a:rPr b="0" lang="en-US" sz="1800" spc="-1" strike="noStrike">
+              <a:rPr lang="en-US" sz="1800" b="0" strike="noStrike" spc="-1">
                 <a:solidFill>
                   <a:srgbClr val="000000"/>
                 </a:solidFill>
@@ -9246,15 +10080,15 @@
               </a:rPr>
               <a:t>Edit Master text styles</a:t>
             </a:r>
-            <a:endParaRPr b="0" lang="en-FI" sz="1800" spc="-1" strike="noStrike">
-              <a:solidFill>
-                <a:srgbClr val="000000"/>
-              </a:solidFill>
-              <a:latin typeface="Arial"/>
-            </a:endParaRPr>
-          </a:p>
-          <a:p>
-            <a:pPr lvl="1" marL="864000" indent="-324000">
+            <a:endParaRPr lang="en-FI" sz="1800" b="0" strike="noStrike" spc="-1">
+              <a:solidFill>
+                <a:srgbClr val="000000"/>
+              </a:solidFill>
+              <a:latin typeface="Arial"/>
+            </a:endParaRPr>
+          </a:p>
+          <a:p>
+            <a:pPr marL="864000" lvl="1" indent="-324000">
               <a:lnSpc>
                 <a:spcPts val="2001"/>
               </a:lnSpc>
@@ -9269,7 +10103,7 @@
               <a:buChar char=""/>
             </a:pPr>
             <a:r>
-              <a:rPr b="0" lang="en-US" sz="1600" spc="-1" strike="noStrike">
+              <a:rPr lang="en-US" sz="1600" b="0" strike="noStrike" spc="-1">
                 <a:solidFill>
                   <a:srgbClr val="000000"/>
                 </a:solidFill>
@@ -9277,15 +10111,15 @@
               </a:rPr>
               <a:t>Second level</a:t>
             </a:r>
-            <a:endParaRPr b="0" lang="en-FI" sz="1600" spc="-1" strike="noStrike">
-              <a:solidFill>
-                <a:srgbClr val="000000"/>
-              </a:solidFill>
-              <a:latin typeface="Arial"/>
-            </a:endParaRPr>
-          </a:p>
-          <a:p>
-            <a:pPr lvl="2" marL="1296000" indent="-288000">
+            <a:endParaRPr lang="en-FI" sz="1600" b="0" strike="noStrike" spc="-1">
+              <a:solidFill>
+                <a:srgbClr val="000000"/>
+              </a:solidFill>
+              <a:latin typeface="Arial"/>
+            </a:endParaRPr>
+          </a:p>
+          <a:p>
+            <a:pPr marL="1296000" lvl="2" indent="-288000">
               <a:lnSpc>
                 <a:spcPts val="2001"/>
               </a:lnSpc>
@@ -9300,7 +10134,7 @@
               <a:buChar char=""/>
             </a:pPr>
             <a:r>
-              <a:rPr b="0" lang="en-US" sz="1600" spc="-1" strike="noStrike">
+              <a:rPr lang="en-US" sz="1600" b="0" strike="noStrike" spc="-1">
                 <a:solidFill>
                   <a:srgbClr val="000000"/>
                 </a:solidFill>
@@ -9308,15 +10142,15 @@
               </a:rPr>
               <a:t>Third level</a:t>
             </a:r>
-            <a:endParaRPr b="0" lang="en-FI" sz="1600" spc="-1" strike="noStrike">
-              <a:solidFill>
-                <a:srgbClr val="000000"/>
-              </a:solidFill>
-              <a:latin typeface="Arial"/>
-            </a:endParaRPr>
-          </a:p>
-          <a:p>
-            <a:pPr lvl="3" marL="1728000" indent="-216000">
+            <a:endParaRPr lang="en-FI" sz="1600" b="0" strike="noStrike" spc="-1">
+              <a:solidFill>
+                <a:srgbClr val="000000"/>
+              </a:solidFill>
+              <a:latin typeface="Arial"/>
+            </a:endParaRPr>
+          </a:p>
+          <a:p>
+            <a:pPr marL="1728000" lvl="3" indent="-216000">
               <a:lnSpc>
                 <a:spcPts val="2001"/>
               </a:lnSpc>
@@ -9331,7 +10165,7 @@
               <a:buChar char=""/>
             </a:pPr>
             <a:r>
-              <a:rPr b="0" lang="en-US" sz="1600" spc="-1" strike="noStrike">
+              <a:rPr lang="en-US" sz="1600" b="0" strike="noStrike" spc="-1">
                 <a:solidFill>
                   <a:srgbClr val="000000"/>
                 </a:solidFill>
@@ -9339,15 +10173,15 @@
               </a:rPr>
               <a:t>Fourth level</a:t>
             </a:r>
-            <a:endParaRPr b="0" lang="en-FI" sz="1600" spc="-1" strike="noStrike">
-              <a:solidFill>
-                <a:srgbClr val="000000"/>
-              </a:solidFill>
-              <a:latin typeface="Arial"/>
-            </a:endParaRPr>
-          </a:p>
-          <a:p>
-            <a:pPr lvl="4" marL="2160000" indent="-216000">
+            <a:endParaRPr lang="en-FI" sz="1600" b="0" strike="noStrike" spc="-1">
+              <a:solidFill>
+                <a:srgbClr val="000000"/>
+              </a:solidFill>
+              <a:latin typeface="Arial"/>
+            </a:endParaRPr>
+          </a:p>
+          <a:p>
+            <a:pPr marL="2160000" lvl="4" indent="-216000">
               <a:lnSpc>
                 <a:spcPts val="2001"/>
               </a:lnSpc>
@@ -9362,7 +10196,7 @@
               <a:buChar char=""/>
             </a:pPr>
             <a:r>
-              <a:rPr b="0" lang="en-US" sz="1600" spc="-1" strike="noStrike">
+              <a:rPr lang="en-US" sz="1600" b="0" strike="noStrike" spc="-1">
                 <a:solidFill>
                   <a:srgbClr val="000000"/>
                 </a:solidFill>
@@ -9370,7 +10204,7 @@
               </a:rPr>
               <a:t>Fifth level</a:t>
             </a:r>
-            <a:endParaRPr b="0" lang="en-FI" sz="1600" spc="-1" strike="noStrike">
+            <a:endParaRPr lang="en-FI" sz="1600" b="0" strike="noStrike" spc="-1">
               <a:solidFill>
                 <a:srgbClr val="000000"/>
               </a:solidFill>
@@ -9399,9 +10233,10 @@
           </a:prstGeom>
         </p:spPr>
         <p:txBody>
-          <a:bodyPr lIns="0" rIns="0" tIns="0" bIns="0" anchor="b">
+          <a:bodyPr lIns="0" tIns="0" rIns="0" bIns="0" anchor="b">
             <a:noAutofit/>
           </a:bodyPr>
+          <a:lstStyle/>
           <a:p>
             <a:pPr>
               <a:lnSpc>
@@ -9409,15 +10244,15 @@
               </a:lnSpc>
             </a:pPr>
             <a:fld id="{1172E891-FDE8-4706-BFC0-6E172F2901CD}" type="datetime1">
-              <a:rPr b="0" lang="fi-FI" sz="1000" spc="-1" strike="noStrike">
+              <a:rPr lang="fi-FI" sz="1000" b="0" strike="noStrike" spc="-1">
                 <a:solidFill>
-                  <a:srgbClr val="8baddc"/>
+                  <a:srgbClr val="8BADDC"/>
                 </a:solidFill>
                 <a:latin typeface="Arial"/>
               </a:rPr>
-              <a:t>18.09.2023</a:t>
+              <a:t>18.9.2023</a:t>
             </a:fld>
-            <a:endParaRPr b="0" lang="fi-FI" sz="1000" spc="-1" strike="noStrike">
+            <a:endParaRPr lang="fi-FI" sz="1000" b="0" strike="noStrike" spc="-1">
               <a:latin typeface="Times New Roman"/>
             </a:endParaRPr>
           </a:p>
@@ -9443,11 +10278,12 @@
           </a:prstGeom>
         </p:spPr>
         <p:txBody>
-          <a:bodyPr lIns="0" rIns="0" tIns="0" bIns="0" anchor="b">
+          <a:bodyPr lIns="0" tIns="0" rIns="0" bIns="0" anchor="b">
             <a:noAutofit/>
           </a:bodyPr>
-          <a:p>
-            <a:endParaRPr b="0" lang="fi-FI" sz="2400" spc="-1" strike="noStrike">
+          <a:lstStyle/>
+          <a:p>
+            <a:endParaRPr lang="fi-FI" sz="2400" b="0" strike="noStrike" spc="-1">
               <a:latin typeface="Times New Roman"/>
             </a:endParaRPr>
           </a:p>
@@ -9473,9 +10309,10 @@
           </a:prstGeom>
         </p:spPr>
         <p:txBody>
-          <a:bodyPr lIns="0" rIns="0" tIns="0" bIns="0" anchor="b">
+          <a:bodyPr lIns="0" tIns="0" rIns="0" bIns="0" anchor="b">
             <a:noAutofit/>
           </a:bodyPr>
+          <a:lstStyle/>
           <a:p>
             <a:pPr algn="r">
               <a:lnSpc>
@@ -9483,15 +10320,15 @@
               </a:lnSpc>
             </a:pPr>
             <a:fld id="{1184EA18-8002-49E6-86F4-4DDDFBAD9A12}" type="slidenum">
-              <a:rPr b="0" lang="en-GB" sz="1000" spc="-1" strike="noStrike">
+              <a:rPr lang="en-GB" sz="1000" b="0" strike="noStrike" spc="-1">
                 <a:solidFill>
-                  <a:srgbClr val="8baddc"/>
+                  <a:srgbClr val="8BADDC"/>
                 </a:solidFill>
                 <a:latin typeface="Arial"/>
               </a:rPr>
-              <a:t>&lt;numero&gt;</a:t>
+              <a:t>‹#›</a:t>
             </a:fld>
-            <a:endParaRPr b="0" lang="fi-FI" sz="1000" spc="-1" strike="noStrike">
+            <a:endParaRPr lang="fi-FI" sz="1000" b="0" strike="noStrike" spc="-1">
               <a:latin typeface="Times New Roman"/>
             </a:endParaRPr>
           </a:p>
@@ -9499,32 +10336,313 @@
       </p:sp>
     </p:spTree>
   </p:cSld>
-  <p:clrMap bg1="lt1" bg2="lt2" tx1="dk1" tx2="dk2" accent1="accent1" accent2="accent2" accent3="accent3" accent4="accent4" accent5="accent5" accent6="accent6" hlink="hlink" folHlink="folHlink"/>
+  <p:clrMap bg1="lt1" tx1="dk1" bg2="lt2" tx2="dk2" accent1="accent1" accent2="accent2" accent3="accent3" accent4="accent4" accent5="accent5" accent6="accent6" hlink="hlink" folHlink="folHlink"/>
   <p:sldLayoutIdLst>
-    <p:sldLayoutId id="2147483662" r:id="rId3"/>
-    <p:sldLayoutId id="2147483663" r:id="rId4"/>
-    <p:sldLayoutId id="2147483664" r:id="rId5"/>
-    <p:sldLayoutId id="2147483665" r:id="rId6"/>
-    <p:sldLayoutId id="2147483666" r:id="rId7"/>
-    <p:sldLayoutId id="2147483667" r:id="rId8"/>
-    <p:sldLayoutId id="2147483668" r:id="rId9"/>
-    <p:sldLayoutId id="2147483669" r:id="rId10"/>
-    <p:sldLayoutId id="2147483670" r:id="rId11"/>
-    <p:sldLayoutId id="2147483671" r:id="rId12"/>
-    <p:sldLayoutId id="2147483672" r:id="rId13"/>
-    <p:sldLayoutId id="2147483673" r:id="rId14"/>
+    <p:sldLayoutId id="2147483662" r:id="rId1"/>
+    <p:sldLayoutId id="2147483663" r:id="rId2"/>
+    <p:sldLayoutId id="2147483664" r:id="rId3"/>
+    <p:sldLayoutId id="2147483665" r:id="rId4"/>
+    <p:sldLayoutId id="2147483666" r:id="rId5"/>
+    <p:sldLayoutId id="2147483667" r:id="rId6"/>
+    <p:sldLayoutId id="2147483668" r:id="rId7"/>
+    <p:sldLayoutId id="2147483669" r:id="rId8"/>
+    <p:sldLayoutId id="2147483670" r:id="rId9"/>
+    <p:sldLayoutId id="2147483671" r:id="rId10"/>
+    <p:sldLayoutId id="2147483672" r:id="rId11"/>
+    <p:sldLayoutId id="2147483673" r:id="rId12"/>
   </p:sldLayoutIdLst>
+  <p:txStyles>
+    <p:titleStyle>
+      <a:lvl1pPr algn="l" defTabSz="914400" rtl="0" eaLnBrk="1" latinLnBrk="0" hangingPunct="1">
+        <a:lnSpc>
+          <a:spcPct val="90000"/>
+        </a:lnSpc>
+        <a:spcBef>
+          <a:spcPct val="0"/>
+        </a:spcBef>
+        <a:buNone/>
+        <a:defRPr sz="4400" kern="1200">
+          <a:solidFill>
+            <a:schemeClr val="tx1"/>
+          </a:solidFill>
+          <a:latin typeface="+mj-lt"/>
+          <a:ea typeface="+mj-ea"/>
+          <a:cs typeface="+mj-cs"/>
+        </a:defRPr>
+      </a:lvl1pPr>
+    </p:titleStyle>
+    <p:bodyStyle>
+      <a:lvl1pPr marL="228600" indent="-228600" algn="l" defTabSz="914400" rtl="0" eaLnBrk="1" latinLnBrk="0" hangingPunct="1">
+        <a:lnSpc>
+          <a:spcPct val="90000"/>
+        </a:lnSpc>
+        <a:spcBef>
+          <a:spcPts val="1000"/>
+        </a:spcBef>
+        <a:buFont typeface="Arial" panose="020B0604020202020204" pitchFamily="34" charset="0"/>
+        <a:buChar char="•"/>
+        <a:defRPr sz="2800" kern="1200">
+          <a:solidFill>
+            <a:schemeClr val="tx1"/>
+          </a:solidFill>
+          <a:latin typeface="+mn-lt"/>
+          <a:ea typeface="+mn-ea"/>
+          <a:cs typeface="+mn-cs"/>
+        </a:defRPr>
+      </a:lvl1pPr>
+      <a:lvl2pPr marL="685800" indent="-228600" algn="l" defTabSz="914400" rtl="0" eaLnBrk="1" latinLnBrk="0" hangingPunct="1">
+        <a:lnSpc>
+          <a:spcPct val="90000"/>
+        </a:lnSpc>
+        <a:spcBef>
+          <a:spcPts val="500"/>
+        </a:spcBef>
+        <a:buFont typeface="Arial" panose="020B0604020202020204" pitchFamily="34" charset="0"/>
+        <a:buChar char="•"/>
+        <a:defRPr sz="2400" kern="1200">
+          <a:solidFill>
+            <a:schemeClr val="tx1"/>
+          </a:solidFill>
+          <a:latin typeface="+mn-lt"/>
+          <a:ea typeface="+mn-ea"/>
+          <a:cs typeface="+mn-cs"/>
+        </a:defRPr>
+      </a:lvl2pPr>
+      <a:lvl3pPr marL="1143000" indent="-228600" algn="l" defTabSz="914400" rtl="0" eaLnBrk="1" latinLnBrk="0" hangingPunct="1">
+        <a:lnSpc>
+          <a:spcPct val="90000"/>
+        </a:lnSpc>
+        <a:spcBef>
+          <a:spcPts val="500"/>
+        </a:spcBef>
+        <a:buFont typeface="Arial" panose="020B0604020202020204" pitchFamily="34" charset="0"/>
+        <a:buChar char="•"/>
+        <a:defRPr sz="2000" kern="1200">
+          <a:solidFill>
+            <a:schemeClr val="tx1"/>
+          </a:solidFill>
+          <a:latin typeface="+mn-lt"/>
+          <a:ea typeface="+mn-ea"/>
+          <a:cs typeface="+mn-cs"/>
+        </a:defRPr>
+      </a:lvl3pPr>
+      <a:lvl4pPr marL="1600200" indent="-228600" algn="l" defTabSz="914400" rtl="0" eaLnBrk="1" latinLnBrk="0" hangingPunct="1">
+        <a:lnSpc>
+          <a:spcPct val="90000"/>
+        </a:lnSpc>
+        <a:spcBef>
+          <a:spcPts val="500"/>
+        </a:spcBef>
+        <a:buFont typeface="Arial" panose="020B0604020202020204" pitchFamily="34" charset="0"/>
+        <a:buChar char="•"/>
+        <a:defRPr sz="1800" kern="1200">
+          <a:solidFill>
+            <a:schemeClr val="tx1"/>
+          </a:solidFill>
+          <a:latin typeface="+mn-lt"/>
+          <a:ea typeface="+mn-ea"/>
+          <a:cs typeface="+mn-cs"/>
+        </a:defRPr>
+      </a:lvl4pPr>
+      <a:lvl5pPr marL="2057400" indent="-228600" algn="l" defTabSz="914400" rtl="0" eaLnBrk="1" latinLnBrk="0" hangingPunct="1">
+        <a:lnSpc>
+          <a:spcPct val="90000"/>
+        </a:lnSpc>
+        <a:spcBef>
+          <a:spcPts val="500"/>
+        </a:spcBef>
+        <a:buFont typeface="Arial" panose="020B0604020202020204" pitchFamily="34" charset="0"/>
+        <a:buChar char="•"/>
+        <a:defRPr sz="1800" kern="1200">
+          <a:solidFill>
+            <a:schemeClr val="tx1"/>
+          </a:solidFill>
+          <a:latin typeface="+mn-lt"/>
+          <a:ea typeface="+mn-ea"/>
+          <a:cs typeface="+mn-cs"/>
+        </a:defRPr>
+      </a:lvl5pPr>
+      <a:lvl6pPr marL="2514600" indent="-228600" algn="l" defTabSz="914400" rtl="0" eaLnBrk="1" latinLnBrk="0" hangingPunct="1">
+        <a:lnSpc>
+          <a:spcPct val="90000"/>
+        </a:lnSpc>
+        <a:spcBef>
+          <a:spcPts val="500"/>
+        </a:spcBef>
+        <a:buFont typeface="Arial" panose="020B0604020202020204" pitchFamily="34" charset="0"/>
+        <a:buChar char="•"/>
+        <a:defRPr sz="1800" kern="1200">
+          <a:solidFill>
+            <a:schemeClr val="tx1"/>
+          </a:solidFill>
+          <a:latin typeface="+mn-lt"/>
+          <a:ea typeface="+mn-ea"/>
+          <a:cs typeface="+mn-cs"/>
+        </a:defRPr>
+      </a:lvl6pPr>
+      <a:lvl7pPr marL="2971800" indent="-228600" algn="l" defTabSz="914400" rtl="0" eaLnBrk="1" latinLnBrk="0" hangingPunct="1">
+        <a:lnSpc>
+          <a:spcPct val="90000"/>
+        </a:lnSpc>
+        <a:spcBef>
+          <a:spcPts val="500"/>
+        </a:spcBef>
+        <a:buFont typeface="Arial" panose="020B0604020202020204" pitchFamily="34" charset="0"/>
+        <a:buChar char="•"/>
+        <a:defRPr sz="1800" kern="1200">
+          <a:solidFill>
+            <a:schemeClr val="tx1"/>
+          </a:solidFill>
+          <a:latin typeface="+mn-lt"/>
+          <a:ea typeface="+mn-ea"/>
+          <a:cs typeface="+mn-cs"/>
+        </a:defRPr>
+      </a:lvl7pPr>
+      <a:lvl8pPr marL="3429000" indent="-228600" algn="l" defTabSz="914400" rtl="0" eaLnBrk="1" latinLnBrk="0" hangingPunct="1">
+        <a:lnSpc>
+          <a:spcPct val="90000"/>
+        </a:lnSpc>
+        <a:spcBef>
+          <a:spcPts val="500"/>
+        </a:spcBef>
+        <a:buFont typeface="Arial" panose="020B0604020202020204" pitchFamily="34" charset="0"/>
+        <a:buChar char="•"/>
+        <a:defRPr sz="1800" kern="1200">
+          <a:solidFill>
+            <a:schemeClr val="tx1"/>
+          </a:solidFill>
+          <a:latin typeface="+mn-lt"/>
+          <a:ea typeface="+mn-ea"/>
+          <a:cs typeface="+mn-cs"/>
+        </a:defRPr>
+      </a:lvl8pPr>
+      <a:lvl9pPr marL="3886200" indent="-228600" algn="l" defTabSz="914400" rtl="0" eaLnBrk="1" latinLnBrk="0" hangingPunct="1">
+        <a:lnSpc>
+          <a:spcPct val="90000"/>
+        </a:lnSpc>
+        <a:spcBef>
+          <a:spcPts val="500"/>
+        </a:spcBef>
+        <a:buFont typeface="Arial" panose="020B0604020202020204" pitchFamily="34" charset="0"/>
+        <a:buChar char="•"/>
+        <a:defRPr sz="1800" kern="1200">
+          <a:solidFill>
+            <a:schemeClr val="tx1"/>
+          </a:solidFill>
+          <a:latin typeface="+mn-lt"/>
+          <a:ea typeface="+mn-ea"/>
+          <a:cs typeface="+mn-cs"/>
+        </a:defRPr>
+      </a:lvl9pPr>
+    </p:bodyStyle>
+    <p:otherStyle>
+      <a:defPPr>
+        <a:defRPr lang="fi-FI"/>
+      </a:defPPr>
+      <a:lvl1pPr marL="0" algn="l" defTabSz="914400" rtl="0" eaLnBrk="1" latinLnBrk="0" hangingPunct="1">
+        <a:defRPr sz="1800" kern="1200">
+          <a:solidFill>
+            <a:schemeClr val="tx1"/>
+          </a:solidFill>
+          <a:latin typeface="+mn-lt"/>
+          <a:ea typeface="+mn-ea"/>
+          <a:cs typeface="+mn-cs"/>
+        </a:defRPr>
+      </a:lvl1pPr>
+      <a:lvl2pPr marL="457200" algn="l" defTabSz="914400" rtl="0" eaLnBrk="1" latinLnBrk="0" hangingPunct="1">
+        <a:defRPr sz="1800" kern="1200">
+          <a:solidFill>
+            <a:schemeClr val="tx1"/>
+          </a:solidFill>
+          <a:latin typeface="+mn-lt"/>
+          <a:ea typeface="+mn-ea"/>
+          <a:cs typeface="+mn-cs"/>
+        </a:defRPr>
+      </a:lvl2pPr>
+      <a:lvl3pPr marL="914400" algn="l" defTabSz="914400" rtl="0" eaLnBrk="1" latinLnBrk="0" hangingPunct="1">
+        <a:defRPr sz="1800" kern="1200">
+          <a:solidFill>
+            <a:schemeClr val="tx1"/>
+          </a:solidFill>
+          <a:latin typeface="+mn-lt"/>
+          <a:ea typeface="+mn-ea"/>
+          <a:cs typeface="+mn-cs"/>
+        </a:defRPr>
+      </a:lvl3pPr>
+      <a:lvl4pPr marL="1371600" algn="l" defTabSz="914400" rtl="0" eaLnBrk="1" latinLnBrk="0" hangingPunct="1">
+        <a:defRPr sz="1800" kern="1200">
+          <a:solidFill>
+            <a:schemeClr val="tx1"/>
+          </a:solidFill>
+          <a:latin typeface="+mn-lt"/>
+          <a:ea typeface="+mn-ea"/>
+          <a:cs typeface="+mn-cs"/>
+        </a:defRPr>
+      </a:lvl4pPr>
+      <a:lvl5pPr marL="1828800" algn="l" defTabSz="914400" rtl="0" eaLnBrk="1" latinLnBrk="0" hangingPunct="1">
+        <a:defRPr sz="1800" kern="1200">
+          <a:solidFill>
+            <a:schemeClr val="tx1"/>
+          </a:solidFill>
+          <a:latin typeface="+mn-lt"/>
+          <a:ea typeface="+mn-ea"/>
+          <a:cs typeface="+mn-cs"/>
+        </a:defRPr>
+      </a:lvl5pPr>
+      <a:lvl6pPr marL="2286000" algn="l" defTabSz="914400" rtl="0" eaLnBrk="1" latinLnBrk="0" hangingPunct="1">
+        <a:defRPr sz="1800" kern="1200">
+          <a:solidFill>
+            <a:schemeClr val="tx1"/>
+          </a:solidFill>
+          <a:latin typeface="+mn-lt"/>
+          <a:ea typeface="+mn-ea"/>
+          <a:cs typeface="+mn-cs"/>
+        </a:defRPr>
+      </a:lvl6pPr>
+      <a:lvl7pPr marL="2743200" algn="l" defTabSz="914400" rtl="0" eaLnBrk="1" latinLnBrk="0" hangingPunct="1">
+        <a:defRPr sz="1800" kern="1200">
+          <a:solidFill>
+            <a:schemeClr val="tx1"/>
+          </a:solidFill>
+          <a:latin typeface="+mn-lt"/>
+          <a:ea typeface="+mn-ea"/>
+          <a:cs typeface="+mn-cs"/>
+        </a:defRPr>
+      </a:lvl7pPr>
+      <a:lvl8pPr marL="3200400" algn="l" defTabSz="914400" rtl="0" eaLnBrk="1" latinLnBrk="0" hangingPunct="1">
+        <a:defRPr sz="1800" kern="1200">
+          <a:solidFill>
+            <a:schemeClr val="tx1"/>
+          </a:solidFill>
+          <a:latin typeface="+mn-lt"/>
+          <a:ea typeface="+mn-ea"/>
+          <a:cs typeface="+mn-cs"/>
+        </a:defRPr>
+      </a:lvl8pPr>
+      <a:lvl9pPr marL="3657600" algn="l" defTabSz="914400" rtl="0" eaLnBrk="1" latinLnBrk="0" hangingPunct="1">
+        <a:defRPr sz="1800" kern="1200">
+          <a:solidFill>
+            <a:schemeClr val="tx1"/>
+          </a:solidFill>
+          <a:latin typeface="+mn-lt"/>
+          <a:ea typeface="+mn-ea"/>
+          <a:cs typeface="+mn-cs"/>
+        </a:defRPr>
+      </a:lvl9pPr>
+    </p:otherStyle>
+  </p:txStyles>
 </p:sldMaster>
 </file>
 
 <file path=ppt/slideMasters/slideMaster3.xml><?xml version="1.0" encoding="utf-8"?>
-<p:sldMaster xmlns:a="http://schemas.openxmlformats.org/drawingml/2006/main" xmlns:p="http://schemas.openxmlformats.org/presentationml/2006/main" xmlns:r="http://schemas.openxmlformats.org/officeDocument/2006/relationships" xmlns:p14="http://schemas.microsoft.com/office/powerpoint/2010/main" xmlns:p15="http://schemas.microsoft.com/office/powerpoint/2012/main" xmlns:mc="http://schemas.openxmlformats.org/markup-compatibility/2006">
+<p:sldMaster xmlns:a="http://schemas.openxmlformats.org/drawingml/2006/main" xmlns:r="http://schemas.openxmlformats.org/officeDocument/2006/relationships" xmlns:p="http://schemas.openxmlformats.org/presentationml/2006/main">
   <p:cSld>
     <p:bg>
       <p:bgPr>
         <a:solidFill>
-          <a:srgbClr val="ffffff"/>
+          <a:srgbClr val="FFFFFF"/>
         </a:solidFill>
+        <a:effectLst/>
       </p:bgPr>
     </p:bg>
     <p:spTree>
@@ -9556,16 +10674,22 @@
             <a:avLst/>
           </a:prstGeom>
           <a:solidFill>
-            <a:srgbClr val="0079c2"/>
+            <a:srgbClr val="0079C2"/>
           </a:solidFill>
           <a:ln w="12600">
             <a:noFill/>
           </a:ln>
         </p:spPr>
         <p:style>
-          <a:lnRef idx="0"/>
-          <a:fillRef idx="0"/>
-          <a:effectRef idx="0"/>
+          <a:lnRef idx="0">
+            <a:scrgbClr r="0" g="0" b="0"/>
+          </a:lnRef>
+          <a:fillRef idx="0">
+            <a:scrgbClr r="0" g="0" b="0"/>
+          </a:fillRef>
+          <a:effectRef idx="0">
+            <a:scrgbClr r="0" g="0" b="0"/>
+          </a:effectRef>
           <a:fontRef idx="minor"/>
         </p:style>
       </p:sp>
@@ -9576,8 +10700,8 @@
           <p:nvPr/>
         </p:nvPicPr>
         <p:blipFill>
-          <a:blip r:embed="rId2"/>
-          <a:srcRect l="0" t="15987" r="0" b="22124"/>
+          <a:blip r:embed="rId14"/>
+          <a:srcRect t="15987" b="22124"/>
           <a:stretch/>
         </p:blipFill>
         <p:spPr>
@@ -9613,9 +10737,10 @@
           </a:prstGeom>
         </p:spPr>
         <p:txBody>
-          <a:bodyPr lIns="0" rIns="0" tIns="0" bIns="0" anchor="b">
+          <a:bodyPr lIns="0" tIns="0" rIns="0" bIns="0" anchor="b">
             <a:noAutofit/>
           </a:bodyPr>
+          <a:lstStyle/>
           <a:p>
             <a:pPr>
               <a:lnSpc>
@@ -9623,15 +10748,15 @@
               </a:lnSpc>
             </a:pPr>
             <a:fld id="{477803F1-BBC4-4E6E-8135-4DDB59308825}" type="datetime1">
-              <a:rPr b="0" lang="fi-FI" sz="1000" spc="-1" strike="noStrike">
+              <a:rPr lang="fi-FI" sz="1000" b="0" strike="noStrike" spc="-1">
                 <a:solidFill>
-                  <a:srgbClr val="8baddc"/>
+                  <a:srgbClr val="8BADDC"/>
                 </a:solidFill>
                 <a:latin typeface="Arial"/>
               </a:rPr>
-              <a:t>18.09.2023</a:t>
+              <a:t>18.9.2023</a:t>
             </a:fld>
-            <a:endParaRPr b="0" lang="fi-FI" sz="1000" spc="-1" strike="noStrike">
+            <a:endParaRPr lang="fi-FI" sz="1000" b="0" strike="noStrike" spc="-1">
               <a:latin typeface="Times New Roman"/>
             </a:endParaRPr>
           </a:p>
@@ -9657,11 +10782,12 @@
           </a:prstGeom>
         </p:spPr>
         <p:txBody>
-          <a:bodyPr lIns="0" rIns="0" tIns="0" bIns="0" anchor="b">
+          <a:bodyPr lIns="0" tIns="0" rIns="0" bIns="0" anchor="b">
             <a:noAutofit/>
           </a:bodyPr>
-          <a:p>
-            <a:endParaRPr b="0" lang="fi-FI" sz="2400" spc="-1" strike="noStrike">
+          <a:lstStyle/>
+          <a:p>
+            <a:endParaRPr lang="fi-FI" sz="2400" b="0" strike="noStrike" spc="-1">
               <a:latin typeface="Times New Roman"/>
             </a:endParaRPr>
           </a:p>
@@ -9687,9 +10813,10 @@
           </a:prstGeom>
         </p:spPr>
         <p:txBody>
-          <a:bodyPr lIns="0" rIns="0" tIns="0" bIns="0" anchor="b">
+          <a:bodyPr lIns="0" tIns="0" rIns="0" bIns="0" anchor="b">
             <a:noAutofit/>
           </a:bodyPr>
+          <a:lstStyle/>
           <a:p>
             <a:pPr algn="r">
               <a:lnSpc>
@@ -9697,15 +10824,15 @@
               </a:lnSpc>
             </a:pPr>
             <a:fld id="{83127CAE-7386-4AB7-A3E3-C6B55E6C774C}" type="slidenum">
-              <a:rPr b="0" lang="en-GB" sz="1000" spc="-1" strike="noStrike">
+              <a:rPr lang="en-GB" sz="1000" b="0" strike="noStrike" spc="-1">
                 <a:solidFill>
-                  <a:srgbClr val="8baddc"/>
+                  <a:srgbClr val="8BADDC"/>
                 </a:solidFill>
                 <a:latin typeface="Arial"/>
               </a:rPr>
-              <a:t>&lt;numero&gt;</a:t>
+              <a:t>‹#›</a:t>
             </a:fld>
-            <a:endParaRPr b="0" lang="fi-FI" sz="1000" spc="-1" strike="noStrike">
+            <a:endParaRPr lang="fi-FI" sz="1000" b="0" strike="noStrike" spc="-1">
               <a:latin typeface="Times New Roman"/>
             </a:endParaRPr>
           </a:p>
@@ -9731,9 +10858,10 @@
           </a:prstGeom>
         </p:spPr>
         <p:txBody>
-          <a:bodyPr lIns="0" rIns="0" tIns="0" bIns="36000">
+          <a:bodyPr lIns="0" tIns="0" rIns="0" bIns="36000">
             <a:noAutofit/>
           </a:bodyPr>
+          <a:lstStyle/>
           <a:p>
             <a:pPr>
               <a:lnSpc>
@@ -9741,15 +10869,15 @@
               </a:lnSpc>
             </a:pPr>
             <a:r>
-              <a:rPr b="1" lang="en-US" sz="3600" spc="-1" strike="noStrike">
+              <a:rPr lang="en-US" sz="3600" b="1" strike="noStrike" spc="-1">
                 <a:solidFill>
-                  <a:srgbClr val="0079c2"/>
+                  <a:srgbClr val="0079C2"/>
                 </a:solidFill>
                 <a:latin typeface="Arial"/>
               </a:rPr>
               <a:t>Click to edit Master title style</a:t>
             </a:r>
-            <a:endParaRPr b="0" lang="en-FI" sz="3600" spc="-1" strike="noStrike">
+            <a:endParaRPr lang="en-FI" sz="3600" b="0" strike="noStrike" spc="-1">
               <a:solidFill>
                 <a:srgbClr val="000000"/>
               </a:solidFill>
@@ -9778,9 +10906,10 @@
           </a:prstGeom>
         </p:spPr>
         <p:txBody>
-          <a:bodyPr lIns="0" rIns="0" tIns="0" bIns="0">
+          <a:bodyPr lIns="0" tIns="0" rIns="0" bIns="0">
             <a:noAutofit/>
           </a:bodyPr>
+          <a:lstStyle/>
           <a:p>
             <a:pPr marL="432000" indent="-324000">
               <a:lnSpc>
@@ -9793,19 +10922,19 @@
               <a:buFont typeface="Wingdings" charset="2"/>
               <a:buChar char=""/>
               <a:tabLst>
-                <a:tab algn="l" pos="0"/>
+                <a:tab pos="0" algn="l"/>
               </a:tabLst>
             </a:pPr>
             <a:r>
-              <a:rPr b="1" lang="en-US" sz="1800" spc="-1" strike="noStrike">
+              <a:rPr lang="en-US" sz="1800" b="1" strike="noStrike" spc="-1">
                 <a:solidFill>
-                  <a:srgbClr val="8baddc"/>
+                  <a:srgbClr val="8BADDC"/>
                 </a:solidFill>
                 <a:latin typeface="Arial"/>
               </a:rPr>
               <a:t>Edit Master text styles</a:t>
             </a:r>
-            <a:endParaRPr b="0" lang="en-FI" sz="1800" spc="-1" strike="noStrike">
+            <a:endParaRPr lang="en-FI" sz="1800" b="0" strike="noStrike" spc="-1">
               <a:solidFill>
                 <a:srgbClr val="000000"/>
               </a:solidFill>
@@ -9834,9 +10963,10 @@
           </a:prstGeom>
         </p:spPr>
         <p:txBody>
-          <a:bodyPr lIns="0" rIns="0" tIns="0" bIns="36000">
+          <a:bodyPr lIns="0" tIns="0" rIns="0" bIns="36000">
             <a:noAutofit/>
           </a:bodyPr>
+          <a:lstStyle/>
           <a:p>
             <a:pPr marL="216000" indent="-215640">
               <a:lnSpc>
@@ -9846,13 +10976,13 @@
                 <a:spcPts val="799"/>
               </a:spcBef>
               <a:buClr>
-                <a:srgbClr val="8baddc"/>
+                <a:srgbClr val="8BADDC"/>
               </a:buClr>
               <a:buFont typeface="Wingdings" charset="2"/>
               <a:buChar char=""/>
             </a:pPr>
             <a:r>
-              <a:rPr b="0" lang="en-US" sz="1800" spc="-1" strike="noStrike">
+              <a:rPr lang="en-US" sz="1800" b="0" strike="noStrike" spc="-1">
                 <a:solidFill>
                   <a:srgbClr val="000000"/>
                 </a:solidFill>
@@ -9860,15 +10990,15 @@
               </a:rPr>
               <a:t>Edit Master text styles</a:t>
             </a:r>
-            <a:endParaRPr b="0" lang="en-FI" sz="1800" spc="-1" strike="noStrike">
-              <a:solidFill>
-                <a:srgbClr val="000000"/>
-              </a:solidFill>
-              <a:latin typeface="Arial"/>
-            </a:endParaRPr>
-          </a:p>
-          <a:p>
-            <a:pPr lvl="1" marL="720000" indent="-215640">
+            <a:endParaRPr lang="en-FI" sz="1800" b="0" strike="noStrike" spc="-1">
+              <a:solidFill>
+                <a:srgbClr val="000000"/>
+              </a:solidFill>
+              <a:latin typeface="Arial"/>
+            </a:endParaRPr>
+          </a:p>
+          <a:p>
+            <a:pPr marL="720000" lvl="1" indent="-215640">
               <a:lnSpc>
                 <a:spcPts val="2001"/>
               </a:lnSpc>
@@ -9876,13 +11006,13 @@
                 <a:spcPts val="799"/>
               </a:spcBef>
               <a:buClr>
-                <a:srgbClr val="8baddc"/>
+                <a:srgbClr val="8BADDC"/>
               </a:buClr>
               <a:buFont typeface="Wingdings" charset="2"/>
               <a:buChar char=""/>
             </a:pPr>
             <a:r>
-              <a:rPr b="0" lang="en-US" sz="1600" spc="-1" strike="noStrike">
+              <a:rPr lang="en-US" sz="1600" b="0" strike="noStrike" spc="-1">
                 <a:solidFill>
                   <a:srgbClr val="000000"/>
                 </a:solidFill>
@@ -9890,15 +11020,15 @@
               </a:rPr>
               <a:t>Second level</a:t>
             </a:r>
-            <a:endParaRPr b="0" lang="en-FI" sz="1600" spc="-1" strike="noStrike">
-              <a:solidFill>
-                <a:srgbClr val="000000"/>
-              </a:solidFill>
-              <a:latin typeface="Arial"/>
-            </a:endParaRPr>
-          </a:p>
-          <a:p>
-            <a:pPr lvl="2" marL="1080000" indent="-215640">
+            <a:endParaRPr lang="en-FI" sz="1600" b="0" strike="noStrike" spc="-1">
+              <a:solidFill>
+                <a:srgbClr val="000000"/>
+              </a:solidFill>
+              <a:latin typeface="Arial"/>
+            </a:endParaRPr>
+          </a:p>
+          <a:p>
+            <a:pPr marL="1080000" lvl="2" indent="-215640">
               <a:lnSpc>
                 <a:spcPts val="2001"/>
               </a:lnSpc>
@@ -9906,13 +11036,13 @@
                 <a:spcPts val="799"/>
               </a:spcBef>
               <a:buClr>
-                <a:srgbClr val="8baddc"/>
+                <a:srgbClr val="8BADDC"/>
               </a:buClr>
               <a:buFont typeface="Wingdings" charset="2"/>
               <a:buChar char=""/>
             </a:pPr>
             <a:r>
-              <a:rPr b="0" lang="en-US" sz="1600" spc="-1" strike="noStrike">
+              <a:rPr lang="en-US" sz="1600" b="0" strike="noStrike" spc="-1">
                 <a:solidFill>
                   <a:srgbClr val="000000"/>
                 </a:solidFill>
@@ -9920,15 +11050,15 @@
               </a:rPr>
               <a:t>Third level</a:t>
             </a:r>
-            <a:endParaRPr b="0" lang="en-FI" sz="1600" spc="-1" strike="noStrike">
-              <a:solidFill>
-                <a:srgbClr val="000000"/>
-              </a:solidFill>
-              <a:latin typeface="Arial"/>
-            </a:endParaRPr>
-          </a:p>
-          <a:p>
-            <a:pPr lvl="3" marL="1440000" indent="-215640">
+            <a:endParaRPr lang="en-FI" sz="1600" b="0" strike="noStrike" spc="-1">
+              <a:solidFill>
+                <a:srgbClr val="000000"/>
+              </a:solidFill>
+              <a:latin typeface="Arial"/>
+            </a:endParaRPr>
+          </a:p>
+          <a:p>
+            <a:pPr marL="1440000" lvl="3" indent="-215640">
               <a:lnSpc>
                 <a:spcPts val="2001"/>
               </a:lnSpc>
@@ -9936,13 +11066,13 @@
                 <a:spcPts val="799"/>
               </a:spcBef>
               <a:buClr>
-                <a:srgbClr val="8baddc"/>
+                <a:srgbClr val="8BADDC"/>
               </a:buClr>
               <a:buFont typeface="Wingdings" charset="2"/>
               <a:buChar char=""/>
             </a:pPr>
             <a:r>
-              <a:rPr b="0" lang="en-US" sz="1600" spc="-1" strike="noStrike">
+              <a:rPr lang="en-US" sz="1600" b="0" strike="noStrike" spc="-1">
                 <a:solidFill>
                   <a:srgbClr val="000000"/>
                 </a:solidFill>
@@ -9950,15 +11080,15 @@
               </a:rPr>
               <a:t>Fourth level</a:t>
             </a:r>
-            <a:endParaRPr b="0" lang="en-FI" sz="1600" spc="-1" strike="noStrike">
-              <a:solidFill>
-                <a:srgbClr val="000000"/>
-              </a:solidFill>
-              <a:latin typeface="Arial"/>
-            </a:endParaRPr>
-          </a:p>
-          <a:p>
-            <a:pPr lvl="4" marL="1800000" indent="-215640">
+            <a:endParaRPr lang="en-FI" sz="1600" b="0" strike="noStrike" spc="-1">
+              <a:solidFill>
+                <a:srgbClr val="000000"/>
+              </a:solidFill>
+              <a:latin typeface="Arial"/>
+            </a:endParaRPr>
+          </a:p>
+          <a:p>
+            <a:pPr marL="1800000" lvl="4" indent="-215640">
               <a:lnSpc>
                 <a:spcPts val="2001"/>
               </a:lnSpc>
@@ -9966,13 +11096,13 @@
                 <a:spcPts val="799"/>
               </a:spcBef>
               <a:buClr>
-                <a:srgbClr val="8baddc"/>
+                <a:srgbClr val="8BADDC"/>
               </a:buClr>
               <a:buFont typeface="Wingdings" charset="2"/>
               <a:buChar char=""/>
             </a:pPr>
             <a:r>
-              <a:rPr b="0" lang="en-US" sz="1600" spc="-1" strike="noStrike">
+              <a:rPr lang="en-US" sz="1600" b="0" strike="noStrike" spc="-1">
                 <a:solidFill>
                   <a:srgbClr val="000000"/>
                 </a:solidFill>
@@ -9980,7 +11110,7 @@
               </a:rPr>
               <a:t>Fifth level</a:t>
             </a:r>
-            <a:endParaRPr b="0" lang="en-FI" sz="1600" spc="-1" strike="noStrike">
+            <a:endParaRPr lang="en-FI" sz="1600" b="0" strike="noStrike" spc="-1">
               <a:solidFill>
                 <a:srgbClr val="000000"/>
               </a:solidFill>
@@ -9991,32 +11121,313 @@
       </p:sp>
     </p:spTree>
   </p:cSld>
-  <p:clrMap bg1="lt1" bg2="lt2" tx1="dk1" tx2="dk2" accent1="accent1" accent2="accent2" accent3="accent3" accent4="accent4" accent5="accent5" accent6="accent6" hlink="hlink" folHlink="folHlink"/>
+  <p:clrMap bg1="lt1" tx1="dk1" bg2="lt2" tx2="dk2" accent1="accent1" accent2="accent2" accent3="accent3" accent4="accent4" accent5="accent5" accent6="accent6" hlink="hlink" folHlink="folHlink"/>
   <p:sldLayoutIdLst>
-    <p:sldLayoutId id="2147483675" r:id="rId3"/>
-    <p:sldLayoutId id="2147483676" r:id="rId4"/>
-    <p:sldLayoutId id="2147483677" r:id="rId5"/>
-    <p:sldLayoutId id="2147483678" r:id="rId6"/>
-    <p:sldLayoutId id="2147483679" r:id="rId7"/>
-    <p:sldLayoutId id="2147483680" r:id="rId8"/>
-    <p:sldLayoutId id="2147483681" r:id="rId9"/>
-    <p:sldLayoutId id="2147483682" r:id="rId10"/>
-    <p:sldLayoutId id="2147483683" r:id="rId11"/>
-    <p:sldLayoutId id="2147483684" r:id="rId12"/>
-    <p:sldLayoutId id="2147483685" r:id="rId13"/>
-    <p:sldLayoutId id="2147483686" r:id="rId14"/>
+    <p:sldLayoutId id="2147483675" r:id="rId1"/>
+    <p:sldLayoutId id="2147483676" r:id="rId2"/>
+    <p:sldLayoutId id="2147483677" r:id="rId3"/>
+    <p:sldLayoutId id="2147483678" r:id="rId4"/>
+    <p:sldLayoutId id="2147483679" r:id="rId5"/>
+    <p:sldLayoutId id="2147483680" r:id="rId6"/>
+    <p:sldLayoutId id="2147483681" r:id="rId7"/>
+    <p:sldLayoutId id="2147483682" r:id="rId8"/>
+    <p:sldLayoutId id="2147483683" r:id="rId9"/>
+    <p:sldLayoutId id="2147483684" r:id="rId10"/>
+    <p:sldLayoutId id="2147483685" r:id="rId11"/>
+    <p:sldLayoutId id="2147483686" r:id="rId12"/>
   </p:sldLayoutIdLst>
+  <p:txStyles>
+    <p:titleStyle>
+      <a:lvl1pPr algn="l" defTabSz="914400" rtl="0" eaLnBrk="1" latinLnBrk="0" hangingPunct="1">
+        <a:lnSpc>
+          <a:spcPct val="90000"/>
+        </a:lnSpc>
+        <a:spcBef>
+          <a:spcPct val="0"/>
+        </a:spcBef>
+        <a:buNone/>
+        <a:defRPr sz="4400" kern="1200">
+          <a:solidFill>
+            <a:schemeClr val="tx1"/>
+          </a:solidFill>
+          <a:latin typeface="+mj-lt"/>
+          <a:ea typeface="+mj-ea"/>
+          <a:cs typeface="+mj-cs"/>
+        </a:defRPr>
+      </a:lvl1pPr>
+    </p:titleStyle>
+    <p:bodyStyle>
+      <a:lvl1pPr marL="228600" indent="-228600" algn="l" defTabSz="914400" rtl="0" eaLnBrk="1" latinLnBrk="0" hangingPunct="1">
+        <a:lnSpc>
+          <a:spcPct val="90000"/>
+        </a:lnSpc>
+        <a:spcBef>
+          <a:spcPts val="1000"/>
+        </a:spcBef>
+        <a:buFont typeface="Arial" panose="020B0604020202020204" pitchFamily="34" charset="0"/>
+        <a:buChar char="•"/>
+        <a:defRPr sz="2800" kern="1200">
+          <a:solidFill>
+            <a:schemeClr val="tx1"/>
+          </a:solidFill>
+          <a:latin typeface="+mn-lt"/>
+          <a:ea typeface="+mn-ea"/>
+          <a:cs typeface="+mn-cs"/>
+        </a:defRPr>
+      </a:lvl1pPr>
+      <a:lvl2pPr marL="685800" indent="-228600" algn="l" defTabSz="914400" rtl="0" eaLnBrk="1" latinLnBrk="0" hangingPunct="1">
+        <a:lnSpc>
+          <a:spcPct val="90000"/>
+        </a:lnSpc>
+        <a:spcBef>
+          <a:spcPts val="500"/>
+        </a:spcBef>
+        <a:buFont typeface="Arial" panose="020B0604020202020204" pitchFamily="34" charset="0"/>
+        <a:buChar char="•"/>
+        <a:defRPr sz="2400" kern="1200">
+          <a:solidFill>
+            <a:schemeClr val="tx1"/>
+          </a:solidFill>
+          <a:latin typeface="+mn-lt"/>
+          <a:ea typeface="+mn-ea"/>
+          <a:cs typeface="+mn-cs"/>
+        </a:defRPr>
+      </a:lvl2pPr>
+      <a:lvl3pPr marL="1143000" indent="-228600" algn="l" defTabSz="914400" rtl="0" eaLnBrk="1" latinLnBrk="0" hangingPunct="1">
+        <a:lnSpc>
+          <a:spcPct val="90000"/>
+        </a:lnSpc>
+        <a:spcBef>
+          <a:spcPts val="500"/>
+        </a:spcBef>
+        <a:buFont typeface="Arial" panose="020B0604020202020204" pitchFamily="34" charset="0"/>
+        <a:buChar char="•"/>
+        <a:defRPr sz="2000" kern="1200">
+          <a:solidFill>
+            <a:schemeClr val="tx1"/>
+          </a:solidFill>
+          <a:latin typeface="+mn-lt"/>
+          <a:ea typeface="+mn-ea"/>
+          <a:cs typeface="+mn-cs"/>
+        </a:defRPr>
+      </a:lvl3pPr>
+      <a:lvl4pPr marL="1600200" indent="-228600" algn="l" defTabSz="914400" rtl="0" eaLnBrk="1" latinLnBrk="0" hangingPunct="1">
+        <a:lnSpc>
+          <a:spcPct val="90000"/>
+        </a:lnSpc>
+        <a:spcBef>
+          <a:spcPts val="500"/>
+        </a:spcBef>
+        <a:buFont typeface="Arial" panose="020B0604020202020204" pitchFamily="34" charset="0"/>
+        <a:buChar char="•"/>
+        <a:defRPr sz="1800" kern="1200">
+          <a:solidFill>
+            <a:schemeClr val="tx1"/>
+          </a:solidFill>
+          <a:latin typeface="+mn-lt"/>
+          <a:ea typeface="+mn-ea"/>
+          <a:cs typeface="+mn-cs"/>
+        </a:defRPr>
+      </a:lvl4pPr>
+      <a:lvl5pPr marL="2057400" indent="-228600" algn="l" defTabSz="914400" rtl="0" eaLnBrk="1" latinLnBrk="0" hangingPunct="1">
+        <a:lnSpc>
+          <a:spcPct val="90000"/>
+        </a:lnSpc>
+        <a:spcBef>
+          <a:spcPts val="500"/>
+        </a:spcBef>
+        <a:buFont typeface="Arial" panose="020B0604020202020204" pitchFamily="34" charset="0"/>
+        <a:buChar char="•"/>
+        <a:defRPr sz="1800" kern="1200">
+          <a:solidFill>
+            <a:schemeClr val="tx1"/>
+          </a:solidFill>
+          <a:latin typeface="+mn-lt"/>
+          <a:ea typeface="+mn-ea"/>
+          <a:cs typeface="+mn-cs"/>
+        </a:defRPr>
+      </a:lvl5pPr>
+      <a:lvl6pPr marL="2514600" indent="-228600" algn="l" defTabSz="914400" rtl="0" eaLnBrk="1" latinLnBrk="0" hangingPunct="1">
+        <a:lnSpc>
+          <a:spcPct val="90000"/>
+        </a:lnSpc>
+        <a:spcBef>
+          <a:spcPts val="500"/>
+        </a:spcBef>
+        <a:buFont typeface="Arial" panose="020B0604020202020204" pitchFamily="34" charset="0"/>
+        <a:buChar char="•"/>
+        <a:defRPr sz="1800" kern="1200">
+          <a:solidFill>
+            <a:schemeClr val="tx1"/>
+          </a:solidFill>
+          <a:latin typeface="+mn-lt"/>
+          <a:ea typeface="+mn-ea"/>
+          <a:cs typeface="+mn-cs"/>
+        </a:defRPr>
+      </a:lvl6pPr>
+      <a:lvl7pPr marL="2971800" indent="-228600" algn="l" defTabSz="914400" rtl="0" eaLnBrk="1" latinLnBrk="0" hangingPunct="1">
+        <a:lnSpc>
+          <a:spcPct val="90000"/>
+        </a:lnSpc>
+        <a:spcBef>
+          <a:spcPts val="500"/>
+        </a:spcBef>
+        <a:buFont typeface="Arial" panose="020B0604020202020204" pitchFamily="34" charset="0"/>
+        <a:buChar char="•"/>
+        <a:defRPr sz="1800" kern="1200">
+          <a:solidFill>
+            <a:schemeClr val="tx1"/>
+          </a:solidFill>
+          <a:latin typeface="+mn-lt"/>
+          <a:ea typeface="+mn-ea"/>
+          <a:cs typeface="+mn-cs"/>
+        </a:defRPr>
+      </a:lvl7pPr>
+      <a:lvl8pPr marL="3429000" indent="-228600" algn="l" defTabSz="914400" rtl="0" eaLnBrk="1" latinLnBrk="0" hangingPunct="1">
+        <a:lnSpc>
+          <a:spcPct val="90000"/>
+        </a:lnSpc>
+        <a:spcBef>
+          <a:spcPts val="500"/>
+        </a:spcBef>
+        <a:buFont typeface="Arial" panose="020B0604020202020204" pitchFamily="34" charset="0"/>
+        <a:buChar char="•"/>
+        <a:defRPr sz="1800" kern="1200">
+          <a:solidFill>
+            <a:schemeClr val="tx1"/>
+          </a:solidFill>
+          <a:latin typeface="+mn-lt"/>
+          <a:ea typeface="+mn-ea"/>
+          <a:cs typeface="+mn-cs"/>
+        </a:defRPr>
+      </a:lvl8pPr>
+      <a:lvl9pPr marL="3886200" indent="-228600" algn="l" defTabSz="914400" rtl="0" eaLnBrk="1" latinLnBrk="0" hangingPunct="1">
+        <a:lnSpc>
+          <a:spcPct val="90000"/>
+        </a:lnSpc>
+        <a:spcBef>
+          <a:spcPts val="500"/>
+        </a:spcBef>
+        <a:buFont typeface="Arial" panose="020B0604020202020204" pitchFamily="34" charset="0"/>
+        <a:buChar char="•"/>
+        <a:defRPr sz="1800" kern="1200">
+          <a:solidFill>
+            <a:schemeClr val="tx1"/>
+          </a:solidFill>
+          <a:latin typeface="+mn-lt"/>
+          <a:ea typeface="+mn-ea"/>
+          <a:cs typeface="+mn-cs"/>
+        </a:defRPr>
+      </a:lvl9pPr>
+    </p:bodyStyle>
+    <p:otherStyle>
+      <a:defPPr>
+        <a:defRPr lang="fi-FI"/>
+      </a:defPPr>
+      <a:lvl1pPr marL="0" algn="l" defTabSz="914400" rtl="0" eaLnBrk="1" latinLnBrk="0" hangingPunct="1">
+        <a:defRPr sz="1800" kern="1200">
+          <a:solidFill>
+            <a:schemeClr val="tx1"/>
+          </a:solidFill>
+          <a:latin typeface="+mn-lt"/>
+          <a:ea typeface="+mn-ea"/>
+          <a:cs typeface="+mn-cs"/>
+        </a:defRPr>
+      </a:lvl1pPr>
+      <a:lvl2pPr marL="457200" algn="l" defTabSz="914400" rtl="0" eaLnBrk="1" latinLnBrk="0" hangingPunct="1">
+        <a:defRPr sz="1800" kern="1200">
+          <a:solidFill>
+            <a:schemeClr val="tx1"/>
+          </a:solidFill>
+          <a:latin typeface="+mn-lt"/>
+          <a:ea typeface="+mn-ea"/>
+          <a:cs typeface="+mn-cs"/>
+        </a:defRPr>
+      </a:lvl2pPr>
+      <a:lvl3pPr marL="914400" algn="l" defTabSz="914400" rtl="0" eaLnBrk="1" latinLnBrk="0" hangingPunct="1">
+        <a:defRPr sz="1800" kern="1200">
+          <a:solidFill>
+            <a:schemeClr val="tx1"/>
+          </a:solidFill>
+          <a:latin typeface="+mn-lt"/>
+          <a:ea typeface="+mn-ea"/>
+          <a:cs typeface="+mn-cs"/>
+        </a:defRPr>
+      </a:lvl3pPr>
+      <a:lvl4pPr marL="1371600" algn="l" defTabSz="914400" rtl="0" eaLnBrk="1" latinLnBrk="0" hangingPunct="1">
+        <a:defRPr sz="1800" kern="1200">
+          <a:solidFill>
+            <a:schemeClr val="tx1"/>
+          </a:solidFill>
+          <a:latin typeface="+mn-lt"/>
+          <a:ea typeface="+mn-ea"/>
+          <a:cs typeface="+mn-cs"/>
+        </a:defRPr>
+      </a:lvl4pPr>
+      <a:lvl5pPr marL="1828800" algn="l" defTabSz="914400" rtl="0" eaLnBrk="1" latinLnBrk="0" hangingPunct="1">
+        <a:defRPr sz="1800" kern="1200">
+          <a:solidFill>
+            <a:schemeClr val="tx1"/>
+          </a:solidFill>
+          <a:latin typeface="+mn-lt"/>
+          <a:ea typeface="+mn-ea"/>
+          <a:cs typeface="+mn-cs"/>
+        </a:defRPr>
+      </a:lvl5pPr>
+      <a:lvl6pPr marL="2286000" algn="l" defTabSz="914400" rtl="0" eaLnBrk="1" latinLnBrk="0" hangingPunct="1">
+        <a:defRPr sz="1800" kern="1200">
+          <a:solidFill>
+            <a:schemeClr val="tx1"/>
+          </a:solidFill>
+          <a:latin typeface="+mn-lt"/>
+          <a:ea typeface="+mn-ea"/>
+          <a:cs typeface="+mn-cs"/>
+        </a:defRPr>
+      </a:lvl6pPr>
+      <a:lvl7pPr marL="2743200" algn="l" defTabSz="914400" rtl="0" eaLnBrk="1" latinLnBrk="0" hangingPunct="1">
+        <a:defRPr sz="1800" kern="1200">
+          <a:solidFill>
+            <a:schemeClr val="tx1"/>
+          </a:solidFill>
+          <a:latin typeface="+mn-lt"/>
+          <a:ea typeface="+mn-ea"/>
+          <a:cs typeface="+mn-cs"/>
+        </a:defRPr>
+      </a:lvl7pPr>
+      <a:lvl8pPr marL="3200400" algn="l" defTabSz="914400" rtl="0" eaLnBrk="1" latinLnBrk="0" hangingPunct="1">
+        <a:defRPr sz="1800" kern="1200">
+          <a:solidFill>
+            <a:schemeClr val="tx1"/>
+          </a:solidFill>
+          <a:latin typeface="+mn-lt"/>
+          <a:ea typeface="+mn-ea"/>
+          <a:cs typeface="+mn-cs"/>
+        </a:defRPr>
+      </a:lvl8pPr>
+      <a:lvl9pPr marL="3657600" algn="l" defTabSz="914400" rtl="0" eaLnBrk="1" latinLnBrk="0" hangingPunct="1">
+        <a:defRPr sz="1800" kern="1200">
+          <a:solidFill>
+            <a:schemeClr val="tx1"/>
+          </a:solidFill>
+          <a:latin typeface="+mn-lt"/>
+          <a:ea typeface="+mn-ea"/>
+          <a:cs typeface="+mn-cs"/>
+        </a:defRPr>
+      </a:lvl9pPr>
+    </p:otherStyle>
+  </p:txStyles>
 </p:sldMaster>
 </file>
 
 <file path=ppt/slideMasters/slideMaster4.xml><?xml version="1.0" encoding="utf-8"?>
-<p:sldMaster xmlns:a="http://schemas.openxmlformats.org/drawingml/2006/main" xmlns:p="http://schemas.openxmlformats.org/presentationml/2006/main" xmlns:r="http://schemas.openxmlformats.org/officeDocument/2006/relationships" xmlns:p14="http://schemas.microsoft.com/office/powerpoint/2010/main" xmlns:p15="http://schemas.microsoft.com/office/powerpoint/2012/main" xmlns:mc="http://schemas.openxmlformats.org/markup-compatibility/2006">
+<p:sldMaster xmlns:a="http://schemas.openxmlformats.org/drawingml/2006/main" xmlns:r="http://schemas.openxmlformats.org/officeDocument/2006/relationships" xmlns:p="http://schemas.openxmlformats.org/presentationml/2006/main">
   <p:cSld>
     <p:bg>
       <p:bgPr>
         <a:solidFill>
-          <a:srgbClr val="ffffff"/>
+          <a:srgbClr val="FFFFFF"/>
         </a:solidFill>
+        <a:effectLst/>
       </p:bgPr>
     </p:bg>
     <p:spTree>
@@ -10048,16 +11459,22 @@
             <a:avLst/>
           </a:prstGeom>
           <a:solidFill>
-            <a:srgbClr val="0079c2"/>
+            <a:srgbClr val="0079C2"/>
           </a:solidFill>
           <a:ln w="12600">
             <a:noFill/>
           </a:ln>
         </p:spPr>
         <p:style>
-          <a:lnRef idx="0"/>
-          <a:fillRef idx="0"/>
-          <a:effectRef idx="0"/>
+          <a:lnRef idx="0">
+            <a:scrgbClr r="0" g="0" b="0"/>
+          </a:lnRef>
+          <a:fillRef idx="0">
+            <a:scrgbClr r="0" g="0" b="0"/>
+          </a:fillRef>
+          <a:effectRef idx="0">
+            <a:scrgbClr r="0" g="0" b="0"/>
+          </a:effectRef>
           <a:fontRef idx="minor"/>
         </p:style>
       </p:sp>
@@ -10068,8 +11485,8 @@
           <p:nvPr/>
         </p:nvPicPr>
         <p:blipFill>
-          <a:blip r:embed="rId2"/>
-          <a:srcRect l="0" t="15987" r="0" b="22124"/>
+          <a:blip r:embed="rId14"/>
+          <a:srcRect t="15987" b="22124"/>
           <a:stretch/>
         </p:blipFill>
         <p:spPr>
@@ -10105,9 +11522,10 @@
           </a:prstGeom>
         </p:spPr>
         <p:txBody>
-          <a:bodyPr lIns="0" rIns="0" tIns="0" bIns="36000">
+          <a:bodyPr lIns="0" tIns="0" rIns="0" bIns="36000">
             <a:noAutofit/>
           </a:bodyPr>
+          <a:lstStyle/>
           <a:p>
             <a:pPr>
               <a:lnSpc>
@@ -10115,15 +11533,15 @@
               </a:lnSpc>
             </a:pPr>
             <a:r>
-              <a:rPr b="1" lang="en-US" sz="3600" spc="-1" strike="noStrike">
+              <a:rPr lang="en-US" sz="3600" b="1" strike="noStrike" spc="-1">
                 <a:solidFill>
-                  <a:srgbClr val="0079c2"/>
+                  <a:srgbClr val="0079C2"/>
                 </a:solidFill>
                 <a:latin typeface="Arial"/>
               </a:rPr>
               <a:t>Click to edit Master title style</a:t>
             </a:r>
-            <a:endParaRPr b="0" lang="en-FI" sz="3600" spc="-1" strike="noStrike">
+            <a:endParaRPr lang="en-FI" sz="3600" b="0" strike="noStrike" spc="-1">
               <a:solidFill>
                 <a:srgbClr val="000000"/>
               </a:solidFill>
@@ -10152,9 +11570,10 @@
           </a:prstGeom>
         </p:spPr>
         <p:txBody>
-          <a:bodyPr lIns="0" rIns="0" tIns="0" bIns="0">
+          <a:bodyPr lIns="0" tIns="0" rIns="0" bIns="0">
             <a:noAutofit/>
           </a:bodyPr>
+          <a:lstStyle/>
           <a:p>
             <a:pPr marL="432000" indent="-324000">
               <a:lnSpc>
@@ -10167,19 +11586,19 @@
               <a:buFont typeface="Wingdings" charset="2"/>
               <a:buChar char=""/>
               <a:tabLst>
-                <a:tab algn="l" pos="0"/>
+                <a:tab pos="0" algn="l"/>
               </a:tabLst>
             </a:pPr>
             <a:r>
-              <a:rPr b="1" lang="en-US" sz="1800" spc="-1" strike="noStrike">
+              <a:rPr lang="en-US" sz="1800" b="1" strike="noStrike" spc="-1">
                 <a:solidFill>
-                  <a:srgbClr val="8baddc"/>
+                  <a:srgbClr val="8BADDC"/>
                 </a:solidFill>
                 <a:latin typeface="Arial"/>
               </a:rPr>
               <a:t>Edit Master text styles</a:t>
             </a:r>
-            <a:endParaRPr b="0" lang="en-FI" sz="1800" spc="-1" strike="noStrike">
+            <a:endParaRPr lang="en-FI" sz="1800" b="0" strike="noStrike" spc="-1">
               <a:solidFill>
                 <a:srgbClr val="000000"/>
               </a:solidFill>
@@ -10208,9 +11627,10 @@
           </a:prstGeom>
         </p:spPr>
         <p:txBody>
-          <a:bodyPr lIns="0" rIns="0" tIns="0" bIns="36000">
+          <a:bodyPr lIns="0" tIns="0" rIns="0" bIns="36000">
             <a:noAutofit/>
           </a:bodyPr>
+          <a:lstStyle/>
           <a:p>
             <a:pPr marL="216000" indent="-215640">
               <a:lnSpc>
@@ -10220,13 +11640,13 @@
                 <a:spcPts val="799"/>
               </a:spcBef>
               <a:buClr>
-                <a:srgbClr val="8baddc"/>
+                <a:srgbClr val="8BADDC"/>
               </a:buClr>
               <a:buFont typeface="Wingdings" charset="2"/>
               <a:buChar char=""/>
             </a:pPr>
             <a:r>
-              <a:rPr b="0" lang="en-US" sz="1800" spc="-1" strike="noStrike">
+              <a:rPr lang="en-US" sz="1800" b="0" strike="noStrike" spc="-1">
                 <a:solidFill>
                   <a:srgbClr val="000000"/>
                 </a:solidFill>
@@ -10234,15 +11654,15 @@
               </a:rPr>
               <a:t>Edit Master text styles</a:t>
             </a:r>
-            <a:endParaRPr b="0" lang="en-FI" sz="1800" spc="-1" strike="noStrike">
-              <a:solidFill>
-                <a:srgbClr val="000000"/>
-              </a:solidFill>
-              <a:latin typeface="Arial"/>
-            </a:endParaRPr>
-          </a:p>
-          <a:p>
-            <a:pPr lvl="1" marL="720000" indent="-215640">
+            <a:endParaRPr lang="en-FI" sz="1800" b="0" strike="noStrike" spc="-1">
+              <a:solidFill>
+                <a:srgbClr val="000000"/>
+              </a:solidFill>
+              <a:latin typeface="Arial"/>
+            </a:endParaRPr>
+          </a:p>
+          <a:p>
+            <a:pPr marL="720000" lvl="1" indent="-215640">
               <a:lnSpc>
                 <a:spcPts val="2001"/>
               </a:lnSpc>
@@ -10250,13 +11670,13 @@
                 <a:spcPts val="799"/>
               </a:spcBef>
               <a:buClr>
-                <a:srgbClr val="8baddc"/>
+                <a:srgbClr val="8BADDC"/>
               </a:buClr>
               <a:buFont typeface="Wingdings" charset="2"/>
               <a:buChar char=""/>
             </a:pPr>
             <a:r>
-              <a:rPr b="0" lang="en-US" sz="1600" spc="-1" strike="noStrike">
+              <a:rPr lang="en-US" sz="1600" b="0" strike="noStrike" spc="-1">
                 <a:solidFill>
                   <a:srgbClr val="000000"/>
                 </a:solidFill>
@@ -10264,15 +11684,15 @@
               </a:rPr>
               <a:t>Second level</a:t>
             </a:r>
-            <a:endParaRPr b="0" lang="en-FI" sz="1600" spc="-1" strike="noStrike">
-              <a:solidFill>
-                <a:srgbClr val="000000"/>
-              </a:solidFill>
-              <a:latin typeface="Arial"/>
-            </a:endParaRPr>
-          </a:p>
-          <a:p>
-            <a:pPr lvl="2" marL="1080000" indent="-215640">
+            <a:endParaRPr lang="en-FI" sz="1600" b="0" strike="noStrike" spc="-1">
+              <a:solidFill>
+                <a:srgbClr val="000000"/>
+              </a:solidFill>
+              <a:latin typeface="Arial"/>
+            </a:endParaRPr>
+          </a:p>
+          <a:p>
+            <a:pPr marL="1080000" lvl="2" indent="-215640">
               <a:lnSpc>
                 <a:spcPts val="2001"/>
               </a:lnSpc>
@@ -10280,13 +11700,13 @@
                 <a:spcPts val="799"/>
               </a:spcBef>
               <a:buClr>
-                <a:srgbClr val="8baddc"/>
+                <a:srgbClr val="8BADDC"/>
               </a:buClr>
               <a:buFont typeface="Wingdings" charset="2"/>
               <a:buChar char=""/>
             </a:pPr>
             <a:r>
-              <a:rPr b="0" lang="en-US" sz="1600" spc="-1" strike="noStrike">
+              <a:rPr lang="en-US" sz="1600" b="0" strike="noStrike" spc="-1">
                 <a:solidFill>
                   <a:srgbClr val="000000"/>
                 </a:solidFill>
@@ -10294,15 +11714,15 @@
               </a:rPr>
               <a:t>Third level</a:t>
             </a:r>
-            <a:endParaRPr b="0" lang="en-FI" sz="1600" spc="-1" strike="noStrike">
-              <a:solidFill>
-                <a:srgbClr val="000000"/>
-              </a:solidFill>
-              <a:latin typeface="Arial"/>
-            </a:endParaRPr>
-          </a:p>
-          <a:p>
-            <a:pPr lvl="3" marL="1440000" indent="-215640">
+            <a:endParaRPr lang="en-FI" sz="1600" b="0" strike="noStrike" spc="-1">
+              <a:solidFill>
+                <a:srgbClr val="000000"/>
+              </a:solidFill>
+              <a:latin typeface="Arial"/>
+            </a:endParaRPr>
+          </a:p>
+          <a:p>
+            <a:pPr marL="1440000" lvl="3" indent="-215640">
               <a:lnSpc>
                 <a:spcPts val="2001"/>
               </a:lnSpc>
@@ -10310,13 +11730,13 @@
                 <a:spcPts val="799"/>
               </a:spcBef>
               <a:buClr>
-                <a:srgbClr val="8baddc"/>
+                <a:srgbClr val="8BADDC"/>
               </a:buClr>
               <a:buFont typeface="Wingdings" charset="2"/>
               <a:buChar char=""/>
             </a:pPr>
             <a:r>
-              <a:rPr b="0" lang="en-US" sz="1600" spc="-1" strike="noStrike">
+              <a:rPr lang="en-US" sz="1600" b="0" strike="noStrike" spc="-1">
                 <a:solidFill>
                   <a:srgbClr val="000000"/>
                 </a:solidFill>
@@ -10324,15 +11744,15 @@
               </a:rPr>
               <a:t>Fourth level</a:t>
             </a:r>
-            <a:endParaRPr b="0" lang="en-FI" sz="1600" spc="-1" strike="noStrike">
-              <a:solidFill>
-                <a:srgbClr val="000000"/>
-              </a:solidFill>
-              <a:latin typeface="Arial"/>
-            </a:endParaRPr>
-          </a:p>
-          <a:p>
-            <a:pPr lvl="4" marL="1800000" indent="-215640">
+            <a:endParaRPr lang="en-FI" sz="1600" b="0" strike="noStrike" spc="-1">
+              <a:solidFill>
+                <a:srgbClr val="000000"/>
+              </a:solidFill>
+              <a:latin typeface="Arial"/>
+            </a:endParaRPr>
+          </a:p>
+          <a:p>
+            <a:pPr marL="1800000" lvl="4" indent="-215640">
               <a:lnSpc>
                 <a:spcPts val="2001"/>
               </a:lnSpc>
@@ -10340,13 +11760,13 @@
                 <a:spcPts val="799"/>
               </a:spcBef>
               <a:buClr>
-                <a:srgbClr val="8baddc"/>
+                <a:srgbClr val="8BADDC"/>
               </a:buClr>
               <a:buFont typeface="Wingdings" charset="2"/>
               <a:buChar char=""/>
             </a:pPr>
             <a:r>
-              <a:rPr b="0" lang="en-US" sz="1600" spc="-1" strike="noStrike">
+              <a:rPr lang="en-US" sz="1600" b="0" strike="noStrike" spc="-1">
                 <a:solidFill>
                   <a:srgbClr val="000000"/>
                 </a:solidFill>
@@ -10354,7 +11774,7 @@
               </a:rPr>
               <a:t>Fifth level</a:t>
             </a:r>
-            <a:endParaRPr b="0" lang="en-FI" sz="1600" spc="-1" strike="noStrike">
+            <a:endParaRPr lang="en-FI" sz="1600" b="0" strike="noStrike" spc="-1">
               <a:solidFill>
                 <a:srgbClr val="000000"/>
               </a:solidFill>
@@ -10383,9 +11803,10 @@
           </a:prstGeom>
         </p:spPr>
         <p:txBody>
-          <a:bodyPr lIns="0" rIns="0" tIns="0" bIns="0" anchor="b">
+          <a:bodyPr lIns="0" tIns="0" rIns="0" bIns="0" anchor="b">
             <a:noAutofit/>
           </a:bodyPr>
+          <a:lstStyle/>
           <a:p>
             <a:pPr>
               <a:lnSpc>
@@ -10393,15 +11814,15 @@
               </a:lnSpc>
             </a:pPr>
             <a:fld id="{5A9A1517-DF94-4CBA-810B-A3405DCCE263}" type="datetime1">
-              <a:rPr b="0" lang="fi-FI" sz="1000" spc="-1" strike="noStrike">
+              <a:rPr lang="fi-FI" sz="1000" b="0" strike="noStrike" spc="-1">
                 <a:solidFill>
-                  <a:srgbClr val="8baddc"/>
+                  <a:srgbClr val="8BADDC"/>
                 </a:solidFill>
                 <a:latin typeface="Arial"/>
               </a:rPr>
-              <a:t>18.09.2023</a:t>
+              <a:t>18.9.2023</a:t>
             </a:fld>
-            <a:endParaRPr b="0" lang="fi-FI" sz="1000" spc="-1" strike="noStrike">
+            <a:endParaRPr lang="fi-FI" sz="1000" b="0" strike="noStrike" spc="-1">
               <a:latin typeface="Times New Roman"/>
             </a:endParaRPr>
           </a:p>
@@ -10427,11 +11848,12 @@
           </a:prstGeom>
         </p:spPr>
         <p:txBody>
-          <a:bodyPr lIns="0" rIns="0" tIns="0" bIns="0" anchor="b">
+          <a:bodyPr lIns="0" tIns="0" rIns="0" bIns="0" anchor="b">
             <a:noAutofit/>
           </a:bodyPr>
-          <a:p>
-            <a:endParaRPr b="0" lang="fi-FI" sz="2400" spc="-1" strike="noStrike">
+          <a:lstStyle/>
+          <a:p>
+            <a:endParaRPr lang="fi-FI" sz="2400" b="0" strike="noStrike" spc="-1">
               <a:latin typeface="Times New Roman"/>
             </a:endParaRPr>
           </a:p>
@@ -10457,9 +11879,10 @@
           </a:prstGeom>
         </p:spPr>
         <p:txBody>
-          <a:bodyPr lIns="0" rIns="0" tIns="0" bIns="0" anchor="b">
+          <a:bodyPr lIns="0" tIns="0" rIns="0" bIns="0" anchor="b">
             <a:noAutofit/>
           </a:bodyPr>
+          <a:lstStyle/>
           <a:p>
             <a:pPr algn="r">
               <a:lnSpc>
@@ -10467,15 +11890,15 @@
               </a:lnSpc>
             </a:pPr>
             <a:fld id="{077B6229-BC15-4E1B-96EA-7481F402CA62}" type="slidenum">
-              <a:rPr b="0" lang="en-GB" sz="1000" spc="-1" strike="noStrike">
+              <a:rPr lang="en-GB" sz="1000" b="0" strike="noStrike" spc="-1">
                 <a:solidFill>
-                  <a:srgbClr val="8baddc"/>
+                  <a:srgbClr val="8BADDC"/>
                 </a:solidFill>
                 <a:latin typeface="Arial"/>
               </a:rPr>
-              <a:t>&lt;numero&gt;</a:t>
+              <a:t>‹#›</a:t>
             </a:fld>
-            <a:endParaRPr b="0" lang="fi-FI" sz="1000" spc="-1" strike="noStrike">
+            <a:endParaRPr lang="fi-FI" sz="1000" b="0" strike="noStrike" spc="-1">
               <a:latin typeface="Times New Roman"/>
             </a:endParaRPr>
           </a:p>
@@ -10501,28 +11924,29 @@
           </a:prstGeom>
         </p:spPr>
         <p:txBody>
-          <a:bodyPr lIns="0" rIns="0" tIns="0" bIns="0">
+          <a:bodyPr lIns="0" tIns="0" rIns="0" bIns="0">
             <a:noAutofit/>
           </a:bodyPr>
+          <a:lstStyle/>
           <a:p>
             <a:pPr>
               <a:lnSpc>
                 <a:spcPts val="2100"/>
               </a:lnSpc>
               <a:tabLst>
-                <a:tab algn="l" pos="0"/>
+                <a:tab pos="0" algn="l"/>
               </a:tabLst>
             </a:pPr>
             <a:r>
-              <a:rPr b="1" lang="en-US" sz="1800" spc="-1" strike="noStrike">
+              <a:rPr lang="en-US" sz="1800" b="1" strike="noStrike" spc="-1">
                 <a:solidFill>
-                  <a:srgbClr val="8baddc"/>
+                  <a:srgbClr val="8BADDC"/>
                 </a:solidFill>
                 <a:latin typeface="Arial"/>
               </a:rPr>
               <a:t>Edit Master text styles</a:t>
             </a:r>
-            <a:endParaRPr b="0" lang="en-FI" sz="1800" spc="-1" strike="noStrike">
+            <a:endParaRPr lang="en-FI" sz="1800" b="0" strike="noStrike" spc="-1">
               <a:solidFill>
                 <a:srgbClr val="000000"/>
               </a:solidFill>
@@ -10551,9 +11975,10 @@
           </a:prstGeom>
         </p:spPr>
         <p:txBody>
-          <a:bodyPr lIns="0" rIns="0" tIns="0" bIns="36000">
+          <a:bodyPr lIns="0" tIns="0" rIns="0" bIns="36000">
             <a:noAutofit/>
           </a:bodyPr>
+          <a:lstStyle/>
           <a:p>
             <a:pPr marL="216000" indent="-215640">
               <a:lnSpc>
@@ -10563,13 +11988,13 @@
                 <a:spcPts val="799"/>
               </a:spcBef>
               <a:buClr>
-                <a:srgbClr val="8baddc"/>
+                <a:srgbClr val="8BADDC"/>
               </a:buClr>
               <a:buFont typeface="Wingdings" charset="2"/>
               <a:buChar char=""/>
             </a:pPr>
             <a:r>
-              <a:rPr b="0" lang="en-US" sz="1800" spc="-1" strike="noStrike">
+              <a:rPr lang="en-US" sz="1800" b="0" strike="noStrike" spc="-1">
                 <a:solidFill>
                   <a:srgbClr val="000000"/>
                 </a:solidFill>
@@ -10577,15 +12002,15 @@
               </a:rPr>
               <a:t>Edit Master text styles</a:t>
             </a:r>
-            <a:endParaRPr b="0" lang="en-FI" sz="1800" spc="-1" strike="noStrike">
-              <a:solidFill>
-                <a:srgbClr val="000000"/>
-              </a:solidFill>
-              <a:latin typeface="Arial"/>
-            </a:endParaRPr>
-          </a:p>
-          <a:p>
-            <a:pPr lvl="1" marL="720000" indent="-215640">
+            <a:endParaRPr lang="en-FI" sz="1800" b="0" strike="noStrike" spc="-1">
+              <a:solidFill>
+                <a:srgbClr val="000000"/>
+              </a:solidFill>
+              <a:latin typeface="Arial"/>
+            </a:endParaRPr>
+          </a:p>
+          <a:p>
+            <a:pPr marL="720000" lvl="1" indent="-215640">
               <a:lnSpc>
                 <a:spcPts val="2001"/>
               </a:lnSpc>
@@ -10593,13 +12018,13 @@
                 <a:spcPts val="799"/>
               </a:spcBef>
               <a:buClr>
-                <a:srgbClr val="8baddc"/>
+                <a:srgbClr val="8BADDC"/>
               </a:buClr>
               <a:buFont typeface="Wingdings" charset="2"/>
               <a:buChar char=""/>
             </a:pPr>
             <a:r>
-              <a:rPr b="0" lang="en-US" sz="1600" spc="-1" strike="noStrike">
+              <a:rPr lang="en-US" sz="1600" b="0" strike="noStrike" spc="-1">
                 <a:solidFill>
                   <a:srgbClr val="000000"/>
                 </a:solidFill>
@@ -10607,15 +12032,15 @@
               </a:rPr>
               <a:t>Second level</a:t>
             </a:r>
-            <a:endParaRPr b="0" lang="en-FI" sz="1600" spc="-1" strike="noStrike">
-              <a:solidFill>
-                <a:srgbClr val="000000"/>
-              </a:solidFill>
-              <a:latin typeface="Arial"/>
-            </a:endParaRPr>
-          </a:p>
-          <a:p>
-            <a:pPr lvl="2" marL="1080000" indent="-215640">
+            <a:endParaRPr lang="en-FI" sz="1600" b="0" strike="noStrike" spc="-1">
+              <a:solidFill>
+                <a:srgbClr val="000000"/>
+              </a:solidFill>
+              <a:latin typeface="Arial"/>
+            </a:endParaRPr>
+          </a:p>
+          <a:p>
+            <a:pPr marL="1080000" lvl="2" indent="-215640">
               <a:lnSpc>
                 <a:spcPts val="2001"/>
               </a:lnSpc>
@@ -10623,13 +12048,13 @@
                 <a:spcPts val="799"/>
               </a:spcBef>
               <a:buClr>
-                <a:srgbClr val="8baddc"/>
+                <a:srgbClr val="8BADDC"/>
               </a:buClr>
               <a:buFont typeface="Wingdings" charset="2"/>
               <a:buChar char=""/>
             </a:pPr>
             <a:r>
-              <a:rPr b="0" lang="en-US" sz="1600" spc="-1" strike="noStrike">
+              <a:rPr lang="en-US" sz="1600" b="0" strike="noStrike" spc="-1">
                 <a:solidFill>
                   <a:srgbClr val="000000"/>
                 </a:solidFill>
@@ -10637,15 +12062,15 @@
               </a:rPr>
               <a:t>Third level</a:t>
             </a:r>
-            <a:endParaRPr b="0" lang="en-FI" sz="1600" spc="-1" strike="noStrike">
-              <a:solidFill>
-                <a:srgbClr val="000000"/>
-              </a:solidFill>
-              <a:latin typeface="Arial"/>
-            </a:endParaRPr>
-          </a:p>
-          <a:p>
-            <a:pPr lvl="3" marL="1440000" indent="-215640">
+            <a:endParaRPr lang="en-FI" sz="1600" b="0" strike="noStrike" spc="-1">
+              <a:solidFill>
+                <a:srgbClr val="000000"/>
+              </a:solidFill>
+              <a:latin typeface="Arial"/>
+            </a:endParaRPr>
+          </a:p>
+          <a:p>
+            <a:pPr marL="1440000" lvl="3" indent="-215640">
               <a:lnSpc>
                 <a:spcPts val="2001"/>
               </a:lnSpc>
@@ -10653,13 +12078,13 @@
                 <a:spcPts val="799"/>
               </a:spcBef>
               <a:buClr>
-                <a:srgbClr val="8baddc"/>
+                <a:srgbClr val="8BADDC"/>
               </a:buClr>
               <a:buFont typeface="Wingdings" charset="2"/>
               <a:buChar char=""/>
             </a:pPr>
             <a:r>
-              <a:rPr b="0" lang="en-US" sz="1600" spc="-1" strike="noStrike">
+              <a:rPr lang="en-US" sz="1600" b="0" strike="noStrike" spc="-1">
                 <a:solidFill>
                   <a:srgbClr val="000000"/>
                 </a:solidFill>
@@ -10667,15 +12092,15 @@
               </a:rPr>
               <a:t>Fourth level</a:t>
             </a:r>
-            <a:endParaRPr b="0" lang="en-FI" sz="1600" spc="-1" strike="noStrike">
-              <a:solidFill>
-                <a:srgbClr val="000000"/>
-              </a:solidFill>
-              <a:latin typeface="Arial"/>
-            </a:endParaRPr>
-          </a:p>
-          <a:p>
-            <a:pPr lvl="4" marL="1800000" indent="-215640">
+            <a:endParaRPr lang="en-FI" sz="1600" b="0" strike="noStrike" spc="-1">
+              <a:solidFill>
+                <a:srgbClr val="000000"/>
+              </a:solidFill>
+              <a:latin typeface="Arial"/>
+            </a:endParaRPr>
+          </a:p>
+          <a:p>
+            <a:pPr marL="1800000" lvl="4" indent="-215640">
               <a:lnSpc>
                 <a:spcPts val="2001"/>
               </a:lnSpc>
@@ -10683,13 +12108,13 @@
                 <a:spcPts val="799"/>
               </a:spcBef>
               <a:buClr>
-                <a:srgbClr val="8baddc"/>
+                <a:srgbClr val="8BADDC"/>
               </a:buClr>
               <a:buFont typeface="Wingdings" charset="2"/>
               <a:buChar char=""/>
             </a:pPr>
             <a:r>
-              <a:rPr b="0" lang="en-US" sz="1600" spc="-1" strike="noStrike">
+              <a:rPr lang="en-US" sz="1600" b="0" strike="noStrike" spc="-1">
                 <a:solidFill>
                   <a:srgbClr val="000000"/>
                 </a:solidFill>
@@ -10697,7 +12122,7 @@
               </a:rPr>
               <a:t>Fifth level</a:t>
             </a:r>
-            <a:endParaRPr b="0" lang="en-FI" sz="1600" spc="-1" strike="noStrike">
+            <a:endParaRPr lang="en-FI" sz="1600" b="0" strike="noStrike" spc="-1">
               <a:solidFill>
                 <a:srgbClr val="000000"/>
               </a:solidFill>
@@ -10708,32 +12133,313 @@
       </p:sp>
     </p:spTree>
   </p:cSld>
-  <p:clrMap bg1="lt1" bg2="lt2" tx1="dk1" tx2="dk2" accent1="accent1" accent2="accent2" accent3="accent3" accent4="accent4" accent5="accent5" accent6="accent6" hlink="hlink" folHlink="folHlink"/>
+  <p:clrMap bg1="lt1" tx1="dk1" bg2="lt2" tx2="dk2" accent1="accent1" accent2="accent2" accent3="accent3" accent4="accent4" accent5="accent5" accent6="accent6" hlink="hlink" folHlink="folHlink"/>
   <p:sldLayoutIdLst>
-    <p:sldLayoutId id="2147483688" r:id="rId3"/>
-    <p:sldLayoutId id="2147483689" r:id="rId4"/>
-    <p:sldLayoutId id="2147483690" r:id="rId5"/>
-    <p:sldLayoutId id="2147483691" r:id="rId6"/>
-    <p:sldLayoutId id="2147483692" r:id="rId7"/>
-    <p:sldLayoutId id="2147483693" r:id="rId8"/>
-    <p:sldLayoutId id="2147483694" r:id="rId9"/>
-    <p:sldLayoutId id="2147483695" r:id="rId10"/>
-    <p:sldLayoutId id="2147483696" r:id="rId11"/>
-    <p:sldLayoutId id="2147483697" r:id="rId12"/>
-    <p:sldLayoutId id="2147483698" r:id="rId13"/>
-    <p:sldLayoutId id="2147483699" r:id="rId14"/>
+    <p:sldLayoutId id="2147483688" r:id="rId1"/>
+    <p:sldLayoutId id="2147483689" r:id="rId2"/>
+    <p:sldLayoutId id="2147483690" r:id="rId3"/>
+    <p:sldLayoutId id="2147483691" r:id="rId4"/>
+    <p:sldLayoutId id="2147483692" r:id="rId5"/>
+    <p:sldLayoutId id="2147483693" r:id="rId6"/>
+    <p:sldLayoutId id="2147483694" r:id="rId7"/>
+    <p:sldLayoutId id="2147483695" r:id="rId8"/>
+    <p:sldLayoutId id="2147483696" r:id="rId9"/>
+    <p:sldLayoutId id="2147483697" r:id="rId10"/>
+    <p:sldLayoutId id="2147483698" r:id="rId11"/>
+    <p:sldLayoutId id="2147483699" r:id="rId12"/>
   </p:sldLayoutIdLst>
+  <p:txStyles>
+    <p:titleStyle>
+      <a:lvl1pPr algn="l" defTabSz="914400" rtl="0" eaLnBrk="1" latinLnBrk="0" hangingPunct="1">
+        <a:lnSpc>
+          <a:spcPct val="90000"/>
+        </a:lnSpc>
+        <a:spcBef>
+          <a:spcPct val="0"/>
+        </a:spcBef>
+        <a:buNone/>
+        <a:defRPr sz="4400" kern="1200">
+          <a:solidFill>
+            <a:schemeClr val="tx1"/>
+          </a:solidFill>
+          <a:latin typeface="+mj-lt"/>
+          <a:ea typeface="+mj-ea"/>
+          <a:cs typeface="+mj-cs"/>
+        </a:defRPr>
+      </a:lvl1pPr>
+    </p:titleStyle>
+    <p:bodyStyle>
+      <a:lvl1pPr marL="228600" indent="-228600" algn="l" defTabSz="914400" rtl="0" eaLnBrk="1" latinLnBrk="0" hangingPunct="1">
+        <a:lnSpc>
+          <a:spcPct val="90000"/>
+        </a:lnSpc>
+        <a:spcBef>
+          <a:spcPts val="1000"/>
+        </a:spcBef>
+        <a:buFont typeface="Arial" panose="020B0604020202020204" pitchFamily="34" charset="0"/>
+        <a:buChar char="•"/>
+        <a:defRPr sz="2800" kern="1200">
+          <a:solidFill>
+            <a:schemeClr val="tx1"/>
+          </a:solidFill>
+          <a:latin typeface="+mn-lt"/>
+          <a:ea typeface="+mn-ea"/>
+          <a:cs typeface="+mn-cs"/>
+        </a:defRPr>
+      </a:lvl1pPr>
+      <a:lvl2pPr marL="685800" indent="-228600" algn="l" defTabSz="914400" rtl="0" eaLnBrk="1" latinLnBrk="0" hangingPunct="1">
+        <a:lnSpc>
+          <a:spcPct val="90000"/>
+        </a:lnSpc>
+        <a:spcBef>
+          <a:spcPts val="500"/>
+        </a:spcBef>
+        <a:buFont typeface="Arial" panose="020B0604020202020204" pitchFamily="34" charset="0"/>
+        <a:buChar char="•"/>
+        <a:defRPr sz="2400" kern="1200">
+          <a:solidFill>
+            <a:schemeClr val="tx1"/>
+          </a:solidFill>
+          <a:latin typeface="+mn-lt"/>
+          <a:ea typeface="+mn-ea"/>
+          <a:cs typeface="+mn-cs"/>
+        </a:defRPr>
+      </a:lvl2pPr>
+      <a:lvl3pPr marL="1143000" indent="-228600" algn="l" defTabSz="914400" rtl="0" eaLnBrk="1" latinLnBrk="0" hangingPunct="1">
+        <a:lnSpc>
+          <a:spcPct val="90000"/>
+        </a:lnSpc>
+        <a:spcBef>
+          <a:spcPts val="500"/>
+        </a:spcBef>
+        <a:buFont typeface="Arial" panose="020B0604020202020204" pitchFamily="34" charset="0"/>
+        <a:buChar char="•"/>
+        <a:defRPr sz="2000" kern="1200">
+          <a:solidFill>
+            <a:schemeClr val="tx1"/>
+          </a:solidFill>
+          <a:latin typeface="+mn-lt"/>
+          <a:ea typeface="+mn-ea"/>
+          <a:cs typeface="+mn-cs"/>
+        </a:defRPr>
+      </a:lvl3pPr>
+      <a:lvl4pPr marL="1600200" indent="-228600" algn="l" defTabSz="914400" rtl="0" eaLnBrk="1" latinLnBrk="0" hangingPunct="1">
+        <a:lnSpc>
+          <a:spcPct val="90000"/>
+        </a:lnSpc>
+        <a:spcBef>
+          <a:spcPts val="500"/>
+        </a:spcBef>
+        <a:buFont typeface="Arial" panose="020B0604020202020204" pitchFamily="34" charset="0"/>
+        <a:buChar char="•"/>
+        <a:defRPr sz="1800" kern="1200">
+          <a:solidFill>
+            <a:schemeClr val="tx1"/>
+          </a:solidFill>
+          <a:latin typeface="+mn-lt"/>
+          <a:ea typeface="+mn-ea"/>
+          <a:cs typeface="+mn-cs"/>
+        </a:defRPr>
+      </a:lvl4pPr>
+      <a:lvl5pPr marL="2057400" indent="-228600" algn="l" defTabSz="914400" rtl="0" eaLnBrk="1" latinLnBrk="0" hangingPunct="1">
+        <a:lnSpc>
+          <a:spcPct val="90000"/>
+        </a:lnSpc>
+        <a:spcBef>
+          <a:spcPts val="500"/>
+        </a:spcBef>
+        <a:buFont typeface="Arial" panose="020B0604020202020204" pitchFamily="34" charset="0"/>
+        <a:buChar char="•"/>
+        <a:defRPr sz="1800" kern="1200">
+          <a:solidFill>
+            <a:schemeClr val="tx1"/>
+          </a:solidFill>
+          <a:latin typeface="+mn-lt"/>
+          <a:ea typeface="+mn-ea"/>
+          <a:cs typeface="+mn-cs"/>
+        </a:defRPr>
+      </a:lvl5pPr>
+      <a:lvl6pPr marL="2514600" indent="-228600" algn="l" defTabSz="914400" rtl="0" eaLnBrk="1" latinLnBrk="0" hangingPunct="1">
+        <a:lnSpc>
+          <a:spcPct val="90000"/>
+        </a:lnSpc>
+        <a:spcBef>
+          <a:spcPts val="500"/>
+        </a:spcBef>
+        <a:buFont typeface="Arial" panose="020B0604020202020204" pitchFamily="34" charset="0"/>
+        <a:buChar char="•"/>
+        <a:defRPr sz="1800" kern="1200">
+          <a:solidFill>
+            <a:schemeClr val="tx1"/>
+          </a:solidFill>
+          <a:latin typeface="+mn-lt"/>
+          <a:ea typeface="+mn-ea"/>
+          <a:cs typeface="+mn-cs"/>
+        </a:defRPr>
+      </a:lvl6pPr>
+      <a:lvl7pPr marL="2971800" indent="-228600" algn="l" defTabSz="914400" rtl="0" eaLnBrk="1" latinLnBrk="0" hangingPunct="1">
+        <a:lnSpc>
+          <a:spcPct val="90000"/>
+        </a:lnSpc>
+        <a:spcBef>
+          <a:spcPts val="500"/>
+        </a:spcBef>
+        <a:buFont typeface="Arial" panose="020B0604020202020204" pitchFamily="34" charset="0"/>
+        <a:buChar char="•"/>
+        <a:defRPr sz="1800" kern="1200">
+          <a:solidFill>
+            <a:schemeClr val="tx1"/>
+          </a:solidFill>
+          <a:latin typeface="+mn-lt"/>
+          <a:ea typeface="+mn-ea"/>
+          <a:cs typeface="+mn-cs"/>
+        </a:defRPr>
+      </a:lvl7pPr>
+      <a:lvl8pPr marL="3429000" indent="-228600" algn="l" defTabSz="914400" rtl="0" eaLnBrk="1" latinLnBrk="0" hangingPunct="1">
+        <a:lnSpc>
+          <a:spcPct val="90000"/>
+        </a:lnSpc>
+        <a:spcBef>
+          <a:spcPts val="500"/>
+        </a:spcBef>
+        <a:buFont typeface="Arial" panose="020B0604020202020204" pitchFamily="34" charset="0"/>
+        <a:buChar char="•"/>
+        <a:defRPr sz="1800" kern="1200">
+          <a:solidFill>
+            <a:schemeClr val="tx1"/>
+          </a:solidFill>
+          <a:latin typeface="+mn-lt"/>
+          <a:ea typeface="+mn-ea"/>
+          <a:cs typeface="+mn-cs"/>
+        </a:defRPr>
+      </a:lvl8pPr>
+      <a:lvl9pPr marL="3886200" indent="-228600" algn="l" defTabSz="914400" rtl="0" eaLnBrk="1" latinLnBrk="0" hangingPunct="1">
+        <a:lnSpc>
+          <a:spcPct val="90000"/>
+        </a:lnSpc>
+        <a:spcBef>
+          <a:spcPts val="500"/>
+        </a:spcBef>
+        <a:buFont typeface="Arial" panose="020B0604020202020204" pitchFamily="34" charset="0"/>
+        <a:buChar char="•"/>
+        <a:defRPr sz="1800" kern="1200">
+          <a:solidFill>
+            <a:schemeClr val="tx1"/>
+          </a:solidFill>
+          <a:latin typeface="+mn-lt"/>
+          <a:ea typeface="+mn-ea"/>
+          <a:cs typeface="+mn-cs"/>
+        </a:defRPr>
+      </a:lvl9pPr>
+    </p:bodyStyle>
+    <p:otherStyle>
+      <a:defPPr>
+        <a:defRPr lang="fi-FI"/>
+      </a:defPPr>
+      <a:lvl1pPr marL="0" algn="l" defTabSz="914400" rtl="0" eaLnBrk="1" latinLnBrk="0" hangingPunct="1">
+        <a:defRPr sz="1800" kern="1200">
+          <a:solidFill>
+            <a:schemeClr val="tx1"/>
+          </a:solidFill>
+          <a:latin typeface="+mn-lt"/>
+          <a:ea typeface="+mn-ea"/>
+          <a:cs typeface="+mn-cs"/>
+        </a:defRPr>
+      </a:lvl1pPr>
+      <a:lvl2pPr marL="457200" algn="l" defTabSz="914400" rtl="0" eaLnBrk="1" latinLnBrk="0" hangingPunct="1">
+        <a:defRPr sz="1800" kern="1200">
+          <a:solidFill>
+            <a:schemeClr val="tx1"/>
+          </a:solidFill>
+          <a:latin typeface="+mn-lt"/>
+          <a:ea typeface="+mn-ea"/>
+          <a:cs typeface="+mn-cs"/>
+        </a:defRPr>
+      </a:lvl2pPr>
+      <a:lvl3pPr marL="914400" algn="l" defTabSz="914400" rtl="0" eaLnBrk="1" latinLnBrk="0" hangingPunct="1">
+        <a:defRPr sz="1800" kern="1200">
+          <a:solidFill>
+            <a:schemeClr val="tx1"/>
+          </a:solidFill>
+          <a:latin typeface="+mn-lt"/>
+          <a:ea typeface="+mn-ea"/>
+          <a:cs typeface="+mn-cs"/>
+        </a:defRPr>
+      </a:lvl3pPr>
+      <a:lvl4pPr marL="1371600" algn="l" defTabSz="914400" rtl="0" eaLnBrk="1" latinLnBrk="0" hangingPunct="1">
+        <a:defRPr sz="1800" kern="1200">
+          <a:solidFill>
+            <a:schemeClr val="tx1"/>
+          </a:solidFill>
+          <a:latin typeface="+mn-lt"/>
+          <a:ea typeface="+mn-ea"/>
+          <a:cs typeface="+mn-cs"/>
+        </a:defRPr>
+      </a:lvl4pPr>
+      <a:lvl5pPr marL="1828800" algn="l" defTabSz="914400" rtl="0" eaLnBrk="1" latinLnBrk="0" hangingPunct="1">
+        <a:defRPr sz="1800" kern="1200">
+          <a:solidFill>
+            <a:schemeClr val="tx1"/>
+          </a:solidFill>
+          <a:latin typeface="+mn-lt"/>
+          <a:ea typeface="+mn-ea"/>
+          <a:cs typeface="+mn-cs"/>
+        </a:defRPr>
+      </a:lvl5pPr>
+      <a:lvl6pPr marL="2286000" algn="l" defTabSz="914400" rtl="0" eaLnBrk="1" latinLnBrk="0" hangingPunct="1">
+        <a:defRPr sz="1800" kern="1200">
+          <a:solidFill>
+            <a:schemeClr val="tx1"/>
+          </a:solidFill>
+          <a:latin typeface="+mn-lt"/>
+          <a:ea typeface="+mn-ea"/>
+          <a:cs typeface="+mn-cs"/>
+        </a:defRPr>
+      </a:lvl6pPr>
+      <a:lvl7pPr marL="2743200" algn="l" defTabSz="914400" rtl="0" eaLnBrk="1" latinLnBrk="0" hangingPunct="1">
+        <a:defRPr sz="1800" kern="1200">
+          <a:solidFill>
+            <a:schemeClr val="tx1"/>
+          </a:solidFill>
+          <a:latin typeface="+mn-lt"/>
+          <a:ea typeface="+mn-ea"/>
+          <a:cs typeface="+mn-cs"/>
+        </a:defRPr>
+      </a:lvl7pPr>
+      <a:lvl8pPr marL="3200400" algn="l" defTabSz="914400" rtl="0" eaLnBrk="1" latinLnBrk="0" hangingPunct="1">
+        <a:defRPr sz="1800" kern="1200">
+          <a:solidFill>
+            <a:schemeClr val="tx1"/>
+          </a:solidFill>
+          <a:latin typeface="+mn-lt"/>
+          <a:ea typeface="+mn-ea"/>
+          <a:cs typeface="+mn-cs"/>
+        </a:defRPr>
+      </a:lvl8pPr>
+      <a:lvl9pPr marL="3657600" algn="l" defTabSz="914400" rtl="0" eaLnBrk="1" latinLnBrk="0" hangingPunct="1">
+        <a:defRPr sz="1800" kern="1200">
+          <a:solidFill>
+            <a:schemeClr val="tx1"/>
+          </a:solidFill>
+          <a:latin typeface="+mn-lt"/>
+          <a:ea typeface="+mn-ea"/>
+          <a:cs typeface="+mn-cs"/>
+        </a:defRPr>
+      </a:lvl9pPr>
+    </p:otherStyle>
+  </p:txStyles>
 </p:sldMaster>
 </file>
 
 <file path=ppt/slideMasters/slideMaster5.xml><?xml version="1.0" encoding="utf-8"?>
-<p:sldMaster xmlns:a="http://schemas.openxmlformats.org/drawingml/2006/main" xmlns:p="http://schemas.openxmlformats.org/presentationml/2006/main" xmlns:r="http://schemas.openxmlformats.org/officeDocument/2006/relationships" xmlns:p14="http://schemas.microsoft.com/office/powerpoint/2010/main" xmlns:p15="http://schemas.microsoft.com/office/powerpoint/2012/main" xmlns:mc="http://schemas.openxmlformats.org/markup-compatibility/2006">
+<p:sldMaster xmlns:a="http://schemas.openxmlformats.org/drawingml/2006/main" xmlns:r="http://schemas.openxmlformats.org/officeDocument/2006/relationships" xmlns:p="http://schemas.openxmlformats.org/presentationml/2006/main">
   <p:cSld>
     <p:bg>
       <p:bgPr>
         <a:solidFill>
-          <a:srgbClr val="ffffff"/>
+          <a:srgbClr val="FFFFFF"/>
         </a:solidFill>
+        <a:effectLst/>
       </p:bgPr>
     </p:bg>
     <p:spTree>
@@ -10765,16 +12471,22 @@
             <a:avLst/>
           </a:prstGeom>
           <a:solidFill>
-            <a:srgbClr val="0079c2"/>
+            <a:srgbClr val="0079C2"/>
           </a:solidFill>
           <a:ln w="12600">
             <a:noFill/>
           </a:ln>
         </p:spPr>
         <p:style>
-          <a:lnRef idx="0"/>
-          <a:fillRef idx="0"/>
-          <a:effectRef idx="0"/>
+          <a:lnRef idx="0">
+            <a:scrgbClr r="0" g="0" b="0"/>
+          </a:lnRef>
+          <a:fillRef idx="0">
+            <a:scrgbClr r="0" g="0" b="0"/>
+          </a:fillRef>
+          <a:effectRef idx="0">
+            <a:scrgbClr r="0" g="0" b="0"/>
+          </a:effectRef>
           <a:fontRef idx="minor"/>
         </p:style>
       </p:sp>
@@ -10785,8 +12497,8 @@
           <p:nvPr/>
         </p:nvPicPr>
         <p:blipFill>
-          <a:blip r:embed="rId2"/>
-          <a:srcRect l="0" t="15987" r="0" b="22124"/>
+          <a:blip r:embed="rId14"/>
+          <a:srcRect t="15987" b="22124"/>
           <a:stretch/>
         </p:blipFill>
         <p:spPr>
@@ -10822,9 +12534,10 @@
           </a:prstGeom>
         </p:spPr>
         <p:txBody>
-          <a:bodyPr lIns="0" rIns="0" tIns="0" bIns="36000">
+          <a:bodyPr lIns="0" tIns="0" rIns="0" bIns="36000">
             <a:noAutofit/>
           </a:bodyPr>
+          <a:lstStyle/>
           <a:p>
             <a:pPr>
               <a:lnSpc>
@@ -10832,15 +12545,15 @@
               </a:lnSpc>
             </a:pPr>
             <a:r>
-              <a:rPr b="1" lang="en-US" sz="3600" spc="-1" strike="noStrike">
+              <a:rPr lang="en-US" sz="3600" b="1" strike="noStrike" spc="-1">
                 <a:solidFill>
-                  <a:srgbClr val="0079c2"/>
+                  <a:srgbClr val="0079C2"/>
                 </a:solidFill>
                 <a:latin typeface="Arial"/>
               </a:rPr>
               <a:t>Click to edit Master title style</a:t>
             </a:r>
-            <a:endParaRPr b="0" lang="en-FI" sz="3600" spc="-1" strike="noStrike">
+            <a:endParaRPr lang="en-FI" sz="3600" b="0" strike="noStrike" spc="-1">
               <a:solidFill>
                 <a:srgbClr val="000000"/>
               </a:solidFill>
@@ -10869,9 +12582,10 @@
           </a:prstGeom>
         </p:spPr>
         <p:txBody>
-          <a:bodyPr lIns="0" rIns="0" tIns="0" bIns="36000">
+          <a:bodyPr lIns="0" tIns="0" rIns="0" bIns="36000">
             <a:noAutofit/>
           </a:bodyPr>
+          <a:lstStyle/>
           <a:p>
             <a:pPr marL="432000" indent="-324000">
               <a:lnSpc>
@@ -10888,7 +12602,7 @@
               <a:buChar char=""/>
             </a:pPr>
             <a:r>
-              <a:rPr b="0" lang="en-US" sz="1800" spc="-1" strike="noStrike">
+              <a:rPr lang="en-US" sz="1800" b="0" strike="noStrike" spc="-1">
                 <a:solidFill>
                   <a:srgbClr val="000000"/>
                 </a:solidFill>
@@ -10896,15 +12610,15 @@
               </a:rPr>
               <a:t>Edit Master text styles</a:t>
             </a:r>
-            <a:endParaRPr b="0" lang="en-FI" sz="1800" spc="-1" strike="noStrike">
-              <a:solidFill>
-                <a:srgbClr val="000000"/>
-              </a:solidFill>
-              <a:latin typeface="Arial"/>
-            </a:endParaRPr>
-          </a:p>
-          <a:p>
-            <a:pPr lvl="1" marL="864000" indent="-324000">
+            <a:endParaRPr lang="en-FI" sz="1800" b="0" strike="noStrike" spc="-1">
+              <a:solidFill>
+                <a:srgbClr val="000000"/>
+              </a:solidFill>
+              <a:latin typeface="Arial"/>
+            </a:endParaRPr>
+          </a:p>
+          <a:p>
+            <a:pPr marL="864000" lvl="1" indent="-324000">
               <a:lnSpc>
                 <a:spcPts val="2001"/>
               </a:lnSpc>
@@ -10919,7 +12633,7 @@
               <a:buChar char=""/>
             </a:pPr>
             <a:r>
-              <a:rPr b="0" lang="en-US" sz="1600" spc="-1" strike="noStrike">
+              <a:rPr lang="en-US" sz="1600" b="0" strike="noStrike" spc="-1">
                 <a:solidFill>
                   <a:srgbClr val="000000"/>
                 </a:solidFill>
@@ -10927,15 +12641,15 @@
               </a:rPr>
               <a:t>Second level</a:t>
             </a:r>
-            <a:endParaRPr b="0" lang="en-FI" sz="1600" spc="-1" strike="noStrike">
-              <a:solidFill>
-                <a:srgbClr val="000000"/>
-              </a:solidFill>
-              <a:latin typeface="Arial"/>
-            </a:endParaRPr>
-          </a:p>
-          <a:p>
-            <a:pPr lvl="2" marL="1296000" indent="-288000">
+            <a:endParaRPr lang="en-FI" sz="1600" b="0" strike="noStrike" spc="-1">
+              <a:solidFill>
+                <a:srgbClr val="000000"/>
+              </a:solidFill>
+              <a:latin typeface="Arial"/>
+            </a:endParaRPr>
+          </a:p>
+          <a:p>
+            <a:pPr marL="1296000" lvl="2" indent="-288000">
               <a:lnSpc>
                 <a:spcPts val="2001"/>
               </a:lnSpc>
@@ -10950,7 +12664,7 @@
               <a:buChar char=""/>
             </a:pPr>
             <a:r>
-              <a:rPr b="0" lang="en-US" sz="1600" spc="-1" strike="noStrike">
+              <a:rPr lang="en-US" sz="1600" b="0" strike="noStrike" spc="-1">
                 <a:solidFill>
                   <a:srgbClr val="000000"/>
                 </a:solidFill>
@@ -10958,15 +12672,15 @@
               </a:rPr>
               <a:t>Third level</a:t>
             </a:r>
-            <a:endParaRPr b="0" lang="en-FI" sz="1600" spc="-1" strike="noStrike">
-              <a:solidFill>
-                <a:srgbClr val="000000"/>
-              </a:solidFill>
-              <a:latin typeface="Arial"/>
-            </a:endParaRPr>
-          </a:p>
-          <a:p>
-            <a:pPr lvl="3" marL="1728000" indent="-216000">
+            <a:endParaRPr lang="en-FI" sz="1600" b="0" strike="noStrike" spc="-1">
+              <a:solidFill>
+                <a:srgbClr val="000000"/>
+              </a:solidFill>
+              <a:latin typeface="Arial"/>
+            </a:endParaRPr>
+          </a:p>
+          <a:p>
+            <a:pPr marL="1728000" lvl="3" indent="-216000">
               <a:lnSpc>
                 <a:spcPts val="2001"/>
               </a:lnSpc>
@@ -10981,7 +12695,7 @@
               <a:buChar char=""/>
             </a:pPr>
             <a:r>
-              <a:rPr b="0" lang="en-US" sz="1600" spc="-1" strike="noStrike">
+              <a:rPr lang="en-US" sz="1600" b="0" strike="noStrike" spc="-1">
                 <a:solidFill>
                   <a:srgbClr val="000000"/>
                 </a:solidFill>
@@ -10989,15 +12703,15 @@
               </a:rPr>
               <a:t>Fourth level</a:t>
             </a:r>
-            <a:endParaRPr b="0" lang="en-FI" sz="1600" spc="-1" strike="noStrike">
-              <a:solidFill>
-                <a:srgbClr val="000000"/>
-              </a:solidFill>
-              <a:latin typeface="Arial"/>
-            </a:endParaRPr>
-          </a:p>
-          <a:p>
-            <a:pPr lvl="4" marL="2160000" indent="-216000">
+            <a:endParaRPr lang="en-FI" sz="1600" b="0" strike="noStrike" spc="-1">
+              <a:solidFill>
+                <a:srgbClr val="000000"/>
+              </a:solidFill>
+              <a:latin typeface="Arial"/>
+            </a:endParaRPr>
+          </a:p>
+          <a:p>
+            <a:pPr marL="2160000" lvl="4" indent="-216000">
               <a:lnSpc>
                 <a:spcPts val="2001"/>
               </a:lnSpc>
@@ -11012,7 +12726,7 @@
               <a:buChar char=""/>
             </a:pPr>
             <a:r>
-              <a:rPr b="0" lang="en-US" sz="1600" spc="-1" strike="noStrike">
+              <a:rPr lang="en-US" sz="1600" b="0" strike="noStrike" spc="-1">
                 <a:solidFill>
                   <a:srgbClr val="000000"/>
                 </a:solidFill>
@@ -11020,7 +12734,7 @@
               </a:rPr>
               <a:t>Fifth level</a:t>
             </a:r>
-            <a:endParaRPr b="0" lang="en-FI" sz="1600" spc="-1" strike="noStrike">
+            <a:endParaRPr lang="en-FI" sz="1600" b="0" strike="noStrike" spc="-1">
               <a:solidFill>
                 <a:srgbClr val="000000"/>
               </a:solidFill>
@@ -11049,9 +12763,10 @@
           </a:prstGeom>
         </p:spPr>
         <p:txBody>
-          <a:bodyPr lIns="0" rIns="0" tIns="0" bIns="0" anchor="b">
+          <a:bodyPr lIns="0" tIns="0" rIns="0" bIns="0" anchor="b">
             <a:noAutofit/>
           </a:bodyPr>
+          <a:lstStyle/>
           <a:p>
             <a:pPr>
               <a:lnSpc>
@@ -11059,15 +12774,15 @@
               </a:lnSpc>
             </a:pPr>
             <a:fld id="{913D6FB3-7BB7-48E5-B173-3B0E7614F997}" type="datetime1">
-              <a:rPr b="0" lang="fi-FI" sz="1000" spc="-1" strike="noStrike">
+              <a:rPr lang="fi-FI" sz="1000" b="0" strike="noStrike" spc="-1">
                 <a:solidFill>
-                  <a:srgbClr val="8baddc"/>
+                  <a:srgbClr val="8BADDC"/>
                 </a:solidFill>
                 <a:latin typeface="Arial"/>
               </a:rPr>
-              <a:t>18.09.2023</a:t>
+              <a:t>18.9.2023</a:t>
             </a:fld>
-            <a:endParaRPr b="0" lang="fi-FI" sz="1000" spc="-1" strike="noStrike">
+            <a:endParaRPr lang="fi-FI" sz="1000" b="0" strike="noStrike" spc="-1">
               <a:latin typeface="Times New Roman"/>
             </a:endParaRPr>
           </a:p>
@@ -11093,11 +12808,12 @@
           </a:prstGeom>
         </p:spPr>
         <p:txBody>
-          <a:bodyPr lIns="0" rIns="0" tIns="0" bIns="0" anchor="b">
+          <a:bodyPr lIns="0" tIns="0" rIns="0" bIns="0" anchor="b">
             <a:noAutofit/>
           </a:bodyPr>
-          <a:p>
-            <a:endParaRPr b="0" lang="fi-FI" sz="2400" spc="-1" strike="noStrike">
+          <a:lstStyle/>
+          <a:p>
+            <a:endParaRPr lang="fi-FI" sz="2400" b="0" strike="noStrike" spc="-1">
               <a:latin typeface="Times New Roman"/>
             </a:endParaRPr>
           </a:p>
@@ -11123,9 +12839,10 @@
           </a:prstGeom>
         </p:spPr>
         <p:txBody>
-          <a:bodyPr lIns="0" rIns="0" tIns="0" bIns="0" anchor="b">
+          <a:bodyPr lIns="0" tIns="0" rIns="0" bIns="0" anchor="b">
             <a:noAutofit/>
           </a:bodyPr>
+          <a:lstStyle/>
           <a:p>
             <a:pPr algn="r">
               <a:lnSpc>
@@ -11133,15 +12850,15 @@
               </a:lnSpc>
             </a:pPr>
             <a:fld id="{334166B8-D38F-4D38-B4C8-2FD7F60864C9}" type="slidenum">
-              <a:rPr b="0" lang="en-GB" sz="1000" spc="-1" strike="noStrike">
+              <a:rPr lang="en-GB" sz="1000" b="0" strike="noStrike" spc="-1">
                 <a:solidFill>
-                  <a:srgbClr val="8baddc"/>
+                  <a:srgbClr val="8BADDC"/>
                 </a:solidFill>
                 <a:latin typeface="Arial"/>
               </a:rPr>
-              <a:t>&lt;numero&gt;</a:t>
+              <a:t>‹#›</a:t>
             </a:fld>
-            <a:endParaRPr b="0" lang="fi-FI" sz="1000" spc="-1" strike="noStrike">
+            <a:endParaRPr lang="fi-FI" sz="1000" b="0" strike="noStrike" spc="-1">
               <a:latin typeface="Times New Roman"/>
             </a:endParaRPr>
           </a:p>
@@ -11149,32 +12866,313 @@
       </p:sp>
     </p:spTree>
   </p:cSld>
-  <p:clrMap bg1="lt1" bg2="lt2" tx1="dk1" tx2="dk2" accent1="accent1" accent2="accent2" accent3="accent3" accent4="accent4" accent5="accent5" accent6="accent6" hlink="hlink" folHlink="folHlink"/>
+  <p:clrMap bg1="lt1" tx1="dk1" bg2="lt2" tx2="dk2" accent1="accent1" accent2="accent2" accent3="accent3" accent4="accent4" accent5="accent5" accent6="accent6" hlink="hlink" folHlink="folHlink"/>
   <p:sldLayoutIdLst>
-    <p:sldLayoutId id="2147483701" r:id="rId3"/>
-    <p:sldLayoutId id="2147483702" r:id="rId4"/>
-    <p:sldLayoutId id="2147483703" r:id="rId5"/>
-    <p:sldLayoutId id="2147483704" r:id="rId6"/>
-    <p:sldLayoutId id="2147483705" r:id="rId7"/>
-    <p:sldLayoutId id="2147483706" r:id="rId8"/>
-    <p:sldLayoutId id="2147483707" r:id="rId9"/>
-    <p:sldLayoutId id="2147483708" r:id="rId10"/>
-    <p:sldLayoutId id="2147483709" r:id="rId11"/>
-    <p:sldLayoutId id="2147483710" r:id="rId12"/>
-    <p:sldLayoutId id="2147483711" r:id="rId13"/>
-    <p:sldLayoutId id="2147483712" r:id="rId14"/>
+    <p:sldLayoutId id="2147483701" r:id="rId1"/>
+    <p:sldLayoutId id="2147483702" r:id="rId2"/>
+    <p:sldLayoutId id="2147483703" r:id="rId3"/>
+    <p:sldLayoutId id="2147483704" r:id="rId4"/>
+    <p:sldLayoutId id="2147483705" r:id="rId5"/>
+    <p:sldLayoutId id="2147483706" r:id="rId6"/>
+    <p:sldLayoutId id="2147483707" r:id="rId7"/>
+    <p:sldLayoutId id="2147483708" r:id="rId8"/>
+    <p:sldLayoutId id="2147483709" r:id="rId9"/>
+    <p:sldLayoutId id="2147483710" r:id="rId10"/>
+    <p:sldLayoutId id="2147483711" r:id="rId11"/>
+    <p:sldLayoutId id="2147483712" r:id="rId12"/>
   </p:sldLayoutIdLst>
+  <p:txStyles>
+    <p:titleStyle>
+      <a:lvl1pPr algn="l" defTabSz="914400" rtl="0" eaLnBrk="1" latinLnBrk="0" hangingPunct="1">
+        <a:lnSpc>
+          <a:spcPct val="90000"/>
+        </a:lnSpc>
+        <a:spcBef>
+          <a:spcPct val="0"/>
+        </a:spcBef>
+        <a:buNone/>
+        <a:defRPr sz="4400" kern="1200">
+          <a:solidFill>
+            <a:schemeClr val="tx1"/>
+          </a:solidFill>
+          <a:latin typeface="+mj-lt"/>
+          <a:ea typeface="+mj-ea"/>
+          <a:cs typeface="+mj-cs"/>
+        </a:defRPr>
+      </a:lvl1pPr>
+    </p:titleStyle>
+    <p:bodyStyle>
+      <a:lvl1pPr marL="228600" indent="-228600" algn="l" defTabSz="914400" rtl="0" eaLnBrk="1" latinLnBrk="0" hangingPunct="1">
+        <a:lnSpc>
+          <a:spcPct val="90000"/>
+        </a:lnSpc>
+        <a:spcBef>
+          <a:spcPts val="1000"/>
+        </a:spcBef>
+        <a:buFont typeface="Arial" panose="020B0604020202020204" pitchFamily="34" charset="0"/>
+        <a:buChar char="•"/>
+        <a:defRPr sz="2800" kern="1200">
+          <a:solidFill>
+            <a:schemeClr val="tx1"/>
+          </a:solidFill>
+          <a:latin typeface="+mn-lt"/>
+          <a:ea typeface="+mn-ea"/>
+          <a:cs typeface="+mn-cs"/>
+        </a:defRPr>
+      </a:lvl1pPr>
+      <a:lvl2pPr marL="685800" indent="-228600" algn="l" defTabSz="914400" rtl="0" eaLnBrk="1" latinLnBrk="0" hangingPunct="1">
+        <a:lnSpc>
+          <a:spcPct val="90000"/>
+        </a:lnSpc>
+        <a:spcBef>
+          <a:spcPts val="500"/>
+        </a:spcBef>
+        <a:buFont typeface="Arial" panose="020B0604020202020204" pitchFamily="34" charset="0"/>
+        <a:buChar char="•"/>
+        <a:defRPr sz="2400" kern="1200">
+          <a:solidFill>
+            <a:schemeClr val="tx1"/>
+          </a:solidFill>
+          <a:latin typeface="+mn-lt"/>
+          <a:ea typeface="+mn-ea"/>
+          <a:cs typeface="+mn-cs"/>
+        </a:defRPr>
+      </a:lvl2pPr>
+      <a:lvl3pPr marL="1143000" indent="-228600" algn="l" defTabSz="914400" rtl="0" eaLnBrk="1" latinLnBrk="0" hangingPunct="1">
+        <a:lnSpc>
+          <a:spcPct val="90000"/>
+        </a:lnSpc>
+        <a:spcBef>
+          <a:spcPts val="500"/>
+        </a:spcBef>
+        <a:buFont typeface="Arial" panose="020B0604020202020204" pitchFamily="34" charset="0"/>
+        <a:buChar char="•"/>
+        <a:defRPr sz="2000" kern="1200">
+          <a:solidFill>
+            <a:schemeClr val="tx1"/>
+          </a:solidFill>
+          <a:latin typeface="+mn-lt"/>
+          <a:ea typeface="+mn-ea"/>
+          <a:cs typeface="+mn-cs"/>
+        </a:defRPr>
+      </a:lvl3pPr>
+      <a:lvl4pPr marL="1600200" indent="-228600" algn="l" defTabSz="914400" rtl="0" eaLnBrk="1" latinLnBrk="0" hangingPunct="1">
+        <a:lnSpc>
+          <a:spcPct val="90000"/>
+        </a:lnSpc>
+        <a:spcBef>
+          <a:spcPts val="500"/>
+        </a:spcBef>
+        <a:buFont typeface="Arial" panose="020B0604020202020204" pitchFamily="34" charset="0"/>
+        <a:buChar char="•"/>
+        <a:defRPr sz="1800" kern="1200">
+          <a:solidFill>
+            <a:schemeClr val="tx1"/>
+          </a:solidFill>
+          <a:latin typeface="+mn-lt"/>
+          <a:ea typeface="+mn-ea"/>
+          <a:cs typeface="+mn-cs"/>
+        </a:defRPr>
+      </a:lvl4pPr>
+      <a:lvl5pPr marL="2057400" indent="-228600" algn="l" defTabSz="914400" rtl="0" eaLnBrk="1" latinLnBrk="0" hangingPunct="1">
+        <a:lnSpc>
+          <a:spcPct val="90000"/>
+        </a:lnSpc>
+        <a:spcBef>
+          <a:spcPts val="500"/>
+        </a:spcBef>
+        <a:buFont typeface="Arial" panose="020B0604020202020204" pitchFamily="34" charset="0"/>
+        <a:buChar char="•"/>
+        <a:defRPr sz="1800" kern="1200">
+          <a:solidFill>
+            <a:schemeClr val="tx1"/>
+          </a:solidFill>
+          <a:latin typeface="+mn-lt"/>
+          <a:ea typeface="+mn-ea"/>
+          <a:cs typeface="+mn-cs"/>
+        </a:defRPr>
+      </a:lvl5pPr>
+      <a:lvl6pPr marL="2514600" indent="-228600" algn="l" defTabSz="914400" rtl="0" eaLnBrk="1" latinLnBrk="0" hangingPunct="1">
+        <a:lnSpc>
+          <a:spcPct val="90000"/>
+        </a:lnSpc>
+        <a:spcBef>
+          <a:spcPts val="500"/>
+        </a:spcBef>
+        <a:buFont typeface="Arial" panose="020B0604020202020204" pitchFamily="34" charset="0"/>
+        <a:buChar char="•"/>
+        <a:defRPr sz="1800" kern="1200">
+          <a:solidFill>
+            <a:schemeClr val="tx1"/>
+          </a:solidFill>
+          <a:latin typeface="+mn-lt"/>
+          <a:ea typeface="+mn-ea"/>
+          <a:cs typeface="+mn-cs"/>
+        </a:defRPr>
+      </a:lvl6pPr>
+      <a:lvl7pPr marL="2971800" indent="-228600" algn="l" defTabSz="914400" rtl="0" eaLnBrk="1" latinLnBrk="0" hangingPunct="1">
+        <a:lnSpc>
+          <a:spcPct val="90000"/>
+        </a:lnSpc>
+        <a:spcBef>
+          <a:spcPts val="500"/>
+        </a:spcBef>
+        <a:buFont typeface="Arial" panose="020B0604020202020204" pitchFamily="34" charset="0"/>
+        <a:buChar char="•"/>
+        <a:defRPr sz="1800" kern="1200">
+          <a:solidFill>
+            <a:schemeClr val="tx1"/>
+          </a:solidFill>
+          <a:latin typeface="+mn-lt"/>
+          <a:ea typeface="+mn-ea"/>
+          <a:cs typeface="+mn-cs"/>
+        </a:defRPr>
+      </a:lvl7pPr>
+      <a:lvl8pPr marL="3429000" indent="-228600" algn="l" defTabSz="914400" rtl="0" eaLnBrk="1" latinLnBrk="0" hangingPunct="1">
+        <a:lnSpc>
+          <a:spcPct val="90000"/>
+        </a:lnSpc>
+        <a:spcBef>
+          <a:spcPts val="500"/>
+        </a:spcBef>
+        <a:buFont typeface="Arial" panose="020B0604020202020204" pitchFamily="34" charset="0"/>
+        <a:buChar char="•"/>
+        <a:defRPr sz="1800" kern="1200">
+          <a:solidFill>
+            <a:schemeClr val="tx1"/>
+          </a:solidFill>
+          <a:latin typeface="+mn-lt"/>
+          <a:ea typeface="+mn-ea"/>
+          <a:cs typeface="+mn-cs"/>
+        </a:defRPr>
+      </a:lvl8pPr>
+      <a:lvl9pPr marL="3886200" indent="-228600" algn="l" defTabSz="914400" rtl="0" eaLnBrk="1" latinLnBrk="0" hangingPunct="1">
+        <a:lnSpc>
+          <a:spcPct val="90000"/>
+        </a:lnSpc>
+        <a:spcBef>
+          <a:spcPts val="500"/>
+        </a:spcBef>
+        <a:buFont typeface="Arial" panose="020B0604020202020204" pitchFamily="34" charset="0"/>
+        <a:buChar char="•"/>
+        <a:defRPr sz="1800" kern="1200">
+          <a:solidFill>
+            <a:schemeClr val="tx1"/>
+          </a:solidFill>
+          <a:latin typeface="+mn-lt"/>
+          <a:ea typeface="+mn-ea"/>
+          <a:cs typeface="+mn-cs"/>
+        </a:defRPr>
+      </a:lvl9pPr>
+    </p:bodyStyle>
+    <p:otherStyle>
+      <a:defPPr>
+        <a:defRPr lang="fi-FI"/>
+      </a:defPPr>
+      <a:lvl1pPr marL="0" algn="l" defTabSz="914400" rtl="0" eaLnBrk="1" latinLnBrk="0" hangingPunct="1">
+        <a:defRPr sz="1800" kern="1200">
+          <a:solidFill>
+            <a:schemeClr val="tx1"/>
+          </a:solidFill>
+          <a:latin typeface="+mn-lt"/>
+          <a:ea typeface="+mn-ea"/>
+          <a:cs typeface="+mn-cs"/>
+        </a:defRPr>
+      </a:lvl1pPr>
+      <a:lvl2pPr marL="457200" algn="l" defTabSz="914400" rtl="0" eaLnBrk="1" latinLnBrk="0" hangingPunct="1">
+        <a:defRPr sz="1800" kern="1200">
+          <a:solidFill>
+            <a:schemeClr val="tx1"/>
+          </a:solidFill>
+          <a:latin typeface="+mn-lt"/>
+          <a:ea typeface="+mn-ea"/>
+          <a:cs typeface="+mn-cs"/>
+        </a:defRPr>
+      </a:lvl2pPr>
+      <a:lvl3pPr marL="914400" algn="l" defTabSz="914400" rtl="0" eaLnBrk="1" latinLnBrk="0" hangingPunct="1">
+        <a:defRPr sz="1800" kern="1200">
+          <a:solidFill>
+            <a:schemeClr val="tx1"/>
+          </a:solidFill>
+          <a:latin typeface="+mn-lt"/>
+          <a:ea typeface="+mn-ea"/>
+          <a:cs typeface="+mn-cs"/>
+        </a:defRPr>
+      </a:lvl3pPr>
+      <a:lvl4pPr marL="1371600" algn="l" defTabSz="914400" rtl="0" eaLnBrk="1" latinLnBrk="0" hangingPunct="1">
+        <a:defRPr sz="1800" kern="1200">
+          <a:solidFill>
+            <a:schemeClr val="tx1"/>
+          </a:solidFill>
+          <a:latin typeface="+mn-lt"/>
+          <a:ea typeface="+mn-ea"/>
+          <a:cs typeface="+mn-cs"/>
+        </a:defRPr>
+      </a:lvl4pPr>
+      <a:lvl5pPr marL="1828800" algn="l" defTabSz="914400" rtl="0" eaLnBrk="1" latinLnBrk="0" hangingPunct="1">
+        <a:defRPr sz="1800" kern="1200">
+          <a:solidFill>
+            <a:schemeClr val="tx1"/>
+          </a:solidFill>
+          <a:latin typeface="+mn-lt"/>
+          <a:ea typeface="+mn-ea"/>
+          <a:cs typeface="+mn-cs"/>
+        </a:defRPr>
+      </a:lvl5pPr>
+      <a:lvl6pPr marL="2286000" algn="l" defTabSz="914400" rtl="0" eaLnBrk="1" latinLnBrk="0" hangingPunct="1">
+        <a:defRPr sz="1800" kern="1200">
+          <a:solidFill>
+            <a:schemeClr val="tx1"/>
+          </a:solidFill>
+          <a:latin typeface="+mn-lt"/>
+          <a:ea typeface="+mn-ea"/>
+          <a:cs typeface="+mn-cs"/>
+        </a:defRPr>
+      </a:lvl6pPr>
+      <a:lvl7pPr marL="2743200" algn="l" defTabSz="914400" rtl="0" eaLnBrk="1" latinLnBrk="0" hangingPunct="1">
+        <a:defRPr sz="1800" kern="1200">
+          <a:solidFill>
+            <a:schemeClr val="tx1"/>
+          </a:solidFill>
+          <a:latin typeface="+mn-lt"/>
+          <a:ea typeface="+mn-ea"/>
+          <a:cs typeface="+mn-cs"/>
+        </a:defRPr>
+      </a:lvl7pPr>
+      <a:lvl8pPr marL="3200400" algn="l" defTabSz="914400" rtl="0" eaLnBrk="1" latinLnBrk="0" hangingPunct="1">
+        <a:defRPr sz="1800" kern="1200">
+          <a:solidFill>
+            <a:schemeClr val="tx1"/>
+          </a:solidFill>
+          <a:latin typeface="+mn-lt"/>
+          <a:ea typeface="+mn-ea"/>
+          <a:cs typeface="+mn-cs"/>
+        </a:defRPr>
+      </a:lvl8pPr>
+      <a:lvl9pPr marL="3657600" algn="l" defTabSz="914400" rtl="0" eaLnBrk="1" latinLnBrk="0" hangingPunct="1">
+        <a:defRPr sz="1800" kern="1200">
+          <a:solidFill>
+            <a:schemeClr val="tx1"/>
+          </a:solidFill>
+          <a:latin typeface="+mn-lt"/>
+          <a:ea typeface="+mn-ea"/>
+          <a:cs typeface="+mn-cs"/>
+        </a:defRPr>
+      </a:lvl9pPr>
+    </p:otherStyle>
+  </p:txStyles>
 </p:sldMaster>
 </file>
 
 <file path=ppt/slideMasters/slideMaster6.xml><?xml version="1.0" encoding="utf-8"?>
-<p:sldMaster xmlns:a="http://schemas.openxmlformats.org/drawingml/2006/main" xmlns:p="http://schemas.openxmlformats.org/presentationml/2006/main" xmlns:r="http://schemas.openxmlformats.org/officeDocument/2006/relationships" xmlns:p14="http://schemas.microsoft.com/office/powerpoint/2010/main" xmlns:p15="http://schemas.microsoft.com/office/powerpoint/2012/main" xmlns:mc="http://schemas.openxmlformats.org/markup-compatibility/2006">
+<p:sldMaster xmlns:a="http://schemas.openxmlformats.org/drawingml/2006/main" xmlns:r="http://schemas.openxmlformats.org/officeDocument/2006/relationships" xmlns:p="http://schemas.openxmlformats.org/presentationml/2006/main">
   <p:cSld>
     <p:bg>
       <p:bgPr>
         <a:solidFill>
-          <a:srgbClr val="ffffff"/>
+          <a:srgbClr val="FFFFFF"/>
         </a:solidFill>
+        <a:effectLst/>
       </p:bgPr>
     </p:bg>
     <p:spTree>
@@ -11206,16 +13204,22 @@
             <a:avLst/>
           </a:prstGeom>
           <a:solidFill>
-            <a:srgbClr val="0079c2"/>
+            <a:srgbClr val="0079C2"/>
           </a:solidFill>
           <a:ln w="12600">
             <a:noFill/>
           </a:ln>
         </p:spPr>
         <p:style>
-          <a:lnRef idx="0"/>
-          <a:fillRef idx="0"/>
-          <a:effectRef idx="0"/>
+          <a:lnRef idx="0">
+            <a:scrgbClr r="0" g="0" b="0"/>
+          </a:lnRef>
+          <a:fillRef idx="0">
+            <a:scrgbClr r="0" g="0" b="0"/>
+          </a:fillRef>
+          <a:effectRef idx="0">
+            <a:scrgbClr r="0" g="0" b="0"/>
+          </a:effectRef>
           <a:fontRef idx="minor"/>
         </p:style>
       </p:sp>
@@ -11226,8 +13230,8 @@
           <p:nvPr/>
         </p:nvPicPr>
         <p:blipFill>
-          <a:blip r:embed="rId2"/>
-          <a:srcRect l="0" t="15987" r="0" b="22124"/>
+          <a:blip r:embed="rId14"/>
+          <a:srcRect t="15987" b="22124"/>
           <a:stretch/>
         </p:blipFill>
         <p:spPr>
@@ -11263,9 +13267,10 @@
           </a:prstGeom>
         </p:spPr>
         <p:txBody>
-          <a:bodyPr lIns="0" rIns="0" tIns="0" bIns="0" anchor="b">
+          <a:bodyPr lIns="0" tIns="0" rIns="0" bIns="0" anchor="b">
             <a:noAutofit/>
           </a:bodyPr>
+          <a:lstStyle/>
           <a:p>
             <a:pPr>
               <a:lnSpc>
@@ -11273,15 +13278,15 @@
               </a:lnSpc>
             </a:pPr>
             <a:fld id="{FC7C4990-34C6-4E57-A374-DFBACB66AE79}" type="datetime1">
-              <a:rPr b="0" lang="fi-FI" sz="1000" spc="-1" strike="noStrike">
+              <a:rPr lang="fi-FI" sz="1000" b="0" strike="noStrike" spc="-1">
                 <a:solidFill>
-                  <a:srgbClr val="8baddc"/>
+                  <a:srgbClr val="8BADDC"/>
                 </a:solidFill>
                 <a:latin typeface="Arial"/>
               </a:rPr>
-              <a:t>18.09.2023</a:t>
+              <a:t>18.9.2023</a:t>
             </a:fld>
-            <a:endParaRPr b="0" lang="fi-FI" sz="1000" spc="-1" strike="noStrike">
+            <a:endParaRPr lang="fi-FI" sz="1000" b="0" strike="noStrike" spc="-1">
               <a:latin typeface="Times New Roman"/>
             </a:endParaRPr>
           </a:p>
@@ -11307,11 +13312,12 @@
           </a:prstGeom>
         </p:spPr>
         <p:txBody>
-          <a:bodyPr lIns="0" rIns="0" tIns="0" bIns="0" anchor="b">
+          <a:bodyPr lIns="0" tIns="0" rIns="0" bIns="0" anchor="b">
             <a:noAutofit/>
           </a:bodyPr>
-          <a:p>
-            <a:endParaRPr b="0" lang="fi-FI" sz="2400" spc="-1" strike="noStrike">
+          <a:lstStyle/>
+          <a:p>
+            <a:endParaRPr lang="fi-FI" sz="2400" b="0" strike="noStrike" spc="-1">
               <a:latin typeface="Times New Roman"/>
             </a:endParaRPr>
           </a:p>
@@ -11337,9 +13343,10 @@
           </a:prstGeom>
         </p:spPr>
         <p:txBody>
-          <a:bodyPr lIns="0" rIns="0" tIns="0" bIns="0" anchor="b">
+          <a:bodyPr lIns="0" tIns="0" rIns="0" bIns="0" anchor="b">
             <a:noAutofit/>
           </a:bodyPr>
+          <a:lstStyle/>
           <a:p>
             <a:pPr algn="r">
               <a:lnSpc>
@@ -11347,15 +13354,15 @@
               </a:lnSpc>
             </a:pPr>
             <a:fld id="{C6816026-F1B7-4EE0-8B5B-9989EEE9A22A}" type="slidenum">
-              <a:rPr b="0" lang="en-GB" sz="1000" spc="-1" strike="noStrike">
+              <a:rPr lang="en-GB" sz="1000" b="0" strike="noStrike" spc="-1">
                 <a:solidFill>
-                  <a:srgbClr val="8baddc"/>
+                  <a:srgbClr val="8BADDC"/>
                 </a:solidFill>
                 <a:latin typeface="Arial"/>
               </a:rPr>
-              <a:t>&lt;numero&gt;</a:t>
+              <a:t>‹#›</a:t>
             </a:fld>
-            <a:endParaRPr b="0" lang="fi-FI" sz="1000" spc="-1" strike="noStrike">
+            <a:endParaRPr lang="fi-FI" sz="1000" b="0" strike="noStrike" spc="-1">
               <a:latin typeface="Times New Roman"/>
             </a:endParaRPr>
           </a:p>
@@ -11368,7 +13375,7 @@
           <p:nvPr/>
         </p:nvPicPr>
         <p:blipFill>
-          <a:blip r:embed="rId3"/>
+          <a:blip r:embed="rId15"/>
           <a:stretch/>
         </p:blipFill>
         <p:spPr>
@@ -11404,9 +13411,10 @@
           </a:prstGeom>
         </p:spPr>
         <p:txBody>
-          <a:bodyPr lIns="0" rIns="0" tIns="0" bIns="36000" anchor="ctr">
+          <a:bodyPr lIns="0" tIns="0" rIns="0" bIns="36000" anchor="ctr">
             <a:noAutofit/>
           </a:bodyPr>
+          <a:lstStyle/>
           <a:p>
             <a:pPr>
               <a:lnSpc>
@@ -11414,9 +13422,9 @@
               </a:lnSpc>
             </a:pPr>
             <a:r>
-              <a:rPr b="1" lang="en-GB" sz="4400" spc="-1" strike="noStrike">
+              <a:rPr lang="en-GB" sz="4400" b="1" strike="noStrike" spc="-1">
                 <a:solidFill>
-                  <a:srgbClr val="0079c2"/>
+                  <a:srgbClr val="0079C2"/>
                 </a:solidFill>
                 <a:latin typeface="Arial"/>
               </a:rPr>
@@ -11424,15 +13432,15 @@
             </a:r>
             <a:br/>
             <a:r>
-              <a:rPr b="1" lang="en-GB" sz="4400" spc="-1" strike="noStrike">
+              <a:rPr lang="en-GB" sz="4400" b="1" strike="noStrike" spc="-1">
                 <a:solidFill>
-                  <a:srgbClr val="0079c2"/>
+                  <a:srgbClr val="0079C2"/>
                 </a:solidFill>
                 <a:latin typeface="Arial"/>
               </a:rPr>
               <a:t>Thank you.</a:t>
             </a:r>
-            <a:endParaRPr b="0" lang="en-FI" sz="4400" spc="-1" strike="noStrike">
+            <a:endParaRPr lang="en-FI" sz="4400" b="0" strike="noStrike" spc="-1">
               <a:solidFill>
                 <a:srgbClr val="000000"/>
               </a:solidFill>
@@ -11461,9 +13469,10 @@
           </a:prstGeom>
         </p:spPr>
         <p:txBody>
-          <a:bodyPr lIns="0" rIns="0" tIns="0" bIns="0" anchor="b">
+          <a:bodyPr lIns="0" tIns="0" rIns="0" bIns="0" anchor="b">
             <a:noAutofit/>
           </a:bodyPr>
+          <a:lstStyle/>
           <a:p>
             <a:pPr marL="432000" indent="-324000">
               <a:lnSpc>
@@ -11479,28 +13488,28 @@
               <a:buFont typeface="Wingdings" charset="2"/>
               <a:buChar char=""/>
               <a:tabLst>
-                <a:tab algn="l" pos="0"/>
+                <a:tab pos="0" algn="l"/>
               </a:tabLst>
             </a:pPr>
             <a:br/>
             <a:r>
-              <a:rPr b="1" lang="en-GB" sz="2800" spc="-1" strike="noStrike">
+              <a:rPr lang="en-GB" sz="2800" b="1" strike="noStrike" spc="-1">
                 <a:solidFill>
-                  <a:srgbClr val="0079c2"/>
+                  <a:srgbClr val="0079C2"/>
                 </a:solidFill>
                 <a:latin typeface="Arial"/>
               </a:rPr>
               <a:t>Etunimi Sukunimi</a:t>
             </a:r>
-            <a:endParaRPr b="0" lang="en-FI" sz="2800" spc="-1" strike="noStrike">
-              <a:solidFill>
-                <a:srgbClr val="000000"/>
-              </a:solidFill>
-              <a:latin typeface="Arial"/>
-            </a:endParaRPr>
-          </a:p>
-          <a:p>
-            <a:pPr lvl="1" marL="864000" indent="-324000">
+            <a:endParaRPr lang="en-FI" sz="2800" b="0" strike="noStrike" spc="-1">
+              <a:solidFill>
+                <a:srgbClr val="000000"/>
+              </a:solidFill>
+              <a:latin typeface="Arial"/>
+            </a:endParaRPr>
+          </a:p>
+          <a:p>
+            <a:pPr marL="864000" lvl="1" indent="-324000">
               <a:spcBef>
                 <a:spcPts val="1037"/>
               </a:spcBef>
@@ -11511,13 +13520,13 @@
               <a:buFont typeface="Symbol" charset="2"/>
               <a:buChar char=""/>
               <a:tabLst>
-                <a:tab algn="l" pos="0"/>
+                <a:tab pos="0" algn="l"/>
               </a:tabLst>
             </a:pPr>
             <a:r>
-              <a:rPr b="1" lang="en-GB" sz="2800" spc="-1" strike="noStrike">
+              <a:rPr lang="en-GB" sz="2800" b="1" strike="noStrike" spc="-1">
                 <a:solidFill>
-                  <a:srgbClr val="0079c2"/>
+                  <a:srgbClr val="0079C2"/>
                 </a:solidFill>
                 <a:latin typeface="Arial"/>
               </a:rPr>
@@ -11525,15 +13534,15 @@
             </a:r>
             <a:br/>
             <a:r>
-              <a:rPr b="1" lang="en-GB" sz="1800" spc="-1" strike="noStrike">
+              <a:rPr lang="en-GB" sz="1800" b="1" strike="noStrike" spc="-1">
                 <a:solidFill>
-                  <a:srgbClr val="0079c2"/>
+                  <a:srgbClr val="0079C2"/>
                 </a:solidFill>
                 <a:latin typeface="Arial"/>
               </a:rPr>
               <a:t>esimerkkinimi@esimerkkiosoite.com </a:t>
             </a:r>
-            <a:endParaRPr b="0" lang="en-FI" sz="1800" spc="-1" strike="noStrike">
+            <a:endParaRPr lang="en-FI" sz="1800" b="0" strike="noStrike" spc="-1">
               <a:solidFill>
                 <a:srgbClr val="000000"/>
               </a:solidFill>
@@ -11544,26 +13553,306 @@
       </p:sp>
     </p:spTree>
   </p:cSld>
-  <p:clrMap bg1="lt1" bg2="lt2" tx1="dk1" tx2="dk2" accent1="accent1" accent2="accent2" accent3="accent3" accent4="accent4" accent5="accent5" accent6="accent6" hlink="hlink" folHlink="folHlink"/>
+  <p:clrMap bg1="lt1" tx1="dk1" bg2="lt2" tx2="dk2" accent1="accent1" accent2="accent2" accent3="accent3" accent4="accent4" accent5="accent5" accent6="accent6" hlink="hlink" folHlink="folHlink"/>
   <p:sldLayoutIdLst>
-    <p:sldLayoutId id="2147483714" r:id="rId4"/>
-    <p:sldLayoutId id="2147483715" r:id="rId5"/>
-    <p:sldLayoutId id="2147483716" r:id="rId6"/>
-    <p:sldLayoutId id="2147483717" r:id="rId7"/>
-    <p:sldLayoutId id="2147483718" r:id="rId8"/>
-    <p:sldLayoutId id="2147483719" r:id="rId9"/>
-    <p:sldLayoutId id="2147483720" r:id="rId10"/>
-    <p:sldLayoutId id="2147483721" r:id="rId11"/>
-    <p:sldLayoutId id="2147483722" r:id="rId12"/>
-    <p:sldLayoutId id="2147483723" r:id="rId13"/>
-    <p:sldLayoutId id="2147483724" r:id="rId14"/>
-    <p:sldLayoutId id="2147483725" r:id="rId15"/>
+    <p:sldLayoutId id="2147483714" r:id="rId1"/>
+    <p:sldLayoutId id="2147483715" r:id="rId2"/>
+    <p:sldLayoutId id="2147483716" r:id="rId3"/>
+    <p:sldLayoutId id="2147483717" r:id="rId4"/>
+    <p:sldLayoutId id="2147483718" r:id="rId5"/>
+    <p:sldLayoutId id="2147483719" r:id="rId6"/>
+    <p:sldLayoutId id="2147483720" r:id="rId7"/>
+    <p:sldLayoutId id="2147483721" r:id="rId8"/>
+    <p:sldLayoutId id="2147483722" r:id="rId9"/>
+    <p:sldLayoutId id="2147483723" r:id="rId10"/>
+    <p:sldLayoutId id="2147483724" r:id="rId11"/>
+    <p:sldLayoutId id="2147483725" r:id="rId12"/>
   </p:sldLayoutIdLst>
+  <p:txStyles>
+    <p:titleStyle>
+      <a:lvl1pPr algn="l" defTabSz="914400" rtl="0" eaLnBrk="1" latinLnBrk="0" hangingPunct="1">
+        <a:lnSpc>
+          <a:spcPct val="90000"/>
+        </a:lnSpc>
+        <a:spcBef>
+          <a:spcPct val="0"/>
+        </a:spcBef>
+        <a:buNone/>
+        <a:defRPr sz="4400" kern="1200">
+          <a:solidFill>
+            <a:schemeClr val="tx1"/>
+          </a:solidFill>
+          <a:latin typeface="+mj-lt"/>
+          <a:ea typeface="+mj-ea"/>
+          <a:cs typeface="+mj-cs"/>
+        </a:defRPr>
+      </a:lvl1pPr>
+    </p:titleStyle>
+    <p:bodyStyle>
+      <a:lvl1pPr marL="228600" indent="-228600" algn="l" defTabSz="914400" rtl="0" eaLnBrk="1" latinLnBrk="0" hangingPunct="1">
+        <a:lnSpc>
+          <a:spcPct val="90000"/>
+        </a:lnSpc>
+        <a:spcBef>
+          <a:spcPts val="1000"/>
+        </a:spcBef>
+        <a:buFont typeface="Arial" panose="020B0604020202020204" pitchFamily="34" charset="0"/>
+        <a:buChar char="•"/>
+        <a:defRPr sz="2800" kern="1200">
+          <a:solidFill>
+            <a:schemeClr val="tx1"/>
+          </a:solidFill>
+          <a:latin typeface="+mn-lt"/>
+          <a:ea typeface="+mn-ea"/>
+          <a:cs typeface="+mn-cs"/>
+        </a:defRPr>
+      </a:lvl1pPr>
+      <a:lvl2pPr marL="685800" indent="-228600" algn="l" defTabSz="914400" rtl="0" eaLnBrk="1" latinLnBrk="0" hangingPunct="1">
+        <a:lnSpc>
+          <a:spcPct val="90000"/>
+        </a:lnSpc>
+        <a:spcBef>
+          <a:spcPts val="500"/>
+        </a:spcBef>
+        <a:buFont typeface="Arial" panose="020B0604020202020204" pitchFamily="34" charset="0"/>
+        <a:buChar char="•"/>
+        <a:defRPr sz="2400" kern="1200">
+          <a:solidFill>
+            <a:schemeClr val="tx1"/>
+          </a:solidFill>
+          <a:latin typeface="+mn-lt"/>
+          <a:ea typeface="+mn-ea"/>
+          <a:cs typeface="+mn-cs"/>
+        </a:defRPr>
+      </a:lvl2pPr>
+      <a:lvl3pPr marL="1143000" indent="-228600" algn="l" defTabSz="914400" rtl="0" eaLnBrk="1" latinLnBrk="0" hangingPunct="1">
+        <a:lnSpc>
+          <a:spcPct val="90000"/>
+        </a:lnSpc>
+        <a:spcBef>
+          <a:spcPts val="500"/>
+        </a:spcBef>
+        <a:buFont typeface="Arial" panose="020B0604020202020204" pitchFamily="34" charset="0"/>
+        <a:buChar char="•"/>
+        <a:defRPr sz="2000" kern="1200">
+          <a:solidFill>
+            <a:schemeClr val="tx1"/>
+          </a:solidFill>
+          <a:latin typeface="+mn-lt"/>
+          <a:ea typeface="+mn-ea"/>
+          <a:cs typeface="+mn-cs"/>
+        </a:defRPr>
+      </a:lvl3pPr>
+      <a:lvl4pPr marL="1600200" indent="-228600" algn="l" defTabSz="914400" rtl="0" eaLnBrk="1" latinLnBrk="0" hangingPunct="1">
+        <a:lnSpc>
+          <a:spcPct val="90000"/>
+        </a:lnSpc>
+        <a:spcBef>
+          <a:spcPts val="500"/>
+        </a:spcBef>
+        <a:buFont typeface="Arial" panose="020B0604020202020204" pitchFamily="34" charset="0"/>
+        <a:buChar char="•"/>
+        <a:defRPr sz="1800" kern="1200">
+          <a:solidFill>
+            <a:schemeClr val="tx1"/>
+          </a:solidFill>
+          <a:latin typeface="+mn-lt"/>
+          <a:ea typeface="+mn-ea"/>
+          <a:cs typeface="+mn-cs"/>
+        </a:defRPr>
+      </a:lvl4pPr>
+      <a:lvl5pPr marL="2057400" indent="-228600" algn="l" defTabSz="914400" rtl="0" eaLnBrk="1" latinLnBrk="0" hangingPunct="1">
+        <a:lnSpc>
+          <a:spcPct val="90000"/>
+        </a:lnSpc>
+        <a:spcBef>
+          <a:spcPts val="500"/>
+        </a:spcBef>
+        <a:buFont typeface="Arial" panose="020B0604020202020204" pitchFamily="34" charset="0"/>
+        <a:buChar char="•"/>
+        <a:defRPr sz="1800" kern="1200">
+          <a:solidFill>
+            <a:schemeClr val="tx1"/>
+          </a:solidFill>
+          <a:latin typeface="+mn-lt"/>
+          <a:ea typeface="+mn-ea"/>
+          <a:cs typeface="+mn-cs"/>
+        </a:defRPr>
+      </a:lvl5pPr>
+      <a:lvl6pPr marL="2514600" indent="-228600" algn="l" defTabSz="914400" rtl="0" eaLnBrk="1" latinLnBrk="0" hangingPunct="1">
+        <a:lnSpc>
+          <a:spcPct val="90000"/>
+        </a:lnSpc>
+        <a:spcBef>
+          <a:spcPts val="500"/>
+        </a:spcBef>
+        <a:buFont typeface="Arial" panose="020B0604020202020204" pitchFamily="34" charset="0"/>
+        <a:buChar char="•"/>
+        <a:defRPr sz="1800" kern="1200">
+          <a:solidFill>
+            <a:schemeClr val="tx1"/>
+          </a:solidFill>
+          <a:latin typeface="+mn-lt"/>
+          <a:ea typeface="+mn-ea"/>
+          <a:cs typeface="+mn-cs"/>
+        </a:defRPr>
+      </a:lvl6pPr>
+      <a:lvl7pPr marL="2971800" indent="-228600" algn="l" defTabSz="914400" rtl="0" eaLnBrk="1" latinLnBrk="0" hangingPunct="1">
+        <a:lnSpc>
+          <a:spcPct val="90000"/>
+        </a:lnSpc>
+        <a:spcBef>
+          <a:spcPts val="500"/>
+        </a:spcBef>
+        <a:buFont typeface="Arial" panose="020B0604020202020204" pitchFamily="34" charset="0"/>
+        <a:buChar char="•"/>
+        <a:defRPr sz="1800" kern="1200">
+          <a:solidFill>
+            <a:schemeClr val="tx1"/>
+          </a:solidFill>
+          <a:latin typeface="+mn-lt"/>
+          <a:ea typeface="+mn-ea"/>
+          <a:cs typeface="+mn-cs"/>
+        </a:defRPr>
+      </a:lvl7pPr>
+      <a:lvl8pPr marL="3429000" indent="-228600" algn="l" defTabSz="914400" rtl="0" eaLnBrk="1" latinLnBrk="0" hangingPunct="1">
+        <a:lnSpc>
+          <a:spcPct val="90000"/>
+        </a:lnSpc>
+        <a:spcBef>
+          <a:spcPts val="500"/>
+        </a:spcBef>
+        <a:buFont typeface="Arial" panose="020B0604020202020204" pitchFamily="34" charset="0"/>
+        <a:buChar char="•"/>
+        <a:defRPr sz="1800" kern="1200">
+          <a:solidFill>
+            <a:schemeClr val="tx1"/>
+          </a:solidFill>
+          <a:latin typeface="+mn-lt"/>
+          <a:ea typeface="+mn-ea"/>
+          <a:cs typeface="+mn-cs"/>
+        </a:defRPr>
+      </a:lvl8pPr>
+      <a:lvl9pPr marL="3886200" indent="-228600" algn="l" defTabSz="914400" rtl="0" eaLnBrk="1" latinLnBrk="0" hangingPunct="1">
+        <a:lnSpc>
+          <a:spcPct val="90000"/>
+        </a:lnSpc>
+        <a:spcBef>
+          <a:spcPts val="500"/>
+        </a:spcBef>
+        <a:buFont typeface="Arial" panose="020B0604020202020204" pitchFamily="34" charset="0"/>
+        <a:buChar char="•"/>
+        <a:defRPr sz="1800" kern="1200">
+          <a:solidFill>
+            <a:schemeClr val="tx1"/>
+          </a:solidFill>
+          <a:latin typeface="+mn-lt"/>
+          <a:ea typeface="+mn-ea"/>
+          <a:cs typeface="+mn-cs"/>
+        </a:defRPr>
+      </a:lvl9pPr>
+    </p:bodyStyle>
+    <p:otherStyle>
+      <a:defPPr>
+        <a:defRPr lang="fi-FI"/>
+      </a:defPPr>
+      <a:lvl1pPr marL="0" algn="l" defTabSz="914400" rtl="0" eaLnBrk="1" latinLnBrk="0" hangingPunct="1">
+        <a:defRPr sz="1800" kern="1200">
+          <a:solidFill>
+            <a:schemeClr val="tx1"/>
+          </a:solidFill>
+          <a:latin typeface="+mn-lt"/>
+          <a:ea typeface="+mn-ea"/>
+          <a:cs typeface="+mn-cs"/>
+        </a:defRPr>
+      </a:lvl1pPr>
+      <a:lvl2pPr marL="457200" algn="l" defTabSz="914400" rtl="0" eaLnBrk="1" latinLnBrk="0" hangingPunct="1">
+        <a:defRPr sz="1800" kern="1200">
+          <a:solidFill>
+            <a:schemeClr val="tx1"/>
+          </a:solidFill>
+          <a:latin typeface="+mn-lt"/>
+          <a:ea typeface="+mn-ea"/>
+          <a:cs typeface="+mn-cs"/>
+        </a:defRPr>
+      </a:lvl2pPr>
+      <a:lvl3pPr marL="914400" algn="l" defTabSz="914400" rtl="0" eaLnBrk="1" latinLnBrk="0" hangingPunct="1">
+        <a:defRPr sz="1800" kern="1200">
+          <a:solidFill>
+            <a:schemeClr val="tx1"/>
+          </a:solidFill>
+          <a:latin typeface="+mn-lt"/>
+          <a:ea typeface="+mn-ea"/>
+          <a:cs typeface="+mn-cs"/>
+        </a:defRPr>
+      </a:lvl3pPr>
+      <a:lvl4pPr marL="1371600" algn="l" defTabSz="914400" rtl="0" eaLnBrk="1" latinLnBrk="0" hangingPunct="1">
+        <a:defRPr sz="1800" kern="1200">
+          <a:solidFill>
+            <a:schemeClr val="tx1"/>
+          </a:solidFill>
+          <a:latin typeface="+mn-lt"/>
+          <a:ea typeface="+mn-ea"/>
+          <a:cs typeface="+mn-cs"/>
+        </a:defRPr>
+      </a:lvl4pPr>
+      <a:lvl5pPr marL="1828800" algn="l" defTabSz="914400" rtl="0" eaLnBrk="1" latinLnBrk="0" hangingPunct="1">
+        <a:defRPr sz="1800" kern="1200">
+          <a:solidFill>
+            <a:schemeClr val="tx1"/>
+          </a:solidFill>
+          <a:latin typeface="+mn-lt"/>
+          <a:ea typeface="+mn-ea"/>
+          <a:cs typeface="+mn-cs"/>
+        </a:defRPr>
+      </a:lvl5pPr>
+      <a:lvl6pPr marL="2286000" algn="l" defTabSz="914400" rtl="0" eaLnBrk="1" latinLnBrk="0" hangingPunct="1">
+        <a:defRPr sz="1800" kern="1200">
+          <a:solidFill>
+            <a:schemeClr val="tx1"/>
+          </a:solidFill>
+          <a:latin typeface="+mn-lt"/>
+          <a:ea typeface="+mn-ea"/>
+          <a:cs typeface="+mn-cs"/>
+        </a:defRPr>
+      </a:lvl6pPr>
+      <a:lvl7pPr marL="2743200" algn="l" defTabSz="914400" rtl="0" eaLnBrk="1" latinLnBrk="0" hangingPunct="1">
+        <a:defRPr sz="1800" kern="1200">
+          <a:solidFill>
+            <a:schemeClr val="tx1"/>
+          </a:solidFill>
+          <a:latin typeface="+mn-lt"/>
+          <a:ea typeface="+mn-ea"/>
+          <a:cs typeface="+mn-cs"/>
+        </a:defRPr>
+      </a:lvl7pPr>
+      <a:lvl8pPr marL="3200400" algn="l" defTabSz="914400" rtl="0" eaLnBrk="1" latinLnBrk="0" hangingPunct="1">
+        <a:defRPr sz="1800" kern="1200">
+          <a:solidFill>
+            <a:schemeClr val="tx1"/>
+          </a:solidFill>
+          <a:latin typeface="+mn-lt"/>
+          <a:ea typeface="+mn-ea"/>
+          <a:cs typeface="+mn-cs"/>
+        </a:defRPr>
+      </a:lvl8pPr>
+      <a:lvl9pPr marL="3657600" algn="l" defTabSz="914400" rtl="0" eaLnBrk="1" latinLnBrk="0" hangingPunct="1">
+        <a:defRPr sz="1800" kern="1200">
+          <a:solidFill>
+            <a:schemeClr val="tx1"/>
+          </a:solidFill>
+          <a:latin typeface="+mn-lt"/>
+          <a:ea typeface="+mn-ea"/>
+          <a:cs typeface="+mn-cs"/>
+        </a:defRPr>
+      </a:lvl9pPr>
+    </p:otherStyle>
+  </p:txStyles>
 </p:sldMaster>
 </file>
 
 <file path=ppt/slides/slide1.xml><?xml version="1.0" encoding="utf-8"?>
-<p:sld xmlns:a="http://schemas.openxmlformats.org/drawingml/2006/main" xmlns:p="http://schemas.openxmlformats.org/presentationml/2006/main" xmlns:r="http://schemas.openxmlformats.org/officeDocument/2006/relationships" xmlns:p14="http://schemas.microsoft.com/office/powerpoint/2010/main" xmlns:p15="http://schemas.microsoft.com/office/powerpoint/2012/main" xmlns:mc="http://schemas.openxmlformats.org/markup-compatibility/2006">
+<p:sld xmlns:a="http://schemas.openxmlformats.org/drawingml/2006/main" xmlns:r="http://schemas.openxmlformats.org/officeDocument/2006/relationships" xmlns:p="http://schemas.openxmlformats.org/presentationml/2006/main">
   <p:cSld>
     <p:spTree>
       <p:nvGrpSpPr>
@@ -11599,9 +13888,10 @@
           </a:ln>
         </p:spPr>
         <p:txBody>
-          <a:bodyPr lIns="0" rIns="0" tIns="0" bIns="0" anchor="b">
+          <a:bodyPr lIns="0" tIns="0" rIns="0" bIns="0" anchor="b">
             <a:noAutofit/>
           </a:bodyPr>
+          <a:lstStyle/>
           <a:p>
             <a:pPr>
               <a:lnSpc>
@@ -11609,15 +13899,15 @@
               </a:lnSpc>
             </a:pPr>
             <a:r>
-              <a:rPr b="1" lang="en-GB" sz="5500" spc="-1" strike="noStrike">
+              <a:rPr lang="en-GB" sz="5500" b="1" strike="noStrike" spc="-1">
                 <a:solidFill>
-                  <a:srgbClr val="ffffff"/>
+                  <a:srgbClr val="FFFFFF"/>
                 </a:solidFill>
                 <a:latin typeface="Arial"/>
               </a:rPr>
               <a:t>Tietokantahallinta</a:t>
             </a:r>
-            <a:endParaRPr b="0" lang="en-FI" sz="5500" spc="-1" strike="noStrike">
+            <a:endParaRPr lang="en-FI" sz="5500" b="0" strike="noStrike" spc="-1">
               <a:solidFill>
                 <a:srgbClr val="000000"/>
               </a:solidFill>
@@ -11646,9 +13936,10 @@
           </a:ln>
         </p:spPr>
         <p:txBody>
-          <a:bodyPr lIns="0" rIns="0" tIns="0" bIns="0" anchor="b">
+          <a:bodyPr lIns="0" tIns="0" rIns="0" bIns="0" anchor="b">
             <a:noAutofit/>
           </a:bodyPr>
+          <a:lstStyle/>
           <a:p>
             <a:pPr>
               <a:lnSpc>
@@ -11656,15 +13947,15 @@
               </a:lnSpc>
             </a:pPr>
             <a:fld id="{F6D61F5F-ED68-42B5-B8FD-B4ACE1EB2854}" type="datetime1">
-              <a:rPr b="0" lang="fi-FI" sz="1600" spc="-1" strike="noStrike">
+              <a:rPr lang="fi-FI" sz="1600" b="0" strike="noStrike" spc="-1">
                 <a:solidFill>
-                  <a:srgbClr val="ffffff"/>
+                  <a:srgbClr val="FFFFFF"/>
                 </a:solidFill>
                 <a:latin typeface="Arial"/>
               </a:rPr>
-              <a:t>18.09.2023</a:t>
+              <a:t>18.9.2023</a:t>
             </a:fld>
-            <a:endParaRPr b="0" lang="fi-FI" sz="1600" spc="-1" strike="noStrike">
+            <a:endParaRPr lang="fi-FI" sz="1600" b="0" strike="noStrike" spc="-1">
               <a:latin typeface="Times New Roman"/>
             </a:endParaRPr>
           </a:p>
@@ -11690,9 +13981,10 @@
           </a:ln>
         </p:spPr>
         <p:txBody>
-          <a:bodyPr lIns="0" rIns="0" tIns="0" bIns="0" anchor="b">
+          <a:bodyPr lIns="0" tIns="0" rIns="0" bIns="0" anchor="b">
             <a:noAutofit/>
           </a:bodyPr>
+          <a:lstStyle/>
           <a:p>
             <a:pPr>
               <a:lnSpc>
@@ -11700,15 +13992,15 @@
               </a:lnSpc>
             </a:pPr>
             <a:r>
-              <a:rPr b="0" lang="en-GB" sz="1000" spc="-1" strike="noStrike">
+              <a:rPr lang="en-GB" sz="1000" b="0" strike="noStrike" spc="-1">
                 <a:solidFill>
-                  <a:srgbClr val="8baddc"/>
+                  <a:srgbClr val="8BADDC"/>
                 </a:solidFill>
                 <a:latin typeface="Arial"/>
               </a:rPr>
               <a:t>Sauli Isonikkilä</a:t>
             </a:r>
-            <a:endParaRPr b="0" lang="fi-FI" sz="1000" spc="-1" strike="noStrike">
+            <a:endParaRPr lang="fi-FI" sz="1000" b="0" strike="noStrike" spc="-1">
               <a:latin typeface="Times New Roman"/>
             </a:endParaRPr>
           </a:p>
@@ -11734,28 +14026,29 @@
           </a:ln>
         </p:spPr>
         <p:txBody>
-          <a:bodyPr lIns="0" rIns="0" tIns="0" bIns="0">
+          <a:bodyPr lIns="0" tIns="0" rIns="0" bIns="0">
             <a:noAutofit/>
           </a:bodyPr>
+          <a:lstStyle/>
           <a:p>
             <a:pPr>
               <a:lnSpc>
                 <a:spcPts val="2100"/>
               </a:lnSpc>
               <a:tabLst>
-                <a:tab algn="l" pos="0"/>
+                <a:tab pos="0" algn="l"/>
               </a:tabLst>
             </a:pPr>
             <a:r>
-              <a:rPr b="1" lang="en-GB" sz="2000" spc="-1" strike="noStrike">
+              <a:rPr lang="en-GB" sz="2000" b="1" strike="noStrike" spc="-1">
                 <a:solidFill>
-                  <a:srgbClr val="ffffff"/>
+                  <a:srgbClr val="FFFFFF"/>
                 </a:solidFill>
                 <a:latin typeface="Arial"/>
               </a:rPr>
               <a:t>Viikko 01</a:t>
             </a:r>
-            <a:endParaRPr b="0" lang="en-FI" sz="2000" spc="-1" strike="noStrike">
+            <a:endParaRPr lang="en-FI" sz="2000" b="0" strike="noStrike" spc="-1">
               <a:solidFill>
                 <a:srgbClr val="000000"/>
               </a:solidFill>
@@ -11766,19 +14059,14 @@
       </p:sp>
     </p:spTree>
   </p:cSld>
-  <mc:AlternateContent>
-    <mc:Choice Requires="p14">
-      <p:transition spd="slow" p14:dur="2000"/>
-    </mc:Choice>
-    <mc:Fallback>
-      <p:transition spd="slow"/>
-    </mc:Fallback>
-  </mc:AlternateContent>
+  <p:clrMapOvr>
+    <a:masterClrMapping/>
+  </p:clrMapOvr>
 </p:sld>
 </file>
 
 <file path=ppt/slides/slide2.xml><?xml version="1.0" encoding="utf-8"?>
-<p:sld xmlns:a="http://schemas.openxmlformats.org/drawingml/2006/main" xmlns:p="http://schemas.openxmlformats.org/presentationml/2006/main" xmlns:r="http://schemas.openxmlformats.org/officeDocument/2006/relationships" xmlns:p14="http://schemas.microsoft.com/office/powerpoint/2010/main" xmlns:p15="http://schemas.microsoft.com/office/powerpoint/2012/main" xmlns:mc="http://schemas.openxmlformats.org/markup-compatibility/2006">
+<p:sld xmlns:a="http://schemas.openxmlformats.org/drawingml/2006/main" xmlns:r="http://schemas.openxmlformats.org/officeDocument/2006/relationships" xmlns:p="http://schemas.openxmlformats.org/presentationml/2006/main">
   <p:cSld>
     <p:spTree>
       <p:nvGrpSpPr>
@@ -11814,9 +14102,10 @@
           </a:ln>
         </p:spPr>
         <p:txBody>
-          <a:bodyPr lIns="0" rIns="0" tIns="0" bIns="36000">
+          <a:bodyPr lIns="0" tIns="0" rIns="0" bIns="36000">
             <a:noAutofit/>
           </a:bodyPr>
+          <a:lstStyle/>
           <a:p>
             <a:pPr>
               <a:lnSpc>
@@ -11824,9 +14113,9 @@
               </a:lnSpc>
             </a:pPr>
             <a:r>
-              <a:rPr b="1" lang="fi-FI" sz="3600" spc="-1" strike="noStrike">
+              <a:rPr lang="fi-FI" sz="3600" b="1" strike="noStrike" spc="-1">
                 <a:solidFill>
-                  <a:srgbClr val="0079c2"/>
+                  <a:srgbClr val="0079C2"/>
                 </a:solidFill>
                 <a:latin typeface="Arial"/>
               </a:rPr>
@@ -11834,15 +14123,15 @@
             </a:r>
             <a:br/>
             <a:r>
-              <a:rPr b="1" lang="fi-FI" sz="3600" spc="-1" strike="noStrike">
+              <a:rPr lang="fi-FI" sz="3600" b="1" strike="noStrike" spc="-1">
                 <a:solidFill>
-                  <a:srgbClr val="0079c2"/>
+                  <a:srgbClr val="0079C2"/>
                 </a:solidFill>
                 <a:latin typeface="Arial"/>
               </a:rPr>
               <a:t>(Database administration, DBA)</a:t>
             </a:r>
-            <a:endParaRPr b="0" lang="en-FI" sz="3600" spc="-1" strike="noStrike">
+            <a:endParaRPr lang="en-FI" sz="3600" b="0" strike="noStrike" spc="-1">
               <a:solidFill>
                 <a:srgbClr val="000000"/>
               </a:solidFill>
@@ -11871,9 +14160,10 @@
           </a:ln>
         </p:spPr>
         <p:txBody>
-          <a:bodyPr lIns="0" rIns="0" tIns="0" bIns="36000">
+          <a:bodyPr lIns="0" tIns="0" rIns="0" bIns="36000">
             <a:noAutofit/>
           </a:bodyPr>
+          <a:lstStyle/>
           <a:p>
             <a:pPr marL="216000" indent="-215640">
               <a:lnSpc>
@@ -11883,21 +14173,219 @@
                 <a:spcPts val="799"/>
               </a:spcBef>
               <a:buClr>
-                <a:srgbClr val="8baddc"/>
+                <a:srgbClr val="8BADDC"/>
               </a:buClr>
               <a:buFont typeface="Wingdings" charset="2"/>
               <a:buChar char=""/>
             </a:pPr>
             <a:r>
-              <a:rPr b="0" lang="fi-FI" sz="1660" spc="-1" strike="noStrike">
+              <a:rPr lang="fi-FI" sz="1660" spc="-1" dirty="0">
                 <a:solidFill>
                   <a:srgbClr val="000000"/>
                 </a:solidFill>
                 <a:latin typeface="Arial"/>
               </a:rPr>
-              <a:t>Miksi tärkeää….</a:t>
+              <a:t>Tietokantojenhallintaa voi löytää yksityisistä yrityksistä heidän omilta palvelimiltaan. Ne usein sisältävät yrityksen kannalta liiketoiminta salaisuuksia.</a:t>
             </a:r>
-            <a:endParaRPr b="0" lang="en-FI" sz="1660" spc="-1" strike="noStrike">
+          </a:p>
+          <a:p>
+            <a:pPr marL="216000" indent="-215640">
+              <a:lnSpc>
+                <a:spcPts val="2200"/>
+              </a:lnSpc>
+              <a:spcBef>
+                <a:spcPts val="799"/>
+              </a:spcBef>
+              <a:buClr>
+                <a:srgbClr val="8BADDC"/>
+              </a:buClr>
+              <a:buFont typeface="Wingdings" charset="2"/>
+              <a:buChar char=""/>
+            </a:pPr>
+            <a:r>
+              <a:rPr lang="fi-FI" sz="1660" b="0" strike="noStrike" spc="-1" dirty="0">
+                <a:solidFill>
+                  <a:srgbClr val="000000"/>
+                </a:solidFill>
+                <a:latin typeface="Arial"/>
+              </a:rPr>
+              <a:t>Tietokantojenhallintaa voi löytää myös erilaisista datakeskuksista, joissa ylläpidetään pilvipalveluita. </a:t>
+            </a:r>
+            <a:endParaRPr lang="fi-FI" sz="1660" spc="-1" dirty="0">
+              <a:solidFill>
+                <a:srgbClr val="000000"/>
+              </a:solidFill>
+              <a:latin typeface="Arial"/>
+            </a:endParaRPr>
+          </a:p>
+          <a:p>
+            <a:pPr marL="216000" indent="-215640">
+              <a:lnSpc>
+                <a:spcPts val="2200"/>
+              </a:lnSpc>
+              <a:spcBef>
+                <a:spcPts val="799"/>
+              </a:spcBef>
+              <a:buClr>
+                <a:srgbClr val="8BADDC"/>
+              </a:buClr>
+              <a:buFont typeface="Wingdings" charset="2"/>
+              <a:buChar char=""/>
+            </a:pPr>
+            <a:r>
+              <a:rPr lang="fi-FI" sz="1660" b="0" strike="noStrike" spc="-1" dirty="0">
+                <a:solidFill>
+                  <a:srgbClr val="000000"/>
+                </a:solidFill>
+                <a:latin typeface="Arial"/>
+              </a:rPr>
+              <a:t>Tietokantoja siis käytetään nykyään </a:t>
+            </a:r>
+            <a:r>
+              <a:rPr lang="fi-FI" sz="1660" spc="-1" dirty="0">
+                <a:solidFill>
+                  <a:srgbClr val="000000"/>
+                </a:solidFill>
+                <a:latin typeface="Arial"/>
+              </a:rPr>
+              <a:t>laajasti eri tavoin. Niiden ylläpito on siis keskeistä.</a:t>
+            </a:r>
+          </a:p>
+          <a:p>
+            <a:pPr marL="216000" indent="-215640">
+              <a:lnSpc>
+                <a:spcPts val="2200"/>
+              </a:lnSpc>
+              <a:spcBef>
+                <a:spcPts val="799"/>
+              </a:spcBef>
+              <a:buClr>
+                <a:srgbClr val="8BADDC"/>
+              </a:buClr>
+              <a:buFont typeface="Wingdings" charset="2"/>
+              <a:buChar char=""/>
+            </a:pPr>
+            <a:r>
+              <a:rPr lang="fi-FI" sz="1660" b="0" strike="noStrike" spc="-1" dirty="0">
+                <a:solidFill>
+                  <a:srgbClr val="000000"/>
+                </a:solidFill>
+                <a:latin typeface="Arial"/>
+              </a:rPr>
+              <a:t>Tällä opintojaksolla keskitytään relaatiotietokantojen käyttöön tarvittavia </a:t>
+            </a:r>
+            <a:r>
+              <a:rPr lang="fi-FI" sz="1660" b="0" strike="noStrike" spc="-1" dirty="0" err="1">
+                <a:solidFill>
+                  <a:srgbClr val="000000"/>
+                </a:solidFill>
+                <a:latin typeface="Arial"/>
+              </a:rPr>
+              <a:t>tietokantapalvelimia</a:t>
+            </a:r>
+            <a:r>
+              <a:rPr lang="fi-FI" sz="1660" b="0" strike="noStrike" spc="-1" dirty="0">
+                <a:solidFill>
+                  <a:srgbClr val="000000"/>
+                </a:solidFill>
+                <a:latin typeface="Arial"/>
+              </a:rPr>
+              <a:t>. </a:t>
+            </a:r>
+            <a:r>
+              <a:rPr lang="fi-FI" sz="1660" spc="-1" dirty="0">
+                <a:solidFill>
+                  <a:srgbClr val="000000"/>
+                </a:solidFill>
+                <a:latin typeface="Arial"/>
+              </a:rPr>
+              <a:t>Esimerkkinä käytetään Microsoftin SQL Server </a:t>
+            </a:r>
+            <a:r>
+              <a:rPr lang="fi-FI" sz="1660" spc="-1" dirty="0" err="1">
+                <a:solidFill>
+                  <a:srgbClr val="000000"/>
+                </a:solidFill>
+                <a:latin typeface="Arial"/>
+              </a:rPr>
+              <a:t>tietokantapalvelinta</a:t>
+            </a:r>
+            <a:r>
+              <a:rPr lang="fi-FI" sz="1660" spc="-1" dirty="0">
+                <a:solidFill>
+                  <a:srgbClr val="000000"/>
+                </a:solidFill>
+                <a:latin typeface="Arial"/>
+              </a:rPr>
+              <a:t>.</a:t>
+            </a:r>
+          </a:p>
+          <a:p>
+            <a:pPr marL="216000" indent="-215640">
+              <a:lnSpc>
+                <a:spcPts val="2200"/>
+              </a:lnSpc>
+              <a:spcBef>
+                <a:spcPts val="799"/>
+              </a:spcBef>
+              <a:buClr>
+                <a:srgbClr val="8BADDC"/>
+              </a:buClr>
+              <a:buFont typeface="Wingdings" charset="2"/>
+              <a:buChar char=""/>
+            </a:pPr>
+            <a:r>
+              <a:rPr lang="fi-FI" sz="1660" spc="-1" dirty="0">
+                <a:solidFill>
+                  <a:srgbClr val="000000"/>
+                </a:solidFill>
+                <a:latin typeface="Arial"/>
+              </a:rPr>
+              <a:t>Microsoft SQL </a:t>
+            </a:r>
+            <a:r>
+              <a:rPr lang="fi-FI" sz="1660" spc="-1" dirty="0" err="1">
+                <a:solidFill>
+                  <a:srgbClr val="000000"/>
+                </a:solidFill>
+                <a:latin typeface="Arial"/>
+              </a:rPr>
+              <a:t>Server:in</a:t>
+            </a:r>
+            <a:r>
+              <a:rPr lang="fi-FI" sz="1660" spc="-1" dirty="0">
+                <a:solidFill>
+                  <a:srgbClr val="000000"/>
+                </a:solidFill>
+                <a:latin typeface="Arial"/>
+              </a:rPr>
+              <a:t> avulla harjoitetaan tällä opintojaksolla tärkeimpiä ylläpidon tehtäviä.</a:t>
+            </a:r>
+            <a:r>
+              <a:rPr lang="fi-FI" sz="1660" b="0" strike="noStrike" spc="-1" dirty="0">
+                <a:solidFill>
+                  <a:srgbClr val="000000"/>
+                </a:solidFill>
+                <a:latin typeface="Arial"/>
+              </a:rPr>
+              <a:t> </a:t>
+            </a:r>
+          </a:p>
+          <a:p>
+            <a:pPr marL="216000" indent="-215640">
+              <a:lnSpc>
+                <a:spcPts val="2200"/>
+              </a:lnSpc>
+              <a:spcBef>
+                <a:spcPts val="799"/>
+              </a:spcBef>
+              <a:buClr>
+                <a:srgbClr val="8BADDC"/>
+              </a:buClr>
+              <a:buFont typeface="Wingdings" charset="2"/>
+              <a:buChar char=""/>
+            </a:pPr>
+            <a:endParaRPr lang="en-FI" sz="1660" b="0" strike="noStrike" spc="-1" dirty="0">
               <a:solidFill>
                 <a:srgbClr val="000000"/>
               </a:solidFill>
@@ -11908,19 +14396,14 @@
       </p:sp>
     </p:spTree>
   </p:cSld>
-  <mc:AlternateContent>
-    <mc:Choice Requires="p14">
-      <p:transition spd="slow" p14:dur="2000"/>
-    </mc:Choice>
-    <mc:Fallback>
-      <p:transition spd="slow"/>
-    </mc:Fallback>
-  </mc:AlternateContent>
+  <p:clrMapOvr>
+    <a:masterClrMapping/>
+  </p:clrMapOvr>
 </p:sld>
 </file>
 
 <file path=ppt/slides/slide3.xml><?xml version="1.0" encoding="utf-8"?>
-<p:sld xmlns:a="http://schemas.openxmlformats.org/drawingml/2006/main" xmlns:p="http://schemas.openxmlformats.org/presentationml/2006/main" xmlns:r="http://schemas.openxmlformats.org/officeDocument/2006/relationships" xmlns:p14="http://schemas.microsoft.com/office/powerpoint/2010/main" xmlns:p15="http://schemas.microsoft.com/office/powerpoint/2012/main" xmlns:mc="http://schemas.openxmlformats.org/markup-compatibility/2006">
+<p:sld xmlns:a="http://schemas.openxmlformats.org/drawingml/2006/main" xmlns:r="http://schemas.openxmlformats.org/officeDocument/2006/relationships" xmlns:p="http://schemas.openxmlformats.org/presentationml/2006/main">
   <p:cSld>
     <p:spTree>
       <p:nvGrpSpPr>
@@ -11956,9 +14439,10 @@
           </a:ln>
         </p:spPr>
         <p:txBody>
-          <a:bodyPr lIns="0" rIns="0" tIns="0" bIns="36000">
+          <a:bodyPr lIns="0" tIns="0" rIns="0" bIns="36000">
             <a:noAutofit/>
           </a:bodyPr>
+          <a:lstStyle/>
           <a:p>
             <a:pPr marL="216000" indent="-215640">
               <a:lnSpc>
@@ -11968,21 +14452,96 @@
                 <a:spcPts val="799"/>
               </a:spcBef>
               <a:buClr>
-                <a:srgbClr val="8baddc"/>
+                <a:srgbClr val="8BADDC"/>
               </a:buClr>
               <a:buFont typeface="Wingdings" charset="2"/>
               <a:buChar char=""/>
             </a:pPr>
             <a:r>
-              <a:rPr b="0" lang="fi-FI" sz="1660" spc="-1" strike="noStrike">
+              <a:rPr lang="fi-FI" sz="1660" b="0" strike="noStrike" spc="-1" dirty="0">
                 <a:solidFill>
                   <a:srgbClr val="000000"/>
                 </a:solidFill>
                 <a:latin typeface="Arial"/>
               </a:rPr>
-              <a:t>Miksi tärkeää….</a:t>
+              <a:t>Tällä opintojaksolla siis tarvitaan </a:t>
             </a:r>
-            <a:endParaRPr b="0" lang="en-FI" sz="1660" spc="-1" strike="noStrike">
+            <a:r>
+              <a:rPr lang="fi-FI" sz="1660" b="0" strike="noStrike" spc="-1" dirty="0" err="1">
+                <a:solidFill>
+                  <a:srgbClr val="000000"/>
+                </a:solidFill>
+                <a:latin typeface="Arial"/>
+              </a:rPr>
+              <a:t>tietokantapalvelin</a:t>
+            </a:r>
+            <a:r>
+              <a:rPr lang="fi-FI" sz="1660" b="0" strike="noStrike" spc="-1" dirty="0">
+                <a:solidFill>
+                  <a:srgbClr val="000000"/>
+                </a:solidFill>
+                <a:latin typeface="Arial"/>
+              </a:rPr>
+              <a:t> - Microsoft SQL Server.</a:t>
+            </a:r>
+          </a:p>
+          <a:p>
+            <a:pPr marL="216000" indent="-215640">
+              <a:lnSpc>
+                <a:spcPts val="2200"/>
+              </a:lnSpc>
+              <a:spcBef>
+                <a:spcPts val="799"/>
+              </a:spcBef>
+              <a:buClr>
+                <a:srgbClr val="8BADDC"/>
+              </a:buClr>
+              <a:buFont typeface="Wingdings" charset="2"/>
+              <a:buChar char=""/>
+            </a:pPr>
+            <a:r>
+              <a:rPr lang="fi-FI" sz="1660" spc="-1" dirty="0">
+                <a:solidFill>
+                  <a:srgbClr val="000000"/>
+                </a:solidFill>
+                <a:latin typeface="Arial"/>
+              </a:rPr>
+              <a:t>Ja ylläpitotyökalu - Microsoft SQL Management Studio.</a:t>
+            </a:r>
+          </a:p>
+          <a:p>
+            <a:pPr marL="216000" indent="-215640">
+              <a:lnSpc>
+                <a:spcPts val="2200"/>
+              </a:lnSpc>
+              <a:spcBef>
+                <a:spcPts val="799"/>
+              </a:spcBef>
+              <a:buClr>
+                <a:srgbClr val="8BADDC"/>
+              </a:buClr>
+              <a:buFont typeface="Wingdings" charset="2"/>
+              <a:buChar char=""/>
+            </a:pPr>
+            <a:r>
+              <a:rPr lang="fi-FI" sz="1660" b="0" strike="noStrike" spc="-1" dirty="0">
+                <a:solidFill>
+                  <a:srgbClr val="000000"/>
+                </a:solidFill>
+                <a:latin typeface="Arial"/>
+              </a:rPr>
+              <a:t>Ne </a:t>
+            </a:r>
+            <a:r>
+              <a:rPr lang="fi-FI" sz="1660" spc="-1" dirty="0">
+                <a:solidFill>
+                  <a:srgbClr val="000000"/>
+                </a:solidFill>
+                <a:latin typeface="Arial"/>
+              </a:rPr>
+              <a:t>molemmat on asennettava. Tähän keskitytään tämän viikon tehtävissä 1 ja 2.</a:t>
+            </a:r>
+            <a:endParaRPr lang="en-FI" sz="1660" b="0" strike="noStrike" spc="-1" dirty="0">
               <a:solidFill>
                 <a:srgbClr val="000000"/>
               </a:solidFill>
@@ -12011,9 +14570,10 @@
           </a:ln>
         </p:spPr>
         <p:txBody>
-          <a:bodyPr lIns="0" rIns="0" tIns="0" bIns="36000">
+          <a:bodyPr lIns="0" tIns="0" rIns="0" bIns="36000">
             <a:noAutofit/>
           </a:bodyPr>
+          <a:lstStyle/>
           <a:p>
             <a:pPr>
               <a:lnSpc>
@@ -12021,15 +14581,15 @@
               </a:lnSpc>
             </a:pPr>
             <a:r>
-              <a:rPr b="1" lang="fi-FI" sz="3600" spc="-1" strike="noStrike">
+              <a:rPr lang="fi-FI" sz="3600" b="1" strike="noStrike" spc="-1">
                 <a:solidFill>
-                  <a:srgbClr val="0079c2"/>
+                  <a:srgbClr val="0079C2"/>
                 </a:solidFill>
                 <a:latin typeface="Arial"/>
               </a:rPr>
               <a:t>Tietokantahallinta... </a:t>
             </a:r>
-            <a:endParaRPr b="0" lang="en-FI" sz="3600" spc="-1" strike="noStrike">
+            <a:endParaRPr lang="en-FI" sz="3600" b="0" strike="noStrike" spc="-1">
               <a:solidFill>
                 <a:srgbClr val="000000"/>
               </a:solidFill>
@@ -12040,19 +14600,14 @@
       </p:sp>
     </p:spTree>
   </p:cSld>
-  <mc:AlternateContent>
-    <mc:Choice Requires="p14">
-      <p:transition spd="slow" p14:dur="2000"/>
-    </mc:Choice>
-    <mc:Fallback>
-      <p:transition spd="slow"/>
-    </mc:Fallback>
-  </mc:AlternateContent>
+  <p:clrMapOvr>
+    <a:masterClrMapping/>
+  </p:clrMapOvr>
 </p:sld>
 </file>
 
 <file path=ppt/slides/slide4.xml><?xml version="1.0" encoding="utf-8"?>
-<p:sld xmlns:a="http://schemas.openxmlformats.org/drawingml/2006/main" xmlns:p="http://schemas.openxmlformats.org/presentationml/2006/main" xmlns:r="http://schemas.openxmlformats.org/officeDocument/2006/relationships" xmlns:p14="http://schemas.microsoft.com/office/powerpoint/2010/main" xmlns:p15="http://schemas.microsoft.com/office/powerpoint/2012/main" xmlns:mc="http://schemas.openxmlformats.org/markup-compatibility/2006">
+<p:sld xmlns:a="http://schemas.openxmlformats.org/drawingml/2006/main" xmlns:r="http://schemas.openxmlformats.org/officeDocument/2006/relationships" xmlns:p="http://schemas.openxmlformats.org/presentationml/2006/main">
   <p:cSld>
     <p:spTree>
       <p:nvGrpSpPr>
@@ -12088,11 +14643,12 @@
           </a:ln>
         </p:spPr>
         <p:txBody>
-          <a:bodyPr lIns="0" rIns="0" tIns="0" bIns="36000" anchor="ctr">
+          <a:bodyPr lIns="0" tIns="0" rIns="0" bIns="36000" anchor="ctr">
             <a:noAutofit/>
           </a:bodyPr>
-          <a:p>
-            <a:endParaRPr b="0" lang="en-FI" sz="1660" spc="-1" strike="noStrike">
+          <a:lstStyle/>
+          <a:p>
+            <a:endParaRPr lang="en-FI" sz="1660" b="0" strike="noStrike" spc="-1">
               <a:solidFill>
                 <a:srgbClr val="000000"/>
               </a:solidFill>
@@ -12121,9 +14677,10 @@
           </a:ln>
         </p:spPr>
         <p:txBody>
-          <a:bodyPr lIns="0" rIns="0" tIns="0" bIns="0" anchor="b">
+          <a:bodyPr lIns="0" tIns="0" rIns="0" bIns="0" anchor="b">
             <a:noAutofit/>
           </a:bodyPr>
+          <a:lstStyle/>
           <a:p>
             <a:pPr>
               <a:lnSpc>
@@ -12131,15 +14688,15 @@
               </a:lnSpc>
             </a:pPr>
             <a:fld id="{95ACA28C-B10E-427F-81D8-F5D5012EB3BF}" type="datetime1">
-              <a:rPr b="0" lang="fi-FI" sz="1000" spc="-1" strike="noStrike">
+              <a:rPr lang="fi-FI" sz="1000" b="0" strike="noStrike" spc="-1">
                 <a:solidFill>
-                  <a:srgbClr val="8baddc"/>
+                  <a:srgbClr val="8BADDC"/>
                 </a:solidFill>
                 <a:latin typeface="Arial"/>
               </a:rPr>
-              <a:t>18.09.2023</a:t>
+              <a:t>18.9.2023</a:t>
             </a:fld>
-            <a:endParaRPr b="0" lang="fi-FI" sz="1000" spc="-1" strike="noStrike">
+            <a:endParaRPr lang="fi-FI" sz="1000" b="0" strike="noStrike" spc="-1">
               <a:latin typeface="Times New Roman"/>
             </a:endParaRPr>
           </a:p>
@@ -12165,11 +14722,12 @@
           </a:ln>
         </p:spPr>
         <p:txBody>
-          <a:bodyPr lIns="0" rIns="0" tIns="0" bIns="0" anchor="b">
+          <a:bodyPr lIns="0" tIns="0" rIns="0" bIns="0" anchor="b">
             <a:noAutofit/>
           </a:bodyPr>
-          <a:p>
-            <a:endParaRPr b="0" lang="fi-FI" sz="2400" spc="-1" strike="noStrike">
+          <a:lstStyle/>
+          <a:p>
+            <a:endParaRPr lang="fi-FI" sz="2400" b="0" strike="noStrike" spc="-1">
               <a:latin typeface="Times New Roman"/>
             </a:endParaRPr>
           </a:p>
@@ -12195,9 +14753,10 @@
           </a:ln>
         </p:spPr>
         <p:txBody>
-          <a:bodyPr lIns="0" rIns="0" tIns="0" bIns="0" anchor="b">
+          <a:bodyPr lIns="0" tIns="0" rIns="0" bIns="0" anchor="b">
             <a:noAutofit/>
           </a:bodyPr>
+          <a:lstStyle/>
           <a:p>
             <a:pPr algn="r">
               <a:lnSpc>
@@ -12205,15 +14764,15 @@
               </a:lnSpc>
             </a:pPr>
             <a:fld id="{4714A4D0-3C52-491F-BCB8-259D159462C2}" type="slidenum">
-              <a:rPr b="0" lang="en-GB" sz="1000" spc="-1" strike="noStrike">
+              <a:rPr lang="en-GB" sz="1000" b="0" strike="noStrike" spc="-1">
                 <a:solidFill>
-                  <a:srgbClr val="8baddc"/>
+                  <a:srgbClr val="8BADDC"/>
                 </a:solidFill>
                 <a:latin typeface="Arial"/>
               </a:rPr>
-              <a:t>&lt;numero&gt;</a:t>
+              <a:t>4</a:t>
             </a:fld>
-            <a:endParaRPr b="0" lang="fi-FI" sz="1000" spc="-1" strike="noStrike">
+            <a:endParaRPr lang="fi-FI" sz="1000" b="0" strike="noStrike" spc="-1">
               <a:latin typeface="Times New Roman"/>
             </a:endParaRPr>
           </a:p>
@@ -12221,14 +14780,9 @@
       </p:sp>
     </p:spTree>
   </p:cSld>
-  <mc:AlternateContent>
-    <mc:Choice Requires="p14">
-      <p:transition spd="slow" p14:dur="2000"/>
-    </mc:Choice>
-    <mc:Fallback>
-      <p:transition spd="slow"/>
-    </mc:Fallback>
-  </mc:AlternateContent>
+  <p:clrMapOvr>
+    <a:masterClrMapping/>
+  </p:clrMapOvr>
 </p:sld>
 </file>
 
@@ -12243,31 +14797,31 @@
         <a:sysClr val="window" lastClr="FFFFFF"/>
       </a:lt1>
       <a:dk2>
-        <a:srgbClr val="1f497d"/>
+        <a:srgbClr val="1F497D"/>
       </a:dk2>
       <a:lt2>
-        <a:srgbClr val="eeece1"/>
+        <a:srgbClr val="EEECE1"/>
       </a:lt2>
       <a:accent1>
-        <a:srgbClr val="4f81bd"/>
+        <a:srgbClr val="4F81BD"/>
       </a:accent1>
       <a:accent2>
-        <a:srgbClr val="c0504d"/>
+        <a:srgbClr val="C0504D"/>
       </a:accent2>
       <a:accent3>
-        <a:srgbClr val="9bbb59"/>
+        <a:srgbClr val="9BBB59"/>
       </a:accent3>
       <a:accent4>
-        <a:srgbClr val="8064a2"/>
+        <a:srgbClr val="8064A2"/>
       </a:accent4>
       <a:accent5>
-        <a:srgbClr val="4bacc6"/>
+        <a:srgbClr val="4BACC6"/>
       </a:accent5>
       <a:accent6>
-        <a:srgbClr val="f79646"/>
+        <a:srgbClr val="F79646"/>
       </a:accent6>
       <a:hlink>
-        <a:srgbClr val="0000ff"/>
+        <a:srgbClr val="0000FF"/>
       </a:hlink>
       <a:folHlink>
         <a:srgbClr val="800080"/>
@@ -12455,6 +15009,8 @@
       </a:bgFillStyleLst>
     </a:fmtScheme>
   </a:themeElements>
+  <a:objectDefaults/>
+  <a:extraClrSchemeLst/>
 </a:theme>
 </file>
 
@@ -12469,31 +15025,31 @@
         <a:sysClr val="window" lastClr="FFFFFF"/>
       </a:lt1>
       <a:dk2>
-        <a:srgbClr val="1f497d"/>
+        <a:srgbClr val="1F497D"/>
       </a:dk2>
       <a:lt2>
-        <a:srgbClr val="eeece1"/>
+        <a:srgbClr val="EEECE1"/>
       </a:lt2>
       <a:accent1>
-        <a:srgbClr val="4f81bd"/>
+        <a:srgbClr val="4F81BD"/>
       </a:accent1>
       <a:accent2>
-        <a:srgbClr val="c0504d"/>
+        <a:srgbClr val="C0504D"/>
       </a:accent2>
       <a:accent3>
-        <a:srgbClr val="9bbb59"/>
+        <a:srgbClr val="9BBB59"/>
       </a:accent3>
       <a:accent4>
-        <a:srgbClr val="8064a2"/>
+        <a:srgbClr val="8064A2"/>
       </a:accent4>
       <a:accent5>
-        <a:srgbClr val="4bacc6"/>
+        <a:srgbClr val="4BACC6"/>
       </a:accent5>
       <a:accent6>
-        <a:srgbClr val="f79646"/>
+        <a:srgbClr val="F79646"/>
       </a:accent6>
       <a:hlink>
-        <a:srgbClr val="0000ff"/>
+        <a:srgbClr val="0000FF"/>
       </a:hlink>
       <a:folHlink>
         <a:srgbClr val="800080"/>
@@ -12681,6 +15237,8 @@
       </a:bgFillStyleLst>
     </a:fmtScheme>
   </a:themeElements>
+  <a:objectDefaults/>
+  <a:extraClrSchemeLst/>
 </a:theme>
 </file>
 
@@ -12695,31 +15253,31 @@
         <a:sysClr val="window" lastClr="FFFFFF"/>
       </a:lt1>
       <a:dk2>
-        <a:srgbClr val="1f497d"/>
+        <a:srgbClr val="1F497D"/>
       </a:dk2>
       <a:lt2>
-        <a:srgbClr val="eeece1"/>
+        <a:srgbClr val="EEECE1"/>
       </a:lt2>
       <a:accent1>
-        <a:srgbClr val="4f81bd"/>
+        <a:srgbClr val="4F81BD"/>
       </a:accent1>
       <a:accent2>
-        <a:srgbClr val="c0504d"/>
+        <a:srgbClr val="C0504D"/>
       </a:accent2>
       <a:accent3>
-        <a:srgbClr val="9bbb59"/>
+        <a:srgbClr val="9BBB59"/>
       </a:accent3>
       <a:accent4>
-        <a:srgbClr val="8064a2"/>
+        <a:srgbClr val="8064A2"/>
       </a:accent4>
       <a:accent5>
-        <a:srgbClr val="4bacc6"/>
+        <a:srgbClr val="4BACC6"/>
       </a:accent5>
       <a:accent6>
-        <a:srgbClr val="f79646"/>
+        <a:srgbClr val="F79646"/>
       </a:accent6>
       <a:hlink>
-        <a:srgbClr val="0000ff"/>
+        <a:srgbClr val="0000FF"/>
       </a:hlink>
       <a:folHlink>
         <a:srgbClr val="800080"/>
@@ -12907,6 +15465,8 @@
       </a:bgFillStyleLst>
     </a:fmtScheme>
   </a:themeElements>
+  <a:objectDefaults/>
+  <a:extraClrSchemeLst/>
 </a:theme>
 </file>
 
@@ -12921,31 +15481,31 @@
         <a:sysClr val="window" lastClr="FFFFFF"/>
       </a:lt1>
       <a:dk2>
-        <a:srgbClr val="1f497d"/>
+        <a:srgbClr val="1F497D"/>
       </a:dk2>
       <a:lt2>
-        <a:srgbClr val="eeece1"/>
+        <a:srgbClr val="EEECE1"/>
       </a:lt2>
       <a:accent1>
-        <a:srgbClr val="4f81bd"/>
+        <a:srgbClr val="4F81BD"/>
       </a:accent1>
       <a:accent2>
-        <a:srgbClr val="c0504d"/>
+        <a:srgbClr val="C0504D"/>
       </a:accent2>
       <a:accent3>
-        <a:srgbClr val="9bbb59"/>
+        <a:srgbClr val="9BBB59"/>
       </a:accent3>
       <a:accent4>
-        <a:srgbClr val="8064a2"/>
+        <a:srgbClr val="8064A2"/>
       </a:accent4>
       <a:accent5>
-        <a:srgbClr val="4bacc6"/>
+        <a:srgbClr val="4BACC6"/>
       </a:accent5>
       <a:accent6>
-        <a:srgbClr val="f79646"/>
+        <a:srgbClr val="F79646"/>
       </a:accent6>
       <a:hlink>
-        <a:srgbClr val="0000ff"/>
+        <a:srgbClr val="0000FF"/>
       </a:hlink>
       <a:folHlink>
         <a:srgbClr val="800080"/>
@@ -13133,6 +15693,8 @@
       </a:bgFillStyleLst>
     </a:fmtScheme>
   </a:themeElements>
+  <a:objectDefaults/>
+  <a:extraClrSchemeLst/>
 </a:theme>
 </file>
 
@@ -13147,31 +15709,31 @@
         <a:sysClr val="window" lastClr="FFFFFF"/>
       </a:lt1>
       <a:dk2>
-        <a:srgbClr val="1f497d"/>
+        <a:srgbClr val="1F497D"/>
       </a:dk2>
       <a:lt2>
-        <a:srgbClr val="eeece1"/>
+        <a:srgbClr val="EEECE1"/>
       </a:lt2>
       <a:accent1>
-        <a:srgbClr val="4f81bd"/>
+        <a:srgbClr val="4F81BD"/>
       </a:accent1>
       <a:accent2>
-        <a:srgbClr val="c0504d"/>
+        <a:srgbClr val="C0504D"/>
       </a:accent2>
       <a:accent3>
-        <a:srgbClr val="9bbb59"/>
+        <a:srgbClr val="9BBB59"/>
       </a:accent3>
       <a:accent4>
-        <a:srgbClr val="8064a2"/>
+        <a:srgbClr val="8064A2"/>
       </a:accent4>
       <a:accent5>
-        <a:srgbClr val="4bacc6"/>
+        <a:srgbClr val="4BACC6"/>
       </a:accent5>
       <a:accent6>
-        <a:srgbClr val="f79646"/>
+        <a:srgbClr val="F79646"/>
       </a:accent6>
       <a:hlink>
-        <a:srgbClr val="0000ff"/>
+        <a:srgbClr val="0000FF"/>
       </a:hlink>
       <a:folHlink>
         <a:srgbClr val="800080"/>
@@ -13359,6 +15921,8 @@
       </a:bgFillStyleLst>
     </a:fmtScheme>
   </a:themeElements>
+  <a:objectDefaults/>
+  <a:extraClrSchemeLst/>
 </a:theme>
 </file>
 
@@ -13373,31 +15937,31 @@
         <a:sysClr val="window" lastClr="FFFFFF"/>
       </a:lt1>
       <a:dk2>
-        <a:srgbClr val="1f497d"/>
+        <a:srgbClr val="1F497D"/>
       </a:dk2>
       <a:lt2>
-        <a:srgbClr val="eeece1"/>
+        <a:srgbClr val="EEECE1"/>
       </a:lt2>
       <a:accent1>
-        <a:srgbClr val="4f81bd"/>
+        <a:srgbClr val="4F81BD"/>
       </a:accent1>
       <a:accent2>
-        <a:srgbClr val="c0504d"/>
+        <a:srgbClr val="C0504D"/>
       </a:accent2>
       <a:accent3>
-        <a:srgbClr val="9bbb59"/>
+        <a:srgbClr val="9BBB59"/>
       </a:accent3>
       <a:accent4>
-        <a:srgbClr val="8064a2"/>
+        <a:srgbClr val="8064A2"/>
       </a:accent4>
       <a:accent5>
-        <a:srgbClr val="4bacc6"/>
+        <a:srgbClr val="4BACC6"/>
       </a:accent5>
       <a:accent6>
-        <a:srgbClr val="f79646"/>
+        <a:srgbClr val="F79646"/>
       </a:accent6>
       <a:hlink>
-        <a:srgbClr val="0000ff"/>
+        <a:srgbClr val="0000FF"/>
       </a:hlink>
       <a:folHlink>
         <a:srgbClr val="800080"/>
@@ -13585,5 +16149,7 @@
       </a:bgFillStyleLst>
     </a:fmtScheme>
   </a:themeElements>
+  <a:objectDefaults/>
+  <a:extraClrSchemeLst/>
 </a:theme>
 </file>
--- a/luennot/viikko01/Luentokalvot_01.pptx
+++ b/luennot/viikko01/Luentokalvot_01.pptx
@@ -112,6 +112,11 @@
       </a:defRPr>
     </a:lvl9pPr>
   </p:defaultTextStyle>
+  <p:extLst>
+    <p:ext uri="{EFAFB233-063F-42B5-8137-9DF3F51BA10A}">
+      <p15:sldGuideLst xmlns:p15="http://schemas.microsoft.com/office/powerpoint/2012/main"/>
+    </p:ext>
+  </p:extLst>
 </p:presentation>
 </file>
 
@@ -14540,6 +14545,39 @@
                 <a:latin typeface="Arial"/>
               </a:rPr>
               <a:t>molemmat on asennettava. Tähän keskitytään tämän viikon tehtävissä 1 ja 2.</a:t>
+            </a:r>
+          </a:p>
+          <a:p>
+            <a:pPr marL="216000" indent="-215640">
+              <a:lnSpc>
+                <a:spcPts val="2200"/>
+              </a:lnSpc>
+              <a:spcBef>
+                <a:spcPts val="799"/>
+              </a:spcBef>
+              <a:buClr>
+                <a:srgbClr val="8BADDC"/>
+              </a:buClr>
+              <a:buFont typeface="Wingdings" charset="2"/>
+              <a:buChar char=""/>
+            </a:pPr>
+            <a:r>
+              <a:rPr lang="fi-FI" sz="1660" spc="-1" dirty="0">
+                <a:solidFill>
+                  <a:srgbClr val="000000"/>
+                </a:solidFill>
+                <a:latin typeface="Arial"/>
+              </a:rPr>
+              <a:t>Tästä jatketaan eteenpäin asennetun SQL Server palvelimen alas ajamisen harjoittamisella </a:t>
+            </a:r>
+            <a:r>
+              <a:rPr lang="fi-FI" sz="1660" spc="-1">
+                <a:solidFill>
+                  <a:srgbClr val="000000"/>
+                </a:solidFill>
+                <a:latin typeface="Arial"/>
+              </a:rPr>
+              <a:t>sekä käynnistämisellä.</a:t>
             </a:r>
             <a:endParaRPr lang="en-FI" sz="1660" b="0" strike="noStrike" spc="-1" dirty="0">
               <a:solidFill>
